--- a/legacy-code/scotlandjs version.pptx
+++ b/legacy-code/scotlandjs version.pptx
@@ -6,10 +6,10 @@
     <p:sldMasterId id="2147483756" r:id="rId5"/>
   </p:sldMasterIdLst>
   <p:notesMasterIdLst>
-    <p:notesMasterId r:id="rId24"/>
+    <p:notesMasterId r:id="rId25"/>
   </p:notesMasterIdLst>
   <p:handoutMasterIdLst>
-    <p:handoutMasterId r:id="rId25"/>
+    <p:handoutMasterId r:id="rId26"/>
   </p:handoutMasterIdLst>
   <p:sldIdLst>
     <p:sldId id="331" r:id="rId6"/>
@@ -30,6 +30,7 @@
     <p:sldId id="383" r:id="rId21"/>
     <p:sldId id="384" r:id="rId22"/>
     <p:sldId id="385" r:id="rId23"/>
+    <p:sldId id="387" r:id="rId24"/>
   </p:sldIdLst>
   <p:sldSz cx="12188825" cy="6684963"/>
   <p:notesSz cx="6858000" cy="9144000"/>
@@ -3531,7 +3532,7 @@
                   <c:v>7864.1</c:v>
                 </c:pt>
                 <c:pt idx="39">
-                  <c:v>9711.79999999999</c:v>
+                  <c:v>9711.799999999987</c:v>
                 </c:pt>
                 <c:pt idx="40">
                   <c:v>3656.7</c:v>
@@ -3854,11 +3855,11 @@
         </c:dLbls>
         <c:marker val="1"/>
         <c:smooth val="0"/>
-        <c:axId val="-2049841656"/>
-        <c:axId val="-2049344680"/>
+        <c:axId val="2065127352"/>
+        <c:axId val="2065139272"/>
       </c:lineChart>
       <c:dateAx>
-        <c:axId val="-2049841656"/>
+        <c:axId val="2065127352"/>
         <c:scaling>
           <c:orientation val="minMax"/>
         </c:scaling>
@@ -3889,7 +3890,7 @@
             <a:endParaRPr lang="en-US"/>
           </a:p>
         </c:txPr>
-        <c:crossAx val="-2049344680"/>
+        <c:crossAx val="2065139272"/>
         <c:crosses val="autoZero"/>
         <c:auto val="0"/>
         <c:lblOffset val="100"/>
@@ -3900,7 +3901,7 @@
         <c:minorTimeUnit val="days"/>
       </c:dateAx>
       <c:valAx>
-        <c:axId val="-2049344680"/>
+        <c:axId val="2065139272"/>
         <c:scaling>
           <c:orientation val="minMax"/>
           <c:max val="20000.0"/>
@@ -3987,7 +3988,7 @@
             <a:endParaRPr lang="en-US"/>
           </a:p>
         </c:txPr>
-        <c:crossAx val="-2049841656"/>
+        <c:crossAx val="2065127352"/>
         <c:crosses val="autoZero"/>
         <c:crossBetween val="between"/>
         <c:majorUnit val="4000.0"/>
@@ -4097,7 +4098,7 @@
                 <a:latin typeface="Segoe UI" pitchFamily="34" charset="0"/>
               </a:rPr>
               <a:pPr/>
-              <a:t>23/04/2014</a:t>
+              <a:t>09/05/2014</a:t>
             </a:fld>
             <a:endParaRPr lang="en-US" dirty="0">
               <a:latin typeface="Segoe UI" pitchFamily="34" charset="0"/>
@@ -4410,7 +4411,7 @@
             <a:fld id="{7C3FBCD4-166E-446F-AF18-7D4A0CF9AEF6}" type="datetimeFigureOut">
               <a:rPr lang="en-US" smtClean="0"/>
               <a:pPr/>
-              <a:t>23/04/2014</a:t>
+              <a:t>09/05/2014</a:t>
             </a:fld>
             <a:endParaRPr lang="en-US" dirty="0"/>
           </a:p>
@@ -4919,12 +4920,7 @@
             <p:ph type="sldImg"/>
           </p:nvPr>
         </p:nvSpPr>
-        <p:spPr>
-          <a:xfrm>
-            <a:off x="303213" y="685800"/>
-            <a:ext cx="6251575" cy="3429000"/>
-          </a:xfrm>
-        </p:spPr>
+        <p:spPr/>
       </p:sp>
       <p:sp>
         <p:nvSpPr>
@@ -4938,50 +4934,77 @@
         </p:nvSpPr>
         <p:spPr/>
         <p:txBody>
-          <a:bodyPr>
-            <a:normAutofit/>
-          </a:bodyPr>
+          <a:bodyPr/>
           <a:lstStyle/>
           <a:p>
-            <a:endParaRPr lang="en-US"/>
+            <a:pPr marL="285750" indent="-285750">
+              <a:buFontTx/>
+              <a:buChar char="•"/>
+            </a:pPr>
+            <a:r>
+              <a:rPr lang="en-US" sz="900" dirty="0" err="1" smtClean="0"/>
+              <a:t>XMLHttpRequest</a:t>
+            </a:r>
+            <a:r>
+              <a:rPr lang="en-US" sz="900" baseline="0" dirty="0" smtClean="0"/>
+              <a:t> == 15 years ago</a:t>
+            </a:r>
+          </a:p>
+          <a:p>
+            <a:pPr marL="285750" indent="-285750">
+              <a:buFontTx/>
+              <a:buChar char="•"/>
+            </a:pPr>
+            <a:endParaRPr lang="en-US" sz="900" baseline="0" dirty="0" smtClean="0"/>
+          </a:p>
+          <a:p>
+            <a:pPr marL="285750" indent="-285750">
+              <a:buFontTx/>
+              <a:buChar char="•"/>
+            </a:pPr>
+            <a:r>
+              <a:rPr lang="en-US" sz="900" baseline="0" dirty="0" smtClean="0"/>
+              <a:t>Firefox </a:t>
+            </a:r>
+            <a:r>
+              <a:rPr lang="en-US" sz="900" baseline="0" dirty="0" err="1" smtClean="0"/>
+              <a:t>vs</a:t>
+            </a:r>
+            <a:r>
+              <a:rPr lang="en-US" sz="900" baseline="0" dirty="0" smtClean="0"/>
+              <a:t> MSIE == 4 years later,  11 years ago</a:t>
+            </a:r>
+          </a:p>
+          <a:p>
+            <a:pPr marL="285750" indent="-285750">
+              <a:buFontTx/>
+              <a:buChar char="•"/>
+            </a:pPr>
+            <a:endParaRPr lang="en-US" sz="900" baseline="0" dirty="0" smtClean="0"/>
+          </a:p>
+          <a:p>
+            <a:pPr marL="285750" indent="-285750">
+              <a:buFontTx/>
+              <a:buChar char="•"/>
+            </a:pPr>
+            <a:r>
+              <a:rPr lang="en-US" sz="900" dirty="0" smtClean="0"/>
+              <a:t>Existing code works, and it’s why you’re employed</a:t>
+            </a:r>
+          </a:p>
+          <a:p>
+            <a:endParaRPr lang="en-US" dirty="0"/>
           </a:p>
         </p:txBody>
       </p:sp>
       <p:sp>
         <p:nvSpPr>
-          <p:cNvPr id="4" name="Header Placeholder 3"/>
+          <p:cNvPr id="4" name="Slide Number Placeholder 3"/>
           <p:cNvSpPr>
             <a:spLocks noGrp="1"/>
           </p:cNvSpPr>
           <p:nvPr>
-            <p:ph type="hdr" sz="quarter" idx="10"/>
-          </p:nvPr>
-        </p:nvSpPr>
-        <p:spPr>
-          <a:xfrm>
-            <a:off x="0" y="0"/>
-            <a:ext cx="2971800" cy="457200"/>
-          </a:xfrm>
-          <a:prstGeom prst="rect">
-            <a:avLst/>
-          </a:prstGeom>
-        </p:spPr>
-        <p:txBody>
-          <a:bodyPr/>
-          <a:lstStyle/>
-          <a:p>
-            <a:endParaRPr lang="en-US" dirty="0"/>
-          </a:p>
-        </p:txBody>
-      </p:sp>
-      <p:sp>
-        <p:nvSpPr>
-          <p:cNvPr id="5" name="Date Placeholder 4"/>
-          <p:cNvSpPr>
-            <a:spLocks noGrp="1"/>
-          </p:cNvSpPr>
-          <p:nvPr>
-            <p:ph type="dt" idx="11"/>
+            <p:ph type="sldNum" sz="quarter" idx="10"/>
           </p:nvPr>
         </p:nvSpPr>
         <p:spPr/>
@@ -4989,110 +5012,19 @@
           <a:bodyPr/>
           <a:lstStyle/>
           <a:p>
-            <a:fld id="{81331B57-0BE5-4F82-AA58-76F53EFF3ADA}" type="datetime8">
+            <a:fld id="{8B263312-38AA-4E1E-B2B5-0F8F122B24FE}" type="slidenum">
               <a:rPr lang="en-US" smtClean="0"/>
               <a:pPr/>
-              <a:t>23/04/2014 20:26</a:t>
-            </a:fld>
-            <a:endParaRPr lang="en-US"/>
-          </a:p>
-        </p:txBody>
-      </p:sp>
-      <p:sp>
-        <p:nvSpPr>
-          <p:cNvPr id="7" name="Slide Number Placeholder 6"/>
-          <p:cNvSpPr>
-            <a:spLocks noGrp="1"/>
-          </p:cNvSpPr>
-          <p:nvPr>
-            <p:ph type="sldNum" sz="quarter" idx="13"/>
-          </p:nvPr>
-        </p:nvSpPr>
-        <p:spPr/>
-        <p:txBody>
-          <a:bodyPr/>
-          <a:lstStyle/>
-          <a:p>
-            <a:fld id="{EC87E0CF-87F6-4B58-B8B8-DCAB2DAAF3CA}" type="slidenum">
-              <a:rPr lang="en-US" smtClean="0"/>
-              <a:pPr/>
-              <a:t>2</a:t>
+              <a:t>1</a:t>
             </a:fld>
             <a:endParaRPr lang="en-US" dirty="0"/>
-          </a:p>
-        </p:txBody>
-      </p:sp>
-      <p:sp>
-        <p:nvSpPr>
-          <p:cNvPr id="8" name="Footer Placeholder 3"/>
-          <p:cNvSpPr>
-            <a:spLocks noGrp="1"/>
-          </p:cNvSpPr>
-          <p:nvPr>
-            <p:ph type="ftr" sz="quarter" idx="4"/>
-          </p:nvPr>
-        </p:nvSpPr>
-        <p:spPr>
-          <a:xfrm>
-            <a:off x="0" y="8685213"/>
-            <a:ext cx="6248400" cy="457200"/>
-          </a:xfrm>
-          <a:prstGeom prst="rect">
-            <a:avLst/>
-          </a:prstGeom>
-        </p:spPr>
-        <p:txBody>
-          <a:bodyPr vert="horz" lIns="91440" tIns="45720" rIns="91440" bIns="45720" rtlCol="0" anchor="b"/>
-          <a:lstStyle>
-            <a:lvl1pPr algn="l">
-              <a:defRPr sz="1200"/>
-            </a:lvl1pPr>
-          </a:lstStyle>
-          <a:p>
-            <a:r>
-              <a:rPr lang="en-US" sz="500" dirty="0" smtClean="0">
-                <a:solidFill>
-                  <a:srgbClr val="000000"/>
-                </a:solidFill>
-                <a:latin typeface="Segoe UI" pitchFamily="34" charset="0"/>
-              </a:rPr>
-              <a:t>© 2010 Microsoft Corporation. All rights reserved. Microsoft, Windows, Windows Vista and other product names are or may be registered trademarks and/or trademarks in the U.S. and/or other countries.</a:t>
-            </a:r>
-          </a:p>
-          <a:p>
-            <a:r>
-              <a:rPr lang="en-US" sz="500" dirty="0" smtClean="0">
-                <a:solidFill>
-                  <a:srgbClr val="000000"/>
-                </a:solidFill>
-                <a:latin typeface="Segoe UI" pitchFamily="34" charset="0"/>
-              </a:rPr>
-              <a:t>The information herein is for informational purposes only and represents the current view of Microsoft Corporation as of the date of this presentation.  Because Microsoft must respond to changing market conditions, it should not be interpreted to be a commitment on the part of Microsoft, and Microsoft cannot guarantee the accuracy of any information provided after the date of this presentation.  </a:t>
-            </a:r>
-            <a:br>
-              <a:rPr lang="en-US" sz="500" dirty="0" smtClean="0">
-                <a:solidFill>
-                  <a:srgbClr val="000000"/>
-                </a:solidFill>
-                <a:latin typeface="Segoe UI" pitchFamily="34" charset="0"/>
-              </a:rPr>
-            </a:br>
-            <a:r>
-              <a:rPr lang="en-US" sz="500" dirty="0" smtClean="0">
-                <a:solidFill>
-                  <a:srgbClr val="000000"/>
-                </a:solidFill>
-                <a:latin typeface="Segoe UI" pitchFamily="34" charset="0"/>
-              </a:rPr>
-              <a:t>MICROSOFT MAKES NO WARRANTIES, EXPRESS, IMPLIED OR STATUTORY, AS TO THE INFORMATION IN THIS PRESENTATION.</a:t>
-            </a:r>
           </a:p>
         </p:txBody>
       </p:sp>
     </p:spTree>
     <p:extLst>
       <p:ext uri="{BB962C8B-B14F-4D97-AF65-F5344CB8AC3E}">
-        <p14:creationId xmlns:p14="http://schemas.microsoft.com/office/powerpoint/2010/main" val="996071022"/>
+        <p14:creationId xmlns:p14="http://schemas.microsoft.com/office/powerpoint/2010/main" val="2532199826"/>
       </p:ext>
     </p:extLst>
   </p:cSld>
@@ -5129,12 +5061,7 @@
             <p:ph type="sldImg"/>
           </p:nvPr>
         </p:nvSpPr>
-        <p:spPr>
-          <a:xfrm>
-            <a:off x="303213" y="685800"/>
-            <a:ext cx="6251575" cy="3429000"/>
-          </a:xfrm>
-        </p:spPr>
+        <p:spPr/>
       </p:sp>
       <p:sp>
         <p:nvSpPr>
@@ -5148,50 +5075,70 @@
         </p:nvSpPr>
         <p:spPr/>
         <p:txBody>
-          <a:bodyPr>
-            <a:normAutofit/>
-          </a:bodyPr>
+          <a:bodyPr/>
           <a:lstStyle/>
           <a:p>
-            <a:endParaRPr lang="en-US"/>
+            <a:pPr marL="171450" indent="-171450">
+              <a:buFont typeface="Arial"/>
+              <a:buChar char="•"/>
+            </a:pPr>
+            <a:r>
+              <a:rPr lang="en-US" dirty="0" smtClean="0"/>
+              <a:t>Istanbul instruments</a:t>
+            </a:r>
+            <a:r>
+              <a:rPr lang="en-US" baseline="0" dirty="0" smtClean="0"/>
+              <a:t> your code</a:t>
+            </a:r>
+          </a:p>
+          <a:p>
+            <a:pPr marL="171450" indent="-171450">
+              <a:buFont typeface="Arial"/>
+              <a:buChar char="•"/>
+            </a:pPr>
+            <a:endParaRPr lang="en-US" baseline="0" dirty="0" smtClean="0"/>
+          </a:p>
+          <a:p>
+            <a:pPr marL="171450" indent="-171450">
+              <a:buFont typeface="Arial"/>
+              <a:buChar char="•"/>
+            </a:pPr>
+            <a:r>
+              <a:rPr lang="en-US" baseline="0" dirty="0" smtClean="0"/>
+              <a:t>See what branches or paths are not taken</a:t>
+            </a:r>
+          </a:p>
+          <a:p>
+            <a:pPr marL="171450" indent="-171450">
+              <a:buFont typeface="Arial"/>
+              <a:buChar char="•"/>
+            </a:pPr>
+            <a:endParaRPr lang="en-US" baseline="0" dirty="0" smtClean="0"/>
+          </a:p>
+          <a:p>
+            <a:pPr marL="171450" indent="-171450">
+              <a:buFont typeface="Arial"/>
+              <a:buChar char="•"/>
+            </a:pPr>
+            <a:r>
+              <a:rPr lang="en-US" baseline="0" dirty="0" smtClean="0"/>
+              <a:t>Iteratively improve coverage</a:t>
+            </a:r>
+            <a:endParaRPr lang="en-US" dirty="0" smtClean="0"/>
+          </a:p>
+          <a:p>
+            <a:endParaRPr lang="en-US" dirty="0"/>
           </a:p>
         </p:txBody>
       </p:sp>
       <p:sp>
         <p:nvSpPr>
-          <p:cNvPr id="4" name="Header Placeholder 3"/>
+          <p:cNvPr id="4" name="Slide Number Placeholder 3"/>
           <p:cNvSpPr>
             <a:spLocks noGrp="1"/>
           </p:cNvSpPr>
           <p:nvPr>
-            <p:ph type="hdr" sz="quarter" idx="10"/>
-          </p:nvPr>
-        </p:nvSpPr>
-        <p:spPr>
-          <a:xfrm>
-            <a:off x="0" y="0"/>
-            <a:ext cx="2971800" cy="457200"/>
-          </a:xfrm>
-          <a:prstGeom prst="rect">
-            <a:avLst/>
-          </a:prstGeom>
-        </p:spPr>
-        <p:txBody>
-          <a:bodyPr/>
-          <a:lstStyle/>
-          <a:p>
-            <a:endParaRPr lang="en-US" dirty="0"/>
-          </a:p>
-        </p:txBody>
-      </p:sp>
-      <p:sp>
-        <p:nvSpPr>
-          <p:cNvPr id="5" name="Date Placeholder 4"/>
-          <p:cNvSpPr>
-            <a:spLocks noGrp="1"/>
-          </p:cNvSpPr>
-          <p:nvPr>
-            <p:ph type="dt" idx="11"/>
+            <p:ph type="sldNum" sz="quarter" idx="10"/>
           </p:nvPr>
         </p:nvSpPr>
         <p:spPr/>
@@ -5199,110 +5146,19 @@
           <a:bodyPr/>
           <a:lstStyle/>
           <a:p>
-            <a:fld id="{81331B57-0BE5-4F82-AA58-76F53EFF3ADA}" type="datetime8">
+            <a:fld id="{8B263312-38AA-4E1E-B2B5-0F8F122B24FE}" type="slidenum">
               <a:rPr lang="en-US" smtClean="0"/>
               <a:pPr/>
-              <a:t>23/04/2014 21:32</a:t>
-            </a:fld>
-            <a:endParaRPr lang="en-US"/>
-          </a:p>
-        </p:txBody>
-      </p:sp>
-      <p:sp>
-        <p:nvSpPr>
-          <p:cNvPr id="7" name="Slide Number Placeholder 6"/>
-          <p:cNvSpPr>
-            <a:spLocks noGrp="1"/>
-          </p:cNvSpPr>
-          <p:nvPr>
-            <p:ph type="sldNum" sz="quarter" idx="13"/>
-          </p:nvPr>
-        </p:nvSpPr>
-        <p:spPr/>
-        <p:txBody>
-          <a:bodyPr/>
-          <a:lstStyle/>
-          <a:p>
-            <a:fld id="{EC87E0CF-87F6-4B58-B8B8-DCAB2DAAF3CA}" type="slidenum">
-              <a:rPr lang="en-US" smtClean="0"/>
-              <a:pPr/>
-              <a:t>13</a:t>
+              <a:t>10</a:t>
             </a:fld>
             <a:endParaRPr lang="en-US" dirty="0"/>
-          </a:p>
-        </p:txBody>
-      </p:sp>
-      <p:sp>
-        <p:nvSpPr>
-          <p:cNvPr id="8" name="Footer Placeholder 3"/>
-          <p:cNvSpPr>
-            <a:spLocks noGrp="1"/>
-          </p:cNvSpPr>
-          <p:nvPr>
-            <p:ph type="ftr" sz="quarter" idx="4"/>
-          </p:nvPr>
-        </p:nvSpPr>
-        <p:spPr>
-          <a:xfrm>
-            <a:off x="0" y="8685213"/>
-            <a:ext cx="6248400" cy="457200"/>
-          </a:xfrm>
-          <a:prstGeom prst="rect">
-            <a:avLst/>
-          </a:prstGeom>
-        </p:spPr>
-        <p:txBody>
-          <a:bodyPr vert="horz" lIns="91440" tIns="45720" rIns="91440" bIns="45720" rtlCol="0" anchor="b"/>
-          <a:lstStyle>
-            <a:lvl1pPr algn="l">
-              <a:defRPr sz="1200"/>
-            </a:lvl1pPr>
-          </a:lstStyle>
-          <a:p>
-            <a:r>
-              <a:rPr lang="en-US" sz="500" dirty="0" smtClean="0">
-                <a:solidFill>
-                  <a:srgbClr val="000000"/>
-                </a:solidFill>
-                <a:latin typeface="Segoe UI" pitchFamily="34" charset="0"/>
-              </a:rPr>
-              <a:t>© 2010 Microsoft Corporation. All rights reserved. Microsoft, Windows, Windows Vista and other product names are or may be registered trademarks and/or trademarks in the U.S. and/or other countries.</a:t>
-            </a:r>
-          </a:p>
-          <a:p>
-            <a:r>
-              <a:rPr lang="en-US" sz="500" dirty="0" smtClean="0">
-                <a:solidFill>
-                  <a:srgbClr val="000000"/>
-                </a:solidFill>
-                <a:latin typeface="Segoe UI" pitchFamily="34" charset="0"/>
-              </a:rPr>
-              <a:t>The information herein is for informational purposes only and represents the current view of Microsoft Corporation as of the date of this presentation.  Because Microsoft must respond to changing market conditions, it should not be interpreted to be a commitment on the part of Microsoft, and Microsoft cannot guarantee the accuracy of any information provided after the date of this presentation.  </a:t>
-            </a:r>
-            <a:br>
-              <a:rPr lang="en-US" sz="500" dirty="0" smtClean="0">
-                <a:solidFill>
-                  <a:srgbClr val="000000"/>
-                </a:solidFill>
-                <a:latin typeface="Segoe UI" pitchFamily="34" charset="0"/>
-              </a:rPr>
-            </a:br>
-            <a:r>
-              <a:rPr lang="en-US" sz="500" dirty="0" smtClean="0">
-                <a:solidFill>
-                  <a:srgbClr val="000000"/>
-                </a:solidFill>
-                <a:latin typeface="Segoe UI" pitchFamily="34" charset="0"/>
-              </a:rPr>
-              <a:t>MICROSOFT MAKES NO WARRANTIES, EXPRESS, IMPLIED OR STATUTORY, AS TO THE INFORMATION IN THIS PRESENTATION.</a:t>
-            </a:r>
           </a:p>
         </p:txBody>
       </p:sp>
     </p:spTree>
     <p:extLst>
       <p:ext uri="{BB962C8B-B14F-4D97-AF65-F5344CB8AC3E}">
-        <p14:creationId xmlns:p14="http://schemas.microsoft.com/office/powerpoint/2010/main" val="996071022"/>
+        <p14:creationId xmlns:p14="http://schemas.microsoft.com/office/powerpoint/2010/main" val="573458473"/>
       </p:ext>
     </p:extLst>
   </p:cSld>
@@ -5363,7 +5219,73 @@
           </a:bodyPr>
           <a:lstStyle/>
           <a:p>
-            <a:endParaRPr lang="en-US"/>
+            <a:pPr marL="285750" indent="-285750">
+              <a:buFont typeface="Arial"/>
+              <a:buChar char="•"/>
+            </a:pPr>
+            <a:r>
+              <a:rPr lang="en-US" sz="900" dirty="0" smtClean="0"/>
+              <a:t>Stop and think about the API</a:t>
+            </a:r>
+          </a:p>
+          <a:p>
+            <a:pPr marL="285750" indent="-285750">
+              <a:buFont typeface="Arial"/>
+              <a:buChar char="•"/>
+            </a:pPr>
+            <a:endParaRPr lang="en-US" sz="900" dirty="0" smtClean="0"/>
+          </a:p>
+          <a:p>
+            <a:pPr marL="285750" indent="-285750">
+              <a:buFont typeface="Arial"/>
+              <a:buChar char="•"/>
+            </a:pPr>
+            <a:r>
+              <a:rPr lang="en-US" sz="900" dirty="0" smtClean="0"/>
+              <a:t>Argued for two weeks</a:t>
+            </a:r>
+          </a:p>
+          <a:p>
+            <a:pPr marL="285750" indent="-285750">
+              <a:buFont typeface="Arial"/>
+              <a:buChar char="•"/>
+            </a:pPr>
+            <a:endParaRPr lang="en-US" sz="900" dirty="0" smtClean="0"/>
+          </a:p>
+          <a:p>
+            <a:pPr marL="285750" indent="-285750">
+              <a:buFont typeface="Arial"/>
+              <a:buChar char="•"/>
+            </a:pPr>
+            <a:r>
+              <a:rPr lang="en-US" sz="900" dirty="0" smtClean="0"/>
+              <a:t>Hacked up approaches </a:t>
+            </a:r>
+          </a:p>
+          <a:p>
+            <a:pPr marL="285750" indent="-285750">
+              <a:buFont typeface="Arial"/>
+              <a:buChar char="•"/>
+            </a:pPr>
+            <a:endParaRPr lang="en-US" sz="900" dirty="0" smtClean="0"/>
+          </a:p>
+          <a:p>
+            <a:pPr marL="285750" indent="-285750">
+              <a:buFont typeface="Arial"/>
+              <a:buChar char="•"/>
+            </a:pPr>
+            <a:r>
+              <a:rPr lang="en-US" sz="900" dirty="0" smtClean="0"/>
+              <a:t>Be</a:t>
+            </a:r>
+            <a:r>
+              <a:rPr lang="en-US" sz="900" baseline="0" dirty="0" smtClean="0"/>
+              <a:t> explicit – don’t repeat past mistakes</a:t>
+            </a:r>
+            <a:endParaRPr lang="en-US" sz="900" dirty="0" smtClean="0"/>
+          </a:p>
+          <a:p>
+            <a:endParaRPr lang="en-US" dirty="0"/>
           </a:p>
         </p:txBody>
       </p:sp>
@@ -5412,7 +5334,7 @@
             <a:fld id="{81331B57-0BE5-4F82-AA58-76F53EFF3ADA}" type="datetime8">
               <a:rPr lang="en-US" smtClean="0"/>
               <a:pPr/>
-              <a:t>23/04/2014 21:35</a:t>
+              <a:t>09/05/2014 10:41</a:t>
             </a:fld>
             <a:endParaRPr lang="en-US"/>
           </a:p>
@@ -5436,7 +5358,7 @@
             <a:fld id="{EC87E0CF-87F6-4B58-B8B8-DCAB2DAAF3CA}" type="slidenum">
               <a:rPr lang="en-US" smtClean="0"/>
               <a:pPr/>
-              <a:t>14</a:t>
+              <a:t>11</a:t>
             </a:fld>
             <a:endParaRPr lang="en-US" dirty="0"/>
           </a:p>
@@ -5549,12 +5471,7 @@
             <p:ph type="sldImg"/>
           </p:nvPr>
         </p:nvSpPr>
-        <p:spPr>
-          <a:xfrm>
-            <a:off x="303213" y="685800"/>
-            <a:ext cx="6251575" cy="3429000"/>
-          </a:xfrm>
-        </p:spPr>
+        <p:spPr/>
       </p:sp>
       <p:sp>
         <p:nvSpPr>
@@ -5568,50 +5485,139 @@
         </p:nvSpPr>
         <p:spPr/>
         <p:txBody>
-          <a:bodyPr>
-            <a:normAutofit/>
-          </a:bodyPr>
+          <a:bodyPr/>
           <a:lstStyle/>
           <a:p>
-            <a:endParaRPr lang="en-US"/>
+            <a:pPr marL="171450" marR="0" indent="-171450" algn="l" defTabSz="457200" rtl="0" eaLnBrk="1" fontAlgn="auto" latinLnBrk="0" hangingPunct="1">
+              <a:lnSpc>
+                <a:spcPct val="100000"/>
+              </a:lnSpc>
+              <a:spcBef>
+                <a:spcPts val="0"/>
+              </a:spcBef>
+              <a:spcAft>
+                <a:spcPts val="0"/>
+              </a:spcAft>
+              <a:buClrTx/>
+              <a:buSzTx/>
+              <a:buFont typeface="Arial"/>
+              <a:buChar char="•"/>
+              <a:tabLst/>
+              <a:defRPr/>
+            </a:pPr>
+            <a:r>
+              <a:rPr lang="en-US" sz="900" dirty="0" smtClean="0"/>
+              <a:t>We used Plato to track complexity</a:t>
+            </a:r>
+          </a:p>
+          <a:p>
+            <a:pPr marL="171450" marR="0" indent="-171450" algn="l" defTabSz="457200" rtl="0" eaLnBrk="1" fontAlgn="auto" latinLnBrk="0" hangingPunct="1">
+              <a:lnSpc>
+                <a:spcPct val="100000"/>
+              </a:lnSpc>
+              <a:spcBef>
+                <a:spcPts val="0"/>
+              </a:spcBef>
+              <a:spcAft>
+                <a:spcPts val="0"/>
+              </a:spcAft>
+              <a:buClrTx/>
+              <a:buSzTx/>
+              <a:buFont typeface="Arial"/>
+              <a:buChar char="•"/>
+              <a:tabLst/>
+              <a:defRPr/>
+            </a:pPr>
+            <a:endParaRPr lang="en-US" sz="900" dirty="0" smtClean="0"/>
+          </a:p>
+          <a:p>
+            <a:pPr marL="171450" marR="0" indent="-171450" algn="l" defTabSz="457200" rtl="0" eaLnBrk="1" fontAlgn="auto" latinLnBrk="0" hangingPunct="1">
+              <a:lnSpc>
+                <a:spcPct val="100000"/>
+              </a:lnSpc>
+              <a:spcBef>
+                <a:spcPts val="0"/>
+              </a:spcBef>
+              <a:spcAft>
+                <a:spcPts val="0"/>
+              </a:spcAft>
+              <a:buClrTx/>
+              <a:buSzTx/>
+              <a:buFont typeface="Arial"/>
+              <a:buChar char="•"/>
+              <a:tabLst/>
+              <a:defRPr/>
+            </a:pPr>
+            <a:r>
+              <a:rPr lang="en-US" sz="900" dirty="0" smtClean="0"/>
+              <a:t>Complexity measures</a:t>
+            </a:r>
+            <a:r>
+              <a:rPr lang="en-US" sz="900" baseline="0" dirty="0" smtClean="0"/>
+              <a:t> the paths</a:t>
+            </a:r>
+          </a:p>
+          <a:p>
+            <a:pPr marL="171450" marR="0" indent="-171450" algn="l" defTabSz="457200" rtl="0" eaLnBrk="1" fontAlgn="auto" latinLnBrk="0" hangingPunct="1">
+              <a:lnSpc>
+                <a:spcPct val="100000"/>
+              </a:lnSpc>
+              <a:spcBef>
+                <a:spcPts val="0"/>
+              </a:spcBef>
+              <a:spcAft>
+                <a:spcPts val="0"/>
+              </a:spcAft>
+              <a:buClrTx/>
+              <a:buSzTx/>
+              <a:buFont typeface="Arial"/>
+              <a:buChar char="•"/>
+              <a:tabLst/>
+              <a:defRPr/>
+            </a:pPr>
+            <a:endParaRPr lang="en-US" sz="900" baseline="0" dirty="0" smtClean="0"/>
+          </a:p>
+          <a:p>
+            <a:pPr marL="171450" marR="0" indent="-171450" algn="l" defTabSz="457200" rtl="0" eaLnBrk="1" fontAlgn="auto" latinLnBrk="0" hangingPunct="1">
+              <a:lnSpc>
+                <a:spcPct val="100000"/>
+              </a:lnSpc>
+              <a:spcBef>
+                <a:spcPts val="0"/>
+              </a:spcBef>
+              <a:spcAft>
+                <a:spcPts val="0"/>
+              </a:spcAft>
+              <a:buClrTx/>
+              <a:buSzTx/>
+              <a:buFont typeface="Arial"/>
+              <a:buChar char="•"/>
+              <a:tabLst/>
+              <a:defRPr/>
+            </a:pPr>
+            <a:r>
+              <a:rPr lang="en-US" sz="900" baseline="0" dirty="0" smtClean="0"/>
+              <a:t>Less paths means less unexpected </a:t>
+            </a:r>
+            <a:r>
+              <a:rPr lang="en-US" sz="900" baseline="0" dirty="0" err="1" smtClean="0"/>
+              <a:t>behaviour</a:t>
+            </a:r>
+            <a:endParaRPr lang="en-US" sz="900" baseline="0" dirty="0" smtClean="0"/>
+          </a:p>
+          <a:p>
+            <a:endParaRPr lang="en-US" dirty="0"/>
           </a:p>
         </p:txBody>
       </p:sp>
       <p:sp>
         <p:nvSpPr>
-          <p:cNvPr id="4" name="Header Placeholder 3"/>
+          <p:cNvPr id="4" name="Slide Number Placeholder 3"/>
           <p:cNvSpPr>
             <a:spLocks noGrp="1"/>
           </p:cNvSpPr>
           <p:nvPr>
-            <p:ph type="hdr" sz="quarter" idx="10"/>
-          </p:nvPr>
-        </p:nvSpPr>
-        <p:spPr>
-          <a:xfrm>
-            <a:off x="0" y="0"/>
-            <a:ext cx="2971800" cy="457200"/>
-          </a:xfrm>
-          <a:prstGeom prst="rect">
-            <a:avLst/>
-          </a:prstGeom>
-        </p:spPr>
-        <p:txBody>
-          <a:bodyPr/>
-          <a:lstStyle/>
-          <a:p>
-            <a:endParaRPr lang="en-US" dirty="0"/>
-          </a:p>
-        </p:txBody>
-      </p:sp>
-      <p:sp>
-        <p:nvSpPr>
-          <p:cNvPr id="5" name="Date Placeholder 4"/>
-          <p:cNvSpPr>
-            <a:spLocks noGrp="1"/>
-          </p:cNvSpPr>
-          <p:nvPr>
-            <p:ph type="dt" idx="11"/>
+            <p:ph type="sldNum" sz="quarter" idx="10"/>
           </p:nvPr>
         </p:nvSpPr>
         <p:spPr/>
@@ -5619,110 +5625,19 @@
           <a:bodyPr/>
           <a:lstStyle/>
           <a:p>
-            <a:fld id="{81331B57-0BE5-4F82-AA58-76F53EFF3ADA}" type="datetime8">
+            <a:fld id="{8B263312-38AA-4E1E-B2B5-0F8F122B24FE}" type="slidenum">
               <a:rPr lang="en-US" smtClean="0"/>
               <a:pPr/>
-              <a:t>23/04/2014 21:37</a:t>
-            </a:fld>
-            <a:endParaRPr lang="en-US"/>
-          </a:p>
-        </p:txBody>
-      </p:sp>
-      <p:sp>
-        <p:nvSpPr>
-          <p:cNvPr id="7" name="Slide Number Placeholder 6"/>
-          <p:cNvSpPr>
-            <a:spLocks noGrp="1"/>
-          </p:cNvSpPr>
-          <p:nvPr>
-            <p:ph type="sldNum" sz="quarter" idx="13"/>
-          </p:nvPr>
-        </p:nvSpPr>
-        <p:spPr/>
-        <p:txBody>
-          <a:bodyPr/>
-          <a:lstStyle/>
-          <a:p>
-            <a:fld id="{EC87E0CF-87F6-4B58-B8B8-DCAB2DAAF3CA}" type="slidenum">
-              <a:rPr lang="en-US" smtClean="0"/>
-              <a:pPr/>
-              <a:t>15</a:t>
+              <a:t>12</a:t>
             </a:fld>
             <a:endParaRPr lang="en-US" dirty="0"/>
-          </a:p>
-        </p:txBody>
-      </p:sp>
-      <p:sp>
-        <p:nvSpPr>
-          <p:cNvPr id="8" name="Footer Placeholder 3"/>
-          <p:cNvSpPr>
-            <a:spLocks noGrp="1"/>
-          </p:cNvSpPr>
-          <p:nvPr>
-            <p:ph type="ftr" sz="quarter" idx="4"/>
-          </p:nvPr>
-        </p:nvSpPr>
-        <p:spPr>
-          <a:xfrm>
-            <a:off x="0" y="8685213"/>
-            <a:ext cx="6248400" cy="457200"/>
-          </a:xfrm>
-          <a:prstGeom prst="rect">
-            <a:avLst/>
-          </a:prstGeom>
-        </p:spPr>
-        <p:txBody>
-          <a:bodyPr vert="horz" lIns="91440" tIns="45720" rIns="91440" bIns="45720" rtlCol="0" anchor="b"/>
-          <a:lstStyle>
-            <a:lvl1pPr algn="l">
-              <a:defRPr sz="1200"/>
-            </a:lvl1pPr>
-          </a:lstStyle>
-          <a:p>
-            <a:r>
-              <a:rPr lang="en-US" sz="500" dirty="0" smtClean="0">
-                <a:solidFill>
-                  <a:srgbClr val="000000"/>
-                </a:solidFill>
-                <a:latin typeface="Segoe UI" pitchFamily="34" charset="0"/>
-              </a:rPr>
-              <a:t>© 2010 Microsoft Corporation. All rights reserved. Microsoft, Windows, Windows Vista and other product names are or may be registered trademarks and/or trademarks in the U.S. and/or other countries.</a:t>
-            </a:r>
-          </a:p>
-          <a:p>
-            <a:r>
-              <a:rPr lang="en-US" sz="500" dirty="0" smtClean="0">
-                <a:solidFill>
-                  <a:srgbClr val="000000"/>
-                </a:solidFill>
-                <a:latin typeface="Segoe UI" pitchFamily="34" charset="0"/>
-              </a:rPr>
-              <a:t>The information herein is for informational purposes only and represents the current view of Microsoft Corporation as of the date of this presentation.  Because Microsoft must respond to changing market conditions, it should not be interpreted to be a commitment on the part of Microsoft, and Microsoft cannot guarantee the accuracy of any information provided after the date of this presentation.  </a:t>
-            </a:r>
-            <a:br>
-              <a:rPr lang="en-US" sz="500" dirty="0" smtClean="0">
-                <a:solidFill>
-                  <a:srgbClr val="000000"/>
-                </a:solidFill>
-                <a:latin typeface="Segoe UI" pitchFamily="34" charset="0"/>
-              </a:rPr>
-            </a:br>
-            <a:r>
-              <a:rPr lang="en-US" sz="500" dirty="0" smtClean="0">
-                <a:solidFill>
-                  <a:srgbClr val="000000"/>
-                </a:solidFill>
-                <a:latin typeface="Segoe UI" pitchFamily="34" charset="0"/>
-              </a:rPr>
-              <a:t>MICROSOFT MAKES NO WARRANTIES, EXPRESS, IMPLIED OR STATUTORY, AS TO THE INFORMATION IN THIS PRESENTATION.</a:t>
-            </a:r>
           </a:p>
         </p:txBody>
       </p:sp>
     </p:spTree>
     <p:extLst>
       <p:ext uri="{BB962C8B-B14F-4D97-AF65-F5344CB8AC3E}">
-        <p14:creationId xmlns:p14="http://schemas.microsoft.com/office/powerpoint/2010/main" val="996071022"/>
+        <p14:creationId xmlns:p14="http://schemas.microsoft.com/office/powerpoint/2010/main" val="3482430589"/>
       </p:ext>
     </p:extLst>
   </p:cSld>
@@ -5783,7 +5698,87 @@
           </a:bodyPr>
           <a:lstStyle/>
           <a:p>
-            <a:endParaRPr lang="en-US"/>
+            <a:pPr marL="171450" indent="-171450">
+              <a:buFont typeface="Arial"/>
+              <a:buChar char="•"/>
+            </a:pPr>
+            <a:r>
+              <a:rPr lang="en-US" dirty="0" smtClean="0"/>
+              <a:t>Important to have everyone accept the change</a:t>
+            </a:r>
+          </a:p>
+          <a:p>
+            <a:pPr marL="171450" indent="-171450">
+              <a:buFont typeface="Arial"/>
+              <a:buChar char="•"/>
+            </a:pPr>
+            <a:endParaRPr lang="en-US" dirty="0" smtClean="0"/>
+          </a:p>
+          <a:p>
+            <a:pPr marL="171450" indent="-171450">
+              <a:buFont typeface="Arial"/>
+              <a:buChar char="•"/>
+            </a:pPr>
+            <a:r>
+              <a:rPr lang="en-US" dirty="0" smtClean="0"/>
+              <a:t>No resentment</a:t>
+            </a:r>
+          </a:p>
+          <a:p>
+            <a:pPr marL="171450" indent="-171450">
+              <a:buFont typeface="Arial"/>
+              <a:buChar char="•"/>
+            </a:pPr>
+            <a:endParaRPr lang="en-US" dirty="0" smtClean="0"/>
+          </a:p>
+          <a:p>
+            <a:pPr marL="171450" indent="-171450">
+              <a:buFont typeface="Arial"/>
+              <a:buChar char="•"/>
+            </a:pPr>
+            <a:r>
+              <a:rPr lang="en-US" dirty="0" smtClean="0"/>
+              <a:t>Get</a:t>
+            </a:r>
+            <a:r>
+              <a:rPr lang="en-US" baseline="0" dirty="0" smtClean="0"/>
+              <a:t> feedback before starting</a:t>
+            </a:r>
+          </a:p>
+          <a:p>
+            <a:pPr marL="171450" indent="-171450">
+              <a:buFont typeface="Arial"/>
+              <a:buChar char="•"/>
+            </a:pPr>
+            <a:endParaRPr lang="en-US" baseline="0" dirty="0" smtClean="0"/>
+          </a:p>
+          <a:p>
+            <a:pPr marL="171450" indent="-171450">
+              <a:buFont typeface="Arial"/>
+              <a:buChar char="•"/>
+            </a:pPr>
+            <a:r>
+              <a:rPr lang="en-US" baseline="0" dirty="0" smtClean="0"/>
+              <a:t>Share the spec</a:t>
+            </a:r>
+          </a:p>
+          <a:p>
+            <a:pPr marL="171450" indent="-171450">
+              <a:buFont typeface="Arial"/>
+              <a:buChar char="•"/>
+            </a:pPr>
+            <a:endParaRPr lang="en-US" baseline="0" dirty="0" smtClean="0"/>
+          </a:p>
+          <a:p>
+            <a:pPr marL="171450" indent="-171450">
+              <a:buFont typeface="Arial"/>
+              <a:buChar char="•"/>
+            </a:pPr>
+            <a:r>
+              <a:rPr lang="en-US" baseline="0" dirty="0" smtClean="0"/>
+              <a:t>Be available to answer questions and help</a:t>
+            </a:r>
+            <a:endParaRPr lang="en-US" dirty="0" smtClean="0"/>
           </a:p>
         </p:txBody>
       </p:sp>
@@ -5832,7 +5827,7 @@
             <a:fld id="{81331B57-0BE5-4F82-AA58-76F53EFF3ADA}" type="datetime8">
               <a:rPr lang="en-US" smtClean="0"/>
               <a:pPr/>
-              <a:t>23/04/2014 21:42</a:t>
+              <a:t>09/05/2014 10:42</a:t>
             </a:fld>
             <a:endParaRPr lang="en-US"/>
           </a:p>
@@ -5856,7 +5851,7 @@
             <a:fld id="{EC87E0CF-87F6-4B58-B8B8-DCAB2DAAF3CA}" type="slidenum">
               <a:rPr lang="en-US" smtClean="0"/>
               <a:pPr/>
-              <a:t>16</a:t>
+              <a:t>13</a:t>
             </a:fld>
             <a:endParaRPr lang="en-US" dirty="0"/>
           </a:p>
@@ -5993,7 +5988,87 @@
           </a:bodyPr>
           <a:lstStyle/>
           <a:p>
-            <a:endParaRPr lang="en-US"/>
+            <a:pPr marL="171450" indent="-171450">
+              <a:buFont typeface="Arial"/>
+              <a:buChar char="•"/>
+            </a:pPr>
+            <a:r>
+              <a:rPr lang="en-US" dirty="0" smtClean="0"/>
+              <a:t>When to stop?</a:t>
+            </a:r>
+          </a:p>
+          <a:p>
+            <a:pPr marL="171450" indent="-171450">
+              <a:buFont typeface="Arial"/>
+              <a:buChar char="•"/>
+            </a:pPr>
+            <a:endParaRPr lang="en-US" dirty="0" smtClean="0"/>
+          </a:p>
+          <a:p>
+            <a:pPr marL="171450" indent="-171450">
+              <a:buFont typeface="Arial"/>
+              <a:buChar char="•"/>
+            </a:pPr>
+            <a:r>
+              <a:rPr lang="en-US" dirty="0" smtClean="0"/>
+              <a:t>Scope</a:t>
+            </a:r>
+            <a:r>
+              <a:rPr lang="en-US" baseline="0" dirty="0" smtClean="0"/>
+              <a:t> was set at start</a:t>
+            </a:r>
+          </a:p>
+          <a:p>
+            <a:pPr marL="171450" indent="-171450">
+              <a:buFont typeface="Arial"/>
+              <a:buChar char="•"/>
+            </a:pPr>
+            <a:endParaRPr lang="en-US" baseline="0" dirty="0" smtClean="0"/>
+          </a:p>
+          <a:p>
+            <a:pPr marL="171450" indent="-171450">
+              <a:buFont typeface="Arial"/>
+              <a:buChar char="•"/>
+            </a:pPr>
+            <a:r>
+              <a:rPr lang="en-US" baseline="0" dirty="0" smtClean="0"/>
+              <a:t>Diminishing returns</a:t>
+            </a:r>
+          </a:p>
+          <a:p>
+            <a:pPr marL="171450" indent="-171450">
+              <a:buFont typeface="Arial"/>
+              <a:buChar char="•"/>
+            </a:pPr>
+            <a:endParaRPr lang="en-US" baseline="0" dirty="0" smtClean="0"/>
+          </a:p>
+          <a:p>
+            <a:pPr marL="171450" indent="-171450">
+              <a:buFont typeface="Arial"/>
+              <a:buChar char="•"/>
+            </a:pPr>
+            <a:r>
+              <a:rPr lang="en-US" baseline="0" dirty="0" smtClean="0"/>
+              <a:t>Code is easier to understand</a:t>
+            </a:r>
+          </a:p>
+          <a:p>
+            <a:pPr marL="171450" indent="-171450">
+              <a:buFont typeface="Arial"/>
+              <a:buChar char="•"/>
+            </a:pPr>
+            <a:endParaRPr lang="en-US" baseline="0" dirty="0" smtClean="0"/>
+          </a:p>
+          <a:p>
+            <a:pPr marL="171450" indent="-171450">
+              <a:buFont typeface="Arial"/>
+              <a:buChar char="•"/>
+            </a:pPr>
+            <a:r>
+              <a:rPr lang="en-US" baseline="0" dirty="0" smtClean="0"/>
+              <a:t>Removed feature gate</a:t>
+            </a:r>
+            <a:endParaRPr lang="en-US" dirty="0" smtClean="0"/>
           </a:p>
         </p:txBody>
       </p:sp>
@@ -6042,7 +6117,7 @@
             <a:fld id="{81331B57-0BE5-4F82-AA58-76F53EFF3ADA}" type="datetime8">
               <a:rPr lang="en-US" smtClean="0"/>
               <a:pPr/>
-              <a:t>23/04/2014 21:45</a:t>
+              <a:t>09/05/2014 10:42</a:t>
             </a:fld>
             <a:endParaRPr lang="en-US"/>
           </a:p>
@@ -6066,7 +6141,7 @@
             <a:fld id="{EC87E0CF-87F6-4B58-B8B8-DCAB2DAAF3CA}" type="slidenum">
               <a:rPr lang="en-US" smtClean="0"/>
               <a:pPr/>
-              <a:t>17</a:t>
+              <a:t>14</a:t>
             </a:fld>
             <a:endParaRPr lang="en-US" dirty="0"/>
           </a:p>
@@ -6143,6 +6218,1039 @@
     <p:extLst>
       <p:ext uri="{BB962C8B-B14F-4D97-AF65-F5344CB8AC3E}">
         <p14:creationId xmlns:p14="http://schemas.microsoft.com/office/powerpoint/2010/main" val="996071022"/>
+      </p:ext>
+    </p:extLst>
+  </p:cSld>
+  <p:clrMapOvr>
+    <a:masterClrMapping/>
+  </p:clrMapOvr>
+</p:notes>
+</file>
+
+<file path=ppt/notesSlides/notesSlide15.xml><?xml version="1.0" encoding="utf-8"?>
+<p:notes xmlns:a="http://schemas.openxmlformats.org/drawingml/2006/main" xmlns:r="http://schemas.openxmlformats.org/officeDocument/2006/relationships" xmlns:p="http://schemas.openxmlformats.org/presentationml/2006/main">
+  <p:cSld>
+    <p:spTree>
+      <p:nvGrpSpPr>
+        <p:cNvPr id="1" name=""/>
+        <p:cNvGrpSpPr/>
+        <p:nvPr/>
+      </p:nvGrpSpPr>
+      <p:grpSpPr>
+        <a:xfrm>
+          <a:off x="0" y="0"/>
+          <a:ext cx="0" cy="0"/>
+          <a:chOff x="0" y="0"/>
+          <a:chExt cx="0" cy="0"/>
+        </a:xfrm>
+      </p:grpSpPr>
+      <p:sp>
+        <p:nvSpPr>
+          <p:cNvPr id="2" name="Slide Image Placeholder 1"/>
+          <p:cNvSpPr>
+            <a:spLocks noGrp="1" noRot="1" noChangeAspect="1"/>
+          </p:cNvSpPr>
+          <p:nvPr>
+            <p:ph type="sldImg"/>
+          </p:nvPr>
+        </p:nvSpPr>
+        <p:spPr>
+          <a:xfrm>
+            <a:off x="303213" y="685800"/>
+            <a:ext cx="6251575" cy="3429000"/>
+          </a:xfrm>
+        </p:spPr>
+      </p:sp>
+      <p:sp>
+        <p:nvSpPr>
+          <p:cNvPr id="3" name="Notes Placeholder 2"/>
+          <p:cNvSpPr>
+            <a:spLocks noGrp="1"/>
+          </p:cNvSpPr>
+          <p:nvPr>
+            <p:ph type="body" idx="1"/>
+          </p:nvPr>
+        </p:nvSpPr>
+        <p:spPr/>
+        <p:txBody>
+          <a:bodyPr>
+            <a:normAutofit/>
+          </a:bodyPr>
+          <a:lstStyle/>
+          <a:p>
+            <a:pPr marL="171450" indent="-171450">
+              <a:buFont typeface="Arial"/>
+              <a:buChar char="•"/>
+            </a:pPr>
+            <a:r>
+              <a:rPr lang="en-US" dirty="0" smtClean="0"/>
+              <a:t>Feature gate === AB Test </a:t>
+            </a:r>
+            <a:r>
+              <a:rPr lang="en-US" dirty="0" smtClean="0">
+                <a:sym typeface="Wingdings"/>
+              </a:rPr>
+              <a:t> open up to MSFT</a:t>
+            </a:r>
+          </a:p>
+          <a:p>
+            <a:pPr marL="171450" indent="-171450">
+              <a:buFont typeface="Arial"/>
+              <a:buChar char="•"/>
+            </a:pPr>
+            <a:endParaRPr lang="en-US" dirty="0" smtClean="0">
+              <a:sym typeface="Wingdings"/>
+            </a:endParaRPr>
+          </a:p>
+          <a:p>
+            <a:pPr marL="171450" indent="-171450">
+              <a:buFont typeface="Arial"/>
+              <a:buChar char="•"/>
+            </a:pPr>
+            <a:r>
+              <a:rPr lang="en-US" dirty="0" smtClean="0">
+                <a:sym typeface="Wingdings"/>
+              </a:rPr>
+              <a:t>Release early to test</a:t>
+            </a:r>
+            <a:r>
+              <a:rPr lang="en-US" baseline="0" dirty="0" smtClean="0">
+                <a:sym typeface="Wingdings"/>
+              </a:rPr>
+              <a:t> features we missed</a:t>
+            </a:r>
+          </a:p>
+          <a:p>
+            <a:pPr marL="171450" indent="-171450">
+              <a:buFont typeface="Arial"/>
+              <a:buChar char="•"/>
+            </a:pPr>
+            <a:endParaRPr lang="en-US" dirty="0" smtClean="0">
+              <a:sym typeface="Wingdings"/>
+            </a:endParaRPr>
+          </a:p>
+          <a:p>
+            <a:pPr marL="171450" indent="-171450">
+              <a:buFont typeface="Arial"/>
+              <a:buChar char="•"/>
+            </a:pPr>
+            <a:r>
+              <a:rPr lang="en-US" dirty="0" smtClean="0">
+                <a:sym typeface="Wingdings"/>
+              </a:rPr>
+              <a:t>Release</a:t>
+            </a:r>
+            <a:r>
+              <a:rPr lang="en-US" baseline="0" dirty="0" smtClean="0">
+                <a:sym typeface="Wingdings"/>
+              </a:rPr>
+              <a:t> early and have others find bugs</a:t>
+            </a:r>
+          </a:p>
+          <a:p>
+            <a:endParaRPr lang="en-US" dirty="0"/>
+          </a:p>
+        </p:txBody>
+      </p:sp>
+      <p:sp>
+        <p:nvSpPr>
+          <p:cNvPr id="4" name="Header Placeholder 3"/>
+          <p:cNvSpPr>
+            <a:spLocks noGrp="1"/>
+          </p:cNvSpPr>
+          <p:nvPr>
+            <p:ph type="hdr" sz="quarter" idx="10"/>
+          </p:nvPr>
+        </p:nvSpPr>
+        <p:spPr>
+          <a:xfrm>
+            <a:off x="0" y="0"/>
+            <a:ext cx="2971800" cy="457200"/>
+          </a:xfrm>
+          <a:prstGeom prst="rect">
+            <a:avLst/>
+          </a:prstGeom>
+        </p:spPr>
+        <p:txBody>
+          <a:bodyPr/>
+          <a:lstStyle/>
+          <a:p>
+            <a:endParaRPr lang="en-US" dirty="0"/>
+          </a:p>
+        </p:txBody>
+      </p:sp>
+      <p:sp>
+        <p:nvSpPr>
+          <p:cNvPr id="5" name="Date Placeholder 4"/>
+          <p:cNvSpPr>
+            <a:spLocks noGrp="1"/>
+          </p:cNvSpPr>
+          <p:nvPr>
+            <p:ph type="dt" idx="11"/>
+          </p:nvPr>
+        </p:nvSpPr>
+        <p:spPr/>
+        <p:txBody>
+          <a:bodyPr/>
+          <a:lstStyle/>
+          <a:p>
+            <a:fld id="{81331B57-0BE5-4F82-AA58-76F53EFF3ADA}" type="datetime8">
+              <a:rPr lang="en-US" smtClean="0"/>
+              <a:pPr/>
+              <a:t>09/05/2014 10:43</a:t>
+            </a:fld>
+            <a:endParaRPr lang="en-US"/>
+          </a:p>
+        </p:txBody>
+      </p:sp>
+      <p:sp>
+        <p:nvSpPr>
+          <p:cNvPr id="7" name="Slide Number Placeholder 6"/>
+          <p:cNvSpPr>
+            <a:spLocks noGrp="1"/>
+          </p:cNvSpPr>
+          <p:nvPr>
+            <p:ph type="sldNum" sz="quarter" idx="13"/>
+          </p:nvPr>
+        </p:nvSpPr>
+        <p:spPr/>
+        <p:txBody>
+          <a:bodyPr/>
+          <a:lstStyle/>
+          <a:p>
+            <a:fld id="{EC87E0CF-87F6-4B58-B8B8-DCAB2DAAF3CA}" type="slidenum">
+              <a:rPr lang="en-US" smtClean="0"/>
+              <a:pPr/>
+              <a:t>15</a:t>
+            </a:fld>
+            <a:endParaRPr lang="en-US" dirty="0"/>
+          </a:p>
+        </p:txBody>
+      </p:sp>
+      <p:sp>
+        <p:nvSpPr>
+          <p:cNvPr id="8" name="Footer Placeholder 3"/>
+          <p:cNvSpPr>
+            <a:spLocks noGrp="1"/>
+          </p:cNvSpPr>
+          <p:nvPr>
+            <p:ph type="ftr" sz="quarter" idx="4"/>
+          </p:nvPr>
+        </p:nvSpPr>
+        <p:spPr>
+          <a:xfrm>
+            <a:off x="0" y="8685213"/>
+            <a:ext cx="6248400" cy="457200"/>
+          </a:xfrm>
+          <a:prstGeom prst="rect">
+            <a:avLst/>
+          </a:prstGeom>
+        </p:spPr>
+        <p:txBody>
+          <a:bodyPr vert="horz" lIns="91440" tIns="45720" rIns="91440" bIns="45720" rtlCol="0" anchor="b"/>
+          <a:lstStyle>
+            <a:lvl1pPr algn="l">
+              <a:defRPr sz="1200"/>
+            </a:lvl1pPr>
+          </a:lstStyle>
+          <a:p>
+            <a:r>
+              <a:rPr lang="en-US" sz="500" dirty="0" smtClean="0">
+                <a:solidFill>
+                  <a:srgbClr val="000000"/>
+                </a:solidFill>
+                <a:latin typeface="Segoe UI" pitchFamily="34" charset="0"/>
+              </a:rPr>
+              <a:t>© 2010 Microsoft Corporation. All rights reserved. Microsoft, Windows, Windows Vista and other product names are or may be registered trademarks and/or trademarks in the U.S. and/or other countries.</a:t>
+            </a:r>
+          </a:p>
+          <a:p>
+            <a:r>
+              <a:rPr lang="en-US" sz="500" dirty="0" smtClean="0">
+                <a:solidFill>
+                  <a:srgbClr val="000000"/>
+                </a:solidFill>
+                <a:latin typeface="Segoe UI" pitchFamily="34" charset="0"/>
+              </a:rPr>
+              <a:t>The information herein is for informational purposes only and represents the current view of Microsoft Corporation as of the date of this presentation.  Because Microsoft must respond to changing market conditions, it should not be interpreted to be a commitment on the part of Microsoft, and Microsoft cannot guarantee the accuracy of any information provided after the date of this presentation.  </a:t>
+            </a:r>
+            <a:br>
+              <a:rPr lang="en-US" sz="500" dirty="0" smtClean="0">
+                <a:solidFill>
+                  <a:srgbClr val="000000"/>
+                </a:solidFill>
+                <a:latin typeface="Segoe UI" pitchFamily="34" charset="0"/>
+              </a:rPr>
+            </a:br>
+            <a:r>
+              <a:rPr lang="en-US" sz="500" dirty="0" smtClean="0">
+                <a:solidFill>
+                  <a:srgbClr val="000000"/>
+                </a:solidFill>
+                <a:latin typeface="Segoe UI" pitchFamily="34" charset="0"/>
+              </a:rPr>
+              <a:t>MICROSOFT MAKES NO WARRANTIES, EXPRESS, IMPLIED OR STATUTORY, AS TO THE INFORMATION IN THIS PRESENTATION.</a:t>
+            </a:r>
+          </a:p>
+        </p:txBody>
+      </p:sp>
+    </p:spTree>
+    <p:extLst>
+      <p:ext uri="{BB962C8B-B14F-4D97-AF65-F5344CB8AC3E}">
+        <p14:creationId xmlns:p14="http://schemas.microsoft.com/office/powerpoint/2010/main" val="996071022"/>
+      </p:ext>
+    </p:extLst>
+  </p:cSld>
+  <p:clrMapOvr>
+    <a:masterClrMapping/>
+  </p:clrMapOvr>
+</p:notes>
+</file>
+
+<file path=ppt/notesSlides/notesSlide16.xml><?xml version="1.0" encoding="utf-8"?>
+<p:notes xmlns:a="http://schemas.openxmlformats.org/drawingml/2006/main" xmlns:r="http://schemas.openxmlformats.org/officeDocument/2006/relationships" xmlns:p="http://schemas.openxmlformats.org/presentationml/2006/main">
+  <p:cSld>
+    <p:spTree>
+      <p:nvGrpSpPr>
+        <p:cNvPr id="1" name=""/>
+        <p:cNvGrpSpPr/>
+        <p:nvPr/>
+      </p:nvGrpSpPr>
+      <p:grpSpPr>
+        <a:xfrm>
+          <a:off x="0" y="0"/>
+          <a:ext cx="0" cy="0"/>
+          <a:chOff x="0" y="0"/>
+          <a:chExt cx="0" cy="0"/>
+        </a:xfrm>
+      </p:grpSpPr>
+      <p:sp>
+        <p:nvSpPr>
+          <p:cNvPr id="2" name="Slide Image Placeholder 1"/>
+          <p:cNvSpPr>
+            <a:spLocks noGrp="1" noRot="1" noChangeAspect="1"/>
+          </p:cNvSpPr>
+          <p:nvPr>
+            <p:ph type="sldImg"/>
+          </p:nvPr>
+        </p:nvSpPr>
+        <p:spPr>
+          <a:xfrm>
+            <a:off x="303213" y="685800"/>
+            <a:ext cx="6251575" cy="3429000"/>
+          </a:xfrm>
+        </p:spPr>
+      </p:sp>
+      <p:sp>
+        <p:nvSpPr>
+          <p:cNvPr id="3" name="Notes Placeholder 2"/>
+          <p:cNvSpPr>
+            <a:spLocks noGrp="1"/>
+          </p:cNvSpPr>
+          <p:nvPr>
+            <p:ph type="body" idx="1"/>
+          </p:nvPr>
+        </p:nvSpPr>
+        <p:spPr/>
+        <p:txBody>
+          <a:bodyPr>
+            <a:normAutofit/>
+          </a:bodyPr>
+          <a:lstStyle/>
+          <a:p>
+            <a:pPr marL="171450" indent="-171450">
+              <a:buFont typeface="Arial"/>
+              <a:buChar char="•"/>
+            </a:pPr>
+            <a:r>
+              <a:rPr lang="en-US" dirty="0" smtClean="0"/>
+              <a:t>Write</a:t>
+            </a:r>
+            <a:r>
+              <a:rPr lang="en-US" baseline="0" dirty="0" smtClean="0"/>
+              <a:t> down all the things outside of scope</a:t>
+            </a:r>
+          </a:p>
+          <a:p>
+            <a:pPr marL="171450" indent="-171450">
+              <a:buFont typeface="Arial"/>
+              <a:buChar char="•"/>
+            </a:pPr>
+            <a:endParaRPr lang="en-US" baseline="0" dirty="0" smtClean="0"/>
+          </a:p>
+          <a:p>
+            <a:pPr marL="171450" indent="-171450">
+              <a:buFont typeface="Arial"/>
+              <a:buChar char="•"/>
+            </a:pPr>
+            <a:r>
+              <a:rPr lang="en-US" baseline="0" dirty="0" smtClean="0"/>
+              <a:t>Give other teams a head start</a:t>
+            </a:r>
+            <a:endParaRPr lang="en-US" dirty="0" smtClean="0"/>
+          </a:p>
+          <a:p>
+            <a:endParaRPr lang="en-US" dirty="0"/>
+          </a:p>
+        </p:txBody>
+      </p:sp>
+      <p:sp>
+        <p:nvSpPr>
+          <p:cNvPr id="4" name="Header Placeholder 3"/>
+          <p:cNvSpPr>
+            <a:spLocks noGrp="1"/>
+          </p:cNvSpPr>
+          <p:nvPr>
+            <p:ph type="hdr" sz="quarter" idx="10"/>
+          </p:nvPr>
+        </p:nvSpPr>
+        <p:spPr>
+          <a:xfrm>
+            <a:off x="0" y="0"/>
+            <a:ext cx="2971800" cy="457200"/>
+          </a:xfrm>
+          <a:prstGeom prst="rect">
+            <a:avLst/>
+          </a:prstGeom>
+        </p:spPr>
+        <p:txBody>
+          <a:bodyPr/>
+          <a:lstStyle/>
+          <a:p>
+            <a:endParaRPr lang="en-US" dirty="0"/>
+          </a:p>
+        </p:txBody>
+      </p:sp>
+      <p:sp>
+        <p:nvSpPr>
+          <p:cNvPr id="5" name="Date Placeholder 4"/>
+          <p:cNvSpPr>
+            <a:spLocks noGrp="1"/>
+          </p:cNvSpPr>
+          <p:nvPr>
+            <p:ph type="dt" idx="11"/>
+          </p:nvPr>
+        </p:nvSpPr>
+        <p:spPr/>
+        <p:txBody>
+          <a:bodyPr/>
+          <a:lstStyle/>
+          <a:p>
+            <a:fld id="{81331B57-0BE5-4F82-AA58-76F53EFF3ADA}" type="datetime8">
+              <a:rPr lang="en-US" smtClean="0"/>
+              <a:pPr/>
+              <a:t>09/05/2014 10:43</a:t>
+            </a:fld>
+            <a:endParaRPr lang="en-US"/>
+          </a:p>
+        </p:txBody>
+      </p:sp>
+      <p:sp>
+        <p:nvSpPr>
+          <p:cNvPr id="7" name="Slide Number Placeholder 6"/>
+          <p:cNvSpPr>
+            <a:spLocks noGrp="1"/>
+          </p:cNvSpPr>
+          <p:nvPr>
+            <p:ph type="sldNum" sz="quarter" idx="13"/>
+          </p:nvPr>
+        </p:nvSpPr>
+        <p:spPr/>
+        <p:txBody>
+          <a:bodyPr/>
+          <a:lstStyle/>
+          <a:p>
+            <a:fld id="{EC87E0CF-87F6-4B58-B8B8-DCAB2DAAF3CA}" type="slidenum">
+              <a:rPr lang="en-US" smtClean="0"/>
+              <a:pPr/>
+              <a:t>16</a:t>
+            </a:fld>
+            <a:endParaRPr lang="en-US" dirty="0"/>
+          </a:p>
+        </p:txBody>
+      </p:sp>
+      <p:sp>
+        <p:nvSpPr>
+          <p:cNvPr id="8" name="Footer Placeholder 3"/>
+          <p:cNvSpPr>
+            <a:spLocks noGrp="1"/>
+          </p:cNvSpPr>
+          <p:nvPr>
+            <p:ph type="ftr" sz="quarter" idx="4"/>
+          </p:nvPr>
+        </p:nvSpPr>
+        <p:spPr>
+          <a:xfrm>
+            <a:off x="0" y="8685213"/>
+            <a:ext cx="6248400" cy="457200"/>
+          </a:xfrm>
+          <a:prstGeom prst="rect">
+            <a:avLst/>
+          </a:prstGeom>
+        </p:spPr>
+        <p:txBody>
+          <a:bodyPr vert="horz" lIns="91440" tIns="45720" rIns="91440" bIns="45720" rtlCol="0" anchor="b"/>
+          <a:lstStyle>
+            <a:lvl1pPr algn="l">
+              <a:defRPr sz="1200"/>
+            </a:lvl1pPr>
+          </a:lstStyle>
+          <a:p>
+            <a:r>
+              <a:rPr lang="en-US" sz="500" dirty="0" smtClean="0">
+                <a:solidFill>
+                  <a:srgbClr val="000000"/>
+                </a:solidFill>
+                <a:latin typeface="Segoe UI" pitchFamily="34" charset="0"/>
+              </a:rPr>
+              <a:t>© 2010 Microsoft Corporation. All rights reserved. Microsoft, Windows, Windows Vista and other product names are or may be registered trademarks and/or trademarks in the U.S. and/or other countries.</a:t>
+            </a:r>
+          </a:p>
+          <a:p>
+            <a:r>
+              <a:rPr lang="en-US" sz="500" dirty="0" smtClean="0">
+                <a:solidFill>
+                  <a:srgbClr val="000000"/>
+                </a:solidFill>
+                <a:latin typeface="Segoe UI" pitchFamily="34" charset="0"/>
+              </a:rPr>
+              <a:t>The information herein is for informational purposes only and represents the current view of Microsoft Corporation as of the date of this presentation.  Because Microsoft must respond to changing market conditions, it should not be interpreted to be a commitment on the part of Microsoft, and Microsoft cannot guarantee the accuracy of any information provided after the date of this presentation.  </a:t>
+            </a:r>
+            <a:br>
+              <a:rPr lang="en-US" sz="500" dirty="0" smtClean="0">
+                <a:solidFill>
+                  <a:srgbClr val="000000"/>
+                </a:solidFill>
+                <a:latin typeface="Segoe UI" pitchFamily="34" charset="0"/>
+              </a:rPr>
+            </a:br>
+            <a:r>
+              <a:rPr lang="en-US" sz="500" dirty="0" smtClean="0">
+                <a:solidFill>
+                  <a:srgbClr val="000000"/>
+                </a:solidFill>
+                <a:latin typeface="Segoe UI" pitchFamily="34" charset="0"/>
+              </a:rPr>
+              <a:t>MICROSOFT MAKES NO WARRANTIES, EXPRESS, IMPLIED OR STATUTORY, AS TO THE INFORMATION IN THIS PRESENTATION.</a:t>
+            </a:r>
+          </a:p>
+        </p:txBody>
+      </p:sp>
+    </p:spTree>
+    <p:extLst>
+      <p:ext uri="{BB962C8B-B14F-4D97-AF65-F5344CB8AC3E}">
+        <p14:creationId xmlns:p14="http://schemas.microsoft.com/office/powerpoint/2010/main" val="996071022"/>
+      </p:ext>
+    </p:extLst>
+  </p:cSld>
+  <p:clrMapOvr>
+    <a:masterClrMapping/>
+  </p:clrMapOvr>
+</p:notes>
+</file>
+
+<file path=ppt/notesSlides/notesSlide17.xml><?xml version="1.0" encoding="utf-8"?>
+<p:notes xmlns:a="http://schemas.openxmlformats.org/drawingml/2006/main" xmlns:r="http://schemas.openxmlformats.org/officeDocument/2006/relationships" xmlns:p="http://schemas.openxmlformats.org/presentationml/2006/main">
+  <p:cSld>
+    <p:spTree>
+      <p:nvGrpSpPr>
+        <p:cNvPr id="1" name=""/>
+        <p:cNvGrpSpPr/>
+        <p:nvPr/>
+      </p:nvGrpSpPr>
+      <p:grpSpPr>
+        <a:xfrm>
+          <a:off x="0" y="0"/>
+          <a:ext cx="0" cy="0"/>
+          <a:chOff x="0" y="0"/>
+          <a:chExt cx="0" cy="0"/>
+        </a:xfrm>
+      </p:grpSpPr>
+      <p:sp>
+        <p:nvSpPr>
+          <p:cNvPr id="2" name="Slide Image Placeholder 1"/>
+          <p:cNvSpPr>
+            <a:spLocks noGrp="1" noRot="1" noChangeAspect="1"/>
+          </p:cNvSpPr>
+          <p:nvPr>
+            <p:ph type="sldImg"/>
+          </p:nvPr>
+        </p:nvSpPr>
+        <p:spPr>
+          <a:xfrm>
+            <a:off x="303213" y="685800"/>
+            <a:ext cx="6251575" cy="3429000"/>
+          </a:xfrm>
+        </p:spPr>
+      </p:sp>
+      <p:sp>
+        <p:nvSpPr>
+          <p:cNvPr id="3" name="Notes Placeholder 2"/>
+          <p:cNvSpPr>
+            <a:spLocks noGrp="1"/>
+          </p:cNvSpPr>
+          <p:nvPr>
+            <p:ph type="body" idx="1"/>
+          </p:nvPr>
+        </p:nvSpPr>
+        <p:spPr/>
+        <p:txBody>
+          <a:bodyPr>
+            <a:normAutofit/>
+          </a:bodyPr>
+          <a:lstStyle/>
+          <a:p>
+            <a:pPr marL="171450" indent="-171450">
+              <a:buFont typeface="Arial"/>
+              <a:buChar char="•"/>
+            </a:pPr>
+            <a:r>
+              <a:rPr lang="en-US" dirty="0" smtClean="0"/>
+              <a:t>40% less code</a:t>
+            </a:r>
+          </a:p>
+          <a:p>
+            <a:pPr marL="171450" indent="-171450">
+              <a:buFont typeface="Arial"/>
+              <a:buChar char="•"/>
+            </a:pPr>
+            <a:endParaRPr lang="en-US" dirty="0" smtClean="0"/>
+          </a:p>
+          <a:p>
+            <a:pPr marL="171450" indent="-171450">
+              <a:buFont typeface="Arial"/>
+              <a:buChar char="•"/>
+            </a:pPr>
+            <a:r>
+              <a:rPr lang="en-US" dirty="0" smtClean="0"/>
+              <a:t>Removed </a:t>
+            </a:r>
+            <a:r>
+              <a:rPr lang="en-US" dirty="0" err="1" smtClean="0"/>
+              <a:t>async</a:t>
+            </a:r>
+            <a:r>
+              <a:rPr lang="en-US" dirty="0" smtClean="0"/>
+              <a:t> rendering – explicit</a:t>
+            </a:r>
+            <a:r>
+              <a:rPr lang="en-US" baseline="0" dirty="0" smtClean="0"/>
+              <a:t> about how rendering works</a:t>
+            </a:r>
+          </a:p>
+          <a:p>
+            <a:pPr marL="171450" indent="-171450">
+              <a:buFont typeface="Arial"/>
+              <a:buChar char="•"/>
+            </a:pPr>
+            <a:endParaRPr lang="en-US" baseline="0" dirty="0" smtClean="0"/>
+          </a:p>
+          <a:p>
+            <a:pPr marL="171450" indent="-171450">
+              <a:buFont typeface="Arial"/>
+              <a:buChar char="•"/>
+            </a:pPr>
+            <a:r>
+              <a:rPr lang="en-US" baseline="0" dirty="0" smtClean="0"/>
+              <a:t>Successful?</a:t>
+            </a:r>
+          </a:p>
+          <a:p>
+            <a:pPr marL="171450" indent="-171450">
+              <a:buFont typeface="Arial"/>
+              <a:buChar char="•"/>
+            </a:pPr>
+            <a:endParaRPr lang="en-US" baseline="0" dirty="0" smtClean="0"/>
+          </a:p>
+          <a:p>
+            <a:pPr marL="171450" indent="-171450">
+              <a:buFont typeface="Arial"/>
+              <a:buChar char="•"/>
+            </a:pPr>
+            <a:r>
+              <a:rPr lang="en-US" baseline="0" dirty="0" smtClean="0"/>
+              <a:t>Feedback from new project doing work in the new </a:t>
+            </a:r>
+            <a:r>
+              <a:rPr lang="en-US" baseline="0" dirty="0" err="1" smtClean="0"/>
+              <a:t>threadlist</a:t>
+            </a:r>
+            <a:r>
+              <a:rPr lang="en-US" baseline="0" dirty="0" smtClean="0"/>
+              <a:t> is positive</a:t>
+            </a:r>
+            <a:endParaRPr lang="en-US" dirty="0" smtClean="0"/>
+          </a:p>
+          <a:p>
+            <a:endParaRPr lang="en-US" dirty="0"/>
+          </a:p>
+        </p:txBody>
+      </p:sp>
+      <p:sp>
+        <p:nvSpPr>
+          <p:cNvPr id="4" name="Header Placeholder 3"/>
+          <p:cNvSpPr>
+            <a:spLocks noGrp="1"/>
+          </p:cNvSpPr>
+          <p:nvPr>
+            <p:ph type="hdr" sz="quarter" idx="10"/>
+          </p:nvPr>
+        </p:nvSpPr>
+        <p:spPr>
+          <a:xfrm>
+            <a:off x="0" y="0"/>
+            <a:ext cx="2971800" cy="457200"/>
+          </a:xfrm>
+          <a:prstGeom prst="rect">
+            <a:avLst/>
+          </a:prstGeom>
+        </p:spPr>
+        <p:txBody>
+          <a:bodyPr/>
+          <a:lstStyle/>
+          <a:p>
+            <a:endParaRPr lang="en-US" dirty="0"/>
+          </a:p>
+        </p:txBody>
+      </p:sp>
+      <p:sp>
+        <p:nvSpPr>
+          <p:cNvPr id="5" name="Date Placeholder 4"/>
+          <p:cNvSpPr>
+            <a:spLocks noGrp="1"/>
+          </p:cNvSpPr>
+          <p:nvPr>
+            <p:ph type="dt" idx="11"/>
+          </p:nvPr>
+        </p:nvSpPr>
+        <p:spPr/>
+        <p:txBody>
+          <a:bodyPr/>
+          <a:lstStyle/>
+          <a:p>
+            <a:fld id="{81331B57-0BE5-4F82-AA58-76F53EFF3ADA}" type="datetime8">
+              <a:rPr lang="en-US" smtClean="0"/>
+              <a:pPr/>
+              <a:t>09/05/2014 10:43</a:t>
+            </a:fld>
+            <a:endParaRPr lang="en-US"/>
+          </a:p>
+        </p:txBody>
+      </p:sp>
+      <p:sp>
+        <p:nvSpPr>
+          <p:cNvPr id="7" name="Slide Number Placeholder 6"/>
+          <p:cNvSpPr>
+            <a:spLocks noGrp="1"/>
+          </p:cNvSpPr>
+          <p:nvPr>
+            <p:ph type="sldNum" sz="quarter" idx="13"/>
+          </p:nvPr>
+        </p:nvSpPr>
+        <p:spPr/>
+        <p:txBody>
+          <a:bodyPr/>
+          <a:lstStyle/>
+          <a:p>
+            <a:fld id="{EC87E0CF-87F6-4B58-B8B8-DCAB2DAAF3CA}" type="slidenum">
+              <a:rPr lang="en-US" smtClean="0"/>
+              <a:pPr/>
+              <a:t>17</a:t>
+            </a:fld>
+            <a:endParaRPr lang="en-US" dirty="0"/>
+          </a:p>
+        </p:txBody>
+      </p:sp>
+      <p:sp>
+        <p:nvSpPr>
+          <p:cNvPr id="8" name="Footer Placeholder 3"/>
+          <p:cNvSpPr>
+            <a:spLocks noGrp="1"/>
+          </p:cNvSpPr>
+          <p:nvPr>
+            <p:ph type="ftr" sz="quarter" idx="4"/>
+          </p:nvPr>
+        </p:nvSpPr>
+        <p:spPr>
+          <a:xfrm>
+            <a:off x="0" y="8685213"/>
+            <a:ext cx="6248400" cy="457200"/>
+          </a:xfrm>
+          <a:prstGeom prst="rect">
+            <a:avLst/>
+          </a:prstGeom>
+        </p:spPr>
+        <p:txBody>
+          <a:bodyPr vert="horz" lIns="91440" tIns="45720" rIns="91440" bIns="45720" rtlCol="0" anchor="b"/>
+          <a:lstStyle>
+            <a:lvl1pPr algn="l">
+              <a:defRPr sz="1200"/>
+            </a:lvl1pPr>
+          </a:lstStyle>
+          <a:p>
+            <a:r>
+              <a:rPr lang="en-US" sz="500" dirty="0" smtClean="0">
+                <a:solidFill>
+                  <a:srgbClr val="000000"/>
+                </a:solidFill>
+                <a:latin typeface="Segoe UI" pitchFamily="34" charset="0"/>
+              </a:rPr>
+              <a:t>© 2010 Microsoft Corporation. All rights reserved. Microsoft, Windows, Windows Vista and other product names are or may be registered trademarks and/or trademarks in the U.S. and/or other countries.</a:t>
+            </a:r>
+          </a:p>
+          <a:p>
+            <a:r>
+              <a:rPr lang="en-US" sz="500" dirty="0" smtClean="0">
+                <a:solidFill>
+                  <a:srgbClr val="000000"/>
+                </a:solidFill>
+                <a:latin typeface="Segoe UI" pitchFamily="34" charset="0"/>
+              </a:rPr>
+              <a:t>The information herein is for informational purposes only and represents the current view of Microsoft Corporation as of the date of this presentation.  Because Microsoft must respond to changing market conditions, it should not be interpreted to be a commitment on the part of Microsoft, and Microsoft cannot guarantee the accuracy of any information provided after the date of this presentation.  </a:t>
+            </a:r>
+            <a:br>
+              <a:rPr lang="en-US" sz="500" dirty="0" smtClean="0">
+                <a:solidFill>
+                  <a:srgbClr val="000000"/>
+                </a:solidFill>
+                <a:latin typeface="Segoe UI" pitchFamily="34" charset="0"/>
+              </a:rPr>
+            </a:br>
+            <a:r>
+              <a:rPr lang="en-US" sz="500" dirty="0" smtClean="0">
+                <a:solidFill>
+                  <a:srgbClr val="000000"/>
+                </a:solidFill>
+                <a:latin typeface="Segoe UI" pitchFamily="34" charset="0"/>
+              </a:rPr>
+              <a:t>MICROSOFT MAKES NO WARRANTIES, EXPRESS, IMPLIED OR STATUTORY, AS TO THE INFORMATION IN THIS PRESENTATION.</a:t>
+            </a:r>
+          </a:p>
+        </p:txBody>
+      </p:sp>
+    </p:spTree>
+    <p:extLst>
+      <p:ext uri="{BB962C8B-B14F-4D97-AF65-F5344CB8AC3E}">
+        <p14:creationId xmlns:p14="http://schemas.microsoft.com/office/powerpoint/2010/main" val="996071022"/>
+      </p:ext>
+    </p:extLst>
+  </p:cSld>
+  <p:clrMapOvr>
+    <a:masterClrMapping/>
+  </p:clrMapOvr>
+</p:notes>
+</file>
+
+<file path=ppt/notesSlides/notesSlide18.xml><?xml version="1.0" encoding="utf-8"?>
+<p:notes xmlns:a="http://schemas.openxmlformats.org/drawingml/2006/main" xmlns:r="http://schemas.openxmlformats.org/officeDocument/2006/relationships" xmlns:p="http://schemas.openxmlformats.org/presentationml/2006/main">
+  <p:cSld>
+    <p:spTree>
+      <p:nvGrpSpPr>
+        <p:cNvPr id="1" name=""/>
+        <p:cNvGrpSpPr/>
+        <p:nvPr/>
+      </p:nvGrpSpPr>
+      <p:grpSpPr>
+        <a:xfrm>
+          <a:off x="0" y="0"/>
+          <a:ext cx="0" cy="0"/>
+          <a:chOff x="0" y="0"/>
+          <a:chExt cx="0" cy="0"/>
+        </a:xfrm>
+      </p:grpSpPr>
+      <p:sp>
+        <p:nvSpPr>
+          <p:cNvPr id="2" name="Slide Image Placeholder 1"/>
+          <p:cNvSpPr>
+            <a:spLocks noGrp="1" noRot="1" noChangeAspect="1"/>
+          </p:cNvSpPr>
+          <p:nvPr>
+            <p:ph type="sldImg"/>
+          </p:nvPr>
+        </p:nvSpPr>
+        <p:spPr/>
+      </p:sp>
+      <p:sp>
+        <p:nvSpPr>
+          <p:cNvPr id="3" name="Notes Placeholder 2"/>
+          <p:cNvSpPr>
+            <a:spLocks noGrp="1"/>
+          </p:cNvSpPr>
+          <p:nvPr>
+            <p:ph type="body" idx="1"/>
+          </p:nvPr>
+        </p:nvSpPr>
+        <p:spPr/>
+        <p:txBody>
+          <a:bodyPr/>
+          <a:lstStyle/>
+          <a:p>
+            <a:pPr marL="171450" indent="-171450">
+              <a:buFont typeface="Arial"/>
+              <a:buChar char="•"/>
+            </a:pPr>
+            <a:r>
+              <a:rPr lang="en-US" dirty="0" smtClean="0"/>
+              <a:t>50%</a:t>
+            </a:r>
+            <a:r>
+              <a:rPr lang="en-US" baseline="0" dirty="0" smtClean="0"/>
+              <a:t> of users had close to no change</a:t>
+            </a:r>
+          </a:p>
+          <a:p>
+            <a:pPr marL="171450" indent="-171450">
+              <a:buFont typeface="Arial"/>
+              <a:buChar char="•"/>
+            </a:pPr>
+            <a:endParaRPr lang="en-US" baseline="0" dirty="0" smtClean="0"/>
+          </a:p>
+          <a:p>
+            <a:pPr marL="171450" indent="-171450">
+              <a:buFont typeface="Arial"/>
+              <a:buChar char="•"/>
+            </a:pPr>
+            <a:r>
+              <a:rPr lang="en-US" baseline="0" dirty="0" smtClean="0"/>
+              <a:t>Other 50% had faster and more predictable rendering</a:t>
+            </a:r>
+          </a:p>
+          <a:p>
+            <a:pPr marL="171450" indent="-171450">
+              <a:buFont typeface="Arial"/>
+              <a:buChar char="•"/>
+            </a:pPr>
+            <a:endParaRPr lang="en-US" baseline="0" dirty="0" smtClean="0"/>
+          </a:p>
+          <a:p>
+            <a:pPr marL="171450" indent="-171450">
+              <a:buFont typeface="Arial"/>
+              <a:buChar char="•"/>
+            </a:pPr>
+            <a:r>
+              <a:rPr lang="en-US" baseline="0" dirty="0" smtClean="0"/>
+              <a:t>Refactor successful	</a:t>
+            </a:r>
+            <a:endParaRPr lang="en-US" dirty="0" smtClean="0"/>
+          </a:p>
+          <a:p>
+            <a:endParaRPr lang="en-US" dirty="0"/>
+          </a:p>
+        </p:txBody>
+      </p:sp>
+      <p:sp>
+        <p:nvSpPr>
+          <p:cNvPr id="4" name="Slide Number Placeholder 3"/>
+          <p:cNvSpPr>
+            <a:spLocks noGrp="1"/>
+          </p:cNvSpPr>
+          <p:nvPr>
+            <p:ph type="sldNum" sz="quarter" idx="10"/>
+          </p:nvPr>
+        </p:nvSpPr>
+        <p:spPr/>
+        <p:txBody>
+          <a:bodyPr/>
+          <a:lstStyle/>
+          <a:p>
+            <a:fld id="{8B263312-38AA-4E1E-B2B5-0F8F122B24FE}" type="slidenum">
+              <a:rPr lang="en-US" smtClean="0"/>
+              <a:pPr/>
+              <a:t>18</a:t>
+            </a:fld>
+            <a:endParaRPr lang="en-US" dirty="0"/>
+          </a:p>
+        </p:txBody>
+      </p:sp>
+    </p:spTree>
+    <p:extLst>
+      <p:ext uri="{BB962C8B-B14F-4D97-AF65-F5344CB8AC3E}">
+        <p14:creationId xmlns:p14="http://schemas.microsoft.com/office/powerpoint/2010/main" val="3824500129"/>
+      </p:ext>
+    </p:extLst>
+  </p:cSld>
+  <p:clrMapOvr>
+    <a:masterClrMapping/>
+  </p:clrMapOvr>
+</p:notes>
+</file>
+
+<file path=ppt/notesSlides/notesSlide19.xml><?xml version="1.0" encoding="utf-8"?>
+<p:notes xmlns:a="http://schemas.openxmlformats.org/drawingml/2006/main" xmlns:r="http://schemas.openxmlformats.org/officeDocument/2006/relationships" xmlns:p="http://schemas.openxmlformats.org/presentationml/2006/main">
+  <p:cSld>
+    <p:spTree>
+      <p:nvGrpSpPr>
+        <p:cNvPr id="1" name=""/>
+        <p:cNvGrpSpPr/>
+        <p:nvPr/>
+      </p:nvGrpSpPr>
+      <p:grpSpPr>
+        <a:xfrm>
+          <a:off x="0" y="0"/>
+          <a:ext cx="0" cy="0"/>
+          <a:chOff x="0" y="0"/>
+          <a:chExt cx="0" cy="0"/>
+        </a:xfrm>
+      </p:grpSpPr>
+      <p:sp>
+        <p:nvSpPr>
+          <p:cNvPr id="2" name="Slide Image Placeholder 1"/>
+          <p:cNvSpPr>
+            <a:spLocks noGrp="1" noRot="1" noChangeAspect="1"/>
+          </p:cNvSpPr>
+          <p:nvPr>
+            <p:ph type="sldImg"/>
+          </p:nvPr>
+        </p:nvSpPr>
+        <p:spPr/>
+      </p:sp>
+      <p:sp>
+        <p:nvSpPr>
+          <p:cNvPr id="3" name="Notes Placeholder 2"/>
+          <p:cNvSpPr>
+            <a:spLocks noGrp="1"/>
+          </p:cNvSpPr>
+          <p:nvPr>
+            <p:ph type="body" idx="1"/>
+          </p:nvPr>
+        </p:nvSpPr>
+        <p:spPr/>
+        <p:txBody>
+          <a:bodyPr/>
+          <a:lstStyle/>
+          <a:p>
+            <a:endParaRPr lang="en-US" dirty="0"/>
+          </a:p>
+        </p:txBody>
+      </p:sp>
+      <p:sp>
+        <p:nvSpPr>
+          <p:cNvPr id="4" name="Slide Number Placeholder 3"/>
+          <p:cNvSpPr>
+            <a:spLocks noGrp="1"/>
+          </p:cNvSpPr>
+          <p:nvPr>
+            <p:ph type="sldNum" sz="quarter" idx="10"/>
+          </p:nvPr>
+        </p:nvSpPr>
+        <p:spPr/>
+        <p:txBody>
+          <a:bodyPr/>
+          <a:lstStyle/>
+          <a:p>
+            <a:fld id="{8B263312-38AA-4E1E-B2B5-0F8F122B24FE}" type="slidenum">
+              <a:rPr lang="en-US" smtClean="0"/>
+              <a:pPr/>
+              <a:t>19</a:t>
+            </a:fld>
+            <a:endParaRPr lang="en-US" dirty="0"/>
+          </a:p>
+        </p:txBody>
+      </p:sp>
+    </p:spTree>
+    <p:extLst>
+      <p:ext uri="{BB962C8B-B14F-4D97-AF65-F5344CB8AC3E}">
+        <p14:creationId xmlns:p14="http://schemas.microsoft.com/office/powerpoint/2010/main" val="3211555961"/>
       </p:ext>
     </p:extLst>
   </p:cSld>
@@ -6203,7 +7311,116 @@
           </a:bodyPr>
           <a:lstStyle/>
           <a:p>
-            <a:endParaRPr lang="en-US"/>
+            <a:pPr marL="285750" marR="0" indent="-285750" algn="l" defTabSz="457200" rtl="0" eaLnBrk="1" fontAlgn="auto" latinLnBrk="0" hangingPunct="1">
+              <a:lnSpc>
+                <a:spcPct val="100000"/>
+              </a:lnSpc>
+              <a:spcBef>
+                <a:spcPts val="0"/>
+              </a:spcBef>
+              <a:spcAft>
+                <a:spcPts val="0"/>
+              </a:spcAft>
+              <a:buClrTx/>
+              <a:buSzTx/>
+              <a:buFont typeface="Arial"/>
+              <a:buChar char="•"/>
+              <a:tabLst/>
+              <a:defRPr/>
+            </a:pPr>
+            <a:r>
+              <a:rPr lang="en-US" sz="900" baseline="0" dirty="0" smtClean="0"/>
+              <a:t>What is Yammer</a:t>
+            </a:r>
+          </a:p>
+          <a:p>
+            <a:pPr marL="285750" marR="0" indent="-285750" algn="l" defTabSz="457200" rtl="0" eaLnBrk="1" fontAlgn="auto" latinLnBrk="0" hangingPunct="1">
+              <a:lnSpc>
+                <a:spcPct val="100000"/>
+              </a:lnSpc>
+              <a:spcBef>
+                <a:spcPts val="0"/>
+              </a:spcBef>
+              <a:spcAft>
+                <a:spcPts val="0"/>
+              </a:spcAft>
+              <a:buClrTx/>
+              <a:buSzTx/>
+              <a:buFont typeface="Arial"/>
+              <a:buChar char="•"/>
+              <a:tabLst/>
+              <a:defRPr/>
+            </a:pPr>
+            <a:endParaRPr lang="en-US" sz="900" baseline="0" dirty="0" smtClean="0"/>
+          </a:p>
+          <a:p>
+            <a:pPr marL="285750" marR="0" indent="-285750" algn="l" defTabSz="457200" rtl="0" eaLnBrk="1" fontAlgn="auto" latinLnBrk="0" hangingPunct="1">
+              <a:lnSpc>
+                <a:spcPct val="100000"/>
+              </a:lnSpc>
+              <a:spcBef>
+                <a:spcPts val="0"/>
+              </a:spcBef>
+              <a:spcAft>
+                <a:spcPts val="0"/>
+              </a:spcAft>
+              <a:buClrTx/>
+              <a:buSzTx/>
+              <a:buFont typeface="Arial"/>
+              <a:buChar char="•"/>
+              <a:tabLst/>
+              <a:defRPr/>
+            </a:pPr>
+            <a:r>
+              <a:rPr lang="en-US" sz="900" baseline="0" dirty="0" smtClean="0"/>
+              <a:t>How we use MVPs</a:t>
+            </a:r>
+          </a:p>
+          <a:p>
+            <a:pPr marL="285750" marR="0" indent="-285750" algn="l" defTabSz="457200" rtl="0" eaLnBrk="1" fontAlgn="auto" latinLnBrk="0" hangingPunct="1">
+              <a:lnSpc>
+                <a:spcPct val="100000"/>
+              </a:lnSpc>
+              <a:spcBef>
+                <a:spcPts val="0"/>
+              </a:spcBef>
+              <a:spcAft>
+                <a:spcPts val="0"/>
+              </a:spcAft>
+              <a:buClrTx/>
+              <a:buSzTx/>
+              <a:buFont typeface="Arial"/>
+              <a:buChar char="•"/>
+              <a:tabLst/>
+              <a:defRPr/>
+            </a:pPr>
+            <a:endParaRPr lang="en-US" sz="900" baseline="0" dirty="0" smtClean="0"/>
+          </a:p>
+          <a:p>
+            <a:pPr marL="285750" marR="0" indent="-285750" algn="l" defTabSz="457200" rtl="0" eaLnBrk="1" fontAlgn="auto" latinLnBrk="0" hangingPunct="1">
+              <a:lnSpc>
+                <a:spcPct val="100000"/>
+              </a:lnSpc>
+              <a:spcBef>
+                <a:spcPts val="0"/>
+              </a:spcBef>
+              <a:spcAft>
+                <a:spcPts val="0"/>
+              </a:spcAft>
+              <a:buClrTx/>
+              <a:buSzTx/>
+              <a:buFont typeface="Arial"/>
+              <a:buChar char="•"/>
+              <a:tabLst/>
+              <a:defRPr/>
+            </a:pPr>
+            <a:r>
+              <a:rPr lang="en-US" sz="900" baseline="0" dirty="0" smtClean="0"/>
+              <a:t>Custom frameworks + Open Source == steep learning curve</a:t>
+            </a:r>
+          </a:p>
+          <a:p>
+            <a:endParaRPr lang="en-US" dirty="0"/>
           </a:p>
         </p:txBody>
       </p:sp>
@@ -6252,7 +7469,7 @@
             <a:fld id="{81331B57-0BE5-4F82-AA58-76F53EFF3ADA}" type="datetime8">
               <a:rPr lang="en-US" smtClean="0"/>
               <a:pPr/>
-              <a:t>23/04/2014 20:27</a:t>
+              <a:t>09/05/2014 10:19</a:t>
             </a:fld>
             <a:endParaRPr lang="en-US"/>
           </a:p>
@@ -6276,7 +7493,7 @@
             <a:fld id="{EC87E0CF-87F6-4B58-B8B8-DCAB2DAAF3CA}" type="slidenum">
               <a:rPr lang="en-US" smtClean="0"/>
               <a:pPr/>
-              <a:t>3</a:t>
+              <a:t>2</a:t>
             </a:fld>
             <a:endParaRPr lang="en-US" dirty="0"/>
           </a:p>
@@ -6413,7 +7630,77 @@
           </a:bodyPr>
           <a:lstStyle/>
           <a:p>
-            <a:endParaRPr lang="en-US"/>
+            <a:pPr marL="285750" indent="-285750">
+              <a:buFont typeface="Arial"/>
+              <a:buChar char="•"/>
+            </a:pPr>
+            <a:r>
+              <a:rPr lang="en-US" sz="900" dirty="0" smtClean="0"/>
+              <a:t>What is the thread list</a:t>
+            </a:r>
+          </a:p>
+          <a:p>
+            <a:pPr marL="285750" indent="-285750">
+              <a:buFont typeface="Arial"/>
+              <a:buChar char="•"/>
+            </a:pPr>
+            <a:endParaRPr lang="en-US" sz="900" dirty="0" smtClean="0"/>
+          </a:p>
+          <a:p>
+            <a:pPr marL="285750" indent="-285750">
+              <a:buFont typeface="Arial"/>
+              <a:buChar char="•"/>
+            </a:pPr>
+            <a:r>
+              <a:rPr lang="en-US" sz="900" dirty="0" smtClean="0"/>
+              <a:t>Had</a:t>
+            </a:r>
+            <a:r>
+              <a:rPr lang="en-US" sz="900" baseline="0" dirty="0" smtClean="0"/>
+              <a:t> most of the experimentation</a:t>
+            </a:r>
+          </a:p>
+          <a:p>
+            <a:pPr marL="285750" indent="-285750">
+              <a:buFont typeface="Arial"/>
+              <a:buChar char="•"/>
+            </a:pPr>
+            <a:endParaRPr lang="en-US" sz="900" baseline="0" dirty="0" smtClean="0"/>
+          </a:p>
+          <a:p>
+            <a:pPr marL="285750" indent="-285750">
+              <a:buFont typeface="Arial"/>
+              <a:buChar char="•"/>
+            </a:pPr>
+            <a:r>
+              <a:rPr lang="en-US" sz="900" baseline="0" dirty="0" smtClean="0"/>
+              <a:t>Slow to work in/understand</a:t>
+            </a:r>
+          </a:p>
+          <a:p>
+            <a:pPr marL="285750" indent="-285750">
+              <a:buFont typeface="Arial"/>
+              <a:buChar char="•"/>
+            </a:pPr>
+            <a:endParaRPr lang="en-US" sz="900" baseline="0" dirty="0" smtClean="0"/>
+          </a:p>
+          <a:p>
+            <a:pPr marL="285750" indent="-285750">
+              <a:buFont typeface="Arial"/>
+              <a:buChar char="•"/>
+            </a:pPr>
+            <a:r>
+              <a:rPr lang="en-US" sz="900" baseline="0" dirty="0" err="1" smtClean="0"/>
+              <a:t>Async</a:t>
+            </a:r>
+            <a:r>
+              <a:rPr lang="en-US" sz="900" baseline="0" dirty="0" smtClean="0"/>
+              <a:t> rendering is unpredictable</a:t>
+            </a:r>
+            <a:endParaRPr lang="en-US" sz="900" dirty="0" smtClean="0"/>
+          </a:p>
+          <a:p>
+            <a:endParaRPr lang="en-US" dirty="0"/>
           </a:p>
         </p:txBody>
       </p:sp>
@@ -6462,7 +7749,7 @@
             <a:fld id="{81331B57-0BE5-4F82-AA58-76F53EFF3ADA}" type="datetime8">
               <a:rPr lang="en-US" smtClean="0"/>
               <a:pPr/>
-              <a:t>23/04/2014 20:49</a:t>
+              <a:t>09/05/2014 10:20</a:t>
             </a:fld>
             <a:endParaRPr lang="en-US"/>
           </a:p>
@@ -6486,7 +7773,7 @@
             <a:fld id="{EC87E0CF-87F6-4B58-B8B8-DCAB2DAAF3CA}" type="slidenum">
               <a:rPr lang="en-US" smtClean="0"/>
               <a:pPr/>
-              <a:t>4</a:t>
+              <a:t>3</a:t>
             </a:fld>
             <a:endParaRPr lang="en-US" dirty="0"/>
           </a:p>
@@ -6623,7 +7910,39 @@
           </a:bodyPr>
           <a:lstStyle/>
           <a:p>
-            <a:endParaRPr lang="en-US"/>
+            <a:pPr marL="285750" indent="-285750">
+              <a:buFont typeface="Arial"/>
+              <a:buChar char="•"/>
+            </a:pPr>
+            <a:r>
+              <a:rPr lang="en-US" sz="900" dirty="0" smtClean="0"/>
+              <a:t>Don’t got hating past team mates</a:t>
+            </a:r>
+          </a:p>
+          <a:p>
+            <a:pPr marL="285750" indent="-285750">
+              <a:buFont typeface="Arial"/>
+              <a:buChar char="•"/>
+            </a:pPr>
+            <a:endParaRPr lang="en-US" sz="900" dirty="0" smtClean="0"/>
+          </a:p>
+          <a:p>
+            <a:pPr marL="285750" indent="-285750">
+              <a:buFont typeface="Arial"/>
+              <a:buChar char="•"/>
+            </a:pPr>
+            <a:r>
+              <a:rPr lang="en-US" sz="900" dirty="0" smtClean="0"/>
+              <a:t>Their</a:t>
+            </a:r>
+            <a:r>
+              <a:rPr lang="en-US" sz="900" baseline="0" dirty="0" smtClean="0"/>
+              <a:t> code means you’re employed</a:t>
+            </a:r>
+            <a:endParaRPr lang="en-US" sz="900" dirty="0" smtClean="0"/>
+          </a:p>
+          <a:p>
+            <a:endParaRPr lang="en-US" dirty="0"/>
           </a:p>
         </p:txBody>
       </p:sp>
@@ -6672,7 +7991,7 @@
             <a:fld id="{81331B57-0BE5-4F82-AA58-76F53EFF3ADA}" type="datetime8">
               <a:rPr lang="en-US" smtClean="0"/>
               <a:pPr/>
-              <a:t>23/04/2014 20:57</a:t>
+              <a:t>09/05/2014 10:20</a:t>
             </a:fld>
             <a:endParaRPr lang="en-US"/>
           </a:p>
@@ -6696,7 +8015,7 @@
             <a:fld id="{EC87E0CF-87F6-4B58-B8B8-DCAB2DAAF3CA}" type="slidenum">
               <a:rPr lang="en-US" smtClean="0"/>
               <a:pPr/>
-              <a:t>5</a:t>
+              <a:t>4</a:t>
             </a:fld>
             <a:endParaRPr lang="en-US" dirty="0"/>
           </a:p>
@@ -6833,7 +8152,73 @@
           </a:bodyPr>
           <a:lstStyle/>
           <a:p>
-            <a:endParaRPr lang="en-US"/>
+            <a:pPr marL="285750" indent="-285750">
+              <a:buFont typeface="Arial"/>
+              <a:buChar char="•"/>
+            </a:pPr>
+            <a:r>
+              <a:rPr lang="en-US" sz="900" dirty="0" smtClean="0"/>
+              <a:t>Tricky</a:t>
+            </a:r>
+            <a:r>
+              <a:rPr lang="en-US" sz="900" baseline="0" dirty="0" smtClean="0"/>
+              <a:t> decision, different for everyone</a:t>
+            </a:r>
+          </a:p>
+          <a:p>
+            <a:pPr marL="285750" indent="-285750">
+              <a:buFont typeface="Arial"/>
+              <a:buChar char="•"/>
+            </a:pPr>
+            <a:endParaRPr lang="en-US" sz="900" baseline="0" dirty="0" smtClean="0"/>
+          </a:p>
+          <a:p>
+            <a:pPr marL="285750" indent="-285750">
+              <a:buFont typeface="Arial"/>
+              <a:buChar char="•"/>
+            </a:pPr>
+            <a:r>
+              <a:rPr lang="en-US" sz="900" baseline="0" dirty="0" smtClean="0"/>
+              <a:t>Time to ship on a rewrite is more important than on a refactor</a:t>
+            </a:r>
+          </a:p>
+          <a:p>
+            <a:pPr marL="285750" indent="-285750">
+              <a:buFont typeface="Arial"/>
+              <a:buChar char="•"/>
+            </a:pPr>
+            <a:endParaRPr lang="en-US" sz="900" baseline="0" dirty="0" smtClean="0"/>
+          </a:p>
+          <a:p>
+            <a:pPr marL="285750" indent="-285750">
+              <a:buFont typeface="Arial"/>
+              <a:buChar char="•"/>
+            </a:pPr>
+            <a:r>
+              <a:rPr lang="en-US" sz="900" baseline="0" dirty="0" smtClean="0"/>
+              <a:t>4 years of changes and bug fixes</a:t>
+            </a:r>
+          </a:p>
+          <a:p>
+            <a:pPr marL="285750" indent="-285750">
+              <a:buFont typeface="Arial"/>
+              <a:buChar char="•"/>
+            </a:pPr>
+            <a:endParaRPr lang="en-US" sz="900" baseline="0" dirty="0" smtClean="0"/>
+          </a:p>
+          <a:p>
+            <a:pPr marL="285750" indent="-285750">
+              <a:buFont typeface="Arial"/>
+              <a:buChar char="•"/>
+            </a:pPr>
+            <a:r>
+              <a:rPr lang="en-US" sz="900" baseline="0" dirty="0" smtClean="0"/>
+              <a:t>Compliance cost</a:t>
+            </a:r>
+            <a:endParaRPr lang="en-US" sz="900" dirty="0" smtClean="0"/>
+          </a:p>
+          <a:p>
+            <a:endParaRPr lang="en-US" dirty="0"/>
           </a:p>
         </p:txBody>
       </p:sp>
@@ -6882,7 +8267,7 @@
             <a:fld id="{81331B57-0BE5-4F82-AA58-76F53EFF3ADA}" type="datetime8">
               <a:rPr lang="en-US" smtClean="0"/>
               <a:pPr/>
-              <a:t>23/04/2014 21:03</a:t>
+              <a:t>09/05/2014 10:21</a:t>
             </a:fld>
             <a:endParaRPr lang="en-US"/>
           </a:p>
@@ -6906,7 +8291,7 @@
             <a:fld id="{EC87E0CF-87F6-4B58-B8B8-DCAB2DAAF3CA}" type="slidenum">
               <a:rPr lang="en-US" smtClean="0"/>
               <a:pPr/>
-              <a:t>6</a:t>
+              <a:t>5</a:t>
             </a:fld>
             <a:endParaRPr lang="en-US" dirty="0"/>
           </a:p>
@@ -7043,7 +8428,73 @@
           </a:bodyPr>
           <a:lstStyle/>
           <a:p>
-            <a:endParaRPr lang="en-US"/>
+            <a:pPr marL="285750" indent="-285750">
+              <a:buFont typeface="Arial"/>
+              <a:buChar char="•"/>
+            </a:pPr>
+            <a:r>
+              <a:rPr lang="en-US" sz="900" dirty="0" smtClean="0"/>
+              <a:t>Don’t refactor in a silo</a:t>
+            </a:r>
+          </a:p>
+          <a:p>
+            <a:pPr marL="285750" indent="-285750">
+              <a:buFont typeface="Arial"/>
+              <a:buChar char="•"/>
+            </a:pPr>
+            <a:endParaRPr lang="en-US" sz="900" dirty="0" smtClean="0"/>
+          </a:p>
+          <a:p>
+            <a:pPr marL="285750" indent="-285750">
+              <a:buFont typeface="Arial"/>
+              <a:buChar char="•"/>
+            </a:pPr>
+            <a:r>
+              <a:rPr lang="en-US" sz="900" dirty="0" smtClean="0"/>
+              <a:t>No</a:t>
+            </a:r>
+            <a:r>
+              <a:rPr lang="en-US" sz="900" baseline="0" dirty="0" smtClean="0"/>
+              <a:t> one works alone</a:t>
+            </a:r>
+          </a:p>
+          <a:p>
+            <a:pPr marL="285750" indent="-285750">
+              <a:buFont typeface="Arial"/>
+              <a:buChar char="•"/>
+            </a:pPr>
+            <a:endParaRPr lang="en-US" sz="900" baseline="0" dirty="0" smtClean="0"/>
+          </a:p>
+          <a:p>
+            <a:pPr marL="285750" indent="-285750">
+              <a:buFont typeface="Arial"/>
+              <a:buChar char="•"/>
+            </a:pPr>
+            <a:r>
+              <a:rPr lang="en-US" sz="900" baseline="0" dirty="0" smtClean="0"/>
+              <a:t>I don’t have all the answers</a:t>
+            </a:r>
+          </a:p>
+          <a:p>
+            <a:pPr marL="285750" indent="-285750">
+              <a:buFont typeface="Arial"/>
+              <a:buChar char="•"/>
+            </a:pPr>
+            <a:endParaRPr lang="en-US" sz="900" baseline="0" dirty="0" smtClean="0"/>
+          </a:p>
+          <a:p>
+            <a:pPr marL="285750" indent="-285750">
+              <a:buFont typeface="Arial"/>
+              <a:buChar char="•"/>
+            </a:pPr>
+            <a:r>
+              <a:rPr lang="en-US" sz="900" baseline="0" dirty="0" smtClean="0"/>
+              <a:t>Have someone to bounce ideas off</a:t>
+            </a:r>
+            <a:endParaRPr lang="en-US" sz="900" dirty="0" smtClean="0"/>
+          </a:p>
+          <a:p>
+            <a:endParaRPr lang="en-US" dirty="0"/>
           </a:p>
         </p:txBody>
       </p:sp>
@@ -7092,7 +8543,7 @@
             <a:fld id="{81331B57-0BE5-4F82-AA58-76F53EFF3ADA}" type="datetime8">
               <a:rPr lang="en-US" smtClean="0"/>
               <a:pPr/>
-              <a:t>23/04/2014 21:08</a:t>
+              <a:t>09/05/2014 10:38</a:t>
             </a:fld>
             <a:endParaRPr lang="en-US"/>
           </a:p>
@@ -7116,7 +8567,7 @@
             <a:fld id="{EC87E0CF-87F6-4B58-B8B8-DCAB2DAAF3CA}" type="slidenum">
               <a:rPr lang="en-US" smtClean="0"/>
               <a:pPr/>
-              <a:t>7</a:t>
+              <a:t>6</a:t>
             </a:fld>
             <a:endParaRPr lang="en-US" dirty="0"/>
           </a:p>
@@ -7253,7 +8704,73 @@
           </a:bodyPr>
           <a:lstStyle/>
           <a:p>
-            <a:endParaRPr lang="en-US"/>
+            <a:pPr marL="285750" indent="-285750">
+              <a:buFont typeface="Arial"/>
+              <a:buChar char="•"/>
+            </a:pPr>
+            <a:r>
+              <a:rPr lang="en-US" sz="900" dirty="0" smtClean="0"/>
+              <a:t>Research</a:t>
+            </a:r>
+            <a:r>
+              <a:rPr lang="en-US" sz="900" baseline="0" dirty="0" smtClean="0"/>
+              <a:t> needed to understand the domain</a:t>
+            </a:r>
+          </a:p>
+          <a:p>
+            <a:pPr marL="285750" indent="-285750">
+              <a:buFont typeface="Arial"/>
+              <a:buChar char="•"/>
+            </a:pPr>
+            <a:endParaRPr lang="en-US" sz="900" baseline="0" dirty="0" smtClean="0"/>
+          </a:p>
+          <a:p>
+            <a:pPr marL="285750" indent="-285750">
+              <a:buFont typeface="Arial"/>
+              <a:buChar char="•"/>
+            </a:pPr>
+            <a:r>
+              <a:rPr lang="en-US" sz="900" baseline="0" dirty="0" smtClean="0"/>
+              <a:t>Not everything is written down</a:t>
+            </a:r>
+          </a:p>
+          <a:p>
+            <a:pPr marL="285750" indent="-285750">
+              <a:buFont typeface="Arial"/>
+              <a:buChar char="•"/>
+            </a:pPr>
+            <a:endParaRPr lang="en-US" sz="900" baseline="0" dirty="0" smtClean="0"/>
+          </a:p>
+          <a:p>
+            <a:pPr marL="285750" indent="-285750">
+              <a:buFont typeface="Arial"/>
+              <a:buChar char="•"/>
+            </a:pPr>
+            <a:r>
+              <a:rPr lang="en-US" sz="900" baseline="0" dirty="0" smtClean="0"/>
+              <a:t>Spent a full week doing research</a:t>
+            </a:r>
+          </a:p>
+          <a:p>
+            <a:pPr marL="285750" indent="-285750">
+              <a:buFont typeface="Arial"/>
+              <a:buChar char="•"/>
+            </a:pPr>
+            <a:endParaRPr lang="en-US" sz="900" baseline="0" dirty="0" smtClean="0"/>
+          </a:p>
+          <a:p>
+            <a:pPr marL="285750" indent="-285750">
+              <a:buFont typeface="Arial"/>
+              <a:buChar char="•"/>
+            </a:pPr>
+            <a:r>
+              <a:rPr lang="en-US" sz="900" baseline="0" dirty="0" smtClean="0"/>
+              <a:t>Limit the scope</a:t>
+            </a:r>
+            <a:endParaRPr lang="en-US" sz="900" dirty="0" smtClean="0"/>
+          </a:p>
+          <a:p>
+            <a:endParaRPr lang="en-US" dirty="0"/>
           </a:p>
         </p:txBody>
       </p:sp>
@@ -7302,7 +8819,7 @@
             <a:fld id="{81331B57-0BE5-4F82-AA58-76F53EFF3ADA}" type="datetime8">
               <a:rPr lang="en-US" smtClean="0"/>
               <a:pPr/>
-              <a:t>23/04/2014 21:14</a:t>
+              <a:t>09/05/2014 10:38</a:t>
             </a:fld>
             <a:endParaRPr lang="en-US"/>
           </a:p>
@@ -7326,7 +8843,7 @@
             <a:fld id="{EC87E0CF-87F6-4B58-B8B8-DCAB2DAAF3CA}" type="slidenum">
               <a:rPr lang="en-US" smtClean="0"/>
               <a:pPr/>
-              <a:t>8</a:t>
+              <a:t>7</a:t>
             </a:fld>
             <a:endParaRPr lang="en-US" dirty="0"/>
           </a:p>
@@ -7463,7 +8980,90 @@
           </a:bodyPr>
           <a:lstStyle/>
           <a:p>
-            <a:endParaRPr lang="en-US"/>
+            <a:pPr marL="285750" indent="-285750">
+              <a:buFont typeface="Arial"/>
+              <a:buChar char="•"/>
+            </a:pPr>
+            <a:r>
+              <a:rPr lang="en-US" sz="900" dirty="0" smtClean="0"/>
+              <a:t>Step 1: Commit to master</a:t>
+            </a:r>
+          </a:p>
+          <a:p>
+            <a:pPr marL="285750" indent="-285750">
+              <a:buFont typeface="Arial"/>
+              <a:buChar char="•"/>
+            </a:pPr>
+            <a:endParaRPr lang="en-US" sz="900" dirty="0" smtClean="0"/>
+          </a:p>
+          <a:p>
+            <a:pPr marL="285750" indent="-285750">
+              <a:buFont typeface="Arial"/>
+              <a:buChar char="•"/>
+            </a:pPr>
+            <a:r>
+              <a:rPr lang="en-US" sz="900" dirty="0" smtClean="0"/>
+              <a:t>Use a</a:t>
+            </a:r>
+            <a:r>
+              <a:rPr lang="en-US" sz="900" baseline="0" dirty="0" smtClean="0"/>
+              <a:t> feature gate</a:t>
+            </a:r>
+          </a:p>
+          <a:p>
+            <a:pPr marL="285750" indent="-285750">
+              <a:buFont typeface="Arial"/>
+              <a:buChar char="•"/>
+            </a:pPr>
+            <a:endParaRPr lang="en-US" sz="900" baseline="0" dirty="0" smtClean="0"/>
+          </a:p>
+          <a:p>
+            <a:pPr marL="285750" indent="-285750">
+              <a:buFont typeface="Arial"/>
+              <a:buChar char="•"/>
+            </a:pPr>
+            <a:r>
+              <a:rPr lang="en-US" sz="900" baseline="0" dirty="0" smtClean="0"/>
+              <a:t>What is a feature gate, no long branches</a:t>
+            </a:r>
+          </a:p>
+          <a:p>
+            <a:pPr marL="285750" indent="-285750">
+              <a:buFont typeface="Arial"/>
+              <a:buChar char="•"/>
+            </a:pPr>
+            <a:endParaRPr lang="en-US" sz="900" baseline="0" dirty="0" smtClean="0"/>
+          </a:p>
+          <a:p>
+            <a:pPr marL="285750" indent="-285750">
+              <a:buFont typeface="Arial"/>
+              <a:buChar char="•"/>
+            </a:pPr>
+            <a:r>
+              <a:rPr lang="en-US" sz="900" baseline="0" dirty="0" smtClean="0"/>
+              <a:t>3 projects did work along side us</a:t>
+            </a:r>
+          </a:p>
+          <a:p>
+            <a:pPr marL="285750" indent="-285750">
+              <a:buFont typeface="Arial"/>
+              <a:buChar char="•"/>
+            </a:pPr>
+            <a:endParaRPr lang="en-US" sz="900" baseline="0" dirty="0" smtClean="0"/>
+          </a:p>
+          <a:p>
+            <a:pPr marL="285750" indent="-285750">
+              <a:buFont typeface="Arial"/>
+              <a:buChar char="•"/>
+            </a:pPr>
+            <a:r>
+              <a:rPr lang="en-US" sz="900" baseline="0" dirty="0" smtClean="0"/>
+              <a:t>1 month till first merge to master and then every few days</a:t>
+            </a:r>
+            <a:endParaRPr lang="en-US" sz="900" dirty="0" smtClean="0"/>
+          </a:p>
+          <a:p>
+            <a:endParaRPr lang="en-US" dirty="0"/>
           </a:p>
         </p:txBody>
       </p:sp>
@@ -7512,7 +9112,7 @@
             <a:fld id="{81331B57-0BE5-4F82-AA58-76F53EFF3ADA}" type="datetime8">
               <a:rPr lang="en-US" smtClean="0"/>
               <a:pPr/>
-              <a:t>23/04/2014 21:17</a:t>
+              <a:t>09/05/2014 10:39</a:t>
             </a:fld>
             <a:endParaRPr lang="en-US"/>
           </a:p>
@@ -7536,7 +9136,7 @@
             <a:fld id="{EC87E0CF-87F6-4B58-B8B8-DCAB2DAAF3CA}" type="slidenum">
               <a:rPr lang="en-US" smtClean="0"/>
               <a:pPr/>
-              <a:t>9</a:t>
+              <a:t>8</a:t>
             </a:fld>
             <a:endParaRPr lang="en-US" dirty="0"/>
           </a:p>
@@ -7673,7 +9273,73 @@
           </a:bodyPr>
           <a:lstStyle/>
           <a:p>
-            <a:endParaRPr lang="en-US"/>
+            <a:pPr marL="285750" indent="-285750">
+              <a:buFont typeface="Arial"/>
+              <a:buChar char="•"/>
+            </a:pPr>
+            <a:r>
+              <a:rPr lang="en-US" sz="900" dirty="0" smtClean="0"/>
+              <a:t>Fork</a:t>
+            </a:r>
+            <a:r>
+              <a:rPr lang="en-US" sz="900" baseline="0" dirty="0" smtClean="0"/>
+              <a:t> the tests</a:t>
+            </a:r>
+          </a:p>
+          <a:p>
+            <a:pPr marL="285750" indent="-285750">
+              <a:buFont typeface="Arial"/>
+              <a:buChar char="•"/>
+            </a:pPr>
+            <a:endParaRPr lang="en-US" sz="900" baseline="0" dirty="0" smtClean="0"/>
+          </a:p>
+          <a:p>
+            <a:pPr marL="285750" indent="-285750">
+              <a:buFont typeface="Arial"/>
+              <a:buChar char="•"/>
+            </a:pPr>
+            <a:r>
+              <a:rPr lang="en-US" sz="900" baseline="0" dirty="0" smtClean="0"/>
+              <a:t>Both old and new should be under test</a:t>
+            </a:r>
+          </a:p>
+          <a:p>
+            <a:pPr marL="285750" indent="-285750">
+              <a:buFont typeface="Arial"/>
+              <a:buChar char="•"/>
+            </a:pPr>
+            <a:endParaRPr lang="en-US" sz="900" baseline="0" dirty="0" smtClean="0"/>
+          </a:p>
+          <a:p>
+            <a:pPr marL="285750" indent="-285750">
+              <a:buFont typeface="Arial"/>
+              <a:buChar char="•"/>
+            </a:pPr>
+            <a:r>
+              <a:rPr lang="en-US" sz="900" baseline="0" dirty="0" smtClean="0"/>
+              <a:t>Over the last two years we’ve gotten to 70% coverage – 5781 tests</a:t>
+            </a:r>
+          </a:p>
+          <a:p>
+            <a:pPr marL="285750" indent="-285750">
+              <a:buFont typeface="Arial"/>
+              <a:buChar char="•"/>
+            </a:pPr>
+            <a:endParaRPr lang="en-US" sz="900" baseline="0" dirty="0" smtClean="0"/>
+          </a:p>
+          <a:p>
+            <a:pPr marL="285750" indent="-285750">
+              <a:buFont typeface="Arial"/>
+              <a:buChar char="•"/>
+            </a:pPr>
+            <a:r>
+              <a:rPr lang="en-US" sz="900" baseline="0" dirty="0" smtClean="0"/>
+              <a:t>Tests give you trust</a:t>
+            </a:r>
+            <a:endParaRPr lang="en-US" sz="900" dirty="0" smtClean="0"/>
+          </a:p>
+          <a:p>
+            <a:endParaRPr lang="en-US" dirty="0"/>
           </a:p>
         </p:txBody>
       </p:sp>
@@ -7722,7 +9388,7 @@
             <a:fld id="{81331B57-0BE5-4F82-AA58-76F53EFF3ADA}" type="datetime8">
               <a:rPr lang="en-US" smtClean="0"/>
               <a:pPr/>
-              <a:t>23/04/2014 21:27</a:t>
+              <a:t>09/05/2014 10:39</a:t>
             </a:fld>
             <a:endParaRPr lang="en-US"/>
           </a:p>
@@ -7746,7 +9412,7 @@
             <a:fld id="{EC87E0CF-87F6-4B58-B8B8-DCAB2DAAF3CA}" type="slidenum">
               <a:rPr lang="en-US" smtClean="0"/>
               <a:pPr/>
-              <a:t>11</a:t>
+              <a:t>9</a:t>
             </a:fld>
             <a:endParaRPr lang="en-US" dirty="0"/>
           </a:p>
@@ -7975,11 +9641,11 @@
   <p:clrMapOvr>
     <a:masterClrMapping/>
   </p:clrMapOvr>
-  <mc:AlternateContent xmlns:mc="http://schemas.openxmlformats.org/markup-compatibility/2006">
-    <mc:Choice xmlns:p14="http://schemas.microsoft.com/office/powerpoint/2010/main" Requires="p14">
+  <mc:AlternateContent xmlns:mc="http://schemas.openxmlformats.org/markup-compatibility/2006" xmlns:p14="http://schemas.microsoft.com/office/powerpoint/2010/main">
+    <mc:Choice Requires="p14">
       <p:transition p14:dur="0"/>
     </mc:Choice>
-    <mc:Fallback>
+    <mc:Fallback xmlns="">
       <p:transition xmlns:p14="http://schemas.microsoft.com/office/powerpoint/2010/main"/>
     </mc:Fallback>
   </mc:AlternateContent>
@@ -7989,14 +9655,6 @@
 <file path=ppt/slideLayouts/slideLayout10.xml><?xml version="1.0" encoding="utf-8"?>
 <p:sldLayout xmlns:a="http://schemas.openxmlformats.org/drawingml/2006/main" xmlns:r="http://schemas.openxmlformats.org/officeDocument/2006/relationships" xmlns:p="http://schemas.openxmlformats.org/presentationml/2006/main" preserve="1" userDrawn="1">
   <p:cSld name="2_Blank Color 1 Layout">
-    <p:bg>
-      <p:bgPr>
-        <a:solidFill>
-          <a:schemeClr val="accent3"/>
-        </a:solidFill>
-        <a:effectLst/>
-      </p:bgPr>
-    </p:bg>
     <p:spTree>
       <p:nvGrpSpPr>
         <p:cNvPr id="1" name=""/>
@@ -8180,11 +9838,11 @@
   <p:clrMapOvr>
     <a:masterClrMapping/>
   </p:clrMapOvr>
-  <mc:AlternateContent xmlns:mc="http://schemas.openxmlformats.org/markup-compatibility/2006">
-    <mc:Choice xmlns:p14="http://schemas.microsoft.com/office/powerpoint/2010/main" Requires="p14">
+  <mc:AlternateContent xmlns:mc="http://schemas.openxmlformats.org/markup-compatibility/2006" xmlns:p14="http://schemas.microsoft.com/office/powerpoint/2010/main">
+    <mc:Choice Requires="p14">
       <p:transition p14:dur="0"/>
     </mc:Choice>
-    <mc:Fallback>
+    <mc:Fallback xmlns="">
       <p:transition xmlns:p14="http://schemas.microsoft.com/office/powerpoint/2010/main"/>
     </mc:Fallback>
   </mc:AlternateContent>
@@ -8201,14 +9859,6 @@
 <file path=ppt/slideLayouts/slideLayout11.xml><?xml version="1.0" encoding="utf-8"?>
 <p:sldLayout xmlns:a="http://schemas.openxmlformats.org/drawingml/2006/main" xmlns:r="http://schemas.openxmlformats.org/officeDocument/2006/relationships" xmlns:p="http://schemas.openxmlformats.org/presentationml/2006/main" preserve="1" userDrawn="1">
   <p:cSld name="3_Blank Color 1 Layout">
-    <p:bg>
-      <p:bgPr>
-        <a:solidFill>
-          <a:schemeClr val="accent6"/>
-        </a:solidFill>
-        <a:effectLst/>
-      </p:bgPr>
-    </p:bg>
     <p:spTree>
       <p:nvGrpSpPr>
         <p:cNvPr id="1" name=""/>
@@ -8392,11 +10042,11 @@
   <p:clrMapOvr>
     <a:masterClrMapping/>
   </p:clrMapOvr>
-  <mc:AlternateContent xmlns:mc="http://schemas.openxmlformats.org/markup-compatibility/2006">
-    <mc:Choice xmlns:p14="http://schemas.microsoft.com/office/powerpoint/2010/main" Requires="p14">
+  <mc:AlternateContent xmlns:mc="http://schemas.openxmlformats.org/markup-compatibility/2006" xmlns:p14="http://schemas.microsoft.com/office/powerpoint/2010/main">
+    <mc:Choice Requires="p14">
       <p:transition p14:dur="0"/>
     </mc:Choice>
-    <mc:Fallback>
+    <mc:Fallback xmlns="">
       <p:transition xmlns:p14="http://schemas.microsoft.com/office/powerpoint/2010/main"/>
     </mc:Fallback>
   </mc:AlternateContent>
@@ -8413,14 +10063,6 @@
 <file path=ppt/slideLayouts/slideLayout12.xml><?xml version="1.0" encoding="utf-8"?>
 <p:sldLayout xmlns:a="http://schemas.openxmlformats.org/drawingml/2006/main" xmlns:r="http://schemas.openxmlformats.org/officeDocument/2006/relationships" xmlns:p="http://schemas.openxmlformats.org/presentationml/2006/main" preserve="1" userDrawn="1">
   <p:cSld name="4_Blank Color 1 Layout">
-    <p:bg>
-      <p:bgPr>
-        <a:solidFill>
-          <a:schemeClr val="accent5"/>
-        </a:solidFill>
-        <a:effectLst/>
-      </p:bgPr>
-    </p:bg>
     <p:spTree>
       <p:nvGrpSpPr>
         <p:cNvPr id="1" name=""/>
@@ -8604,11 +10246,11 @@
   <p:clrMapOvr>
     <a:masterClrMapping/>
   </p:clrMapOvr>
-  <mc:AlternateContent xmlns:mc="http://schemas.openxmlformats.org/markup-compatibility/2006">
-    <mc:Choice xmlns:p14="http://schemas.microsoft.com/office/powerpoint/2010/main" Requires="p14">
+  <mc:AlternateContent xmlns:mc="http://schemas.openxmlformats.org/markup-compatibility/2006" xmlns:p14="http://schemas.microsoft.com/office/powerpoint/2010/main">
+    <mc:Choice Requires="p14">
       <p:transition p14:dur="0"/>
     </mc:Choice>
-    <mc:Fallback>
+    <mc:Fallback xmlns="">
       <p:transition xmlns:p14="http://schemas.microsoft.com/office/powerpoint/2010/main"/>
     </mc:Fallback>
   </mc:AlternateContent>
@@ -8649,11 +10291,11 @@
   <p:clrMapOvr>
     <a:masterClrMapping/>
   </p:clrMapOvr>
-  <mc:AlternateContent xmlns:mc="http://schemas.openxmlformats.org/markup-compatibility/2006">
-    <mc:Choice xmlns:p14="http://schemas.microsoft.com/office/powerpoint/2010/main" Requires="p14">
+  <mc:AlternateContent xmlns:mc="http://schemas.openxmlformats.org/markup-compatibility/2006" xmlns:p14="http://schemas.microsoft.com/office/powerpoint/2010/main">
+    <mc:Choice Requires="p14">
       <p:transition p14:dur="0"/>
     </mc:Choice>
-    <mc:Fallback>
+    <mc:Fallback xmlns="">
       <p:transition xmlns:p14="http://schemas.microsoft.com/office/powerpoint/2010/main"/>
     </mc:Fallback>
   </mc:AlternateContent>
@@ -8670,14 +10312,6 @@
 <file path=ppt/slideLayouts/slideLayout14.xml><?xml version="1.0" encoding="utf-8"?>
 <p:sldLayout xmlns:a="http://schemas.openxmlformats.org/drawingml/2006/main" xmlns:r="http://schemas.openxmlformats.org/officeDocument/2006/relationships" xmlns:p="http://schemas.openxmlformats.org/presentationml/2006/main" preserve="1" userDrawn="1">
   <p:cSld name="Blank Color 2 Layout">
-    <p:bg>
-      <p:bgPr>
-        <a:solidFill>
-          <a:schemeClr val="accent2"/>
-        </a:solidFill>
-        <a:effectLst/>
-      </p:bgPr>
-    </p:bg>
     <p:spTree>
       <p:nvGrpSpPr>
         <p:cNvPr id="1" name=""/>
@@ -8702,11 +10336,11 @@
   <p:clrMapOvr>
     <a:masterClrMapping/>
   </p:clrMapOvr>
-  <mc:AlternateContent xmlns:mc="http://schemas.openxmlformats.org/markup-compatibility/2006">
-    <mc:Choice xmlns:p14="http://schemas.microsoft.com/office/powerpoint/2010/main" Requires="p14">
+  <mc:AlternateContent xmlns:mc="http://schemas.openxmlformats.org/markup-compatibility/2006" xmlns:p14="http://schemas.microsoft.com/office/powerpoint/2010/main">
+    <mc:Choice Requires="p14">
       <p:transition p14:dur="0"/>
     </mc:Choice>
-    <mc:Fallback>
+    <mc:Fallback xmlns="">
       <p:transition xmlns:p14="http://schemas.microsoft.com/office/powerpoint/2010/main"/>
     </mc:Fallback>
   </mc:AlternateContent>
@@ -8723,14 +10357,6 @@
 <file path=ppt/slideLayouts/slideLayout15.xml><?xml version="1.0" encoding="utf-8"?>
 <p:sldLayout xmlns:a="http://schemas.openxmlformats.org/drawingml/2006/main" xmlns:r="http://schemas.openxmlformats.org/officeDocument/2006/relationships" xmlns:p="http://schemas.openxmlformats.org/presentationml/2006/main" preserve="1" userDrawn="1">
   <p:cSld name="Blank Color 3 Layout">
-    <p:bg>
-      <p:bgPr>
-        <a:solidFill>
-          <a:schemeClr val="accent3"/>
-        </a:solidFill>
-        <a:effectLst/>
-      </p:bgPr>
-    </p:bg>
     <p:spTree>
       <p:nvGrpSpPr>
         <p:cNvPr id="1" name=""/>
@@ -8755,11 +10381,11 @@
   <p:clrMapOvr>
     <a:masterClrMapping/>
   </p:clrMapOvr>
-  <mc:AlternateContent xmlns:mc="http://schemas.openxmlformats.org/markup-compatibility/2006">
-    <mc:Choice xmlns:p14="http://schemas.microsoft.com/office/powerpoint/2010/main" Requires="p14">
+  <mc:AlternateContent xmlns:mc="http://schemas.openxmlformats.org/markup-compatibility/2006" xmlns:p14="http://schemas.microsoft.com/office/powerpoint/2010/main">
+    <mc:Choice Requires="p14">
       <p:transition p14:dur="0"/>
     </mc:Choice>
-    <mc:Fallback>
+    <mc:Fallback xmlns="">
       <p:transition xmlns:p14="http://schemas.microsoft.com/office/powerpoint/2010/main"/>
     </mc:Fallback>
   </mc:AlternateContent>
@@ -8776,14 +10402,6 @@
 <file path=ppt/slideLayouts/slideLayout16.xml><?xml version="1.0" encoding="utf-8"?>
 <p:sldLayout xmlns:a="http://schemas.openxmlformats.org/drawingml/2006/main" xmlns:r="http://schemas.openxmlformats.org/officeDocument/2006/relationships" xmlns:p="http://schemas.openxmlformats.org/presentationml/2006/main" preserve="1" userDrawn="1">
   <p:cSld name="Blank Color Layout 4">
-    <p:bg>
-      <p:bgPr>
-        <a:solidFill>
-          <a:schemeClr val="accent6"/>
-        </a:solidFill>
-        <a:effectLst/>
-      </p:bgPr>
-    </p:bg>
     <p:spTree>
       <p:nvGrpSpPr>
         <p:cNvPr id="1" name=""/>
@@ -8808,11 +10426,11 @@
   <p:clrMapOvr>
     <a:masterClrMapping/>
   </p:clrMapOvr>
-  <mc:AlternateContent xmlns:mc="http://schemas.openxmlformats.org/markup-compatibility/2006">
-    <mc:Choice xmlns:p14="http://schemas.microsoft.com/office/powerpoint/2010/main" Requires="p14">
+  <mc:AlternateContent xmlns:mc="http://schemas.openxmlformats.org/markup-compatibility/2006" xmlns:p14="http://schemas.microsoft.com/office/powerpoint/2010/main">
+    <mc:Choice Requires="p14">
       <p:transition p14:dur="0"/>
     </mc:Choice>
-    <mc:Fallback>
+    <mc:Fallback xmlns="">
       <p:transition xmlns:p14="http://schemas.microsoft.com/office/powerpoint/2010/main"/>
     </mc:Fallback>
   </mc:AlternateContent>
@@ -8829,14 +10447,6 @@
 <file path=ppt/slideLayouts/slideLayout17.xml><?xml version="1.0" encoding="utf-8"?>
 <p:sldLayout xmlns:a="http://schemas.openxmlformats.org/drawingml/2006/main" xmlns:r="http://schemas.openxmlformats.org/officeDocument/2006/relationships" xmlns:p="http://schemas.openxmlformats.org/presentationml/2006/main" preserve="1" userDrawn="1">
   <p:cSld name="Blank Color Layout 5">
-    <p:bg>
-      <p:bgPr>
-        <a:solidFill>
-          <a:schemeClr val="accent5"/>
-        </a:solidFill>
-        <a:effectLst/>
-      </p:bgPr>
-    </p:bg>
     <p:spTree>
       <p:nvGrpSpPr>
         <p:cNvPr id="1" name=""/>
@@ -8861,11 +10471,11 @@
   <p:clrMapOvr>
     <a:masterClrMapping/>
   </p:clrMapOvr>
-  <mc:AlternateContent xmlns:mc="http://schemas.openxmlformats.org/markup-compatibility/2006">
-    <mc:Choice xmlns:p14="http://schemas.microsoft.com/office/powerpoint/2010/main" Requires="p14">
+  <mc:AlternateContent xmlns:mc="http://schemas.openxmlformats.org/markup-compatibility/2006" xmlns:p14="http://schemas.microsoft.com/office/powerpoint/2010/main">
+    <mc:Choice Requires="p14">
       <p:transition p14:dur="0"/>
     </mc:Choice>
-    <mc:Fallback>
+    <mc:Fallback xmlns="">
       <p:transition xmlns:p14="http://schemas.microsoft.com/office/powerpoint/2010/main"/>
     </mc:Fallback>
   </mc:AlternateContent>
@@ -8991,11 +10601,11 @@
   <p:clrMapOvr>
     <a:masterClrMapping/>
   </p:clrMapOvr>
-  <mc:AlternateContent xmlns:mc="http://schemas.openxmlformats.org/markup-compatibility/2006">
-    <mc:Choice xmlns:p14="http://schemas.microsoft.com/office/powerpoint/2010/main" Requires="p14">
+  <mc:AlternateContent xmlns:mc="http://schemas.openxmlformats.org/markup-compatibility/2006" xmlns:p14="http://schemas.microsoft.com/office/powerpoint/2010/main">
+    <mc:Choice Requires="p14">
       <p:transition p14:dur="0"/>
     </mc:Choice>
-    <mc:Fallback>
+    <mc:Fallback xmlns="">
       <p:transition xmlns:p14="http://schemas.microsoft.com/office/powerpoint/2010/main"/>
     </mc:Fallback>
   </mc:AlternateContent>
@@ -9140,11 +10750,11 @@
   <p:clrMapOvr>
     <a:masterClrMapping/>
   </p:clrMapOvr>
-  <mc:AlternateContent xmlns:mc="http://schemas.openxmlformats.org/markup-compatibility/2006">
-    <mc:Choice xmlns:p14="http://schemas.microsoft.com/office/powerpoint/2010/main" Requires="p14">
+  <mc:AlternateContent xmlns:mc="http://schemas.openxmlformats.org/markup-compatibility/2006" xmlns:p14="http://schemas.microsoft.com/office/powerpoint/2010/main">
+    <mc:Choice Requires="p14">
       <p:transition p14:dur="0"/>
     </mc:Choice>
-    <mc:Fallback>
+    <mc:Fallback xmlns="">
       <p:transition xmlns:p14="http://schemas.microsoft.com/office/powerpoint/2010/main"/>
     </mc:Fallback>
   </mc:AlternateContent>
@@ -9201,11 +10811,11 @@
   <p:clrMapOvr>
     <a:masterClrMapping/>
   </p:clrMapOvr>
-  <mc:AlternateContent xmlns:mc="http://schemas.openxmlformats.org/markup-compatibility/2006">
-    <mc:Choice xmlns:p14="http://schemas.microsoft.com/office/powerpoint/2010/main" Requires="p14">
+  <mc:AlternateContent xmlns:mc="http://schemas.openxmlformats.org/markup-compatibility/2006" xmlns:p14="http://schemas.microsoft.com/office/powerpoint/2010/main">
+    <mc:Choice Requires="p14">
       <p:transition p14:dur="0"/>
     </mc:Choice>
-    <mc:Fallback>
+    <mc:Fallback xmlns="">
       <p:transition xmlns:p14="http://schemas.microsoft.com/office/powerpoint/2010/main"/>
     </mc:Fallback>
   </mc:AlternateContent>
@@ -9239,11 +10849,11 @@
   <p:clrMapOvr>
     <a:masterClrMapping/>
   </p:clrMapOvr>
-  <mc:AlternateContent xmlns:mc="http://schemas.openxmlformats.org/markup-compatibility/2006">
-    <mc:Choice xmlns:p14="http://schemas.microsoft.com/office/powerpoint/2010/main" Requires="p14">
+  <mc:AlternateContent xmlns:mc="http://schemas.openxmlformats.org/markup-compatibility/2006" xmlns:p14="http://schemas.microsoft.com/office/powerpoint/2010/main">
+    <mc:Choice Requires="p14">
       <p:transition p14:dur="0"/>
     </mc:Choice>
-    <mc:Fallback>
+    <mc:Fallback xmlns="">
       <p:transition xmlns:p14="http://schemas.microsoft.com/office/powerpoint/2010/main"/>
     </mc:Fallback>
   </mc:AlternateContent>
@@ -9253,14 +10863,6 @@
 <file path=ppt/slideLayouts/slideLayout6.xml><?xml version="1.0" encoding="utf-8"?>
 <p:sldLayout xmlns:a="http://schemas.openxmlformats.org/drawingml/2006/main" xmlns:r="http://schemas.openxmlformats.org/officeDocument/2006/relationships" xmlns:p="http://schemas.openxmlformats.org/presentationml/2006/main" preserve="1">
   <p:cSld name="Black Layout - Title and Content">
-    <p:bg bwMode="black">
-      <p:bgPr>
-        <a:solidFill>
-          <a:srgbClr val="000000"/>
-        </a:solidFill>
-        <a:effectLst/>
-      </p:bgPr>
-    </p:bg>
     <p:spTree>
       <p:nvGrpSpPr>
         <p:cNvPr id="1" name=""/>
@@ -9487,11 +11089,11 @@
   <p:clrMapOvr>
     <a:masterClrMapping/>
   </p:clrMapOvr>
-  <mc:AlternateContent xmlns:mc="http://schemas.openxmlformats.org/markup-compatibility/2006">
-    <mc:Choice xmlns:p14="http://schemas.microsoft.com/office/powerpoint/2010/main" Requires="p14">
+  <mc:AlternateContent xmlns:mc="http://schemas.openxmlformats.org/markup-compatibility/2006" xmlns:p14="http://schemas.microsoft.com/office/powerpoint/2010/main">
+    <mc:Choice Requires="p14">
       <p:transition p14:dur="0"/>
     </mc:Choice>
-    <mc:Fallback>
+    <mc:Fallback xmlns="">
       <p:transition xmlns:p14="http://schemas.microsoft.com/office/powerpoint/2010/main"/>
     </mc:Fallback>
   </mc:AlternateContent>
@@ -9501,14 +11103,6 @@
 <file path=ppt/slideLayouts/slideLayout7.xml><?xml version="1.0" encoding="utf-8"?>
 <p:sldLayout xmlns:a="http://schemas.openxmlformats.org/drawingml/2006/main" xmlns:r="http://schemas.openxmlformats.org/officeDocument/2006/relationships" xmlns:p="http://schemas.openxmlformats.org/presentationml/2006/main" preserve="1">
   <p:cSld name="Black Notes slide Layout">
-    <p:bg bwMode="black">
-      <p:bgPr>
-        <a:solidFill>
-          <a:srgbClr val="000000"/>
-        </a:solidFill>
-        <a:effectLst/>
-      </p:bgPr>
-    </p:bg>
     <p:spTree>
       <p:nvGrpSpPr>
         <p:cNvPr id="1" name=""/>
@@ -9788,11 +11382,11 @@
   <p:clrMapOvr>
     <a:masterClrMapping/>
   </p:clrMapOvr>
-  <mc:AlternateContent xmlns:mc="http://schemas.openxmlformats.org/markup-compatibility/2006">
-    <mc:Choice xmlns:p14="http://schemas.microsoft.com/office/powerpoint/2010/main" Requires="p14">
+  <mc:AlternateContent xmlns:mc="http://schemas.openxmlformats.org/markup-compatibility/2006" xmlns:p14="http://schemas.microsoft.com/office/powerpoint/2010/main">
+    <mc:Choice Requires="p14">
       <p:transition p14:dur="0"/>
     </mc:Choice>
-    <mc:Fallback>
+    <mc:Fallback xmlns="">
       <p:transition xmlns:p14="http://schemas.microsoft.com/office/powerpoint/2010/main"/>
     </mc:Fallback>
   </mc:AlternateContent>
@@ -9802,14 +11396,6 @@
 <file path=ppt/slideLayouts/slideLayout8.xml><?xml version="1.0" encoding="utf-8"?>
 <p:sldLayout xmlns:a="http://schemas.openxmlformats.org/drawingml/2006/main" xmlns:r="http://schemas.openxmlformats.org/officeDocument/2006/relationships" xmlns:p="http://schemas.openxmlformats.org/presentationml/2006/main" preserve="1" userDrawn="1">
   <p:cSld name="Blank Color 1 Layout">
-    <p:bg>
-      <p:bgPr>
-        <a:solidFill>
-          <a:schemeClr val="accent1"/>
-        </a:solidFill>
-        <a:effectLst/>
-      </p:bgPr>
-    </p:bg>
     <p:spTree>
       <p:nvGrpSpPr>
         <p:cNvPr id="1" name=""/>
@@ -9927,11 +11513,11 @@
   <p:clrMapOvr>
     <a:masterClrMapping/>
   </p:clrMapOvr>
-  <mc:AlternateContent xmlns:mc="http://schemas.openxmlformats.org/markup-compatibility/2006">
-    <mc:Choice xmlns:p14="http://schemas.microsoft.com/office/powerpoint/2010/main" Requires="p14">
+  <mc:AlternateContent xmlns:mc="http://schemas.openxmlformats.org/markup-compatibility/2006" xmlns:p14="http://schemas.microsoft.com/office/powerpoint/2010/main">
+    <mc:Choice Requires="p14">
       <p:transition p14:dur="0"/>
     </mc:Choice>
-    <mc:Fallback>
+    <mc:Fallback xmlns="">
       <p:transition xmlns:p14="http://schemas.microsoft.com/office/powerpoint/2010/main"/>
     </mc:Fallback>
   </mc:AlternateContent>
@@ -9948,14 +11534,6 @@
 <file path=ppt/slideLayouts/slideLayout9.xml><?xml version="1.0" encoding="utf-8"?>
 <p:sldLayout xmlns:a="http://schemas.openxmlformats.org/drawingml/2006/main" xmlns:r="http://schemas.openxmlformats.org/officeDocument/2006/relationships" xmlns:p="http://schemas.openxmlformats.org/presentationml/2006/main" preserve="1" userDrawn="1">
   <p:cSld name="1_Blank Color 1 Layout">
-    <p:bg>
-      <p:bgPr>
-        <a:solidFill>
-          <a:schemeClr val="accent2"/>
-        </a:solidFill>
-        <a:effectLst/>
-      </p:bgPr>
-    </p:bg>
     <p:spTree>
       <p:nvGrpSpPr>
         <p:cNvPr id="1" name=""/>
@@ -10127,11 +11705,11 @@
   <p:clrMapOvr>
     <a:masterClrMapping/>
   </p:clrMapOvr>
-  <mc:AlternateContent xmlns:mc="http://schemas.openxmlformats.org/markup-compatibility/2006">
-    <mc:Choice xmlns:p14="http://schemas.microsoft.com/office/powerpoint/2010/main" Requires="p14">
+  <mc:AlternateContent xmlns:mc="http://schemas.openxmlformats.org/markup-compatibility/2006" xmlns:p14="http://schemas.microsoft.com/office/powerpoint/2010/main">
+    <mc:Choice Requires="p14">
       <p:transition p14:dur="0"/>
     </mc:Choice>
-    <mc:Fallback>
+    <mc:Fallback xmlns="">
       <p:transition xmlns:p14="http://schemas.microsoft.com/office/powerpoint/2010/main"/>
     </mc:Fallback>
   </mc:AlternateContent>
@@ -10151,7 +11729,7 @@
     <p:bg>
       <p:bgPr>
         <a:solidFill>
-          <a:srgbClr val="FBFBFB"/>
+          <a:srgbClr val="002050"/>
         </a:solidFill>
         <a:effectLst/>
       </p:bgPr>
@@ -10319,41 +11897,7 @@
                 </a:gradFill>
                 <a:latin typeface="Segoe UI Light" pitchFamily="34" charset="0"/>
               </a:rPr>
-              <a:t>sjs</a:t>
-            </a:r>
-            <a:r>
-              <a:rPr lang="en-US" sz="2000" dirty="0" err="1" smtClean="0">
-                <a:gradFill>
-                  <a:gsLst>
-                    <a:gs pos="0">
-                      <a:schemeClr val="tx1"/>
-                    </a:gs>
-                    <a:gs pos="86000">
-                      <a:schemeClr val="tx1"/>
-                    </a:gs>
-                  </a:gsLst>
-                  <a:lin ang="5400000" scaled="0"/>
-                </a:gradFill>
-                <a:latin typeface="Segoe UI Light" pitchFamily="34" charset="0"/>
-              </a:rPr>
-              <a:t>S</a:t>
-            </a:r>
-            <a:r>
-              <a:rPr lang="en-US" sz="2000" dirty="0" err="1" smtClean="0">
-                <a:gradFill>
-                  <a:gsLst>
-                    <a:gs pos="0">
-                      <a:schemeClr val="tx1"/>
-                    </a:gs>
-                    <a:gs pos="86000">
-                      <a:schemeClr val="tx1"/>
-                    </a:gs>
-                  </a:gsLst>
-                  <a:lin ang="5400000" scaled="0"/>
-                </a:gradFill>
-                <a:latin typeface="Segoe UI Light" pitchFamily="34" charset="0"/>
-              </a:rPr>
-              <a:t>ugendran</a:t>
+              <a:t>sjsSugendran</a:t>
             </a:r>
             <a:endParaRPr lang="en-US" sz="2000" dirty="0" smtClean="0">
               <a:gradFill>
@@ -10389,11 +11933,11 @@
     <p:sldLayoutId id="2147483742" r:id="rId6"/>
     <p:sldLayoutId id="2147483743" r:id="rId7"/>
   </p:sldLayoutIdLst>
-  <mc:AlternateContent xmlns:mc="http://schemas.openxmlformats.org/markup-compatibility/2006">
-    <mc:Choice xmlns:p14="http://schemas.microsoft.com/office/powerpoint/2010/main" Requires="p14">
+  <mc:AlternateContent xmlns:mc="http://schemas.openxmlformats.org/markup-compatibility/2006" xmlns:p14="http://schemas.microsoft.com/office/powerpoint/2010/main">
+    <mc:Choice Requires="p14">
       <p:transition p14:dur="0"/>
     </mc:Choice>
-    <mc:Fallback>
+    <mc:Fallback xmlns="">
       <p:transition xmlns:p14="http://schemas.microsoft.com/office/powerpoint/2010/main"/>
     </mc:Fallback>
   </mc:AlternateContent>
@@ -10789,7 +12333,7 @@
     <p:bg>
       <p:bgPr>
         <a:solidFill>
-          <a:schemeClr val="accent1"/>
+          <a:srgbClr val="002050"/>
         </a:solidFill>
         <a:effectLst/>
       </p:bgPr>
@@ -10923,11 +12467,11 @@
     <p:sldLayoutId id="2147483771" r:id="rId9"/>
     <p:sldLayoutId id="2147483772" r:id="rId10"/>
   </p:sldLayoutIdLst>
-  <mc:AlternateContent xmlns:mc="http://schemas.openxmlformats.org/markup-compatibility/2006">
-    <mc:Choice xmlns:p14="http://schemas.microsoft.com/office/powerpoint/2010/main" Requires="p14">
+  <mc:AlternateContent xmlns:mc="http://schemas.openxmlformats.org/markup-compatibility/2006" xmlns:p14="http://schemas.microsoft.com/office/powerpoint/2010/main">
+    <mc:Choice Requires="p14">
       <p:transition p14:dur="0"/>
     </mc:Choice>
-    <mc:Fallback>
+    <mc:Fallback xmlns="">
       <p:transition xmlns:p14="http://schemas.microsoft.com/office/powerpoint/2010/main"/>
     </mc:Fallback>
   </mc:AlternateContent>
@@ -11331,7 +12875,7 @@
         </p:nvSpPr>
         <p:spPr>
           <a:xfrm>
-            <a:off x="487107" y="4020058"/>
+            <a:off x="338486" y="1844626"/>
             <a:ext cx="11228440" cy="1128514"/>
           </a:xfrm>
         </p:spPr>
@@ -11359,7 +12903,7 @@
         </p:nvSpPr>
         <p:spPr>
           <a:xfrm>
-            <a:off x="564087" y="5164759"/>
+            <a:off x="415466" y="2989327"/>
             <a:ext cx="2232568" cy="451406"/>
           </a:xfrm>
         </p:spPr>
@@ -11379,113 +12923,66 @@
           </a:p>
         </p:txBody>
       </p:sp>
-      <p:sp>
-        <p:nvSpPr>
-          <p:cNvPr id="7" name="TextBox 6"/>
-          <p:cNvSpPr txBox="1"/>
+      <p:pic>
+        <p:nvPicPr>
+          <p:cNvPr id="3" name="Picture 2" descr="Yammer_Logo_White.png"/>
+          <p:cNvPicPr>
+            <a:picLocks noChangeAspect="1"/>
+          </p:cNvPicPr>
           <p:nvPr/>
-        </p:nvSpPr>
+        </p:nvPicPr>
+        <p:blipFill>
+          <a:blip r:embed="rId3">
+            <a:extLst>
+              <a:ext uri="{28A0092B-C50C-407E-A947-70E740481C1C}">
+                <a14:useLocalDpi xmlns:a14="http://schemas.microsoft.com/office/drawing/2010/main" val="0"/>
+              </a:ext>
+            </a:extLst>
+          </a:blip>
+          <a:stretch>
+            <a:fillRect/>
+          </a:stretch>
+        </p:blipFill>
         <p:spPr>
           <a:xfrm>
-            <a:off x="10455353" y="218075"/>
-            <a:ext cx="1574074" cy="307777"/>
+            <a:off x="466390" y="5986145"/>
+            <a:ext cx="1573806" cy="327876"/>
           </a:xfrm>
           <a:prstGeom prst="rect">
             <a:avLst/>
           </a:prstGeom>
-          <a:noFill/>
         </p:spPr>
-        <p:txBody>
-          <a:bodyPr wrap="none" lIns="0" tIns="0" rIns="0" bIns="0" rtlCol="0">
-            <a:spAutoFit/>
-          </a:bodyPr>
-          <a:lstStyle/>
-          <a:p>
-            <a:r>
-              <a:rPr lang="en-US" sz="2000" dirty="0" smtClean="0">
-                <a:gradFill>
-                  <a:gsLst>
-                    <a:gs pos="0">
-                      <a:schemeClr val="tx1"/>
-                    </a:gs>
-                    <a:gs pos="86000">
-                      <a:schemeClr val="tx1"/>
-                    </a:gs>
-                  </a:gsLst>
-                  <a:lin ang="5400000" scaled="0"/>
-                </a:gradFill>
-                <a:latin typeface="Segoe UI Light" pitchFamily="34" charset="0"/>
-              </a:rPr>
-              <a:t>#</a:t>
-            </a:r>
-            <a:r>
-              <a:rPr lang="en-US" sz="2000" dirty="0" err="1" smtClean="0">
-                <a:gradFill>
-                  <a:gsLst>
-                    <a:gs pos="0">
-                      <a:schemeClr val="tx1"/>
-                    </a:gs>
-                    <a:gs pos="86000">
-                      <a:schemeClr val="tx1"/>
-                    </a:gs>
-                  </a:gsLst>
-                  <a:lin ang="5400000" scaled="0"/>
-                </a:gradFill>
-                <a:latin typeface="Segoe UI Light" pitchFamily="34" charset="0"/>
-              </a:rPr>
-              <a:t>sjs</a:t>
-            </a:r>
-            <a:r>
-              <a:rPr lang="en-US" sz="2000" dirty="0" err="1" smtClean="0">
-                <a:gradFill>
-                  <a:gsLst>
-                    <a:gs pos="0">
-                      <a:schemeClr val="tx1"/>
-                    </a:gs>
-                    <a:gs pos="86000">
-                      <a:schemeClr val="tx1"/>
-                    </a:gs>
-                  </a:gsLst>
-                  <a:lin ang="5400000" scaled="0"/>
-                </a:gradFill>
-                <a:latin typeface="Segoe UI Light" pitchFamily="34" charset="0"/>
-              </a:rPr>
-              <a:t>S</a:t>
-            </a:r>
-            <a:r>
-              <a:rPr lang="en-US" sz="2000" dirty="0" err="1" smtClean="0">
-                <a:gradFill>
-                  <a:gsLst>
-                    <a:gs pos="0">
-                      <a:schemeClr val="tx1"/>
-                    </a:gs>
-                    <a:gs pos="86000">
-                      <a:schemeClr val="tx1"/>
-                    </a:gs>
-                  </a:gsLst>
-                  <a:lin ang="5400000" scaled="0"/>
-                </a:gradFill>
-                <a:latin typeface="Segoe UI Light" pitchFamily="34" charset="0"/>
-              </a:rPr>
-              <a:t>ugendran</a:t>
-            </a:r>
-            <a:endParaRPr lang="en-US" sz="2000" dirty="0" smtClean="0">
-              <a:gradFill>
-                <a:gsLst>
-                  <a:gs pos="0">
-                    <a:schemeClr val="tx1"/>
-                  </a:gs>
-                  <a:gs pos="86000">
-                    <a:schemeClr val="tx1"/>
-                  </a:gs>
-                </a:gsLst>
-                <a:lin ang="5400000" scaled="0"/>
-              </a:gradFill>
-              <a:latin typeface="Segoe UI Light" pitchFamily="34" charset="0"/>
-            </a:endParaRPr>
-          </a:p>
-        </p:txBody>
-      </p:sp>
+      </p:pic>
+      <p:pic>
+        <p:nvPicPr>
+          <p:cNvPr id="9" name="Picture 8"/>
+          <p:cNvPicPr>
+            <a:picLocks noChangeAspect="1"/>
+          </p:cNvPicPr>
+          <p:nvPr/>
+        </p:nvPicPr>
+        <p:blipFill>
+          <a:blip r:embed="rId4">
+            <a:extLst>
+              <a:ext uri="{28A0092B-C50C-407E-A947-70E740481C1C}">
+                <a14:useLocalDpi xmlns:a14="http://schemas.microsoft.com/office/drawing/2010/main" val="0"/>
+              </a:ext>
+            </a:extLst>
+          </a:blip>
+          <a:stretch>
+            <a:fillRect/>
+          </a:stretch>
+        </p:blipFill>
+        <p:spPr bwMode="invGray">
+          <a:xfrm>
+            <a:off x="9620003" y="5923018"/>
+            <a:ext cx="2121263" cy="454405"/>
+          </a:xfrm>
+          <a:prstGeom prst="rect">
+            <a:avLst/>
+          </a:prstGeom>
+        </p:spPr>
+      </p:pic>
     </p:spTree>
     <p:extLst>
       <p:ext uri="{BB962C8B-B14F-4D97-AF65-F5344CB8AC3E}">
@@ -11496,11 +12993,11 @@
   <p:clrMapOvr>
     <a:masterClrMapping/>
   </p:clrMapOvr>
-  <mc:AlternateContent xmlns:mc="http://schemas.openxmlformats.org/markup-compatibility/2006">
-    <mc:Choice xmlns:p14="http://schemas.microsoft.com/office/powerpoint/2010/main" Requires="p14">
+  <mc:AlternateContent xmlns:mc="http://schemas.openxmlformats.org/markup-compatibility/2006" xmlns:p14="http://schemas.microsoft.com/office/powerpoint/2010/main">
+    <mc:Choice Requires="p14">
       <p:transition p14:dur="0"/>
     </mc:Choice>
-    <mc:Fallback>
+    <mc:Fallback xmlns="">
       <p:transition xmlns:p14="http://schemas.microsoft.com/office/powerpoint/2010/main"/>
     </mc:Fallback>
   </mc:AlternateContent>
@@ -11540,7 +13037,7 @@
           <p:nvPr/>
         </p:nvPicPr>
         <p:blipFill rotWithShape="1">
-          <a:blip r:embed="rId2">
+          <a:blip r:embed="rId3">
             <a:extLst>
               <a:ext uri="{28A0092B-C50C-407E-A947-70E740481C1C}">
                 <a14:useLocalDpi xmlns:a14="http://schemas.microsoft.com/office/drawing/2010/main" val="0"/>
@@ -11592,7 +13089,7 @@
               </a:spcBef>
               <a:buFontTx/>
               <a:buBlip>
-                <a:blip r:embed="rId3"/>
+                <a:blip r:embed="rId4"/>
               </a:buBlip>
               <a:defRPr sz="3200" kern="1200">
                 <a:gradFill>
@@ -11620,7 +13117,7 @@
               </a:spcBef>
               <a:buFontTx/>
               <a:buBlip>
-                <a:blip r:embed="rId4"/>
+                <a:blip r:embed="rId5"/>
               </a:buBlip>
               <a:defRPr sz="2800" kern="1200">
                 <a:gradFill>
@@ -11648,7 +13145,7 @@
               </a:spcBef>
               <a:buFontTx/>
               <a:buBlip>
-                <a:blip r:embed="rId4"/>
+                <a:blip r:embed="rId5"/>
               </a:buBlip>
               <a:defRPr sz="2400" kern="1200">
                 <a:gradFill>
@@ -11676,7 +13173,7 @@
               </a:spcBef>
               <a:buFontTx/>
               <a:buBlip>
-                <a:blip r:embed="rId4"/>
+                <a:blip r:embed="rId5"/>
               </a:buBlip>
               <a:defRPr sz="2000" kern="1200">
                 <a:gradFill>
@@ -11704,7 +13201,7 @@
               </a:spcBef>
               <a:buFontTx/>
               <a:buBlip>
-                <a:blip r:embed="rId4"/>
+                <a:blip r:embed="rId5"/>
               </a:buBlip>
               <a:defRPr sz="2000" kern="1200">
                 <a:gradFill>
@@ -11887,41 +13384,7 @@
                 </a:gradFill>
                 <a:latin typeface="Segoe UI Light" pitchFamily="34" charset="0"/>
               </a:rPr>
-              <a:t>sjs</a:t>
-            </a:r>
-            <a:r>
-              <a:rPr lang="en-US" sz="2000" dirty="0" err="1" smtClean="0">
-                <a:gradFill>
-                  <a:gsLst>
-                    <a:gs pos="0">
-                      <a:schemeClr val="tx1"/>
-                    </a:gs>
-                    <a:gs pos="86000">
-                      <a:schemeClr val="tx1"/>
-                    </a:gs>
-                  </a:gsLst>
-                  <a:lin ang="5400000" scaled="0"/>
-                </a:gradFill>
-                <a:latin typeface="Segoe UI Light" pitchFamily="34" charset="0"/>
-              </a:rPr>
-              <a:t>S</a:t>
-            </a:r>
-            <a:r>
-              <a:rPr lang="en-US" sz="2000" dirty="0" err="1" smtClean="0">
-                <a:gradFill>
-                  <a:gsLst>
-                    <a:gs pos="0">
-                      <a:schemeClr val="tx1"/>
-                    </a:gs>
-                    <a:gs pos="86000">
-                      <a:schemeClr val="tx1"/>
-                    </a:gs>
-                  </a:gsLst>
-                  <a:lin ang="5400000" scaled="0"/>
-                </a:gradFill>
-                <a:latin typeface="Segoe UI Light" pitchFamily="34" charset="0"/>
-              </a:rPr>
-              <a:t>ugendran</a:t>
+              <a:t>sjsSugendran</a:t>
             </a:r>
             <a:endParaRPr lang="en-US" sz="2000" dirty="0" smtClean="0">
               <a:gradFill>
@@ -12076,11 +13539,11 @@
   <p:clrMapOvr>
     <a:masterClrMapping/>
   </p:clrMapOvr>
-  <mc:AlternateContent xmlns:mc="http://schemas.openxmlformats.org/markup-compatibility/2006">
-    <mc:Choice xmlns:p14="http://schemas.microsoft.com/office/powerpoint/2010/main" Requires="p14">
+  <mc:AlternateContent xmlns:mc="http://schemas.openxmlformats.org/markup-compatibility/2006" xmlns:p14="http://schemas.microsoft.com/office/powerpoint/2010/main">
+    <mc:Choice Requires="p14">
       <p:transition p14:dur="0"/>
     </mc:Choice>
-    <mc:Fallback>
+    <mc:Fallback xmlns="">
       <p:transition xmlns:p14="http://schemas.microsoft.com/office/powerpoint/2010/main"/>
     </mc:Fallback>
   </mc:AlternateContent>
@@ -12423,20 +13886,6 @@
               </a:rPr>
               <a:t>How will others use this component?</a:t>
             </a:r>
-            <a:endParaRPr lang="en-US" sz="4000" dirty="0" smtClean="0">
-              <a:gradFill>
-                <a:gsLst>
-                  <a:gs pos="0">
-                    <a:schemeClr val="tx1"/>
-                  </a:gs>
-                  <a:gs pos="86000">
-                    <a:schemeClr val="tx1"/>
-                  </a:gs>
-                </a:gsLst>
-                <a:lin ang="5400000" scaled="0"/>
-              </a:gradFill>
-              <a:latin typeface="Segoe UI Light" pitchFamily="34" charset="0"/>
-            </a:endParaRPr>
           </a:p>
         </p:txBody>
       </p:sp>
@@ -12521,20 +13970,6 @@
               </a:rPr>
               <a:t>Be explicit – don’t repeat past mistakes</a:t>
             </a:r>
-            <a:endParaRPr lang="en-US" sz="4000" dirty="0" smtClean="0">
-              <a:gradFill>
-                <a:gsLst>
-                  <a:gs pos="0">
-                    <a:schemeClr val="tx1"/>
-                  </a:gs>
-                  <a:gs pos="86000">
-                    <a:schemeClr val="tx1"/>
-                  </a:gs>
-                </a:gsLst>
-                <a:lin ang="5400000" scaled="0"/>
-              </a:gradFill>
-              <a:latin typeface="Segoe UI Light" pitchFamily="34" charset="0"/>
-            </a:endParaRPr>
           </a:p>
         </p:txBody>
       </p:sp>
@@ -12592,41 +14027,7 @@
                 </a:gradFill>
                 <a:latin typeface="Segoe UI Light" pitchFamily="34" charset="0"/>
               </a:rPr>
-              <a:t>sjs</a:t>
-            </a:r>
-            <a:r>
-              <a:rPr lang="en-US" sz="2000" dirty="0" err="1" smtClean="0">
-                <a:gradFill>
-                  <a:gsLst>
-                    <a:gs pos="0">
-                      <a:schemeClr val="tx1"/>
-                    </a:gs>
-                    <a:gs pos="86000">
-                      <a:schemeClr val="tx1"/>
-                    </a:gs>
-                  </a:gsLst>
-                  <a:lin ang="5400000" scaled="0"/>
-                </a:gradFill>
-                <a:latin typeface="Segoe UI Light" pitchFamily="34" charset="0"/>
-              </a:rPr>
-              <a:t>S</a:t>
-            </a:r>
-            <a:r>
-              <a:rPr lang="en-US" sz="2000" dirty="0" err="1" smtClean="0">
-                <a:gradFill>
-                  <a:gsLst>
-                    <a:gs pos="0">
-                      <a:schemeClr val="tx1"/>
-                    </a:gs>
-                    <a:gs pos="86000">
-                      <a:schemeClr val="tx1"/>
-                    </a:gs>
-                  </a:gsLst>
-                  <a:lin ang="5400000" scaled="0"/>
-                </a:gradFill>
-                <a:latin typeface="Segoe UI Light" pitchFamily="34" charset="0"/>
-              </a:rPr>
-              <a:t>ugendran</a:t>
+              <a:t>sjsSugendran</a:t>
             </a:r>
             <a:endParaRPr lang="en-US" sz="2000" dirty="0" smtClean="0">
               <a:gradFill>
@@ -12655,11 +14056,11 @@
   <p:clrMapOvr>
     <a:masterClrMapping/>
   </p:clrMapOvr>
-  <mc:AlternateContent xmlns:mc="http://schemas.openxmlformats.org/markup-compatibility/2006">
-    <mc:Choice xmlns:p14="http://schemas.microsoft.com/office/powerpoint/2010/main" Requires="p14">
+  <mc:AlternateContent xmlns:mc="http://schemas.openxmlformats.org/markup-compatibility/2006" xmlns:p14="http://schemas.microsoft.com/office/powerpoint/2010/main">
+    <mc:Choice Requires="p14">
       <p:transition p14:dur="0"/>
     </mc:Choice>
-    <mc:Fallback>
+    <mc:Fallback xmlns="">
       <p:transition xmlns:p14="http://schemas.microsoft.com/office/powerpoint/2010/main"/>
     </mc:Fallback>
   </mc:AlternateContent>
@@ -12699,7 +14100,7 @@
           <p:nvPr/>
         </p:nvPicPr>
         <p:blipFill rotWithShape="1">
-          <a:blip r:embed="rId2">
+          <a:blip r:embed="rId3">
             <a:extLst>
               <a:ext uri="{28A0092B-C50C-407E-A947-70E740481C1C}">
                 <a14:useLocalDpi xmlns:a14="http://schemas.microsoft.com/office/drawing/2010/main" val="0"/>
@@ -12773,41 +14174,7 @@
                 </a:gradFill>
                 <a:latin typeface="Segoe UI Light" pitchFamily="34" charset="0"/>
               </a:rPr>
-              <a:t>sjs</a:t>
-            </a:r>
-            <a:r>
-              <a:rPr lang="en-US" sz="2000" dirty="0" err="1" smtClean="0">
-                <a:gradFill>
-                  <a:gsLst>
-                    <a:gs pos="0">
-                      <a:schemeClr val="tx1"/>
-                    </a:gs>
-                    <a:gs pos="86000">
-                      <a:schemeClr val="tx1"/>
-                    </a:gs>
-                  </a:gsLst>
-                  <a:lin ang="5400000" scaled="0"/>
-                </a:gradFill>
-                <a:latin typeface="Segoe UI Light" pitchFamily="34" charset="0"/>
-              </a:rPr>
-              <a:t>S</a:t>
-            </a:r>
-            <a:r>
-              <a:rPr lang="en-US" sz="2000" dirty="0" err="1" smtClean="0">
-                <a:gradFill>
-                  <a:gsLst>
-                    <a:gs pos="0">
-                      <a:schemeClr val="tx1"/>
-                    </a:gs>
-                    <a:gs pos="86000">
-                      <a:schemeClr val="tx1"/>
-                    </a:gs>
-                  </a:gsLst>
-                  <a:lin ang="5400000" scaled="0"/>
-                </a:gradFill>
-                <a:latin typeface="Segoe UI Light" pitchFamily="34" charset="0"/>
-              </a:rPr>
-              <a:t>ugendran</a:t>
+              <a:t>sjsSugendran</a:t>
             </a:r>
             <a:endParaRPr lang="en-US" sz="2000" dirty="0" smtClean="0">
               <a:gradFill>
@@ -12858,7 +14225,7 @@
               </a:spcBef>
               <a:buFontTx/>
               <a:buBlip>
-                <a:blip r:embed="rId3"/>
+                <a:blip r:embed="rId4"/>
               </a:buBlip>
               <a:defRPr sz="3200" kern="1200">
                 <a:gradFill>
@@ -12886,7 +14253,7 @@
               </a:spcBef>
               <a:buFontTx/>
               <a:buBlip>
-                <a:blip r:embed="rId4"/>
+                <a:blip r:embed="rId5"/>
               </a:buBlip>
               <a:defRPr sz="2800" kern="1200">
                 <a:gradFill>
@@ -12914,7 +14281,7 @@
               </a:spcBef>
               <a:buFontTx/>
               <a:buBlip>
-                <a:blip r:embed="rId4"/>
+                <a:blip r:embed="rId5"/>
               </a:buBlip>
               <a:defRPr sz="2400" kern="1200">
                 <a:gradFill>
@@ -12942,7 +14309,7 @@
               </a:spcBef>
               <a:buFontTx/>
               <a:buBlip>
-                <a:blip r:embed="rId4"/>
+                <a:blip r:embed="rId5"/>
               </a:buBlip>
               <a:defRPr sz="2000" kern="1200">
                 <a:gradFill>
@@ -12970,7 +14337,7 @@
               </a:spcBef>
               <a:buFontTx/>
               <a:buBlip>
-                <a:blip r:embed="rId4"/>
+                <a:blip r:embed="rId5"/>
               </a:buBlip>
               <a:defRPr sz="2000" kern="1200">
                 <a:gradFill>
@@ -13198,11 +14565,11 @@
   <p:clrMapOvr>
     <a:masterClrMapping/>
   </p:clrMapOvr>
-  <mc:AlternateContent xmlns:mc="http://schemas.openxmlformats.org/markup-compatibility/2006">
-    <mc:Choice xmlns:p14="http://schemas.microsoft.com/office/powerpoint/2010/main" Requires="p14">
+  <mc:AlternateContent xmlns:mc="http://schemas.openxmlformats.org/markup-compatibility/2006" xmlns:p14="http://schemas.microsoft.com/office/powerpoint/2010/main">
+    <mc:Choice Requires="p14">
       <p:transition p14:dur="0"/>
     </mc:Choice>
-    <mc:Fallback>
+    <mc:Fallback xmlns="">
       <p:transition xmlns:p14="http://schemas.microsoft.com/office/powerpoint/2010/main"/>
     </mc:Fallback>
   </mc:AlternateContent>
@@ -13545,20 +14912,6 @@
               </a:rPr>
               <a:t>Get feedback before starting</a:t>
             </a:r>
-            <a:endParaRPr lang="en-US" sz="4000" dirty="0" smtClean="0">
-              <a:gradFill>
-                <a:gsLst>
-                  <a:gs pos="0">
-                    <a:schemeClr val="tx1"/>
-                  </a:gs>
-                  <a:gs pos="86000">
-                    <a:schemeClr val="tx1"/>
-                  </a:gs>
-                </a:gsLst>
-                <a:lin ang="5400000" scaled="0"/>
-              </a:gradFill>
-              <a:latin typeface="Segoe UI Light" pitchFamily="34" charset="0"/>
-            </a:endParaRPr>
           </a:p>
         </p:txBody>
       </p:sp>
@@ -13657,20 +15010,6 @@
               </a:rPr>
               <a:t>Everyone should understand the changes</a:t>
             </a:r>
-            <a:endParaRPr lang="en-US" sz="4000" dirty="0" smtClean="0">
-              <a:gradFill>
-                <a:gsLst>
-                  <a:gs pos="0">
-                    <a:schemeClr val="tx1"/>
-                  </a:gs>
-                  <a:gs pos="86000">
-                    <a:schemeClr val="tx1"/>
-                  </a:gs>
-                </a:gsLst>
-                <a:lin ang="5400000" scaled="0"/>
-              </a:gradFill>
-              <a:latin typeface="Segoe UI Light" pitchFamily="34" charset="0"/>
-            </a:endParaRPr>
           </a:p>
         </p:txBody>
       </p:sp>
@@ -13728,41 +15067,7 @@
                 </a:gradFill>
                 <a:latin typeface="Segoe UI Light" pitchFamily="34" charset="0"/>
               </a:rPr>
-              <a:t>sjs</a:t>
-            </a:r>
-            <a:r>
-              <a:rPr lang="en-US" sz="2000" dirty="0" err="1" smtClean="0">
-                <a:gradFill>
-                  <a:gsLst>
-                    <a:gs pos="0">
-                      <a:schemeClr val="tx1"/>
-                    </a:gs>
-                    <a:gs pos="86000">
-                      <a:schemeClr val="tx1"/>
-                    </a:gs>
-                  </a:gsLst>
-                  <a:lin ang="5400000" scaled="0"/>
-                </a:gradFill>
-                <a:latin typeface="Segoe UI Light" pitchFamily="34" charset="0"/>
-              </a:rPr>
-              <a:t>S</a:t>
-            </a:r>
-            <a:r>
-              <a:rPr lang="en-US" sz="2000" dirty="0" err="1" smtClean="0">
-                <a:gradFill>
-                  <a:gsLst>
-                    <a:gs pos="0">
-                      <a:schemeClr val="tx1"/>
-                    </a:gs>
-                    <a:gs pos="86000">
-                      <a:schemeClr val="tx1"/>
-                    </a:gs>
-                  </a:gsLst>
-                  <a:lin ang="5400000" scaled="0"/>
-                </a:gradFill>
-                <a:latin typeface="Segoe UI Light" pitchFamily="34" charset="0"/>
-              </a:rPr>
-              <a:t>ugendran</a:t>
+              <a:t>sjsSugendran</a:t>
             </a:r>
             <a:endParaRPr lang="en-US" sz="2000" dirty="0" smtClean="0">
               <a:gradFill>
@@ -13791,11 +15096,11 @@
   <p:clrMapOvr>
     <a:masterClrMapping/>
   </p:clrMapOvr>
-  <mc:AlternateContent xmlns:mc="http://schemas.openxmlformats.org/markup-compatibility/2006">
-    <mc:Choice xmlns:p14="http://schemas.microsoft.com/office/powerpoint/2010/main" Requires="p14">
+  <mc:AlternateContent xmlns:mc="http://schemas.openxmlformats.org/markup-compatibility/2006" xmlns:p14="http://schemas.microsoft.com/office/powerpoint/2010/main">
+    <mc:Choice Requires="p14">
       <p:transition p14:dur="0"/>
     </mc:Choice>
-    <mc:Fallback>
+    <mc:Fallback xmlns="">
       <p:transition xmlns:p14="http://schemas.microsoft.com/office/powerpoint/2010/main"/>
     </mc:Fallback>
   </mc:AlternateContent>
@@ -14138,20 +15443,6 @@
               </a:rPr>
               <a:t>Don’t let scope creep</a:t>
             </a:r>
-            <a:endParaRPr lang="en-US" sz="4000" dirty="0" smtClean="0">
-              <a:gradFill>
-                <a:gsLst>
-                  <a:gs pos="0">
-                    <a:schemeClr val="tx1"/>
-                  </a:gs>
-                  <a:gs pos="86000">
-                    <a:schemeClr val="tx1"/>
-                  </a:gs>
-                </a:gsLst>
-                <a:lin ang="5400000" scaled="0"/>
-              </a:gradFill>
-              <a:latin typeface="Segoe UI Light" pitchFamily="34" charset="0"/>
-            </a:endParaRPr>
           </a:p>
         </p:txBody>
       </p:sp>
@@ -14250,20 +15541,6 @@
               </a:rPr>
               <a:t>Remove the feature gate</a:t>
             </a:r>
-            <a:endParaRPr lang="en-US" sz="4000" dirty="0" smtClean="0">
-              <a:gradFill>
-                <a:gsLst>
-                  <a:gs pos="0">
-                    <a:schemeClr val="tx1"/>
-                  </a:gs>
-                  <a:gs pos="86000">
-                    <a:schemeClr val="tx1"/>
-                  </a:gs>
-                </a:gsLst>
-                <a:lin ang="5400000" scaled="0"/>
-              </a:gradFill>
-              <a:latin typeface="Segoe UI Light" pitchFamily="34" charset="0"/>
-            </a:endParaRPr>
           </a:p>
         </p:txBody>
       </p:sp>
@@ -14321,41 +15598,7 @@
                 </a:gradFill>
                 <a:latin typeface="Segoe UI Light" pitchFamily="34" charset="0"/>
               </a:rPr>
-              <a:t>sjs</a:t>
-            </a:r>
-            <a:r>
-              <a:rPr lang="en-US" sz="2000" dirty="0" err="1" smtClean="0">
-                <a:gradFill>
-                  <a:gsLst>
-                    <a:gs pos="0">
-                      <a:schemeClr val="tx1"/>
-                    </a:gs>
-                    <a:gs pos="86000">
-                      <a:schemeClr val="tx1"/>
-                    </a:gs>
-                  </a:gsLst>
-                  <a:lin ang="5400000" scaled="0"/>
-                </a:gradFill>
-                <a:latin typeface="Segoe UI Light" pitchFamily="34" charset="0"/>
-              </a:rPr>
-              <a:t>S</a:t>
-            </a:r>
-            <a:r>
-              <a:rPr lang="en-US" sz="2000" dirty="0" err="1" smtClean="0">
-                <a:gradFill>
-                  <a:gsLst>
-                    <a:gs pos="0">
-                      <a:schemeClr val="tx1"/>
-                    </a:gs>
-                    <a:gs pos="86000">
-                      <a:schemeClr val="tx1"/>
-                    </a:gs>
-                  </a:gsLst>
-                  <a:lin ang="5400000" scaled="0"/>
-                </a:gradFill>
-                <a:latin typeface="Segoe UI Light" pitchFamily="34" charset="0"/>
-              </a:rPr>
-              <a:t>ugendran</a:t>
+              <a:t>sjsSugendran</a:t>
             </a:r>
             <a:endParaRPr lang="en-US" sz="2000" dirty="0" smtClean="0">
               <a:gradFill>
@@ -14384,11 +15627,11 @@
   <p:clrMapOvr>
     <a:masterClrMapping/>
   </p:clrMapOvr>
-  <mc:AlternateContent xmlns:mc="http://schemas.openxmlformats.org/markup-compatibility/2006">
-    <mc:Choice xmlns:p14="http://schemas.microsoft.com/office/powerpoint/2010/main" Requires="p14">
+  <mc:AlternateContent xmlns:mc="http://schemas.openxmlformats.org/markup-compatibility/2006" xmlns:p14="http://schemas.microsoft.com/office/powerpoint/2010/main">
+    <mc:Choice Requires="p14">
       <p:transition p14:dur="0"/>
     </mc:Choice>
-    <mc:Fallback>
+    <mc:Fallback xmlns="">
       <p:transition xmlns:p14="http://schemas.microsoft.com/office/powerpoint/2010/main"/>
     </mc:Fallback>
   </mc:AlternateContent>
@@ -14731,20 +15974,6 @@
               </a:rPr>
               <a:t>Release early and have the team find bugs</a:t>
             </a:r>
-            <a:endParaRPr lang="en-US" sz="4000" dirty="0" smtClean="0">
-              <a:gradFill>
-                <a:gsLst>
-                  <a:gs pos="0">
-                    <a:schemeClr val="tx1"/>
-                  </a:gs>
-                  <a:gs pos="86000">
-                    <a:schemeClr val="tx1"/>
-                  </a:gs>
-                </a:gsLst>
-                <a:lin ang="5400000" scaled="0"/>
-              </a:gradFill>
-              <a:latin typeface="Segoe UI Light" pitchFamily="34" charset="0"/>
-            </a:endParaRPr>
           </a:p>
         </p:txBody>
       </p:sp>
@@ -14843,20 +16072,6 @@
               </a:rPr>
               <a:t>Found features we didn’t account for</a:t>
             </a:r>
-            <a:endParaRPr lang="en-US" sz="4000" dirty="0" smtClean="0">
-              <a:gradFill>
-                <a:gsLst>
-                  <a:gs pos="0">
-                    <a:schemeClr val="tx1"/>
-                  </a:gs>
-                  <a:gs pos="86000">
-                    <a:schemeClr val="tx1"/>
-                  </a:gs>
-                </a:gsLst>
-                <a:lin ang="5400000" scaled="0"/>
-              </a:gradFill>
-              <a:latin typeface="Segoe UI Light" pitchFamily="34" charset="0"/>
-            </a:endParaRPr>
           </a:p>
         </p:txBody>
       </p:sp>
@@ -14914,41 +16129,7 @@
                 </a:gradFill>
                 <a:latin typeface="Segoe UI Light" pitchFamily="34" charset="0"/>
               </a:rPr>
-              <a:t>sjs</a:t>
-            </a:r>
-            <a:r>
-              <a:rPr lang="en-US" sz="2000" dirty="0" err="1" smtClean="0">
-                <a:gradFill>
-                  <a:gsLst>
-                    <a:gs pos="0">
-                      <a:schemeClr val="tx1"/>
-                    </a:gs>
-                    <a:gs pos="86000">
-                      <a:schemeClr val="tx1"/>
-                    </a:gs>
-                  </a:gsLst>
-                  <a:lin ang="5400000" scaled="0"/>
-                </a:gradFill>
-                <a:latin typeface="Segoe UI Light" pitchFamily="34" charset="0"/>
-              </a:rPr>
-              <a:t>S</a:t>
-            </a:r>
-            <a:r>
-              <a:rPr lang="en-US" sz="2000" dirty="0" err="1" smtClean="0">
-                <a:gradFill>
-                  <a:gsLst>
-                    <a:gs pos="0">
-                      <a:schemeClr val="tx1"/>
-                    </a:gs>
-                    <a:gs pos="86000">
-                      <a:schemeClr val="tx1"/>
-                    </a:gs>
-                  </a:gsLst>
-                  <a:lin ang="5400000" scaled="0"/>
-                </a:gradFill>
-                <a:latin typeface="Segoe UI Light" pitchFamily="34" charset="0"/>
-              </a:rPr>
-              <a:t>ugendran</a:t>
+              <a:t>sjsSugendran</a:t>
             </a:r>
             <a:endParaRPr lang="en-US" sz="2000" dirty="0" smtClean="0">
               <a:gradFill>
@@ -14977,11 +16158,11 @@
   <p:clrMapOvr>
     <a:masterClrMapping/>
   </p:clrMapOvr>
-  <mc:AlternateContent xmlns:mc="http://schemas.openxmlformats.org/markup-compatibility/2006">
-    <mc:Choice xmlns:p14="http://schemas.microsoft.com/office/powerpoint/2010/main" Requires="p14">
+  <mc:AlternateContent xmlns:mc="http://schemas.openxmlformats.org/markup-compatibility/2006" xmlns:p14="http://schemas.microsoft.com/office/powerpoint/2010/main">
+    <mc:Choice Requires="p14">
       <p:transition p14:dur="0"/>
     </mc:Choice>
-    <mc:Fallback>
+    <mc:Fallback xmlns="">
       <p:transition xmlns:p14="http://schemas.microsoft.com/office/powerpoint/2010/main"/>
     </mc:Fallback>
   </mc:AlternateContent>
@@ -15324,20 +16505,6 @@
               </a:rPr>
               <a:t>Write down the things outside of scope</a:t>
             </a:r>
-            <a:endParaRPr lang="en-US" sz="4000" dirty="0" smtClean="0">
-              <a:gradFill>
-                <a:gsLst>
-                  <a:gs pos="0">
-                    <a:schemeClr val="tx1"/>
-                  </a:gs>
-                  <a:gs pos="86000">
-                    <a:schemeClr val="tx1"/>
-                  </a:gs>
-                </a:gsLst>
-                <a:lin ang="5400000" scaled="0"/>
-              </a:gradFill>
-              <a:latin typeface="Segoe UI Light" pitchFamily="34" charset="0"/>
-            </a:endParaRPr>
           </a:p>
         </p:txBody>
       </p:sp>
@@ -15436,20 +16603,6 @@
               </a:rPr>
               <a:t>Give other teams a head start</a:t>
             </a:r>
-            <a:endParaRPr lang="en-US" sz="4000" dirty="0" smtClean="0">
-              <a:gradFill>
-                <a:gsLst>
-                  <a:gs pos="0">
-                    <a:schemeClr val="tx1"/>
-                  </a:gs>
-                  <a:gs pos="86000">
-                    <a:schemeClr val="tx1"/>
-                  </a:gs>
-                </a:gsLst>
-                <a:lin ang="5400000" scaled="0"/>
-              </a:gradFill>
-              <a:latin typeface="Segoe UI Light" pitchFamily="34" charset="0"/>
-            </a:endParaRPr>
           </a:p>
         </p:txBody>
       </p:sp>
@@ -15507,41 +16660,7 @@
                 </a:gradFill>
                 <a:latin typeface="Segoe UI Light" pitchFamily="34" charset="0"/>
               </a:rPr>
-              <a:t>sjs</a:t>
-            </a:r>
-            <a:r>
-              <a:rPr lang="en-US" sz="2000" dirty="0" err="1" smtClean="0">
-                <a:gradFill>
-                  <a:gsLst>
-                    <a:gs pos="0">
-                      <a:schemeClr val="tx1"/>
-                    </a:gs>
-                    <a:gs pos="86000">
-                      <a:schemeClr val="tx1"/>
-                    </a:gs>
-                  </a:gsLst>
-                  <a:lin ang="5400000" scaled="0"/>
-                </a:gradFill>
-                <a:latin typeface="Segoe UI Light" pitchFamily="34" charset="0"/>
-              </a:rPr>
-              <a:t>S</a:t>
-            </a:r>
-            <a:r>
-              <a:rPr lang="en-US" sz="2000" dirty="0" err="1" smtClean="0">
-                <a:gradFill>
-                  <a:gsLst>
-                    <a:gs pos="0">
-                      <a:schemeClr val="tx1"/>
-                    </a:gs>
-                    <a:gs pos="86000">
-                      <a:schemeClr val="tx1"/>
-                    </a:gs>
-                  </a:gsLst>
-                  <a:lin ang="5400000" scaled="0"/>
-                </a:gradFill>
-                <a:latin typeface="Segoe UI Light" pitchFamily="34" charset="0"/>
-              </a:rPr>
-              <a:t>ugendran</a:t>
+              <a:t>sjsSugendran</a:t>
             </a:r>
             <a:endParaRPr lang="en-US" sz="2000" dirty="0" smtClean="0">
               <a:gradFill>
@@ -15570,11 +16689,11 @@
   <p:clrMapOvr>
     <a:masterClrMapping/>
   </p:clrMapOvr>
-  <mc:AlternateContent xmlns:mc="http://schemas.openxmlformats.org/markup-compatibility/2006">
-    <mc:Choice xmlns:p14="http://schemas.microsoft.com/office/powerpoint/2010/main" Requires="p14">
+  <mc:AlternateContent xmlns:mc="http://schemas.openxmlformats.org/markup-compatibility/2006" xmlns:p14="http://schemas.microsoft.com/office/powerpoint/2010/main">
+    <mc:Choice Requires="p14">
       <p:transition p14:dur="0"/>
     </mc:Choice>
-    <mc:Fallback>
+    <mc:Fallback xmlns="">
       <p:transition xmlns:p14="http://schemas.microsoft.com/office/powerpoint/2010/main"/>
     </mc:Fallback>
   </mc:AlternateContent>
@@ -15917,20 +17036,6 @@
               </a:rPr>
               <a:t>40% less code</a:t>
             </a:r>
-            <a:endParaRPr lang="en-US" sz="4000" dirty="0" smtClean="0">
-              <a:gradFill>
-                <a:gsLst>
-                  <a:gs pos="0">
-                    <a:schemeClr val="tx1"/>
-                  </a:gs>
-                  <a:gs pos="86000">
-                    <a:schemeClr val="tx1"/>
-                  </a:gs>
-                </a:gsLst>
-                <a:lin ang="5400000" scaled="0"/>
-              </a:gradFill>
-              <a:latin typeface="Segoe UI Light" pitchFamily="34" charset="0"/>
-            </a:endParaRPr>
           </a:p>
         </p:txBody>
       </p:sp>
@@ -16046,20 +17151,6 @@
               </a:rPr>
               <a:t>Positive feedback from feed projects</a:t>
             </a:r>
-            <a:endParaRPr lang="en-US" sz="4000" dirty="0" smtClean="0">
-              <a:gradFill>
-                <a:gsLst>
-                  <a:gs pos="0">
-                    <a:schemeClr val="tx1"/>
-                  </a:gs>
-                  <a:gs pos="86000">
-                    <a:schemeClr val="tx1"/>
-                  </a:gs>
-                </a:gsLst>
-                <a:lin ang="5400000" scaled="0"/>
-              </a:gradFill>
-              <a:latin typeface="Segoe UI Light" pitchFamily="34" charset="0"/>
-            </a:endParaRPr>
           </a:p>
         </p:txBody>
       </p:sp>
@@ -16117,41 +17208,7 @@
                 </a:gradFill>
                 <a:latin typeface="Segoe UI Light" pitchFamily="34" charset="0"/>
               </a:rPr>
-              <a:t>sjs</a:t>
-            </a:r>
-            <a:r>
-              <a:rPr lang="en-US" sz="2000" dirty="0" err="1" smtClean="0">
-                <a:gradFill>
-                  <a:gsLst>
-                    <a:gs pos="0">
-                      <a:schemeClr val="tx1"/>
-                    </a:gs>
-                    <a:gs pos="86000">
-                      <a:schemeClr val="tx1"/>
-                    </a:gs>
-                  </a:gsLst>
-                  <a:lin ang="5400000" scaled="0"/>
-                </a:gradFill>
-                <a:latin typeface="Segoe UI Light" pitchFamily="34" charset="0"/>
-              </a:rPr>
-              <a:t>S</a:t>
-            </a:r>
-            <a:r>
-              <a:rPr lang="en-US" sz="2000" dirty="0" err="1" smtClean="0">
-                <a:gradFill>
-                  <a:gsLst>
-                    <a:gs pos="0">
-                      <a:schemeClr val="tx1"/>
-                    </a:gs>
-                    <a:gs pos="86000">
-                      <a:schemeClr val="tx1"/>
-                    </a:gs>
-                  </a:gsLst>
-                  <a:lin ang="5400000" scaled="0"/>
-                </a:gradFill>
-                <a:latin typeface="Segoe UI Light" pitchFamily="34" charset="0"/>
-              </a:rPr>
-              <a:t>ugendran</a:t>
+              <a:t>sjsSugendran</a:t>
             </a:r>
             <a:endParaRPr lang="en-US" sz="2000" dirty="0" smtClean="0">
               <a:gradFill>
@@ -16180,11 +17237,11 @@
   <p:clrMapOvr>
     <a:masterClrMapping/>
   </p:clrMapOvr>
-  <mc:AlternateContent xmlns:mc="http://schemas.openxmlformats.org/markup-compatibility/2006">
-    <mc:Choice xmlns:p14="http://schemas.microsoft.com/office/powerpoint/2010/main" Requires="p14">
+  <mc:AlternateContent xmlns:mc="http://schemas.openxmlformats.org/markup-compatibility/2006" xmlns:p14="http://schemas.microsoft.com/office/powerpoint/2010/main">
+    <mc:Choice Requires="p14">
       <p:transition p14:dur="0"/>
     </mc:Choice>
-    <mc:Fallback>
+    <mc:Fallback xmlns="">
       <p:transition xmlns:p14="http://schemas.microsoft.com/office/powerpoint/2010/main"/>
     </mc:Fallback>
   </mc:AlternateContent>
@@ -16235,7 +17292,7 @@
         </p:xfrm>
         <a:graphic>
           <a:graphicData uri="http://schemas.openxmlformats.org/drawingml/2006/chart">
-            <c:chart xmlns:c="http://schemas.openxmlformats.org/drawingml/2006/chart" xmlns:r="http://schemas.openxmlformats.org/officeDocument/2006/relationships" r:id="rId2"/>
+            <c:chart xmlns:c="http://schemas.openxmlformats.org/drawingml/2006/chart" xmlns:r="http://schemas.openxmlformats.org/officeDocument/2006/relationships" r:id="rId3"/>
           </a:graphicData>
         </a:graphic>
       </p:graphicFrame>
@@ -16271,7 +17328,7 @@
               </a:spcBef>
               <a:buFontTx/>
               <a:buBlip>
-                <a:blip r:embed="rId3"/>
+                <a:blip r:embed="rId4"/>
               </a:buBlip>
               <a:defRPr sz="3200" kern="1200">
                 <a:gradFill>
@@ -16299,7 +17356,7 @@
               </a:spcBef>
               <a:buFontTx/>
               <a:buBlip>
-                <a:blip r:embed="rId4"/>
+                <a:blip r:embed="rId5"/>
               </a:buBlip>
               <a:defRPr sz="2800" kern="1200">
                 <a:gradFill>
@@ -16327,7 +17384,7 @@
               </a:spcBef>
               <a:buFontTx/>
               <a:buBlip>
-                <a:blip r:embed="rId4"/>
+                <a:blip r:embed="rId5"/>
               </a:buBlip>
               <a:defRPr sz="2400" kern="1200">
                 <a:gradFill>
@@ -16355,7 +17412,7 @@
               </a:spcBef>
               <a:buFontTx/>
               <a:buBlip>
-                <a:blip r:embed="rId4"/>
+                <a:blip r:embed="rId5"/>
               </a:buBlip>
               <a:defRPr sz="2000" kern="1200">
                 <a:gradFill>
@@ -16383,7 +17440,7 @@
               </a:spcBef>
               <a:buFontTx/>
               <a:buBlip>
-                <a:blip r:embed="rId4"/>
+                <a:blip r:embed="rId5"/>
               </a:buBlip>
               <a:defRPr sz="2000" kern="1200">
                 <a:gradFill>
@@ -16623,41 +17680,7 @@
                 </a:gradFill>
                 <a:latin typeface="Segoe UI Light" pitchFamily="34" charset="0"/>
               </a:rPr>
-              <a:t>sjs</a:t>
-            </a:r>
-            <a:r>
-              <a:rPr lang="en-US" sz="2000" dirty="0" err="1" smtClean="0">
-                <a:gradFill>
-                  <a:gsLst>
-                    <a:gs pos="0">
-                      <a:schemeClr val="tx1"/>
-                    </a:gs>
-                    <a:gs pos="86000">
-                      <a:schemeClr val="tx1"/>
-                    </a:gs>
-                  </a:gsLst>
-                  <a:lin ang="5400000" scaled="0"/>
-                </a:gradFill>
-                <a:latin typeface="Segoe UI Light" pitchFamily="34" charset="0"/>
-              </a:rPr>
-              <a:t>S</a:t>
-            </a:r>
-            <a:r>
-              <a:rPr lang="en-US" sz="2000" dirty="0" err="1" smtClean="0">
-                <a:gradFill>
-                  <a:gsLst>
-                    <a:gs pos="0">
-                      <a:schemeClr val="tx1"/>
-                    </a:gs>
-                    <a:gs pos="86000">
-                      <a:schemeClr val="tx1"/>
-                    </a:gs>
-                  </a:gsLst>
-                  <a:lin ang="5400000" scaled="0"/>
-                </a:gradFill>
-                <a:latin typeface="Segoe UI Light" pitchFamily="34" charset="0"/>
-              </a:rPr>
-              <a:t>ugendran</a:t>
+              <a:t>sjsSugendran</a:t>
             </a:r>
             <a:endParaRPr lang="en-US" sz="2000" dirty="0" smtClean="0">
               <a:gradFill>
@@ -16686,11 +17709,11 @@
   <p:clrMapOvr>
     <a:masterClrMapping/>
   </p:clrMapOvr>
-  <mc:AlternateContent xmlns:mc="http://schemas.openxmlformats.org/markup-compatibility/2006">
-    <mc:Choice xmlns:p14="http://schemas.microsoft.com/office/powerpoint/2010/main" Requires="p14">
+  <mc:AlternateContent xmlns:mc="http://schemas.openxmlformats.org/markup-compatibility/2006" xmlns:p14="http://schemas.microsoft.com/office/powerpoint/2010/main">
+    <mc:Choice Requires="p14">
       <p:transition p14:dur="0"/>
     </mc:Choice>
-    <mc:Fallback>
+    <mc:Fallback xmlns="">
       <p:transition xmlns:p14="http://schemas.microsoft.com/office/powerpoint/2010/main"/>
     </mc:Fallback>
   </mc:AlternateContent>
@@ -16704,7 +17727,7 @@
 </p:sld>
 </file>
 
-<file path=ppt/slides/slide2.xml><?xml version="1.0" encoding="utf-8"?>
+<file path=ppt/slides/slide19.xml><?xml version="1.0" encoding="utf-8"?>
 <p:sld xmlns:a="http://schemas.openxmlformats.org/drawingml/2006/main" xmlns:r="http://schemas.openxmlformats.org/officeDocument/2006/relationships" xmlns:p="http://schemas.openxmlformats.org/presentationml/2006/main">
   <p:cSld>
     <p:spTree>
@@ -16723,16 +17746,74 @@
       </p:grpSpPr>
       <p:sp>
         <p:nvSpPr>
-          <p:cNvPr id="6" name="Rectangle 3"/>
-          <p:cNvSpPr txBox="1">
-            <a:spLocks noChangeArrowheads="1"/>
+          <p:cNvPr id="4" name="Text Placeholder 2"/>
+          <p:cNvSpPr>
+            <a:spLocks noGrp="1"/>
           </p:cNvSpPr>
+          <p:nvPr>
+            <p:ph type="body" sz="quarter" idx="10"/>
+          </p:nvPr>
+        </p:nvSpPr>
+        <p:spPr>
+          <a:xfrm>
+            <a:off x="487107" y="1723051"/>
+            <a:ext cx="11228440" cy="1128514"/>
+          </a:xfrm>
+        </p:spPr>
+        <p:txBody>
+          <a:bodyPr/>
+          <a:lstStyle/>
+          <a:p>
+            <a:r>
+              <a:rPr lang="en-US" sz="8000" dirty="0" smtClean="0"/>
+              <a:t>Questions?</a:t>
+            </a:r>
+            <a:endParaRPr lang="en-US" sz="8000" dirty="0"/>
+          </a:p>
+        </p:txBody>
+      </p:sp>
+      <p:sp>
+        <p:nvSpPr>
+          <p:cNvPr id="5" name="Text Placeholder 6"/>
+          <p:cNvSpPr>
+            <a:spLocks noGrp="1"/>
+          </p:cNvSpPr>
+          <p:nvPr>
+            <p:ph type="body" sz="quarter" idx="11"/>
+          </p:nvPr>
+        </p:nvSpPr>
+        <p:spPr>
+          <a:xfrm>
+            <a:off x="564087" y="5164759"/>
+            <a:ext cx="2232568" cy="451406"/>
+          </a:xfrm>
+        </p:spPr>
+        <p:txBody>
+          <a:bodyPr/>
+          <a:lstStyle/>
+          <a:p>
+            <a:r>
+              <a:rPr lang="en-US" dirty="0" smtClean="0"/>
+              <a:t>@</a:t>
+            </a:r>
+            <a:r>
+              <a:rPr lang="en-US" dirty="0" err="1" smtClean="0"/>
+              <a:t>sugendran</a:t>
+            </a:r>
+            <a:endParaRPr lang="en-US" dirty="0"/>
+          </a:p>
+        </p:txBody>
+      </p:sp>
+      <p:sp>
+        <p:nvSpPr>
+          <p:cNvPr id="7" name="TextBox 6"/>
+          <p:cNvSpPr txBox="1"/>
           <p:nvPr/>
         </p:nvSpPr>
         <p:spPr>
           <a:xfrm>
-            <a:off x="512763" y="975545"/>
-            <a:ext cx="11694722" cy="846386"/>
+            <a:off x="10455353" y="218075"/>
+            <a:ext cx="1574074" cy="307777"/>
           </a:xfrm>
           <a:prstGeom prst="rect">
             <a:avLst/>
@@ -16740,57 +17821,138 @@
           <a:noFill/>
         </p:spPr>
         <p:txBody>
+          <a:bodyPr wrap="none" lIns="0" tIns="0" rIns="0" bIns="0" rtlCol="0">
+            <a:spAutoFit/>
+          </a:bodyPr>
+          <a:lstStyle/>
+          <a:p>
+            <a:r>
+              <a:rPr lang="en-US" sz="2000" dirty="0" smtClean="0">
+                <a:gradFill>
+                  <a:gsLst>
+                    <a:gs pos="0">
+                      <a:schemeClr val="tx1"/>
+                    </a:gs>
+                    <a:gs pos="86000">
+                      <a:schemeClr val="tx1"/>
+                    </a:gs>
+                  </a:gsLst>
+                  <a:lin ang="5400000" scaled="0"/>
+                </a:gradFill>
+                <a:latin typeface="Segoe UI Light" pitchFamily="34" charset="0"/>
+              </a:rPr>
+              <a:t>#</a:t>
+            </a:r>
+            <a:r>
+              <a:rPr lang="en-US" sz="2000" dirty="0" err="1" smtClean="0">
+                <a:gradFill>
+                  <a:gsLst>
+                    <a:gs pos="0">
+                      <a:schemeClr val="tx1"/>
+                    </a:gs>
+                    <a:gs pos="86000">
+                      <a:schemeClr val="tx1"/>
+                    </a:gs>
+                  </a:gsLst>
+                  <a:lin ang="5400000" scaled="0"/>
+                </a:gradFill>
+                <a:latin typeface="Segoe UI Light" pitchFamily="34" charset="0"/>
+              </a:rPr>
+              <a:t>sjsSugendran</a:t>
+            </a:r>
+            <a:endParaRPr lang="en-US" sz="2000" dirty="0" smtClean="0">
+              <a:gradFill>
+                <a:gsLst>
+                  <a:gs pos="0">
+                    <a:schemeClr val="tx1"/>
+                  </a:gs>
+                  <a:gs pos="86000">
+                    <a:schemeClr val="tx1"/>
+                  </a:gs>
+                </a:gsLst>
+                <a:lin ang="5400000" scaled="0"/>
+              </a:gradFill>
+              <a:latin typeface="Segoe UI Light" pitchFamily="34" charset="0"/>
+            </a:endParaRPr>
+          </a:p>
+        </p:txBody>
+      </p:sp>
+      <p:sp>
+        <p:nvSpPr>
+          <p:cNvPr id="6" name="Text Placeholder 6"/>
+          <p:cNvSpPr txBox="1">
+            <a:spLocks/>
+          </p:cNvSpPr>
+          <p:nvPr/>
+        </p:nvSpPr>
+        <p:spPr>
+          <a:xfrm>
+            <a:off x="567863" y="2871521"/>
+            <a:ext cx="7147053" cy="451406"/>
+          </a:xfrm>
+          <a:prstGeom prst="rect">
+            <a:avLst/>
+          </a:prstGeom>
+        </p:spPr>
+        <p:txBody>
           <a:bodyPr vert="horz" wrap="square" lIns="0" tIns="0" rIns="0" bIns="0" rtlCol="0">
             <a:spAutoFit/>
           </a:bodyPr>
           <a:lstStyle>
-            <a:lvl1pPr marL="404813" indent="-404813" algn="l" defTabSz="914363" rtl="0" eaLnBrk="1" latinLnBrk="0" hangingPunct="1">
+            <a:lvl1pPr marL="0" indent="0" algn="l" defTabSz="914363" rtl="0" eaLnBrk="1" latinLnBrk="0" hangingPunct="1">
               <a:lnSpc>
                 <a:spcPct val="90000"/>
               </a:lnSpc>
               <a:spcBef>
                 <a:spcPct val="20000"/>
               </a:spcBef>
-              <a:buFontTx/>
-              <a:buBlip>
-                <a:blip r:embed="rId3"/>
-              </a:buBlip>
-              <a:defRPr sz="3200" kern="1200">
+              <a:buSzPct val="90000"/>
+              <a:buFont typeface="Arial" pitchFamily="34" charset="0"/>
+              <a:buNone/>
+              <a:defRPr sz="3200" kern="1200" spc="-100" baseline="0">
                 <a:gradFill>
                   <a:gsLst>
                     <a:gs pos="0">
                       <a:schemeClr val="tx1"/>
                     </a:gs>
-                    <a:gs pos="86000">
+                    <a:gs pos="100000">
                       <a:schemeClr val="tx1"/>
                     </a:gs>
                   </a:gsLst>
                   <a:lin ang="5400000" scaled="0"/>
                 </a:gradFill>
-                <a:latin typeface="+mn-lt"/>
+                <a:latin typeface="Segoe UI Light" pitchFamily="34" charset="0"/>
                 <a:ea typeface="+mn-ea"/>
                 <a:cs typeface="+mn-cs"/>
               </a:defRPr>
             </a:lvl1pPr>
-            <a:lvl2pPr marL="800100" indent="-395288" algn="l" defTabSz="914363" rtl="0" eaLnBrk="1" latinLnBrk="0" hangingPunct="1">
+            <a:lvl2pPr marL="630238" indent="-284163" algn="l" defTabSz="914363" rtl="0" eaLnBrk="1" latinLnBrk="0" hangingPunct="1">
               <a:lnSpc>
                 <a:spcPct val="90000"/>
               </a:lnSpc>
               <a:spcBef>
                 <a:spcPct val="20000"/>
               </a:spcBef>
-              <a:buFontTx/>
-              <a:buBlip>
-                <a:blip r:embed="rId4"/>
-              </a:buBlip>
+              <a:buSzPct val="90000"/>
+              <a:buFont typeface="Arial" pitchFamily="34" charset="0"/>
+              <a:buChar char="•"/>
+              <a:tabLst>
+                <a:tab pos="630238" algn="l"/>
+              </a:tabLst>
               <a:defRPr sz="2800" kern="1200">
                 <a:gradFill>
                   <a:gsLst>
                     <a:gs pos="0">
-                      <a:schemeClr val="tx1"/>
+                      <a:schemeClr val="tx1">
+                        <a:lumMod val="75000"/>
+                        <a:lumOff val="25000"/>
+                      </a:schemeClr>
                     </a:gs>
                     <a:gs pos="86000">
-                      <a:schemeClr val="tx1"/>
+                      <a:schemeClr val="tx1">
+                        <a:lumMod val="75000"/>
+                        <a:lumOff val="25000"/>
+                      </a:schemeClr>
                     </a:gs>
                   </a:gsLst>
                   <a:lin ang="5400000" scaled="0"/>
@@ -16800,25 +17962,30 @@
                 <a:cs typeface="+mn-cs"/>
               </a:defRPr>
             </a:lvl2pPr>
-            <a:lvl3pPr marL="1143000" indent="-342900" algn="l" defTabSz="914363" rtl="0" eaLnBrk="1" latinLnBrk="0" hangingPunct="1">
+            <a:lvl3pPr marL="914400" indent="-284163" algn="l" defTabSz="914363" rtl="0" eaLnBrk="1" latinLnBrk="0" hangingPunct="1">
               <a:lnSpc>
                 <a:spcPct val="90000"/>
               </a:lnSpc>
               <a:spcBef>
                 <a:spcPct val="20000"/>
               </a:spcBef>
-              <a:buFontTx/>
-              <a:buBlip>
-                <a:blip r:embed="rId4"/>
-              </a:buBlip>
+              <a:buSzPct val="90000"/>
+              <a:buFont typeface="Arial" pitchFamily="34" charset="0"/>
+              <a:buChar char="•"/>
               <a:defRPr sz="2400" kern="1200">
                 <a:gradFill>
                   <a:gsLst>
                     <a:gs pos="0">
-                      <a:schemeClr val="tx1"/>
+                      <a:schemeClr val="tx1">
+                        <a:lumMod val="75000"/>
+                        <a:lumOff val="25000"/>
+                      </a:schemeClr>
                     </a:gs>
                     <a:gs pos="86000">
-                      <a:schemeClr val="tx1"/>
+                      <a:schemeClr val="tx1">
+                        <a:lumMod val="75000"/>
+                        <a:lumOff val="25000"/>
+                      </a:schemeClr>
                     </a:gs>
                   </a:gsLst>
                   <a:lin ang="5400000" scaled="0"/>
@@ -16828,25 +17995,33 @@
                 <a:cs typeface="+mn-cs"/>
               </a:defRPr>
             </a:lvl3pPr>
-            <a:lvl4pPr marL="1485900" indent="-342900" algn="l" defTabSz="914363" rtl="0" eaLnBrk="1" latinLnBrk="0" hangingPunct="1">
+            <a:lvl4pPr marL="1482725" indent="-223838" algn="l" defTabSz="914363" rtl="0" eaLnBrk="1" latinLnBrk="0" hangingPunct="1">
               <a:lnSpc>
                 <a:spcPct val="90000"/>
               </a:lnSpc>
               <a:spcBef>
                 <a:spcPct val="20000"/>
               </a:spcBef>
-              <a:buFontTx/>
-              <a:buBlip>
-                <a:blip r:embed="rId4"/>
-              </a:buBlip>
+              <a:buSzPct val="90000"/>
+              <a:buFont typeface="Arial" pitchFamily="34" charset="0"/>
+              <a:buChar char="•"/>
+              <a:tabLst>
+                <a:tab pos="914400" algn="l"/>
+              </a:tabLst>
               <a:defRPr sz="2000" kern="1200">
                 <a:gradFill>
                   <a:gsLst>
                     <a:gs pos="0">
-                      <a:schemeClr val="tx1"/>
+                      <a:schemeClr val="tx1">
+                        <a:lumMod val="75000"/>
+                        <a:lumOff val="25000"/>
+                      </a:schemeClr>
                     </a:gs>
                     <a:gs pos="86000">
-                      <a:schemeClr val="tx1"/>
+                      <a:schemeClr val="tx1">
+                        <a:lumMod val="75000"/>
+                        <a:lumOff val="25000"/>
+                      </a:schemeClr>
                     </a:gs>
                   </a:gsLst>
                   <a:lin ang="5400000" scaled="0"/>
@@ -16856,25 +18031,30 @@
                 <a:cs typeface="+mn-cs"/>
               </a:defRPr>
             </a:lvl4pPr>
-            <a:lvl5pPr marL="1828800" indent="-342900" algn="l" defTabSz="914363" rtl="0" eaLnBrk="1" latinLnBrk="0" hangingPunct="1">
+            <a:lvl5pPr marL="1712913" indent="-230188" algn="l" defTabSz="914363" rtl="0" eaLnBrk="1" latinLnBrk="0" hangingPunct="1">
               <a:lnSpc>
                 <a:spcPct val="90000"/>
               </a:lnSpc>
               <a:spcBef>
                 <a:spcPct val="20000"/>
               </a:spcBef>
-              <a:buFontTx/>
-              <a:buBlip>
-                <a:blip r:embed="rId4"/>
-              </a:buBlip>
+              <a:buSzPct val="90000"/>
+              <a:buFont typeface="Arial" pitchFamily="34" charset="0"/>
+              <a:buChar char="•"/>
               <a:defRPr sz="2000" kern="1200">
                 <a:gradFill>
                   <a:gsLst>
                     <a:gs pos="0">
-                      <a:schemeClr val="tx1"/>
+                      <a:schemeClr val="tx1">
+                        <a:lumMod val="75000"/>
+                        <a:lumOff val="25000"/>
+                      </a:schemeClr>
                     </a:gs>
                     <a:gs pos="86000">
-                      <a:schemeClr val="tx1"/>
+                      <a:schemeClr val="tx1">
+                        <a:lumMod val="75000"/>
+                        <a:lumOff val="25000"/>
+                      </a:schemeClr>
                     </a:gs>
                   </a:gsLst>
                   <a:lin ang="5400000" scaled="0"/>
@@ -16946,365 +18126,29 @@
             </a:lvl9pPr>
           </a:lstStyle>
           <a:p>
-            <a:pPr marL="0" indent="0">
-              <a:spcBef>
-                <a:spcPct val="0"/>
-              </a:spcBef>
-              <a:buNone/>
-            </a:pPr>
-            <a:r>
-              <a:rPr lang="en-US" sz="6000" spc="-100" dirty="0" smtClean="0">
-                <a:ln w="3175">
-                  <a:noFill/>
-                </a:ln>
-                <a:gradFill>
-                  <a:gsLst>
-                    <a:gs pos="96667">
-                      <a:srgbClr val="FFFFFF"/>
-                    </a:gs>
-                    <a:gs pos="90000">
-                      <a:srgbClr val="FFFFFF"/>
-                    </a:gs>
-                  </a:gsLst>
-                  <a:lin ang="5400000" scaled="0"/>
-                </a:gradFill>
-                <a:latin typeface="+mj-lt"/>
-                <a:cs typeface="Arial" charset="0"/>
-              </a:rPr>
-              <a:t>Yamme</a:t>
-            </a:r>
-            <a:r>
-              <a:rPr lang="en-US" sz="6000" spc="-100" dirty="0" smtClean="0">
-                <a:ln w="3175">
-                  <a:noFill/>
-                </a:ln>
-                <a:gradFill>
-                  <a:gsLst>
-                    <a:gs pos="96667">
-                      <a:srgbClr val="FFFFFF"/>
-                    </a:gs>
-                    <a:gs pos="90000">
-                      <a:srgbClr val="FFFFFF"/>
-                    </a:gs>
-                  </a:gsLst>
-                  <a:lin ang="5400000" scaled="0"/>
-                </a:gradFill>
-                <a:latin typeface="+mj-lt"/>
-                <a:cs typeface="Arial" charset="0"/>
-              </a:rPr>
-              <a:t>r Frontend is a busy place</a:t>
-            </a:r>
-            <a:endParaRPr lang="en-US" sz="6000" spc="-100" dirty="0">
-              <a:ln w="3175">
-                <a:noFill/>
-              </a:ln>
-              <a:gradFill>
-                <a:gsLst>
-                  <a:gs pos="96667">
-                    <a:srgbClr val="FFFFFF"/>
-                  </a:gs>
-                  <a:gs pos="90000">
-                    <a:srgbClr val="FFFFFF"/>
-                  </a:gs>
-                </a:gsLst>
-                <a:lin ang="5400000" scaled="0"/>
-              </a:gradFill>
-              <a:latin typeface="+mj-lt"/>
-              <a:cs typeface="Arial" charset="0"/>
-            </a:endParaRPr>
-          </a:p>
-        </p:txBody>
-      </p:sp>
-      <p:sp>
-        <p:nvSpPr>
-          <p:cNvPr id="3" name="TextBox 2"/>
-          <p:cNvSpPr txBox="1"/>
-          <p:nvPr/>
-        </p:nvSpPr>
-        <p:spPr>
-          <a:xfrm>
-            <a:off x="602947" y="2655385"/>
-            <a:ext cx="6126477" cy="615553"/>
-          </a:xfrm>
-          <a:prstGeom prst="rect">
-            <a:avLst/>
-          </a:prstGeom>
-          <a:noFill/>
-        </p:spPr>
-        <p:txBody>
-          <a:bodyPr wrap="none" lIns="0" tIns="0" rIns="0" bIns="0" rtlCol="0">
-            <a:spAutoFit/>
-          </a:bodyPr>
-          <a:lstStyle/>
-          <a:p>
-            <a:r>
-              <a:rPr lang="en-US" sz="4000" dirty="0" smtClean="0">
-                <a:gradFill>
-                  <a:gsLst>
-                    <a:gs pos="0">
-                      <a:schemeClr val="tx1"/>
-                    </a:gs>
-                    <a:gs pos="86000">
-                      <a:schemeClr val="tx1"/>
-                    </a:gs>
-                  </a:gsLst>
-                  <a:lin ang="5400000" scaled="0"/>
-                </a:gradFill>
-                <a:latin typeface="Segoe UI Light" pitchFamily="34" charset="0"/>
-              </a:rPr>
-              <a:t>24 Engineers across 3 offices</a:t>
-            </a:r>
-            <a:endParaRPr lang="en-US" sz="4000" dirty="0" smtClean="0">
-              <a:gradFill>
-                <a:gsLst>
-                  <a:gs pos="0">
-                    <a:schemeClr val="tx1"/>
-                  </a:gs>
-                  <a:gs pos="86000">
-                    <a:schemeClr val="tx1"/>
-                  </a:gs>
-                </a:gsLst>
-                <a:lin ang="5400000" scaled="0"/>
-              </a:gradFill>
-              <a:latin typeface="Segoe UI Light" pitchFamily="34" charset="0"/>
-            </a:endParaRPr>
-          </a:p>
-        </p:txBody>
-      </p:sp>
-      <p:sp>
-        <p:nvSpPr>
-          <p:cNvPr id="7" name="TextBox 6"/>
-          <p:cNvSpPr txBox="1"/>
-          <p:nvPr/>
-        </p:nvSpPr>
-        <p:spPr>
-          <a:xfrm>
-            <a:off x="602947" y="3546927"/>
-            <a:ext cx="5695920" cy="615553"/>
-          </a:xfrm>
-          <a:prstGeom prst="rect">
-            <a:avLst/>
-          </a:prstGeom>
-          <a:noFill/>
-        </p:spPr>
-        <p:txBody>
-          <a:bodyPr wrap="none" lIns="0" tIns="0" rIns="0" bIns="0" rtlCol="0">
-            <a:spAutoFit/>
-          </a:bodyPr>
-          <a:lstStyle/>
-          <a:p>
-            <a:r>
-              <a:rPr lang="en-US" sz="4000" dirty="0" smtClean="0">
-                <a:gradFill>
-                  <a:gsLst>
-                    <a:gs pos="0">
-                      <a:schemeClr val="tx1"/>
-                    </a:gs>
-                    <a:gs pos="86000">
-                      <a:schemeClr val="tx1"/>
-                    </a:gs>
-                  </a:gsLst>
-                  <a:lin ang="5400000" scaled="0"/>
-                </a:gradFill>
-                <a:latin typeface="Segoe UI Light" pitchFamily="34" charset="0"/>
-              </a:rPr>
-              <a:t>5 years of experimentation</a:t>
-            </a:r>
-            <a:endParaRPr lang="en-US" sz="4000" dirty="0" smtClean="0">
-              <a:gradFill>
-                <a:gsLst>
-                  <a:gs pos="0">
-                    <a:schemeClr val="tx1"/>
-                  </a:gs>
-                  <a:gs pos="86000">
-                    <a:schemeClr val="tx1"/>
-                  </a:gs>
-                </a:gsLst>
-                <a:lin ang="5400000" scaled="0"/>
-              </a:gradFill>
-              <a:latin typeface="Segoe UI Light" pitchFamily="34" charset="0"/>
-            </a:endParaRPr>
-          </a:p>
-        </p:txBody>
-      </p:sp>
-      <p:sp>
-        <p:nvSpPr>
-          <p:cNvPr id="8" name="TextBox 7"/>
-          <p:cNvSpPr txBox="1"/>
-          <p:nvPr/>
-        </p:nvSpPr>
-        <p:spPr>
-          <a:xfrm>
-            <a:off x="602947" y="4438468"/>
-            <a:ext cx="9376816" cy="615553"/>
-          </a:xfrm>
-          <a:prstGeom prst="rect">
-            <a:avLst/>
-          </a:prstGeom>
-          <a:noFill/>
-        </p:spPr>
-        <p:txBody>
-          <a:bodyPr wrap="none" lIns="0" tIns="0" rIns="0" bIns="0" rtlCol="0">
-            <a:spAutoFit/>
-          </a:bodyPr>
-          <a:lstStyle/>
-          <a:p>
-            <a:r>
-              <a:rPr lang="en-US" sz="4000" dirty="0" smtClean="0">
-                <a:gradFill>
-                  <a:gsLst>
-                    <a:gs pos="0">
-                      <a:schemeClr val="tx1"/>
-                    </a:gs>
-                    <a:gs pos="86000">
-                      <a:schemeClr val="tx1"/>
-                    </a:gs>
-                  </a:gsLst>
-                  <a:lin ang="5400000" scaled="0"/>
-                </a:gradFill>
-                <a:latin typeface="Segoe UI Light" pitchFamily="34" charset="0"/>
-              </a:rPr>
-              <a:t>Mix of open source and custom frameworks</a:t>
-            </a:r>
-            <a:endParaRPr lang="en-US" sz="4000" dirty="0" smtClean="0">
-              <a:gradFill>
-                <a:gsLst>
-                  <a:gs pos="0">
-                    <a:schemeClr val="tx1"/>
-                  </a:gs>
-                  <a:gs pos="86000">
-                    <a:schemeClr val="tx1"/>
-                  </a:gs>
-                </a:gsLst>
-                <a:lin ang="5400000" scaled="0"/>
-              </a:gradFill>
-              <a:latin typeface="Segoe UI Light" pitchFamily="34" charset="0"/>
-            </a:endParaRPr>
-          </a:p>
-        </p:txBody>
-      </p:sp>
-      <p:sp>
-        <p:nvSpPr>
-          <p:cNvPr id="9" name="TextBox 8"/>
-          <p:cNvSpPr txBox="1"/>
-          <p:nvPr/>
-        </p:nvSpPr>
-        <p:spPr>
-          <a:xfrm>
-            <a:off x="10455353" y="218075"/>
-            <a:ext cx="1574074" cy="307777"/>
-          </a:xfrm>
-          <a:prstGeom prst="rect">
-            <a:avLst/>
-          </a:prstGeom>
-          <a:noFill/>
-        </p:spPr>
-        <p:txBody>
-          <a:bodyPr wrap="none" lIns="0" tIns="0" rIns="0" bIns="0" rtlCol="0">
-            <a:spAutoFit/>
-          </a:bodyPr>
-          <a:lstStyle/>
-          <a:p>
-            <a:r>
-              <a:rPr lang="en-US" sz="2000" dirty="0" smtClean="0">
-                <a:gradFill>
-                  <a:gsLst>
-                    <a:gs pos="0">
-                      <a:schemeClr val="tx1"/>
-                    </a:gs>
-                    <a:gs pos="86000">
-                      <a:schemeClr val="tx1"/>
-                    </a:gs>
-                  </a:gsLst>
-                  <a:lin ang="5400000" scaled="0"/>
-                </a:gradFill>
-                <a:latin typeface="Segoe UI Light" pitchFamily="34" charset="0"/>
-              </a:rPr>
-              <a:t>#</a:t>
-            </a:r>
-            <a:r>
-              <a:rPr lang="en-US" sz="2000" dirty="0" err="1" smtClean="0">
-                <a:gradFill>
-                  <a:gsLst>
-                    <a:gs pos="0">
-                      <a:schemeClr val="tx1"/>
-                    </a:gs>
-                    <a:gs pos="86000">
-                      <a:schemeClr val="tx1"/>
-                    </a:gs>
-                  </a:gsLst>
-                  <a:lin ang="5400000" scaled="0"/>
-                </a:gradFill>
-                <a:latin typeface="Segoe UI Light" pitchFamily="34" charset="0"/>
-              </a:rPr>
-              <a:t>sjs</a:t>
-            </a:r>
-            <a:r>
-              <a:rPr lang="en-US" sz="2000" dirty="0" err="1" smtClean="0">
-                <a:gradFill>
-                  <a:gsLst>
-                    <a:gs pos="0">
-                      <a:schemeClr val="tx1"/>
-                    </a:gs>
-                    <a:gs pos="86000">
-                      <a:schemeClr val="tx1"/>
-                    </a:gs>
-                  </a:gsLst>
-                  <a:lin ang="5400000" scaled="0"/>
-                </a:gradFill>
-                <a:latin typeface="Segoe UI Light" pitchFamily="34" charset="0"/>
-              </a:rPr>
-              <a:t>S</a:t>
-            </a:r>
-            <a:r>
-              <a:rPr lang="en-US" sz="2000" dirty="0" err="1" smtClean="0">
-                <a:gradFill>
-                  <a:gsLst>
-                    <a:gs pos="0">
-                      <a:schemeClr val="tx1"/>
-                    </a:gs>
-                    <a:gs pos="86000">
-                      <a:schemeClr val="tx1"/>
-                    </a:gs>
-                  </a:gsLst>
-                  <a:lin ang="5400000" scaled="0"/>
-                </a:gradFill>
-                <a:latin typeface="Segoe UI Light" pitchFamily="34" charset="0"/>
-              </a:rPr>
-              <a:t>ugendran</a:t>
-            </a:r>
-            <a:endParaRPr lang="en-US" sz="2000" dirty="0" smtClean="0">
-              <a:gradFill>
-                <a:gsLst>
-                  <a:gs pos="0">
-                    <a:schemeClr val="tx1"/>
-                  </a:gs>
-                  <a:gs pos="86000">
-                    <a:schemeClr val="tx1"/>
-                  </a:gs>
-                </a:gsLst>
-                <a:lin ang="5400000" scaled="0"/>
-              </a:gradFill>
-              <a:latin typeface="Segoe UI Light" pitchFamily="34" charset="0"/>
-            </a:endParaRPr>
+            <a:r>
+              <a:rPr lang="en-US" dirty="0" smtClean="0"/>
+              <a:t>See you in the discussion track</a:t>
+            </a:r>
+            <a:endParaRPr lang="en-US" dirty="0"/>
           </a:p>
         </p:txBody>
       </p:sp>
     </p:spTree>
     <p:extLst>
       <p:ext uri="{BB962C8B-B14F-4D97-AF65-F5344CB8AC3E}">
-        <p14:creationId xmlns:p14="http://schemas.microsoft.com/office/powerpoint/2010/main" val="3313013198"/>
+        <p14:creationId xmlns:p14="http://schemas.microsoft.com/office/powerpoint/2010/main" val="3104976517"/>
       </p:ext>
     </p:extLst>
   </p:cSld>
   <p:clrMapOvr>
     <a:masterClrMapping/>
   </p:clrMapOvr>
-  <mc:AlternateContent xmlns:mc="http://schemas.openxmlformats.org/markup-compatibility/2006">
-    <mc:Choice xmlns:p14="http://schemas.microsoft.com/office/powerpoint/2010/main" Requires="p14">
+  <mc:AlternateContent xmlns:mc="http://schemas.openxmlformats.org/markup-compatibility/2006" xmlns:p14="http://schemas.microsoft.com/office/powerpoint/2010/main">
+    <mc:Choice Requires="p14">
       <p:transition p14:dur="0"/>
     </mc:Choice>
-    <mc:Fallback>
+    <mc:Fallback xmlns="">
       <p:transition xmlns:p14="http://schemas.microsoft.com/office/powerpoint/2010/main"/>
     </mc:Fallback>
   </mc:AlternateContent>
@@ -17318,7 +18162,7 @@
 </p:sld>
 </file>
 
-<file path=ppt/slides/slide3.xml><?xml version="1.0" encoding="utf-8"?>
+<file path=ppt/slides/slide2.xml><?xml version="1.0" encoding="utf-8"?>
 <p:sld xmlns:a="http://schemas.openxmlformats.org/drawingml/2006/main" xmlns:r="http://schemas.openxmlformats.org/officeDocument/2006/relationships" xmlns:p="http://schemas.openxmlformats.org/presentationml/2006/main">
   <p:cSld>
     <p:spTree>
@@ -17585,7 +18429,7 @@
                 <a:latin typeface="+mj-lt"/>
                 <a:cs typeface="Arial" charset="0"/>
               </a:rPr>
-              <a:t>Refactoring the Thread List</a:t>
+              <a:t>Yammer Frontend is a busy place</a:t>
             </a:r>
             <a:endParaRPr lang="en-US" sz="6000" spc="-100" dirty="0">
               <a:ln w="3175">
@@ -17617,7 +18461,7 @@
         <p:spPr>
           <a:xfrm>
             <a:off x="602947" y="2655385"/>
-            <a:ext cx="6059852" cy="615553"/>
+            <a:ext cx="6126477" cy="615553"/>
           </a:xfrm>
           <a:prstGeom prst="rect">
             <a:avLst/>
@@ -17645,22 +18489,8 @@
                 </a:gradFill>
                 <a:latin typeface="Segoe UI Light" pitchFamily="34" charset="0"/>
               </a:rPr>
-              <a:t>Core component of Yammer</a:t>
-            </a:r>
-            <a:endParaRPr lang="en-US" sz="4000" dirty="0" smtClean="0">
-              <a:gradFill>
-                <a:gsLst>
-                  <a:gs pos="0">
-                    <a:schemeClr val="tx1"/>
-                  </a:gs>
-                  <a:gs pos="86000">
-                    <a:schemeClr val="tx1"/>
-                  </a:gs>
-                </a:gsLst>
-                <a:lin ang="5400000" scaled="0"/>
-              </a:gradFill>
-              <a:latin typeface="Segoe UI Light" pitchFamily="34" charset="0"/>
-            </a:endParaRPr>
+              <a:t>24 Engineers across 3 offices</a:t>
+            </a:r>
           </a:p>
         </p:txBody>
       </p:sp>
@@ -17673,7 +18503,7 @@
         <p:spPr>
           <a:xfrm>
             <a:off x="602947" y="3546927"/>
-            <a:ext cx="8892909" cy="615553"/>
+            <a:ext cx="5695920" cy="615553"/>
           </a:xfrm>
           <a:prstGeom prst="rect">
             <a:avLst/>
@@ -17701,22 +18531,8 @@
                 </a:gradFill>
                 <a:latin typeface="Segoe UI Light" pitchFamily="34" charset="0"/>
               </a:rPr>
-              <a:t>Had the most amount of experimentation</a:t>
-            </a:r>
-            <a:endParaRPr lang="en-US" sz="4000" dirty="0" smtClean="0">
-              <a:gradFill>
-                <a:gsLst>
-                  <a:gs pos="0">
-                    <a:schemeClr val="tx1"/>
-                  </a:gs>
-                  <a:gs pos="86000">
-                    <a:schemeClr val="tx1"/>
-                  </a:gs>
-                </a:gsLst>
-                <a:lin ang="5400000" scaled="0"/>
-              </a:gradFill>
-              <a:latin typeface="Segoe UI Light" pitchFamily="34" charset="0"/>
-            </a:endParaRPr>
+              <a:t>5 years of experimentation</a:t>
+            </a:r>
           </a:p>
         </p:txBody>
       </p:sp>
@@ -17729,7 +18545,7 @@
         <p:spPr>
           <a:xfrm>
             <a:off x="602947" y="4438468"/>
-            <a:ext cx="9012634" cy="615553"/>
+            <a:ext cx="9376816" cy="615553"/>
           </a:xfrm>
           <a:prstGeom prst="rect">
             <a:avLst/>
@@ -17757,22 +18573,8 @@
                 </a:gradFill>
                 <a:latin typeface="Segoe UI Light" pitchFamily="34" charset="0"/>
               </a:rPr>
-              <a:t>Hard to understand and slow to work with</a:t>
-            </a:r>
-            <a:endParaRPr lang="en-US" sz="4000" dirty="0" smtClean="0">
-              <a:gradFill>
-                <a:gsLst>
-                  <a:gs pos="0">
-                    <a:schemeClr val="tx1"/>
-                  </a:gs>
-                  <a:gs pos="86000">
-                    <a:schemeClr val="tx1"/>
-                  </a:gs>
-                </a:gsLst>
-                <a:lin ang="5400000" scaled="0"/>
-              </a:gradFill>
-              <a:latin typeface="Segoe UI Light" pitchFamily="34" charset="0"/>
-            </a:endParaRPr>
+              <a:t>Mix of open source and custom frameworks</a:t>
+            </a:r>
           </a:p>
         </p:txBody>
       </p:sp>
@@ -17830,41 +18632,7 @@
                 </a:gradFill>
                 <a:latin typeface="Segoe UI Light" pitchFamily="34" charset="0"/>
               </a:rPr>
-              <a:t>sjs</a:t>
-            </a:r>
-            <a:r>
-              <a:rPr lang="en-US" sz="2000" dirty="0" err="1" smtClean="0">
-                <a:gradFill>
-                  <a:gsLst>
-                    <a:gs pos="0">
-                      <a:schemeClr val="tx1"/>
-                    </a:gs>
-                    <a:gs pos="86000">
-                      <a:schemeClr val="tx1"/>
-                    </a:gs>
-                  </a:gsLst>
-                  <a:lin ang="5400000" scaled="0"/>
-                </a:gradFill>
-                <a:latin typeface="Segoe UI Light" pitchFamily="34" charset="0"/>
-              </a:rPr>
-              <a:t>S</a:t>
-            </a:r>
-            <a:r>
-              <a:rPr lang="en-US" sz="2000" dirty="0" err="1" smtClean="0">
-                <a:gradFill>
-                  <a:gsLst>
-                    <a:gs pos="0">
-                      <a:schemeClr val="tx1"/>
-                    </a:gs>
-                    <a:gs pos="86000">
-                      <a:schemeClr val="tx1"/>
-                    </a:gs>
-                  </a:gsLst>
-                  <a:lin ang="5400000" scaled="0"/>
-                </a:gradFill>
-                <a:latin typeface="Segoe UI Light" pitchFamily="34" charset="0"/>
-              </a:rPr>
-              <a:t>ugendran</a:t>
+              <a:t>sjsSugendran</a:t>
             </a:r>
             <a:endParaRPr lang="en-US" sz="2000" dirty="0" smtClean="0">
               <a:gradFill>
@@ -17886,18 +18654,18 @@
     </p:spTree>
     <p:extLst>
       <p:ext uri="{BB962C8B-B14F-4D97-AF65-F5344CB8AC3E}">
-        <p14:creationId xmlns:p14="http://schemas.microsoft.com/office/powerpoint/2010/main" val="1680262399"/>
+        <p14:creationId xmlns:p14="http://schemas.microsoft.com/office/powerpoint/2010/main" val="3313013198"/>
       </p:ext>
     </p:extLst>
   </p:cSld>
   <p:clrMapOvr>
     <a:masterClrMapping/>
   </p:clrMapOvr>
-  <mc:AlternateContent xmlns:mc="http://schemas.openxmlformats.org/markup-compatibility/2006">
-    <mc:Choice xmlns:p14="http://schemas.microsoft.com/office/powerpoint/2010/main" Requires="p14">
+  <mc:AlternateContent xmlns:mc="http://schemas.openxmlformats.org/markup-compatibility/2006" xmlns:p14="http://schemas.microsoft.com/office/powerpoint/2010/main">
+    <mc:Choice Requires="p14">
       <p:transition p14:dur="0"/>
     </mc:Choice>
-    <mc:Fallback>
+    <mc:Fallback xmlns="">
       <p:transition xmlns:p14="http://schemas.microsoft.com/office/powerpoint/2010/main"/>
     </mc:Fallback>
   </mc:AlternateContent>
@@ -17911,7 +18679,7 @@
 </p:sld>
 </file>
 
-<file path=ppt/slides/slide4.xml><?xml version="1.0" encoding="utf-8"?>
+<file path=ppt/slides/slide3.xml><?xml version="1.0" encoding="utf-8"?>
 <p:sld xmlns:a="http://schemas.openxmlformats.org/drawingml/2006/main" xmlns:r="http://schemas.openxmlformats.org/officeDocument/2006/relationships" xmlns:p="http://schemas.openxmlformats.org/presentationml/2006/main">
   <p:cSld>
     <p:spTree>
@@ -17930,114 +18698,7 @@
       </p:grpSpPr>
       <p:sp>
         <p:nvSpPr>
-          <p:cNvPr id="9" name="TextBox 8"/>
-          <p:cNvSpPr txBox="1"/>
-          <p:nvPr/>
-        </p:nvSpPr>
-        <p:spPr>
-          <a:xfrm>
-            <a:off x="10455353" y="218075"/>
-            <a:ext cx="1574074" cy="307777"/>
-          </a:xfrm>
-          <a:prstGeom prst="rect">
-            <a:avLst/>
-          </a:prstGeom>
-          <a:noFill/>
-        </p:spPr>
-        <p:txBody>
-          <a:bodyPr wrap="none" lIns="0" tIns="0" rIns="0" bIns="0" rtlCol="0">
-            <a:spAutoFit/>
-          </a:bodyPr>
-          <a:lstStyle/>
-          <a:p>
-            <a:r>
-              <a:rPr lang="en-US" sz="2000" dirty="0" smtClean="0">
-                <a:gradFill>
-                  <a:gsLst>
-                    <a:gs pos="0">
-                      <a:schemeClr val="tx1"/>
-                    </a:gs>
-                    <a:gs pos="86000">
-                      <a:schemeClr val="tx1"/>
-                    </a:gs>
-                  </a:gsLst>
-                  <a:lin ang="5400000" scaled="0"/>
-                </a:gradFill>
-                <a:latin typeface="Segoe UI Light" pitchFamily="34" charset="0"/>
-              </a:rPr>
-              <a:t>#</a:t>
-            </a:r>
-            <a:r>
-              <a:rPr lang="en-US" sz="2000" dirty="0" err="1" smtClean="0">
-                <a:gradFill>
-                  <a:gsLst>
-                    <a:gs pos="0">
-                      <a:schemeClr val="tx1"/>
-                    </a:gs>
-                    <a:gs pos="86000">
-                      <a:schemeClr val="tx1"/>
-                    </a:gs>
-                  </a:gsLst>
-                  <a:lin ang="5400000" scaled="0"/>
-                </a:gradFill>
-                <a:latin typeface="Segoe UI Light" pitchFamily="34" charset="0"/>
-              </a:rPr>
-              <a:t>sjs</a:t>
-            </a:r>
-            <a:r>
-              <a:rPr lang="en-US" sz="2000" dirty="0" err="1" smtClean="0">
-                <a:gradFill>
-                  <a:gsLst>
-                    <a:gs pos="0">
-                      <a:schemeClr val="tx1"/>
-                    </a:gs>
-                    <a:gs pos="86000">
-                      <a:schemeClr val="tx1"/>
-                    </a:gs>
-                  </a:gsLst>
-                  <a:lin ang="5400000" scaled="0"/>
-                </a:gradFill>
-                <a:latin typeface="Segoe UI Light" pitchFamily="34" charset="0"/>
-              </a:rPr>
-              <a:t>S</a:t>
-            </a:r>
-            <a:r>
-              <a:rPr lang="en-US" sz="2000" dirty="0" err="1" smtClean="0">
-                <a:gradFill>
-                  <a:gsLst>
-                    <a:gs pos="0">
-                      <a:schemeClr val="tx1"/>
-                    </a:gs>
-                    <a:gs pos="86000">
-                      <a:schemeClr val="tx1"/>
-                    </a:gs>
-                  </a:gsLst>
-                  <a:lin ang="5400000" scaled="0"/>
-                </a:gradFill>
-                <a:latin typeface="Segoe UI Light" pitchFamily="34" charset="0"/>
-              </a:rPr>
-              <a:t>ugendran</a:t>
-            </a:r>
-            <a:endParaRPr lang="en-US" sz="2000" dirty="0" smtClean="0">
-              <a:gradFill>
-                <a:gsLst>
-                  <a:gs pos="0">
-                    <a:schemeClr val="tx1"/>
-                  </a:gs>
-                  <a:gs pos="86000">
-                    <a:schemeClr val="tx1"/>
-                  </a:gs>
-                </a:gsLst>
-                <a:lin ang="5400000" scaled="0"/>
-              </a:gradFill>
-              <a:latin typeface="Segoe UI Light" pitchFamily="34" charset="0"/>
-            </a:endParaRPr>
-          </a:p>
-        </p:txBody>
-      </p:sp>
-      <p:sp>
-        <p:nvSpPr>
-          <p:cNvPr id="10" name="Rectangle 3"/>
+          <p:cNvPr id="6" name="Rectangle 3"/>
           <p:cNvSpPr txBox="1">
             <a:spLocks noChangeArrowheads="1"/>
           </p:cNvSpPr>
@@ -18045,8 +18706,8 @@
         </p:nvSpPr>
         <p:spPr>
           <a:xfrm>
-            <a:off x="577289" y="2120325"/>
-            <a:ext cx="11611536" cy="451406"/>
+            <a:off x="512763" y="975545"/>
+            <a:ext cx="11694722" cy="846386"/>
           </a:xfrm>
           <a:prstGeom prst="rect">
             <a:avLst/>
@@ -18267,7 +18928,7 @@
               <a:buNone/>
             </a:pPr>
             <a:r>
-              <a:rPr lang="en-US" spc="-100" dirty="0" smtClean="0">
+              <a:rPr lang="en-US" sz="6000" spc="-100" dirty="0" smtClean="0">
                 <a:ln w="3175">
                   <a:noFill/>
                 </a:ln>
@@ -18285,9 +18946,9 @@
                 <a:latin typeface="+mj-lt"/>
                 <a:cs typeface="Arial" charset="0"/>
               </a:rPr>
-              <a:t>Don’t hate past team mates</a:t>
-            </a:r>
-            <a:endParaRPr lang="en-US" spc="-100" dirty="0">
+              <a:t>The Thread List</a:t>
+            </a:r>
+            <a:endParaRPr lang="en-US" sz="6000" spc="-100" dirty="0">
               <a:ln w="3175">
                 <a:noFill/>
               </a:ln>
@@ -18310,7 +18971,401 @@
       </p:sp>
       <p:sp>
         <p:nvSpPr>
-          <p:cNvPr id="12" name="Rectangle 3"/>
+          <p:cNvPr id="3" name="TextBox 2"/>
+          <p:cNvSpPr txBox="1"/>
+          <p:nvPr/>
+        </p:nvSpPr>
+        <p:spPr>
+          <a:xfrm>
+            <a:off x="602947" y="2655385"/>
+            <a:ext cx="6059852" cy="615553"/>
+          </a:xfrm>
+          <a:prstGeom prst="rect">
+            <a:avLst/>
+          </a:prstGeom>
+          <a:noFill/>
+        </p:spPr>
+        <p:txBody>
+          <a:bodyPr wrap="none" lIns="0" tIns="0" rIns="0" bIns="0" rtlCol="0">
+            <a:spAutoFit/>
+          </a:bodyPr>
+          <a:lstStyle/>
+          <a:p>
+            <a:r>
+              <a:rPr lang="en-US" sz="4000" dirty="0" smtClean="0">
+                <a:gradFill>
+                  <a:gsLst>
+                    <a:gs pos="0">
+                      <a:schemeClr val="tx1"/>
+                    </a:gs>
+                    <a:gs pos="86000">
+                      <a:schemeClr val="tx1"/>
+                    </a:gs>
+                  </a:gsLst>
+                  <a:lin ang="5400000" scaled="0"/>
+                </a:gradFill>
+                <a:latin typeface="Segoe UI Light" pitchFamily="34" charset="0"/>
+              </a:rPr>
+              <a:t>Core component of Yammer</a:t>
+            </a:r>
+          </a:p>
+        </p:txBody>
+      </p:sp>
+      <p:sp>
+        <p:nvSpPr>
+          <p:cNvPr id="7" name="TextBox 6"/>
+          <p:cNvSpPr txBox="1"/>
+          <p:nvPr/>
+        </p:nvSpPr>
+        <p:spPr>
+          <a:xfrm>
+            <a:off x="602947" y="3546927"/>
+            <a:ext cx="5046955" cy="615553"/>
+          </a:xfrm>
+          <a:prstGeom prst="rect">
+            <a:avLst/>
+          </a:prstGeom>
+          <a:noFill/>
+        </p:spPr>
+        <p:txBody>
+          <a:bodyPr wrap="none" lIns="0" tIns="0" rIns="0" bIns="0" rtlCol="0">
+            <a:spAutoFit/>
+          </a:bodyPr>
+          <a:lstStyle/>
+          <a:p>
+            <a:r>
+              <a:rPr lang="en-US" sz="4000" dirty="0" smtClean="0">
+                <a:gradFill>
+                  <a:gsLst>
+                    <a:gs pos="0">
+                      <a:schemeClr val="tx1"/>
+                    </a:gs>
+                    <a:gs pos="86000">
+                      <a:schemeClr val="tx1"/>
+                    </a:gs>
+                  </a:gsLst>
+                  <a:lin ang="5400000" scaled="0"/>
+                </a:gradFill>
+                <a:latin typeface="Segoe UI Light" pitchFamily="34" charset="0"/>
+              </a:rPr>
+              <a:t>Lots </a:t>
+            </a:r>
+            <a:r>
+              <a:rPr lang="en-US" sz="4000" dirty="0" smtClean="0">
+                <a:gradFill>
+                  <a:gsLst>
+                    <a:gs pos="0">
+                      <a:schemeClr val="tx1"/>
+                    </a:gs>
+                    <a:gs pos="86000">
+                      <a:schemeClr val="tx1"/>
+                    </a:gs>
+                  </a:gsLst>
+                  <a:lin ang="5400000" scaled="0"/>
+                </a:gradFill>
+                <a:latin typeface="Segoe UI Light" pitchFamily="34" charset="0"/>
+              </a:rPr>
+              <a:t>of experimentation</a:t>
+            </a:r>
+          </a:p>
+        </p:txBody>
+      </p:sp>
+      <p:sp>
+        <p:nvSpPr>
+          <p:cNvPr id="8" name="TextBox 7"/>
+          <p:cNvSpPr txBox="1"/>
+          <p:nvPr/>
+        </p:nvSpPr>
+        <p:spPr>
+          <a:xfrm>
+            <a:off x="602947" y="4438468"/>
+            <a:ext cx="4204376" cy="615553"/>
+          </a:xfrm>
+          <a:prstGeom prst="rect">
+            <a:avLst/>
+          </a:prstGeom>
+          <a:noFill/>
+        </p:spPr>
+        <p:txBody>
+          <a:bodyPr wrap="none" lIns="0" tIns="0" rIns="0" bIns="0" rtlCol="0">
+            <a:spAutoFit/>
+          </a:bodyPr>
+          <a:lstStyle/>
+          <a:p>
+            <a:r>
+              <a:rPr lang="en-US" sz="4000" dirty="0" smtClean="0">
+                <a:gradFill>
+                  <a:gsLst>
+                    <a:gs pos="0">
+                      <a:schemeClr val="tx1"/>
+                    </a:gs>
+                    <a:gs pos="86000">
+                      <a:schemeClr val="tx1"/>
+                    </a:gs>
+                  </a:gsLst>
+                  <a:lin ang="5400000" scaled="0"/>
+                </a:gradFill>
+                <a:latin typeface="Segoe UI Light" pitchFamily="34" charset="0"/>
+              </a:rPr>
+              <a:t>Hard to </a:t>
+            </a:r>
+            <a:r>
+              <a:rPr lang="en-US" sz="4000" dirty="0" smtClean="0">
+                <a:gradFill>
+                  <a:gsLst>
+                    <a:gs pos="0">
+                      <a:schemeClr val="tx1"/>
+                    </a:gs>
+                    <a:gs pos="86000">
+                      <a:schemeClr val="tx1"/>
+                    </a:gs>
+                  </a:gsLst>
+                  <a:lin ang="5400000" scaled="0"/>
+                </a:gradFill>
+                <a:latin typeface="Segoe UI Light" pitchFamily="34" charset="0"/>
+              </a:rPr>
+              <a:t>understand</a:t>
+            </a:r>
+            <a:endParaRPr lang="en-US" sz="4000" dirty="0" smtClean="0">
+              <a:gradFill>
+                <a:gsLst>
+                  <a:gs pos="0">
+                    <a:schemeClr val="tx1"/>
+                  </a:gs>
+                  <a:gs pos="86000">
+                    <a:schemeClr val="tx1"/>
+                  </a:gs>
+                </a:gsLst>
+                <a:lin ang="5400000" scaled="0"/>
+              </a:gradFill>
+              <a:latin typeface="Segoe UI Light" pitchFamily="34" charset="0"/>
+            </a:endParaRPr>
+          </a:p>
+        </p:txBody>
+      </p:sp>
+      <p:sp>
+        <p:nvSpPr>
+          <p:cNvPr id="9" name="TextBox 8"/>
+          <p:cNvSpPr txBox="1"/>
+          <p:nvPr/>
+        </p:nvSpPr>
+        <p:spPr>
+          <a:xfrm>
+            <a:off x="10455353" y="218075"/>
+            <a:ext cx="1574074" cy="307777"/>
+          </a:xfrm>
+          <a:prstGeom prst="rect">
+            <a:avLst/>
+          </a:prstGeom>
+          <a:noFill/>
+        </p:spPr>
+        <p:txBody>
+          <a:bodyPr wrap="none" lIns="0" tIns="0" rIns="0" bIns="0" rtlCol="0">
+            <a:spAutoFit/>
+          </a:bodyPr>
+          <a:lstStyle/>
+          <a:p>
+            <a:r>
+              <a:rPr lang="en-US" sz="2000" dirty="0" smtClean="0">
+                <a:gradFill>
+                  <a:gsLst>
+                    <a:gs pos="0">
+                      <a:schemeClr val="tx1"/>
+                    </a:gs>
+                    <a:gs pos="86000">
+                      <a:schemeClr val="tx1"/>
+                    </a:gs>
+                  </a:gsLst>
+                  <a:lin ang="5400000" scaled="0"/>
+                </a:gradFill>
+                <a:latin typeface="Segoe UI Light" pitchFamily="34" charset="0"/>
+              </a:rPr>
+              <a:t>#</a:t>
+            </a:r>
+            <a:r>
+              <a:rPr lang="en-US" sz="2000" dirty="0" err="1" smtClean="0">
+                <a:gradFill>
+                  <a:gsLst>
+                    <a:gs pos="0">
+                      <a:schemeClr val="tx1"/>
+                    </a:gs>
+                    <a:gs pos="86000">
+                      <a:schemeClr val="tx1"/>
+                    </a:gs>
+                  </a:gsLst>
+                  <a:lin ang="5400000" scaled="0"/>
+                </a:gradFill>
+                <a:latin typeface="Segoe UI Light" pitchFamily="34" charset="0"/>
+              </a:rPr>
+              <a:t>sjsSugendran</a:t>
+            </a:r>
+            <a:endParaRPr lang="en-US" sz="2000" dirty="0" smtClean="0">
+              <a:gradFill>
+                <a:gsLst>
+                  <a:gs pos="0">
+                    <a:schemeClr val="tx1"/>
+                  </a:gs>
+                  <a:gs pos="86000">
+                    <a:schemeClr val="tx1"/>
+                  </a:gs>
+                </a:gsLst>
+                <a:lin ang="5400000" scaled="0"/>
+              </a:gradFill>
+              <a:latin typeface="Segoe UI Light" pitchFamily="34" charset="0"/>
+            </a:endParaRPr>
+          </a:p>
+        </p:txBody>
+      </p:sp>
+      <p:pic>
+        <p:nvPicPr>
+          <p:cNvPr id="11" name="Picture 10" descr="yammer-screenshot.png"/>
+          <p:cNvPicPr>
+            <a:picLocks noChangeAspect="1"/>
+          </p:cNvPicPr>
+          <p:nvPr/>
+        </p:nvPicPr>
+        <p:blipFill rotWithShape="1">
+          <a:blip r:embed="rId5">
+            <a:extLst>
+              <a:ext uri="{28A0092B-C50C-407E-A947-70E740481C1C}">
+                <a14:useLocalDpi xmlns:a14="http://schemas.microsoft.com/office/drawing/2010/main" val="0"/>
+              </a:ext>
+            </a:extLst>
+          </a:blip>
+          <a:srcRect l="382" t="4622" r="46446" b="2419"/>
+          <a:stretch/>
+        </p:blipFill>
+        <p:spPr>
+          <a:xfrm>
+            <a:off x="6985336" y="952607"/>
+            <a:ext cx="4939658" cy="5130709"/>
+          </a:xfrm>
+          <a:prstGeom prst="rect">
+            <a:avLst/>
+          </a:prstGeom>
+        </p:spPr>
+      </p:pic>
+    </p:spTree>
+    <p:extLst>
+      <p:ext uri="{BB962C8B-B14F-4D97-AF65-F5344CB8AC3E}">
+        <p14:creationId xmlns:p14="http://schemas.microsoft.com/office/powerpoint/2010/main" val="1680262399"/>
+      </p:ext>
+    </p:extLst>
+  </p:cSld>
+  <p:clrMapOvr>
+    <a:masterClrMapping/>
+  </p:clrMapOvr>
+  <mc:AlternateContent xmlns:mc="http://schemas.openxmlformats.org/markup-compatibility/2006" xmlns:p14="http://schemas.microsoft.com/office/powerpoint/2010/main">
+    <mc:Choice Requires="p14">
+      <p:transition p14:dur="0"/>
+    </mc:Choice>
+    <mc:Fallback xmlns="">
+      <p:transition xmlns:p14="http://schemas.microsoft.com/office/powerpoint/2010/main"/>
+    </mc:Fallback>
+  </mc:AlternateContent>
+  <p:timing>
+    <p:tnLst>
+      <p:par>
+        <p:cTn xmlns:p14="http://schemas.microsoft.com/office/powerpoint/2010/main" id="1" dur="indefinite" restart="never" nodeType="tmRoot"/>
+      </p:par>
+    </p:tnLst>
+  </p:timing>
+</p:sld>
+</file>
+
+<file path=ppt/slides/slide4.xml><?xml version="1.0" encoding="utf-8"?>
+<p:sld xmlns:a="http://schemas.openxmlformats.org/drawingml/2006/main" xmlns:r="http://schemas.openxmlformats.org/officeDocument/2006/relationships" xmlns:p="http://schemas.openxmlformats.org/presentationml/2006/main">
+  <p:cSld>
+    <p:spTree>
+      <p:nvGrpSpPr>
+        <p:cNvPr id="1" name=""/>
+        <p:cNvGrpSpPr/>
+        <p:nvPr/>
+      </p:nvGrpSpPr>
+      <p:grpSpPr>
+        <a:xfrm>
+          <a:off x="0" y="0"/>
+          <a:ext cx="0" cy="0"/>
+          <a:chOff x="0" y="0"/>
+          <a:chExt cx="0" cy="0"/>
+        </a:xfrm>
+      </p:grpSpPr>
+      <p:sp>
+        <p:nvSpPr>
+          <p:cNvPr id="9" name="TextBox 8"/>
+          <p:cNvSpPr txBox="1"/>
+          <p:nvPr/>
+        </p:nvSpPr>
+        <p:spPr>
+          <a:xfrm>
+            <a:off x="10455353" y="218075"/>
+            <a:ext cx="1574074" cy="307777"/>
+          </a:xfrm>
+          <a:prstGeom prst="rect">
+            <a:avLst/>
+          </a:prstGeom>
+          <a:noFill/>
+        </p:spPr>
+        <p:txBody>
+          <a:bodyPr wrap="none" lIns="0" tIns="0" rIns="0" bIns="0" rtlCol="0">
+            <a:spAutoFit/>
+          </a:bodyPr>
+          <a:lstStyle/>
+          <a:p>
+            <a:r>
+              <a:rPr lang="en-US" sz="2000" dirty="0" smtClean="0">
+                <a:gradFill>
+                  <a:gsLst>
+                    <a:gs pos="0">
+                      <a:schemeClr val="tx1"/>
+                    </a:gs>
+                    <a:gs pos="86000">
+                      <a:schemeClr val="tx1"/>
+                    </a:gs>
+                  </a:gsLst>
+                  <a:lin ang="5400000" scaled="0"/>
+                </a:gradFill>
+                <a:latin typeface="Segoe UI Light" pitchFamily="34" charset="0"/>
+              </a:rPr>
+              <a:t>#</a:t>
+            </a:r>
+            <a:r>
+              <a:rPr lang="en-US" sz="2000" dirty="0" err="1" smtClean="0">
+                <a:gradFill>
+                  <a:gsLst>
+                    <a:gs pos="0">
+                      <a:schemeClr val="tx1"/>
+                    </a:gs>
+                    <a:gs pos="86000">
+                      <a:schemeClr val="tx1"/>
+                    </a:gs>
+                  </a:gsLst>
+                  <a:lin ang="5400000" scaled="0"/>
+                </a:gradFill>
+                <a:latin typeface="Segoe UI Light" pitchFamily="34" charset="0"/>
+              </a:rPr>
+              <a:t>sjsSugendran</a:t>
+            </a:r>
+            <a:endParaRPr lang="en-US" sz="2000" dirty="0" smtClean="0">
+              <a:gradFill>
+                <a:gsLst>
+                  <a:gs pos="0">
+                    <a:schemeClr val="tx1"/>
+                  </a:gs>
+                  <a:gs pos="86000">
+                    <a:schemeClr val="tx1"/>
+                  </a:gs>
+                </a:gsLst>
+                <a:lin ang="5400000" scaled="0"/>
+              </a:gradFill>
+              <a:latin typeface="Segoe UI Light" pitchFamily="34" charset="0"/>
+            </a:endParaRPr>
+          </a:p>
+        </p:txBody>
+      </p:sp>
+      <p:sp>
+        <p:nvSpPr>
+          <p:cNvPr id="10" name="Rectangle 3"/>
           <p:cNvSpPr txBox="1">
             <a:spLocks noChangeArrowheads="1"/>
           </p:cNvSpPr>
@@ -18318,8 +19373,8 @@
         </p:nvSpPr>
         <p:spPr>
           <a:xfrm>
-            <a:off x="512763" y="2724762"/>
-            <a:ext cx="10660995" cy="1845120"/>
+            <a:off x="577289" y="2120325"/>
+            <a:ext cx="11611536" cy="451406"/>
           </a:xfrm>
           <a:prstGeom prst="rect">
             <a:avLst/>
@@ -18540,7 +19595,7 @@
               <a:buNone/>
             </a:pPr>
             <a:r>
-              <a:rPr lang="en-US" sz="6600" spc="-100" dirty="0" smtClean="0">
+              <a:rPr lang="en-US" spc="-100" dirty="0" smtClean="0">
                 <a:ln w="3175">
                   <a:noFill/>
                 </a:ln>
@@ -18558,38 +19613,9 @@
                 <a:latin typeface="+mj-lt"/>
                 <a:cs typeface="Arial" charset="0"/>
               </a:rPr>
-              <a:t>Past decisions were made</a:t>
-            </a:r>
-          </a:p>
-          <a:p>
-            <a:pPr marL="0" indent="0">
-              <a:spcBef>
-                <a:spcPct val="0"/>
-              </a:spcBef>
-              <a:buNone/>
-            </a:pPr>
-            <a:r>
-              <a:rPr lang="en-US" sz="6600" spc="-100" dirty="0" smtClean="0">
-                <a:ln w="3175">
-                  <a:noFill/>
-                </a:ln>
-                <a:gradFill>
-                  <a:gsLst>
-                    <a:gs pos="96667">
-                      <a:srgbClr val="FFFFFF"/>
-                    </a:gs>
-                    <a:gs pos="90000">
-                      <a:srgbClr val="FFFFFF"/>
-                    </a:gs>
-                  </a:gsLst>
-                  <a:lin ang="5400000" scaled="0"/>
-                </a:gradFill>
-                <a:latin typeface="+mj-lt"/>
-                <a:cs typeface="Arial" charset="0"/>
-              </a:rPr>
-              <a:t>for good reason</a:t>
-            </a:r>
-            <a:endParaRPr lang="en-US" sz="6600" spc="-100" dirty="0">
+              <a:t>Don’t hate past team mates</a:t>
+            </a:r>
+            <a:endParaRPr lang="en-US" spc="-100" dirty="0">
               <a:ln w="3175">
                 <a:noFill/>
               </a:ln>
@@ -18610,54 +19636,9 @@
           </a:p>
         </p:txBody>
       </p:sp>
-    </p:spTree>
-    <p:extLst>
-      <p:ext uri="{BB962C8B-B14F-4D97-AF65-F5344CB8AC3E}">
-        <p14:creationId xmlns:p14="http://schemas.microsoft.com/office/powerpoint/2010/main" val="2928952509"/>
-      </p:ext>
-    </p:extLst>
-  </p:cSld>
-  <p:clrMapOvr>
-    <a:masterClrMapping/>
-  </p:clrMapOvr>
-  <mc:AlternateContent xmlns:mc="http://schemas.openxmlformats.org/markup-compatibility/2006">
-    <mc:Choice xmlns:p14="http://schemas.microsoft.com/office/powerpoint/2010/main" Requires="p14">
-      <p:transition p14:dur="0"/>
-    </mc:Choice>
-    <mc:Fallback>
-      <p:transition xmlns:p14="http://schemas.microsoft.com/office/powerpoint/2010/main"/>
-    </mc:Fallback>
-  </mc:AlternateContent>
-  <p:timing>
-    <p:tnLst>
-      <p:par>
-        <p:cTn xmlns:p14="http://schemas.microsoft.com/office/powerpoint/2010/main" id="1" dur="indefinite" restart="never" nodeType="tmRoot"/>
-      </p:par>
-    </p:tnLst>
-  </p:timing>
-</p:sld>
-</file>
-
-<file path=ppt/slides/slide5.xml><?xml version="1.0" encoding="utf-8"?>
-<p:sld xmlns:a="http://schemas.openxmlformats.org/drawingml/2006/main" xmlns:r="http://schemas.openxmlformats.org/officeDocument/2006/relationships" xmlns:p="http://schemas.openxmlformats.org/presentationml/2006/main">
-  <p:cSld>
-    <p:spTree>
-      <p:nvGrpSpPr>
-        <p:cNvPr id="1" name=""/>
-        <p:cNvGrpSpPr/>
-        <p:nvPr/>
-      </p:nvGrpSpPr>
-      <p:grpSpPr>
-        <a:xfrm>
-          <a:off x="0" y="0"/>
-          <a:ext cx="0" cy="0"/>
-          <a:chOff x="0" y="0"/>
-          <a:chExt cx="0" cy="0"/>
-        </a:xfrm>
-      </p:grpSpPr>
       <p:sp>
         <p:nvSpPr>
-          <p:cNvPr id="6" name="Rectangle 3"/>
+          <p:cNvPr id="12" name="Rectangle 3"/>
           <p:cNvSpPr txBox="1">
             <a:spLocks noChangeArrowheads="1"/>
           </p:cNvSpPr>
@@ -18665,8 +19646,8 @@
         </p:nvSpPr>
         <p:spPr>
           <a:xfrm>
-            <a:off x="512763" y="975545"/>
-            <a:ext cx="11694722" cy="846386"/>
+            <a:off x="512763" y="2724762"/>
+            <a:ext cx="10660995" cy="1845120"/>
           </a:xfrm>
           <a:prstGeom prst="rect">
             <a:avLst/>
@@ -18887,7 +19868,7 @@
               <a:buNone/>
             </a:pPr>
             <a:r>
-              <a:rPr lang="en-US" sz="6000" spc="-100" dirty="0" smtClean="0">
+              <a:rPr lang="en-US" sz="6600" spc="-100" dirty="0" smtClean="0">
                 <a:ln w="3175">
                   <a:noFill/>
                 </a:ln>
@@ -18905,10 +19886,18 @@
                 <a:latin typeface="+mj-lt"/>
                 <a:cs typeface="Arial" charset="0"/>
               </a:rPr>
-              <a:t>Rewrite </a:t>
-            </a:r>
-            <a:r>
-              <a:rPr lang="en-US" sz="4400" spc="-100" dirty="0" err="1" smtClean="0">
+              <a:t>Past decisions were made</a:t>
+            </a:r>
+          </a:p>
+          <a:p>
+            <a:pPr marL="0" indent="0">
+              <a:spcBef>
+                <a:spcPct val="0"/>
+              </a:spcBef>
+              <a:buNone/>
+            </a:pPr>
+            <a:r>
+              <a:rPr lang="en-US" sz="6600" spc="-100" dirty="0" smtClean="0">
                 <a:ln w="3175">
                   <a:noFill/>
                 </a:ln>
@@ -18926,30 +19915,9 @@
                 <a:latin typeface="+mj-lt"/>
                 <a:cs typeface="Arial" charset="0"/>
               </a:rPr>
-              <a:t>vs</a:t>
-            </a:r>
-            <a:r>
-              <a:rPr lang="en-US" sz="6000" spc="-100" dirty="0" smtClean="0">
-                <a:ln w="3175">
-                  <a:noFill/>
-                </a:ln>
-                <a:gradFill>
-                  <a:gsLst>
-                    <a:gs pos="96667">
-                      <a:srgbClr val="FFFFFF"/>
-                    </a:gs>
-                    <a:gs pos="90000">
-                      <a:srgbClr val="FFFFFF"/>
-                    </a:gs>
-                  </a:gsLst>
-                  <a:lin ang="5400000" scaled="0"/>
-                </a:gradFill>
-                <a:latin typeface="+mj-lt"/>
-                <a:cs typeface="Arial" charset="0"/>
-              </a:rPr>
-              <a:t> Refactor</a:t>
-            </a:r>
-            <a:endParaRPr lang="en-US" sz="6000" spc="-100" dirty="0">
+              <a:t>for good reason</a:t>
+            </a:r>
+            <a:endParaRPr lang="en-US" sz="6600" spc="-100" dirty="0">
               <a:ln w="3175">
                 <a:noFill/>
               </a:ln>
@@ -18970,313 +19938,21 @@
           </a:p>
         </p:txBody>
       </p:sp>
-      <p:sp>
-        <p:nvSpPr>
-          <p:cNvPr id="3" name="TextBox 2"/>
-          <p:cNvSpPr txBox="1"/>
-          <p:nvPr/>
-        </p:nvSpPr>
-        <p:spPr>
-          <a:xfrm>
-            <a:off x="602947" y="2655385"/>
-            <a:ext cx="7374314" cy="615553"/>
-          </a:xfrm>
-          <a:prstGeom prst="rect">
-            <a:avLst/>
-          </a:prstGeom>
-          <a:noFill/>
-        </p:spPr>
-        <p:txBody>
-          <a:bodyPr wrap="none" lIns="0" tIns="0" rIns="0" bIns="0" rtlCol="0">
-            <a:spAutoFit/>
-          </a:bodyPr>
-          <a:lstStyle/>
-          <a:p>
-            <a:r>
-              <a:rPr lang="en-US" sz="4000" dirty="0" smtClean="0">
-                <a:gradFill>
-                  <a:gsLst>
-                    <a:gs pos="0">
-                      <a:schemeClr val="tx1"/>
-                    </a:gs>
-                    <a:gs pos="86000">
-                      <a:schemeClr val="tx1"/>
-                    </a:gs>
-                  </a:gsLst>
-                  <a:lin ang="5400000" scaled="0"/>
-                </a:gradFill>
-                <a:latin typeface="Segoe UI Light" pitchFamily="34" charset="0"/>
-              </a:rPr>
-              <a:t>Time to ship </a:t>
-            </a:r>
-            <a:r>
-              <a:rPr lang="en-US" sz="4000" dirty="0" smtClean="0">
-                <a:gradFill>
-                  <a:gsLst>
-                    <a:gs pos="0">
-                      <a:schemeClr val="tx1"/>
-                    </a:gs>
-                    <a:gs pos="86000">
-                      <a:schemeClr val="tx1"/>
-                    </a:gs>
-                  </a:gsLst>
-                  <a:lin ang="5400000" scaled="0"/>
-                </a:gradFill>
-                <a:latin typeface="Segoe UI Light" pitchFamily="34" charset="0"/>
-              </a:rPr>
-              <a:t>is the most important</a:t>
-            </a:r>
-            <a:endParaRPr lang="en-US" sz="4000" dirty="0" smtClean="0">
-              <a:gradFill>
-                <a:gsLst>
-                  <a:gs pos="0">
-                    <a:schemeClr val="tx1"/>
-                  </a:gs>
-                  <a:gs pos="86000">
-                    <a:schemeClr val="tx1"/>
-                  </a:gs>
-                </a:gsLst>
-                <a:lin ang="5400000" scaled="0"/>
-              </a:gradFill>
-              <a:latin typeface="Segoe UI Light" pitchFamily="34" charset="0"/>
-            </a:endParaRPr>
-          </a:p>
-        </p:txBody>
-      </p:sp>
-      <p:sp>
-        <p:nvSpPr>
-          <p:cNvPr id="7" name="TextBox 6"/>
-          <p:cNvSpPr txBox="1"/>
-          <p:nvPr/>
-        </p:nvSpPr>
-        <p:spPr>
-          <a:xfrm>
-            <a:off x="602947" y="3546927"/>
-            <a:ext cx="7925346" cy="615553"/>
-          </a:xfrm>
-          <a:prstGeom prst="rect">
-            <a:avLst/>
-          </a:prstGeom>
-          <a:noFill/>
-        </p:spPr>
-        <p:txBody>
-          <a:bodyPr wrap="none" lIns="0" tIns="0" rIns="0" bIns="0" rtlCol="0">
-            <a:spAutoFit/>
-          </a:bodyPr>
-          <a:lstStyle/>
-          <a:p>
-            <a:r>
-              <a:rPr lang="en-US" sz="4000" dirty="0" smtClean="0">
-                <a:gradFill>
-                  <a:gsLst>
-                    <a:gs pos="0">
-                      <a:schemeClr val="tx1"/>
-                    </a:gs>
-                    <a:gs pos="86000">
-                      <a:schemeClr val="tx1"/>
-                    </a:gs>
-                  </a:gsLst>
-                  <a:lin ang="5400000" scaled="0"/>
-                </a:gradFill>
-                <a:latin typeface="Segoe UI Light" pitchFamily="34" charset="0"/>
-              </a:rPr>
-              <a:t>Many years of changes and bug fixes</a:t>
-            </a:r>
-            <a:endParaRPr lang="en-US" sz="4000" dirty="0" smtClean="0">
-              <a:gradFill>
-                <a:gsLst>
-                  <a:gs pos="0">
-                    <a:schemeClr val="tx1"/>
-                  </a:gs>
-                  <a:gs pos="86000">
-                    <a:schemeClr val="tx1"/>
-                  </a:gs>
-                </a:gsLst>
-                <a:lin ang="5400000" scaled="0"/>
-              </a:gradFill>
-              <a:latin typeface="Segoe UI Light" pitchFamily="34" charset="0"/>
-            </a:endParaRPr>
-          </a:p>
-        </p:txBody>
-      </p:sp>
-      <p:sp>
-        <p:nvSpPr>
-          <p:cNvPr id="8" name="TextBox 7"/>
-          <p:cNvSpPr txBox="1"/>
-          <p:nvPr/>
-        </p:nvSpPr>
-        <p:spPr>
-          <a:xfrm>
-            <a:off x="602947" y="4438468"/>
-            <a:ext cx="7615516" cy="615553"/>
-          </a:xfrm>
-          <a:prstGeom prst="rect">
-            <a:avLst/>
-          </a:prstGeom>
-          <a:noFill/>
-        </p:spPr>
-        <p:txBody>
-          <a:bodyPr wrap="none" lIns="0" tIns="0" rIns="0" bIns="0" rtlCol="0">
-            <a:spAutoFit/>
-          </a:bodyPr>
-          <a:lstStyle/>
-          <a:p>
-            <a:r>
-              <a:rPr lang="en-US" sz="4000" dirty="0" smtClean="0">
-                <a:gradFill>
-                  <a:gsLst>
-                    <a:gs pos="0">
-                      <a:schemeClr val="tx1"/>
-                    </a:gs>
-                    <a:gs pos="86000">
-                      <a:schemeClr val="tx1"/>
-                    </a:gs>
-                  </a:gsLst>
-                  <a:lin ang="5400000" scaled="0"/>
-                </a:gradFill>
-                <a:latin typeface="Segoe UI Light" pitchFamily="34" charset="0"/>
-              </a:rPr>
-              <a:t>Consider the costs to other projects</a:t>
-            </a:r>
-            <a:endParaRPr lang="en-US" sz="4000" dirty="0" smtClean="0">
-              <a:gradFill>
-                <a:gsLst>
-                  <a:gs pos="0">
-                    <a:schemeClr val="tx1"/>
-                  </a:gs>
-                  <a:gs pos="86000">
-                    <a:schemeClr val="tx1"/>
-                  </a:gs>
-                </a:gsLst>
-                <a:lin ang="5400000" scaled="0"/>
-              </a:gradFill>
-              <a:latin typeface="Segoe UI Light" pitchFamily="34" charset="0"/>
-            </a:endParaRPr>
-          </a:p>
-        </p:txBody>
-      </p:sp>
-      <p:sp>
-        <p:nvSpPr>
-          <p:cNvPr id="9" name="TextBox 8"/>
-          <p:cNvSpPr txBox="1"/>
-          <p:nvPr/>
-        </p:nvSpPr>
-        <p:spPr>
-          <a:xfrm>
-            <a:off x="10455353" y="218075"/>
-            <a:ext cx="1574074" cy="307777"/>
-          </a:xfrm>
-          <a:prstGeom prst="rect">
-            <a:avLst/>
-          </a:prstGeom>
-          <a:noFill/>
-        </p:spPr>
-        <p:txBody>
-          <a:bodyPr wrap="none" lIns="0" tIns="0" rIns="0" bIns="0" rtlCol="0">
-            <a:spAutoFit/>
-          </a:bodyPr>
-          <a:lstStyle/>
-          <a:p>
-            <a:r>
-              <a:rPr lang="en-US" sz="2000" dirty="0" smtClean="0">
-                <a:gradFill>
-                  <a:gsLst>
-                    <a:gs pos="0">
-                      <a:schemeClr val="tx1"/>
-                    </a:gs>
-                    <a:gs pos="86000">
-                      <a:schemeClr val="tx1"/>
-                    </a:gs>
-                  </a:gsLst>
-                  <a:lin ang="5400000" scaled="0"/>
-                </a:gradFill>
-                <a:latin typeface="Segoe UI Light" pitchFamily="34" charset="0"/>
-              </a:rPr>
-              <a:t>#</a:t>
-            </a:r>
-            <a:r>
-              <a:rPr lang="en-US" sz="2000" dirty="0" err="1" smtClean="0">
-                <a:gradFill>
-                  <a:gsLst>
-                    <a:gs pos="0">
-                      <a:schemeClr val="tx1"/>
-                    </a:gs>
-                    <a:gs pos="86000">
-                      <a:schemeClr val="tx1"/>
-                    </a:gs>
-                  </a:gsLst>
-                  <a:lin ang="5400000" scaled="0"/>
-                </a:gradFill>
-                <a:latin typeface="Segoe UI Light" pitchFamily="34" charset="0"/>
-              </a:rPr>
-              <a:t>sjs</a:t>
-            </a:r>
-            <a:r>
-              <a:rPr lang="en-US" sz="2000" dirty="0" err="1" smtClean="0">
-                <a:gradFill>
-                  <a:gsLst>
-                    <a:gs pos="0">
-                      <a:schemeClr val="tx1"/>
-                    </a:gs>
-                    <a:gs pos="86000">
-                      <a:schemeClr val="tx1"/>
-                    </a:gs>
-                  </a:gsLst>
-                  <a:lin ang="5400000" scaled="0"/>
-                </a:gradFill>
-                <a:latin typeface="Segoe UI Light" pitchFamily="34" charset="0"/>
-              </a:rPr>
-              <a:t>S</a:t>
-            </a:r>
-            <a:r>
-              <a:rPr lang="en-US" sz="2000" dirty="0" err="1" smtClean="0">
-                <a:gradFill>
-                  <a:gsLst>
-                    <a:gs pos="0">
-                      <a:schemeClr val="tx1"/>
-                    </a:gs>
-                    <a:gs pos="86000">
-                      <a:schemeClr val="tx1"/>
-                    </a:gs>
-                  </a:gsLst>
-                  <a:lin ang="5400000" scaled="0"/>
-                </a:gradFill>
-                <a:latin typeface="Segoe UI Light" pitchFamily="34" charset="0"/>
-              </a:rPr>
-              <a:t>ugendran</a:t>
-            </a:r>
-            <a:endParaRPr lang="en-US" sz="2000" dirty="0" smtClean="0">
-              <a:gradFill>
-                <a:gsLst>
-                  <a:gs pos="0">
-                    <a:schemeClr val="tx1"/>
-                  </a:gs>
-                  <a:gs pos="86000">
-                    <a:schemeClr val="tx1"/>
-                  </a:gs>
-                </a:gsLst>
-                <a:lin ang="5400000" scaled="0"/>
-              </a:gradFill>
-              <a:latin typeface="Segoe UI Light" pitchFamily="34" charset="0"/>
-            </a:endParaRPr>
-          </a:p>
-        </p:txBody>
-      </p:sp>
     </p:spTree>
     <p:extLst>
       <p:ext uri="{BB962C8B-B14F-4D97-AF65-F5344CB8AC3E}">
-        <p14:creationId xmlns:p14="http://schemas.microsoft.com/office/powerpoint/2010/main" val="4289096596"/>
+        <p14:creationId xmlns:p14="http://schemas.microsoft.com/office/powerpoint/2010/main" val="2928952509"/>
       </p:ext>
     </p:extLst>
   </p:cSld>
   <p:clrMapOvr>
     <a:masterClrMapping/>
   </p:clrMapOvr>
-  <mc:AlternateContent xmlns:mc="http://schemas.openxmlformats.org/markup-compatibility/2006">
-    <mc:Choice xmlns:p14="http://schemas.microsoft.com/office/powerpoint/2010/main" Requires="p14">
+  <mc:AlternateContent xmlns:mc="http://schemas.openxmlformats.org/markup-compatibility/2006" xmlns:p14="http://schemas.microsoft.com/office/powerpoint/2010/main">
+    <mc:Choice Requires="p14">
       <p:transition p14:dur="0"/>
     </mc:Choice>
-    <mc:Fallback>
+    <mc:Fallback xmlns="">
       <p:transition xmlns:p14="http://schemas.microsoft.com/office/powerpoint/2010/main"/>
     </mc:Fallback>
   </mc:AlternateContent>
@@ -19290,7 +19966,7 @@
 </p:sld>
 </file>
 
-<file path=ppt/slides/slide6.xml><?xml version="1.0" encoding="utf-8"?>
+<file path=ppt/slides/slide5.xml><?xml version="1.0" encoding="utf-8"?>
 <p:sld xmlns:a="http://schemas.openxmlformats.org/drawingml/2006/main" xmlns:r="http://schemas.openxmlformats.org/officeDocument/2006/relationships" xmlns:p="http://schemas.openxmlformats.org/presentationml/2006/main">
   <p:cSld>
     <p:spTree>
@@ -19557,7 +20233,49 @@
                 <a:latin typeface="+mj-lt"/>
                 <a:cs typeface="Arial" charset="0"/>
               </a:rPr>
-              <a:t>Working alone is dangerous</a:t>
+              <a:t>Rewrite </a:t>
+            </a:r>
+            <a:r>
+              <a:rPr lang="en-US" sz="4400" spc="-100" dirty="0" err="1" smtClean="0">
+                <a:ln w="3175">
+                  <a:noFill/>
+                </a:ln>
+                <a:gradFill>
+                  <a:gsLst>
+                    <a:gs pos="96667">
+                      <a:srgbClr val="FFFFFF"/>
+                    </a:gs>
+                    <a:gs pos="90000">
+                      <a:srgbClr val="FFFFFF"/>
+                    </a:gs>
+                  </a:gsLst>
+                  <a:lin ang="5400000" scaled="0"/>
+                </a:gradFill>
+                <a:latin typeface="+mj-lt"/>
+                <a:cs typeface="Arial" charset="0"/>
+              </a:rPr>
+              <a:t>vs</a:t>
+            </a:r>
+            <a:r>
+              <a:rPr lang="en-US" sz="6000" spc="-100" dirty="0" smtClean="0">
+                <a:ln w="3175">
+                  <a:noFill/>
+                </a:ln>
+                <a:gradFill>
+                  <a:gsLst>
+                    <a:gs pos="96667">
+                      <a:srgbClr val="FFFFFF"/>
+                    </a:gs>
+                    <a:gs pos="90000">
+                      <a:srgbClr val="FFFFFF"/>
+                    </a:gs>
+                  </a:gsLst>
+                  <a:lin ang="5400000" scaled="0"/>
+                </a:gradFill>
+                <a:latin typeface="+mj-lt"/>
+                <a:cs typeface="Arial" charset="0"/>
+              </a:rPr>
+              <a:t> Refactor</a:t>
             </a:r>
             <a:endParaRPr lang="en-US" sz="6000" spc="-100" dirty="0">
               <a:ln w="3175">
@@ -19589,7 +20307,7 @@
         <p:spPr>
           <a:xfrm>
             <a:off x="602947" y="2655385"/>
-            <a:ext cx="6719788" cy="615553"/>
+            <a:ext cx="7374314" cy="615553"/>
           </a:xfrm>
           <a:prstGeom prst="rect">
             <a:avLst/>
@@ -19617,22 +20335,8 @@
                 </a:gradFill>
                 <a:latin typeface="Segoe UI Light" pitchFamily="34" charset="0"/>
               </a:rPr>
-              <a:t>No one works alone at Yammer</a:t>
-            </a:r>
-            <a:endParaRPr lang="en-US" sz="4000" dirty="0" smtClean="0">
-              <a:gradFill>
-                <a:gsLst>
-                  <a:gs pos="0">
-                    <a:schemeClr val="tx1"/>
-                  </a:gs>
-                  <a:gs pos="86000">
-                    <a:schemeClr val="tx1"/>
-                  </a:gs>
-                </a:gsLst>
-                <a:lin ang="5400000" scaled="0"/>
-              </a:gradFill>
-              <a:latin typeface="Segoe UI Light" pitchFamily="34" charset="0"/>
-            </a:endParaRPr>
+              <a:t>Time to ship is the most important</a:t>
+            </a:r>
           </a:p>
         </p:txBody>
       </p:sp>
@@ -19645,7 +20349,7 @@
         <p:spPr>
           <a:xfrm>
             <a:off x="602947" y="3546927"/>
-            <a:ext cx="9023654" cy="615553"/>
+            <a:ext cx="7925346" cy="615553"/>
           </a:xfrm>
           <a:prstGeom prst="rect">
             <a:avLst/>
@@ -19673,22 +20377,8 @@
                 </a:gradFill>
                 <a:latin typeface="Segoe UI Light" pitchFamily="34" charset="0"/>
               </a:rPr>
-              <a:t>On our own we don’t have all the answers</a:t>
-            </a:r>
-            <a:endParaRPr lang="en-US" sz="4000" dirty="0" smtClean="0">
-              <a:gradFill>
-                <a:gsLst>
-                  <a:gs pos="0">
-                    <a:schemeClr val="tx1"/>
-                  </a:gs>
-                  <a:gs pos="86000">
-                    <a:schemeClr val="tx1"/>
-                  </a:gs>
-                </a:gsLst>
-                <a:lin ang="5400000" scaled="0"/>
-              </a:gradFill>
-              <a:latin typeface="Segoe UI Light" pitchFamily="34" charset="0"/>
-            </a:endParaRPr>
+              <a:t>Many years of changes and bug fixes</a:t>
+            </a:r>
           </a:p>
         </p:txBody>
       </p:sp>
@@ -19701,7 +20391,7 @@
         <p:spPr>
           <a:xfrm>
             <a:off x="602947" y="4438468"/>
-            <a:ext cx="9582451" cy="615553"/>
+            <a:ext cx="7615516" cy="615553"/>
           </a:xfrm>
           <a:prstGeom prst="rect">
             <a:avLst/>
@@ -19729,22 +20419,8 @@
                 </a:gradFill>
                 <a:latin typeface="Segoe UI Light" pitchFamily="34" charset="0"/>
               </a:rPr>
-              <a:t>A stubborn person will help keep you honest</a:t>
-            </a:r>
-            <a:endParaRPr lang="en-US" sz="4000" dirty="0" smtClean="0">
-              <a:gradFill>
-                <a:gsLst>
-                  <a:gs pos="0">
-                    <a:schemeClr val="tx1"/>
-                  </a:gs>
-                  <a:gs pos="86000">
-                    <a:schemeClr val="tx1"/>
-                  </a:gs>
-                </a:gsLst>
-                <a:lin ang="5400000" scaled="0"/>
-              </a:gradFill>
-              <a:latin typeface="Segoe UI Light" pitchFamily="34" charset="0"/>
-            </a:endParaRPr>
+              <a:t>Consider the costs to other projects</a:t>
+            </a:r>
           </a:p>
         </p:txBody>
       </p:sp>
@@ -19802,41 +20478,7 @@
                 </a:gradFill>
                 <a:latin typeface="Segoe UI Light" pitchFamily="34" charset="0"/>
               </a:rPr>
-              <a:t>sjs</a:t>
-            </a:r>
-            <a:r>
-              <a:rPr lang="en-US" sz="2000" dirty="0" err="1" smtClean="0">
-                <a:gradFill>
-                  <a:gsLst>
-                    <a:gs pos="0">
-                      <a:schemeClr val="tx1"/>
-                    </a:gs>
-                    <a:gs pos="86000">
-                      <a:schemeClr val="tx1"/>
-                    </a:gs>
-                  </a:gsLst>
-                  <a:lin ang="5400000" scaled="0"/>
-                </a:gradFill>
-                <a:latin typeface="Segoe UI Light" pitchFamily="34" charset="0"/>
-              </a:rPr>
-              <a:t>S</a:t>
-            </a:r>
-            <a:r>
-              <a:rPr lang="en-US" sz="2000" dirty="0" err="1" smtClean="0">
-                <a:gradFill>
-                  <a:gsLst>
-                    <a:gs pos="0">
-                      <a:schemeClr val="tx1"/>
-                    </a:gs>
-                    <a:gs pos="86000">
-                      <a:schemeClr val="tx1"/>
-                    </a:gs>
-                  </a:gsLst>
-                  <a:lin ang="5400000" scaled="0"/>
-                </a:gradFill>
-                <a:latin typeface="Segoe UI Light" pitchFamily="34" charset="0"/>
-              </a:rPr>
-              <a:t>ugendran</a:t>
+              <a:t>sjsSugendran</a:t>
             </a:r>
             <a:endParaRPr lang="en-US" sz="2000" dirty="0" smtClean="0">
               <a:gradFill>
@@ -19858,18 +20500,18 @@
     </p:spTree>
     <p:extLst>
       <p:ext uri="{BB962C8B-B14F-4D97-AF65-F5344CB8AC3E}">
-        <p14:creationId xmlns:p14="http://schemas.microsoft.com/office/powerpoint/2010/main" val="3822955564"/>
+        <p14:creationId xmlns:p14="http://schemas.microsoft.com/office/powerpoint/2010/main" val="4289096596"/>
       </p:ext>
     </p:extLst>
   </p:cSld>
   <p:clrMapOvr>
     <a:masterClrMapping/>
   </p:clrMapOvr>
-  <mc:AlternateContent xmlns:mc="http://schemas.openxmlformats.org/markup-compatibility/2006">
-    <mc:Choice xmlns:p14="http://schemas.microsoft.com/office/powerpoint/2010/main" Requires="p14">
+  <mc:AlternateContent xmlns:mc="http://schemas.openxmlformats.org/markup-compatibility/2006" xmlns:p14="http://schemas.microsoft.com/office/powerpoint/2010/main">
+    <mc:Choice Requires="p14">
       <p:transition p14:dur="0"/>
     </mc:Choice>
-    <mc:Fallback>
+    <mc:Fallback xmlns="">
       <p:transition xmlns:p14="http://schemas.microsoft.com/office/powerpoint/2010/main"/>
     </mc:Fallback>
   </mc:AlternateContent>
@@ -19883,7 +20525,7 @@
 </p:sld>
 </file>
 
-<file path=ppt/slides/slide7.xml><?xml version="1.0" encoding="utf-8"?>
+<file path=ppt/slides/slide6.xml><?xml version="1.0" encoding="utf-8"?>
 <p:sld xmlns:a="http://schemas.openxmlformats.org/drawingml/2006/main" xmlns:r="http://schemas.openxmlformats.org/officeDocument/2006/relationships" xmlns:p="http://schemas.openxmlformats.org/presentationml/2006/main">
   <p:cSld>
     <p:spTree>
@@ -20150,7 +20792,7 @@
                 <a:latin typeface="+mj-lt"/>
                 <a:cs typeface="Arial" charset="0"/>
               </a:rPr>
-              <a:t>Understand the domain</a:t>
+              <a:t>Working alone is dangerous</a:t>
             </a:r>
             <a:endParaRPr lang="en-US" sz="6000" spc="-100" dirty="0">
               <a:ln w="3175">
@@ -20182,7 +20824,7 @@
         <p:spPr>
           <a:xfrm>
             <a:off x="602947" y="2655385"/>
-            <a:ext cx="6649707" cy="615553"/>
+            <a:ext cx="6719788" cy="615553"/>
           </a:xfrm>
           <a:prstGeom prst="rect">
             <a:avLst/>
@@ -20210,22 +20852,8 @@
                 </a:gradFill>
                 <a:latin typeface="Segoe UI Light" pitchFamily="34" charset="0"/>
               </a:rPr>
-              <a:t>Do you know all the use cases?</a:t>
-            </a:r>
-            <a:endParaRPr lang="en-US" sz="4000" dirty="0" smtClean="0">
-              <a:gradFill>
-                <a:gsLst>
-                  <a:gs pos="0">
-                    <a:schemeClr val="tx1"/>
-                  </a:gs>
-                  <a:gs pos="86000">
-                    <a:schemeClr val="tx1"/>
-                  </a:gs>
-                </a:gsLst>
-                <a:lin ang="5400000" scaled="0"/>
-              </a:gradFill>
-              <a:latin typeface="Segoe UI Light" pitchFamily="34" charset="0"/>
-            </a:endParaRPr>
+              <a:t>No one works alone at Yammer</a:t>
+            </a:r>
           </a:p>
         </p:txBody>
       </p:sp>
@@ -20238,7 +20866,7 @@
         <p:spPr>
           <a:xfrm>
             <a:off x="602947" y="3546927"/>
-            <a:ext cx="6603871" cy="615553"/>
+            <a:ext cx="9023654" cy="615553"/>
           </a:xfrm>
           <a:prstGeom prst="rect">
             <a:avLst/>
@@ -20266,22 +20894,8 @@
                 </a:gradFill>
                 <a:latin typeface="Segoe UI Light" pitchFamily="34" charset="0"/>
               </a:rPr>
-              <a:t>Not everything is written down</a:t>
-            </a:r>
-            <a:endParaRPr lang="en-US" sz="4000" dirty="0" smtClean="0">
-              <a:gradFill>
-                <a:gsLst>
-                  <a:gs pos="0">
-                    <a:schemeClr val="tx1"/>
-                  </a:gs>
-                  <a:gs pos="86000">
-                    <a:schemeClr val="tx1"/>
-                  </a:gs>
-                </a:gsLst>
-                <a:lin ang="5400000" scaled="0"/>
-              </a:gradFill>
-              <a:latin typeface="Segoe UI Light" pitchFamily="34" charset="0"/>
-            </a:endParaRPr>
+              <a:t>On our own we don’t have all the answers</a:t>
+            </a:r>
           </a:p>
         </p:txBody>
       </p:sp>
@@ -20294,7 +20908,7 @@
         <p:spPr>
           <a:xfrm>
             <a:off x="602947" y="4438468"/>
-            <a:ext cx="7134365" cy="615553"/>
+            <a:ext cx="9582451" cy="615553"/>
           </a:xfrm>
           <a:prstGeom prst="rect">
             <a:avLst/>
@@ -20322,22 +20936,8 @@
                 </a:gradFill>
                 <a:latin typeface="Segoe UI Light" pitchFamily="34" charset="0"/>
               </a:rPr>
-              <a:t>Limit the scope after the research</a:t>
-            </a:r>
-            <a:endParaRPr lang="en-US" sz="4000" dirty="0" smtClean="0">
-              <a:gradFill>
-                <a:gsLst>
-                  <a:gs pos="0">
-                    <a:schemeClr val="tx1"/>
-                  </a:gs>
-                  <a:gs pos="86000">
-                    <a:schemeClr val="tx1"/>
-                  </a:gs>
-                </a:gsLst>
-                <a:lin ang="5400000" scaled="0"/>
-              </a:gradFill>
-              <a:latin typeface="Segoe UI Light" pitchFamily="34" charset="0"/>
-            </a:endParaRPr>
+              <a:t>A stubborn person will help keep you honest</a:t>
+            </a:r>
           </a:p>
         </p:txBody>
       </p:sp>
@@ -20395,41 +20995,7 @@
                 </a:gradFill>
                 <a:latin typeface="Segoe UI Light" pitchFamily="34" charset="0"/>
               </a:rPr>
-              <a:t>sjs</a:t>
-            </a:r>
-            <a:r>
-              <a:rPr lang="en-US" sz="2000" dirty="0" err="1" smtClean="0">
-                <a:gradFill>
-                  <a:gsLst>
-                    <a:gs pos="0">
-                      <a:schemeClr val="tx1"/>
-                    </a:gs>
-                    <a:gs pos="86000">
-                      <a:schemeClr val="tx1"/>
-                    </a:gs>
-                  </a:gsLst>
-                  <a:lin ang="5400000" scaled="0"/>
-                </a:gradFill>
-                <a:latin typeface="Segoe UI Light" pitchFamily="34" charset="0"/>
-              </a:rPr>
-              <a:t>S</a:t>
-            </a:r>
-            <a:r>
-              <a:rPr lang="en-US" sz="2000" dirty="0" err="1" smtClean="0">
-                <a:gradFill>
-                  <a:gsLst>
-                    <a:gs pos="0">
-                      <a:schemeClr val="tx1"/>
-                    </a:gs>
-                    <a:gs pos="86000">
-                      <a:schemeClr val="tx1"/>
-                    </a:gs>
-                  </a:gsLst>
-                  <a:lin ang="5400000" scaled="0"/>
-                </a:gradFill>
-                <a:latin typeface="Segoe UI Light" pitchFamily="34" charset="0"/>
-              </a:rPr>
-              <a:t>ugendran</a:t>
+              <a:t>sjsSugendran</a:t>
             </a:r>
             <a:endParaRPr lang="en-US" sz="2000" dirty="0" smtClean="0">
               <a:gradFill>
@@ -20451,18 +21017,18 @@
     </p:spTree>
     <p:extLst>
       <p:ext uri="{BB962C8B-B14F-4D97-AF65-F5344CB8AC3E}">
-        <p14:creationId xmlns:p14="http://schemas.microsoft.com/office/powerpoint/2010/main" val="3533988535"/>
+        <p14:creationId xmlns:p14="http://schemas.microsoft.com/office/powerpoint/2010/main" val="3822955564"/>
       </p:ext>
     </p:extLst>
   </p:cSld>
   <p:clrMapOvr>
     <a:masterClrMapping/>
   </p:clrMapOvr>
-  <mc:AlternateContent xmlns:mc="http://schemas.openxmlformats.org/markup-compatibility/2006">
-    <mc:Choice xmlns:p14="http://schemas.microsoft.com/office/powerpoint/2010/main" Requires="p14">
+  <mc:AlternateContent xmlns:mc="http://schemas.openxmlformats.org/markup-compatibility/2006" xmlns:p14="http://schemas.microsoft.com/office/powerpoint/2010/main">
+    <mc:Choice Requires="p14">
       <p:transition p14:dur="0"/>
     </mc:Choice>
-    <mc:Fallback>
+    <mc:Fallback xmlns="">
       <p:transition xmlns:p14="http://schemas.microsoft.com/office/powerpoint/2010/main"/>
     </mc:Fallback>
   </mc:AlternateContent>
@@ -20476,7 +21042,7 @@
 </p:sld>
 </file>
 
-<file path=ppt/slides/slide8.xml><?xml version="1.0" encoding="utf-8"?>
+<file path=ppt/slides/slide7.xml><?xml version="1.0" encoding="utf-8"?>
 <p:sld xmlns:a="http://schemas.openxmlformats.org/drawingml/2006/main" xmlns:r="http://schemas.openxmlformats.org/officeDocument/2006/relationships" xmlns:p="http://schemas.openxmlformats.org/presentationml/2006/main">
   <p:cSld>
     <p:spTree>
@@ -20743,49 +21309,7 @@
                 <a:latin typeface="+mj-lt"/>
                 <a:cs typeface="Arial" charset="0"/>
               </a:rPr>
-              <a:t>Release early, </a:t>
-            </a:r>
-            <a:r>
-              <a:rPr lang="en-US" sz="6000" spc="-100" dirty="0">
-                <a:ln w="3175">
-                  <a:noFill/>
-                </a:ln>
-                <a:gradFill>
-                  <a:gsLst>
-                    <a:gs pos="96667">
-                      <a:srgbClr val="FFFFFF"/>
-                    </a:gs>
-                    <a:gs pos="90000">
-                      <a:srgbClr val="FFFFFF"/>
-                    </a:gs>
-                  </a:gsLst>
-                  <a:lin ang="5400000" scaled="0"/>
-                </a:gradFill>
-                <a:latin typeface="+mj-lt"/>
-                <a:cs typeface="Arial" charset="0"/>
-              </a:rPr>
-              <a:t>r</a:t>
-            </a:r>
-            <a:r>
-              <a:rPr lang="en-US" sz="6000" spc="-100" dirty="0" smtClean="0">
-                <a:ln w="3175">
-                  <a:noFill/>
-                </a:ln>
-                <a:gradFill>
-                  <a:gsLst>
-                    <a:gs pos="96667">
-                      <a:srgbClr val="FFFFFF"/>
-                    </a:gs>
-                    <a:gs pos="90000">
-                      <a:srgbClr val="FFFFFF"/>
-                    </a:gs>
-                  </a:gsLst>
-                  <a:lin ang="5400000" scaled="0"/>
-                </a:gradFill>
-                <a:latin typeface="+mj-lt"/>
-                <a:cs typeface="Arial" charset="0"/>
-              </a:rPr>
-              <a:t>elease often</a:t>
+              <a:t>Understand the domain</a:t>
             </a:r>
             <a:endParaRPr lang="en-US" sz="6000" spc="-100" dirty="0">
               <a:ln w="3175">
@@ -20817,7 +21341,7 @@
         <p:spPr>
           <a:xfrm>
             <a:off x="602947" y="2655385"/>
-            <a:ext cx="7253087" cy="615553"/>
+            <a:ext cx="6649707" cy="615553"/>
           </a:xfrm>
           <a:prstGeom prst="rect">
             <a:avLst/>
@@ -20845,22 +21369,8 @@
                 </a:gradFill>
                 <a:latin typeface="Segoe UI Light" pitchFamily="34" charset="0"/>
               </a:rPr>
-              <a:t>Get into master as fast as possible</a:t>
-            </a:r>
-            <a:endParaRPr lang="en-US" sz="4000" dirty="0" smtClean="0">
-              <a:gradFill>
-                <a:gsLst>
-                  <a:gs pos="0">
-                    <a:schemeClr val="tx1"/>
-                  </a:gs>
-                  <a:gs pos="86000">
-                    <a:schemeClr val="tx1"/>
-                  </a:gs>
-                </a:gsLst>
-                <a:lin ang="5400000" scaled="0"/>
-              </a:gradFill>
-              <a:latin typeface="Segoe UI Light" pitchFamily="34" charset="0"/>
-            </a:endParaRPr>
+              <a:t>Do you know all the use cases?</a:t>
+            </a:r>
           </a:p>
         </p:txBody>
       </p:sp>
@@ -20873,7 +21383,7 @@
         <p:spPr>
           <a:xfrm>
             <a:off x="602947" y="3546927"/>
-            <a:ext cx="3916337" cy="615553"/>
+            <a:ext cx="6603871" cy="615553"/>
           </a:xfrm>
           <a:prstGeom prst="rect">
             <a:avLst/>
@@ -20901,22 +21411,8 @@
                 </a:gradFill>
                 <a:latin typeface="Segoe UI Light" pitchFamily="34" charset="0"/>
               </a:rPr>
-              <a:t>Use a feature gate</a:t>
-            </a:r>
-            <a:endParaRPr lang="en-US" sz="4000" dirty="0" smtClean="0">
-              <a:gradFill>
-                <a:gsLst>
-                  <a:gs pos="0">
-                    <a:schemeClr val="tx1"/>
-                  </a:gs>
-                  <a:gs pos="86000">
-                    <a:schemeClr val="tx1"/>
-                  </a:gs>
-                </a:gsLst>
-                <a:lin ang="5400000" scaled="0"/>
-              </a:gradFill>
-              <a:latin typeface="Segoe UI Light" pitchFamily="34" charset="0"/>
-            </a:endParaRPr>
+              <a:t>Not everything is written down</a:t>
+            </a:r>
           </a:p>
         </p:txBody>
       </p:sp>
@@ -20929,7 +21425,7 @@
         <p:spPr>
           <a:xfrm>
             <a:off x="602947" y="4438468"/>
-            <a:ext cx="8572308" cy="615553"/>
+            <a:ext cx="7134365" cy="615553"/>
           </a:xfrm>
           <a:prstGeom prst="rect">
             <a:avLst/>
@@ -20957,22 +21453,8 @@
                 </a:gradFill>
                 <a:latin typeface="Segoe UI Light" pitchFamily="34" charset="0"/>
               </a:rPr>
-              <a:t>Allows the team to be aware of changes</a:t>
-            </a:r>
-            <a:endParaRPr lang="en-US" sz="4000" dirty="0" smtClean="0">
-              <a:gradFill>
-                <a:gsLst>
-                  <a:gs pos="0">
-                    <a:schemeClr val="tx1"/>
-                  </a:gs>
-                  <a:gs pos="86000">
-                    <a:schemeClr val="tx1"/>
-                  </a:gs>
-                </a:gsLst>
-                <a:lin ang="5400000" scaled="0"/>
-              </a:gradFill>
-              <a:latin typeface="Segoe UI Light" pitchFamily="34" charset="0"/>
-            </a:endParaRPr>
+              <a:t>Limit the scope after the research</a:t>
+            </a:r>
           </a:p>
         </p:txBody>
       </p:sp>
@@ -21030,41 +21512,7 @@
                 </a:gradFill>
                 <a:latin typeface="Segoe UI Light" pitchFamily="34" charset="0"/>
               </a:rPr>
-              <a:t>sjs</a:t>
-            </a:r>
-            <a:r>
-              <a:rPr lang="en-US" sz="2000" dirty="0" err="1" smtClean="0">
-                <a:gradFill>
-                  <a:gsLst>
-                    <a:gs pos="0">
-                      <a:schemeClr val="tx1"/>
-                    </a:gs>
-                    <a:gs pos="86000">
-                      <a:schemeClr val="tx1"/>
-                    </a:gs>
-                  </a:gsLst>
-                  <a:lin ang="5400000" scaled="0"/>
-                </a:gradFill>
-                <a:latin typeface="Segoe UI Light" pitchFamily="34" charset="0"/>
-              </a:rPr>
-              <a:t>S</a:t>
-            </a:r>
-            <a:r>
-              <a:rPr lang="en-US" sz="2000" dirty="0" err="1" smtClean="0">
-                <a:gradFill>
-                  <a:gsLst>
-                    <a:gs pos="0">
-                      <a:schemeClr val="tx1"/>
-                    </a:gs>
-                    <a:gs pos="86000">
-                      <a:schemeClr val="tx1"/>
-                    </a:gs>
-                  </a:gsLst>
-                  <a:lin ang="5400000" scaled="0"/>
-                </a:gradFill>
-                <a:latin typeface="Segoe UI Light" pitchFamily="34" charset="0"/>
-              </a:rPr>
-              <a:t>ugendran</a:t>
+              <a:t>sjsSugendran</a:t>
             </a:r>
             <a:endParaRPr lang="en-US" sz="2000" dirty="0" smtClean="0">
               <a:gradFill>
@@ -21086,18 +21534,18 @@
     </p:spTree>
     <p:extLst>
       <p:ext uri="{BB962C8B-B14F-4D97-AF65-F5344CB8AC3E}">
-        <p14:creationId xmlns:p14="http://schemas.microsoft.com/office/powerpoint/2010/main" val="2903904270"/>
+        <p14:creationId xmlns:p14="http://schemas.microsoft.com/office/powerpoint/2010/main" val="3533988535"/>
       </p:ext>
     </p:extLst>
   </p:cSld>
   <p:clrMapOvr>
     <a:masterClrMapping/>
   </p:clrMapOvr>
-  <mc:AlternateContent xmlns:mc="http://schemas.openxmlformats.org/markup-compatibility/2006">
-    <mc:Choice xmlns:p14="http://schemas.microsoft.com/office/powerpoint/2010/main" Requires="p14">
+  <mc:AlternateContent xmlns:mc="http://schemas.openxmlformats.org/markup-compatibility/2006" xmlns:p14="http://schemas.microsoft.com/office/powerpoint/2010/main">
+    <mc:Choice Requires="p14">
       <p:transition p14:dur="0"/>
     </mc:Choice>
-    <mc:Fallback>
+    <mc:Fallback xmlns="">
       <p:transition xmlns:p14="http://schemas.microsoft.com/office/powerpoint/2010/main"/>
     </mc:Fallback>
   </mc:AlternateContent>
@@ -21111,7 +21559,7 @@
 </p:sld>
 </file>
 
-<file path=ppt/slides/slide9.xml><?xml version="1.0" encoding="utf-8"?>
+<file path=ppt/slides/slide8.xml><?xml version="1.0" encoding="utf-8"?>
 <p:sld xmlns:a="http://schemas.openxmlformats.org/drawingml/2006/main" xmlns:r="http://schemas.openxmlformats.org/officeDocument/2006/relationships" xmlns:p="http://schemas.openxmlformats.org/presentationml/2006/main">
   <p:cSld>
     <p:spTree>
@@ -21378,6 +21826,565 @@
                 <a:latin typeface="+mj-lt"/>
                 <a:cs typeface="Arial" charset="0"/>
               </a:rPr>
+              <a:t>Release early, </a:t>
+            </a:r>
+            <a:r>
+              <a:rPr lang="en-US" sz="6000" spc="-100" dirty="0">
+                <a:ln w="3175">
+                  <a:noFill/>
+                </a:ln>
+                <a:gradFill>
+                  <a:gsLst>
+                    <a:gs pos="96667">
+                      <a:srgbClr val="FFFFFF"/>
+                    </a:gs>
+                    <a:gs pos="90000">
+                      <a:srgbClr val="FFFFFF"/>
+                    </a:gs>
+                  </a:gsLst>
+                  <a:lin ang="5400000" scaled="0"/>
+                </a:gradFill>
+                <a:latin typeface="+mj-lt"/>
+                <a:cs typeface="Arial" charset="0"/>
+              </a:rPr>
+              <a:t>r</a:t>
+            </a:r>
+            <a:r>
+              <a:rPr lang="en-US" sz="6000" spc="-100" dirty="0" smtClean="0">
+                <a:ln w="3175">
+                  <a:noFill/>
+                </a:ln>
+                <a:gradFill>
+                  <a:gsLst>
+                    <a:gs pos="96667">
+                      <a:srgbClr val="FFFFFF"/>
+                    </a:gs>
+                    <a:gs pos="90000">
+                      <a:srgbClr val="FFFFFF"/>
+                    </a:gs>
+                  </a:gsLst>
+                  <a:lin ang="5400000" scaled="0"/>
+                </a:gradFill>
+                <a:latin typeface="+mj-lt"/>
+                <a:cs typeface="Arial" charset="0"/>
+              </a:rPr>
+              <a:t>elease often</a:t>
+            </a:r>
+            <a:endParaRPr lang="en-US" sz="6000" spc="-100" dirty="0">
+              <a:ln w="3175">
+                <a:noFill/>
+              </a:ln>
+              <a:gradFill>
+                <a:gsLst>
+                  <a:gs pos="96667">
+                    <a:srgbClr val="FFFFFF"/>
+                  </a:gs>
+                  <a:gs pos="90000">
+                    <a:srgbClr val="FFFFFF"/>
+                  </a:gs>
+                </a:gsLst>
+                <a:lin ang="5400000" scaled="0"/>
+              </a:gradFill>
+              <a:latin typeface="+mj-lt"/>
+              <a:cs typeface="Arial" charset="0"/>
+            </a:endParaRPr>
+          </a:p>
+        </p:txBody>
+      </p:sp>
+      <p:sp>
+        <p:nvSpPr>
+          <p:cNvPr id="3" name="TextBox 2"/>
+          <p:cNvSpPr txBox="1"/>
+          <p:nvPr/>
+        </p:nvSpPr>
+        <p:spPr>
+          <a:xfrm>
+            <a:off x="602947" y="2655385"/>
+            <a:ext cx="7253087" cy="615553"/>
+          </a:xfrm>
+          <a:prstGeom prst="rect">
+            <a:avLst/>
+          </a:prstGeom>
+          <a:noFill/>
+        </p:spPr>
+        <p:txBody>
+          <a:bodyPr wrap="none" lIns="0" tIns="0" rIns="0" bIns="0" rtlCol="0">
+            <a:spAutoFit/>
+          </a:bodyPr>
+          <a:lstStyle/>
+          <a:p>
+            <a:r>
+              <a:rPr lang="en-US" sz="4000" dirty="0" smtClean="0">
+                <a:gradFill>
+                  <a:gsLst>
+                    <a:gs pos="0">
+                      <a:schemeClr val="tx1"/>
+                    </a:gs>
+                    <a:gs pos="86000">
+                      <a:schemeClr val="tx1"/>
+                    </a:gs>
+                  </a:gsLst>
+                  <a:lin ang="5400000" scaled="0"/>
+                </a:gradFill>
+                <a:latin typeface="Segoe UI Light" pitchFamily="34" charset="0"/>
+              </a:rPr>
+              <a:t>Get into master as fast as possible</a:t>
+            </a:r>
+          </a:p>
+        </p:txBody>
+      </p:sp>
+      <p:sp>
+        <p:nvSpPr>
+          <p:cNvPr id="7" name="TextBox 6"/>
+          <p:cNvSpPr txBox="1"/>
+          <p:nvPr/>
+        </p:nvSpPr>
+        <p:spPr>
+          <a:xfrm>
+            <a:off x="602947" y="3546927"/>
+            <a:ext cx="3916337" cy="615553"/>
+          </a:xfrm>
+          <a:prstGeom prst="rect">
+            <a:avLst/>
+          </a:prstGeom>
+          <a:noFill/>
+        </p:spPr>
+        <p:txBody>
+          <a:bodyPr wrap="none" lIns="0" tIns="0" rIns="0" bIns="0" rtlCol="0">
+            <a:spAutoFit/>
+          </a:bodyPr>
+          <a:lstStyle/>
+          <a:p>
+            <a:r>
+              <a:rPr lang="en-US" sz="4000" dirty="0" smtClean="0">
+                <a:gradFill>
+                  <a:gsLst>
+                    <a:gs pos="0">
+                      <a:schemeClr val="tx1"/>
+                    </a:gs>
+                    <a:gs pos="86000">
+                      <a:schemeClr val="tx1"/>
+                    </a:gs>
+                  </a:gsLst>
+                  <a:lin ang="5400000" scaled="0"/>
+                </a:gradFill>
+                <a:latin typeface="Segoe UI Light" pitchFamily="34" charset="0"/>
+              </a:rPr>
+              <a:t>Use a feature gate</a:t>
+            </a:r>
+          </a:p>
+        </p:txBody>
+      </p:sp>
+      <p:sp>
+        <p:nvSpPr>
+          <p:cNvPr id="8" name="TextBox 7"/>
+          <p:cNvSpPr txBox="1"/>
+          <p:nvPr/>
+        </p:nvSpPr>
+        <p:spPr>
+          <a:xfrm>
+            <a:off x="602947" y="4438468"/>
+            <a:ext cx="8572308" cy="615553"/>
+          </a:xfrm>
+          <a:prstGeom prst="rect">
+            <a:avLst/>
+          </a:prstGeom>
+          <a:noFill/>
+        </p:spPr>
+        <p:txBody>
+          <a:bodyPr wrap="none" lIns="0" tIns="0" rIns="0" bIns="0" rtlCol="0">
+            <a:spAutoFit/>
+          </a:bodyPr>
+          <a:lstStyle/>
+          <a:p>
+            <a:r>
+              <a:rPr lang="en-US" sz="4000" dirty="0" smtClean="0">
+                <a:gradFill>
+                  <a:gsLst>
+                    <a:gs pos="0">
+                      <a:schemeClr val="tx1"/>
+                    </a:gs>
+                    <a:gs pos="86000">
+                      <a:schemeClr val="tx1"/>
+                    </a:gs>
+                  </a:gsLst>
+                  <a:lin ang="5400000" scaled="0"/>
+                </a:gradFill>
+                <a:latin typeface="Segoe UI Light" pitchFamily="34" charset="0"/>
+              </a:rPr>
+              <a:t>Allows the team to be aware of changes</a:t>
+            </a:r>
+          </a:p>
+        </p:txBody>
+      </p:sp>
+      <p:sp>
+        <p:nvSpPr>
+          <p:cNvPr id="9" name="TextBox 8"/>
+          <p:cNvSpPr txBox="1"/>
+          <p:nvPr/>
+        </p:nvSpPr>
+        <p:spPr>
+          <a:xfrm>
+            <a:off x="10455353" y="218075"/>
+            <a:ext cx="1574074" cy="307777"/>
+          </a:xfrm>
+          <a:prstGeom prst="rect">
+            <a:avLst/>
+          </a:prstGeom>
+          <a:noFill/>
+        </p:spPr>
+        <p:txBody>
+          <a:bodyPr wrap="none" lIns="0" tIns="0" rIns="0" bIns="0" rtlCol="0">
+            <a:spAutoFit/>
+          </a:bodyPr>
+          <a:lstStyle/>
+          <a:p>
+            <a:r>
+              <a:rPr lang="en-US" sz="2000" dirty="0" smtClean="0">
+                <a:gradFill>
+                  <a:gsLst>
+                    <a:gs pos="0">
+                      <a:schemeClr val="tx1"/>
+                    </a:gs>
+                    <a:gs pos="86000">
+                      <a:schemeClr val="tx1"/>
+                    </a:gs>
+                  </a:gsLst>
+                  <a:lin ang="5400000" scaled="0"/>
+                </a:gradFill>
+                <a:latin typeface="Segoe UI Light" pitchFamily="34" charset="0"/>
+              </a:rPr>
+              <a:t>#</a:t>
+            </a:r>
+            <a:r>
+              <a:rPr lang="en-US" sz="2000" dirty="0" err="1" smtClean="0">
+                <a:gradFill>
+                  <a:gsLst>
+                    <a:gs pos="0">
+                      <a:schemeClr val="tx1"/>
+                    </a:gs>
+                    <a:gs pos="86000">
+                      <a:schemeClr val="tx1"/>
+                    </a:gs>
+                  </a:gsLst>
+                  <a:lin ang="5400000" scaled="0"/>
+                </a:gradFill>
+                <a:latin typeface="Segoe UI Light" pitchFamily="34" charset="0"/>
+              </a:rPr>
+              <a:t>sjsSugendran</a:t>
+            </a:r>
+            <a:endParaRPr lang="en-US" sz="2000" dirty="0" smtClean="0">
+              <a:gradFill>
+                <a:gsLst>
+                  <a:gs pos="0">
+                    <a:schemeClr val="tx1"/>
+                  </a:gs>
+                  <a:gs pos="86000">
+                    <a:schemeClr val="tx1"/>
+                  </a:gs>
+                </a:gsLst>
+                <a:lin ang="5400000" scaled="0"/>
+              </a:gradFill>
+              <a:latin typeface="Segoe UI Light" pitchFamily="34" charset="0"/>
+            </a:endParaRPr>
+          </a:p>
+        </p:txBody>
+      </p:sp>
+    </p:spTree>
+    <p:extLst>
+      <p:ext uri="{BB962C8B-B14F-4D97-AF65-F5344CB8AC3E}">
+        <p14:creationId xmlns:p14="http://schemas.microsoft.com/office/powerpoint/2010/main" val="2903904270"/>
+      </p:ext>
+    </p:extLst>
+  </p:cSld>
+  <p:clrMapOvr>
+    <a:masterClrMapping/>
+  </p:clrMapOvr>
+  <mc:AlternateContent xmlns:mc="http://schemas.openxmlformats.org/markup-compatibility/2006" xmlns:p14="http://schemas.microsoft.com/office/powerpoint/2010/main">
+    <mc:Choice Requires="p14">
+      <p:transition p14:dur="0"/>
+    </mc:Choice>
+    <mc:Fallback xmlns="">
+      <p:transition xmlns:p14="http://schemas.microsoft.com/office/powerpoint/2010/main"/>
+    </mc:Fallback>
+  </mc:AlternateContent>
+  <p:timing>
+    <p:tnLst>
+      <p:par>
+        <p:cTn xmlns:p14="http://schemas.microsoft.com/office/powerpoint/2010/main" id="1" dur="indefinite" restart="never" nodeType="tmRoot"/>
+      </p:par>
+    </p:tnLst>
+  </p:timing>
+</p:sld>
+</file>
+
+<file path=ppt/slides/slide9.xml><?xml version="1.0" encoding="utf-8"?>
+<p:sld xmlns:a="http://schemas.openxmlformats.org/drawingml/2006/main" xmlns:r="http://schemas.openxmlformats.org/officeDocument/2006/relationships" xmlns:p="http://schemas.openxmlformats.org/presentationml/2006/main">
+  <p:cSld>
+    <p:spTree>
+      <p:nvGrpSpPr>
+        <p:cNvPr id="1" name=""/>
+        <p:cNvGrpSpPr/>
+        <p:nvPr/>
+      </p:nvGrpSpPr>
+      <p:grpSpPr>
+        <a:xfrm>
+          <a:off x="0" y="0"/>
+          <a:ext cx="0" cy="0"/>
+          <a:chOff x="0" y="0"/>
+          <a:chExt cx="0" cy="0"/>
+        </a:xfrm>
+      </p:grpSpPr>
+      <p:sp>
+        <p:nvSpPr>
+          <p:cNvPr id="6" name="Rectangle 3"/>
+          <p:cNvSpPr txBox="1">
+            <a:spLocks noChangeArrowheads="1"/>
+          </p:cNvSpPr>
+          <p:nvPr/>
+        </p:nvSpPr>
+        <p:spPr>
+          <a:xfrm>
+            <a:off x="512763" y="975545"/>
+            <a:ext cx="11694722" cy="846386"/>
+          </a:xfrm>
+          <a:prstGeom prst="rect">
+            <a:avLst/>
+          </a:prstGeom>
+          <a:noFill/>
+        </p:spPr>
+        <p:txBody>
+          <a:bodyPr vert="horz" wrap="square" lIns="0" tIns="0" rIns="0" bIns="0" rtlCol="0">
+            <a:spAutoFit/>
+          </a:bodyPr>
+          <a:lstStyle>
+            <a:lvl1pPr marL="404813" indent="-404813" algn="l" defTabSz="914363" rtl="0" eaLnBrk="1" latinLnBrk="0" hangingPunct="1">
+              <a:lnSpc>
+                <a:spcPct val="90000"/>
+              </a:lnSpc>
+              <a:spcBef>
+                <a:spcPct val="20000"/>
+              </a:spcBef>
+              <a:buFontTx/>
+              <a:buBlip>
+                <a:blip r:embed="rId3"/>
+              </a:buBlip>
+              <a:defRPr sz="3200" kern="1200">
+                <a:gradFill>
+                  <a:gsLst>
+                    <a:gs pos="0">
+                      <a:schemeClr val="tx1"/>
+                    </a:gs>
+                    <a:gs pos="86000">
+                      <a:schemeClr val="tx1"/>
+                    </a:gs>
+                  </a:gsLst>
+                  <a:lin ang="5400000" scaled="0"/>
+                </a:gradFill>
+                <a:latin typeface="+mn-lt"/>
+                <a:ea typeface="+mn-ea"/>
+                <a:cs typeface="+mn-cs"/>
+              </a:defRPr>
+            </a:lvl1pPr>
+            <a:lvl2pPr marL="800100" indent="-395288" algn="l" defTabSz="914363" rtl="0" eaLnBrk="1" latinLnBrk="0" hangingPunct="1">
+              <a:lnSpc>
+                <a:spcPct val="90000"/>
+              </a:lnSpc>
+              <a:spcBef>
+                <a:spcPct val="20000"/>
+              </a:spcBef>
+              <a:buFontTx/>
+              <a:buBlip>
+                <a:blip r:embed="rId4"/>
+              </a:buBlip>
+              <a:defRPr sz="2800" kern="1200">
+                <a:gradFill>
+                  <a:gsLst>
+                    <a:gs pos="0">
+                      <a:schemeClr val="tx1"/>
+                    </a:gs>
+                    <a:gs pos="86000">
+                      <a:schemeClr val="tx1"/>
+                    </a:gs>
+                  </a:gsLst>
+                  <a:lin ang="5400000" scaled="0"/>
+                </a:gradFill>
+                <a:latin typeface="+mn-lt"/>
+                <a:ea typeface="+mn-ea"/>
+                <a:cs typeface="+mn-cs"/>
+              </a:defRPr>
+            </a:lvl2pPr>
+            <a:lvl3pPr marL="1143000" indent="-342900" algn="l" defTabSz="914363" rtl="0" eaLnBrk="1" latinLnBrk="0" hangingPunct="1">
+              <a:lnSpc>
+                <a:spcPct val="90000"/>
+              </a:lnSpc>
+              <a:spcBef>
+                <a:spcPct val="20000"/>
+              </a:spcBef>
+              <a:buFontTx/>
+              <a:buBlip>
+                <a:blip r:embed="rId4"/>
+              </a:buBlip>
+              <a:defRPr sz="2400" kern="1200">
+                <a:gradFill>
+                  <a:gsLst>
+                    <a:gs pos="0">
+                      <a:schemeClr val="tx1"/>
+                    </a:gs>
+                    <a:gs pos="86000">
+                      <a:schemeClr val="tx1"/>
+                    </a:gs>
+                  </a:gsLst>
+                  <a:lin ang="5400000" scaled="0"/>
+                </a:gradFill>
+                <a:latin typeface="+mn-lt"/>
+                <a:ea typeface="+mn-ea"/>
+                <a:cs typeface="+mn-cs"/>
+              </a:defRPr>
+            </a:lvl3pPr>
+            <a:lvl4pPr marL="1485900" indent="-342900" algn="l" defTabSz="914363" rtl="0" eaLnBrk="1" latinLnBrk="0" hangingPunct="1">
+              <a:lnSpc>
+                <a:spcPct val="90000"/>
+              </a:lnSpc>
+              <a:spcBef>
+                <a:spcPct val="20000"/>
+              </a:spcBef>
+              <a:buFontTx/>
+              <a:buBlip>
+                <a:blip r:embed="rId4"/>
+              </a:buBlip>
+              <a:defRPr sz="2000" kern="1200">
+                <a:gradFill>
+                  <a:gsLst>
+                    <a:gs pos="0">
+                      <a:schemeClr val="tx1"/>
+                    </a:gs>
+                    <a:gs pos="86000">
+                      <a:schemeClr val="tx1"/>
+                    </a:gs>
+                  </a:gsLst>
+                  <a:lin ang="5400000" scaled="0"/>
+                </a:gradFill>
+                <a:latin typeface="+mn-lt"/>
+                <a:ea typeface="+mn-ea"/>
+                <a:cs typeface="+mn-cs"/>
+              </a:defRPr>
+            </a:lvl4pPr>
+            <a:lvl5pPr marL="1828800" indent="-342900" algn="l" defTabSz="914363" rtl="0" eaLnBrk="1" latinLnBrk="0" hangingPunct="1">
+              <a:lnSpc>
+                <a:spcPct val="90000"/>
+              </a:lnSpc>
+              <a:spcBef>
+                <a:spcPct val="20000"/>
+              </a:spcBef>
+              <a:buFontTx/>
+              <a:buBlip>
+                <a:blip r:embed="rId4"/>
+              </a:buBlip>
+              <a:defRPr sz="2000" kern="1200">
+                <a:gradFill>
+                  <a:gsLst>
+                    <a:gs pos="0">
+                      <a:schemeClr val="tx1"/>
+                    </a:gs>
+                    <a:gs pos="86000">
+                      <a:schemeClr val="tx1"/>
+                    </a:gs>
+                  </a:gsLst>
+                  <a:lin ang="5400000" scaled="0"/>
+                </a:gradFill>
+                <a:latin typeface="+mn-lt"/>
+                <a:ea typeface="+mn-ea"/>
+                <a:cs typeface="+mn-cs"/>
+              </a:defRPr>
+            </a:lvl5pPr>
+            <a:lvl6pPr marL="2514499" indent="-228591" algn="l" defTabSz="914363" rtl="0" eaLnBrk="1" latinLnBrk="0" hangingPunct="1">
+              <a:spcBef>
+                <a:spcPct val="20000"/>
+              </a:spcBef>
+              <a:buFont typeface="Arial" pitchFamily="34" charset="0"/>
+              <a:buChar char="•"/>
+              <a:defRPr sz="2000" kern="1200">
+                <a:solidFill>
+                  <a:schemeClr val="tx1"/>
+                </a:solidFill>
+                <a:latin typeface="+mn-lt"/>
+                <a:ea typeface="+mn-ea"/>
+                <a:cs typeface="+mn-cs"/>
+              </a:defRPr>
+            </a:lvl6pPr>
+            <a:lvl7pPr marL="2971681" indent="-228591" algn="l" defTabSz="914363" rtl="0" eaLnBrk="1" latinLnBrk="0" hangingPunct="1">
+              <a:spcBef>
+                <a:spcPct val="20000"/>
+              </a:spcBef>
+              <a:buFont typeface="Arial" pitchFamily="34" charset="0"/>
+              <a:buChar char="•"/>
+              <a:defRPr sz="2000" kern="1200">
+                <a:solidFill>
+                  <a:schemeClr val="tx1"/>
+                </a:solidFill>
+                <a:latin typeface="+mn-lt"/>
+                <a:ea typeface="+mn-ea"/>
+                <a:cs typeface="+mn-cs"/>
+              </a:defRPr>
+            </a:lvl7pPr>
+            <a:lvl8pPr marL="3428863" indent="-228591" algn="l" defTabSz="914363" rtl="0" eaLnBrk="1" latinLnBrk="0" hangingPunct="1">
+              <a:spcBef>
+                <a:spcPct val="20000"/>
+              </a:spcBef>
+              <a:buFont typeface="Arial" pitchFamily="34" charset="0"/>
+              <a:buChar char="•"/>
+              <a:defRPr sz="2000" kern="1200">
+                <a:solidFill>
+                  <a:schemeClr val="tx1"/>
+                </a:solidFill>
+                <a:latin typeface="+mn-lt"/>
+                <a:ea typeface="+mn-ea"/>
+                <a:cs typeface="+mn-cs"/>
+              </a:defRPr>
+            </a:lvl8pPr>
+            <a:lvl9pPr marL="3886045" indent="-228591" algn="l" defTabSz="914363" rtl="0" eaLnBrk="1" latinLnBrk="0" hangingPunct="1">
+              <a:spcBef>
+                <a:spcPct val="20000"/>
+              </a:spcBef>
+              <a:buFont typeface="Arial" pitchFamily="34" charset="0"/>
+              <a:buChar char="•"/>
+              <a:defRPr sz="2000" kern="1200">
+                <a:solidFill>
+                  <a:schemeClr val="tx1"/>
+                </a:solidFill>
+                <a:latin typeface="+mn-lt"/>
+                <a:ea typeface="+mn-ea"/>
+                <a:cs typeface="+mn-cs"/>
+              </a:defRPr>
+            </a:lvl9pPr>
+          </a:lstStyle>
+          <a:p>
+            <a:pPr marL="0" indent="0">
+              <a:spcBef>
+                <a:spcPct val="0"/>
+              </a:spcBef>
+              <a:buNone/>
+            </a:pPr>
+            <a:r>
+              <a:rPr lang="en-US" sz="6000" spc="-100" dirty="0" smtClean="0">
+                <a:ln w="3175">
+                  <a:noFill/>
+                </a:ln>
+                <a:gradFill>
+                  <a:gsLst>
+                    <a:gs pos="96667">
+                      <a:srgbClr val="FFFFFF"/>
+                    </a:gs>
+                    <a:gs pos="90000">
+                      <a:srgbClr val="FFFFFF"/>
+                    </a:gs>
+                  </a:gsLst>
+                  <a:lin ang="5400000" scaled="0"/>
+                </a:gradFill>
+                <a:latin typeface="+mj-lt"/>
+                <a:cs typeface="Arial" charset="0"/>
+              </a:rPr>
               <a:t>Fork the tests</a:t>
             </a:r>
             <a:endParaRPr lang="en-US" sz="6000" spc="-100" dirty="0">
@@ -21440,20 +22447,6 @@
               </a:rPr>
               <a:t>Tests give you confidence</a:t>
             </a:r>
-            <a:endParaRPr lang="en-US" sz="4000" dirty="0" smtClean="0">
-              <a:gradFill>
-                <a:gsLst>
-                  <a:gs pos="0">
-                    <a:schemeClr val="tx1"/>
-                  </a:gs>
-                  <a:gs pos="86000">
-                    <a:schemeClr val="tx1"/>
-                  </a:gs>
-                </a:gsLst>
-                <a:lin ang="5400000" scaled="0"/>
-              </a:gradFill>
-              <a:latin typeface="Segoe UI Light" pitchFamily="34" charset="0"/>
-            </a:endParaRPr>
           </a:p>
         </p:txBody>
       </p:sp>
@@ -21496,20 +22489,6 @@
               </a:rPr>
               <a:t>Spent the last year getting coverage up</a:t>
             </a:r>
-            <a:endParaRPr lang="en-US" sz="4000" dirty="0" smtClean="0">
-              <a:gradFill>
-                <a:gsLst>
-                  <a:gs pos="0">
-                    <a:schemeClr val="tx1"/>
-                  </a:gs>
-                  <a:gs pos="86000">
-                    <a:schemeClr val="tx1"/>
-                  </a:gs>
-                </a:gsLst>
-                <a:lin ang="5400000" scaled="0"/>
-              </a:gradFill>
-              <a:latin typeface="Segoe UI Light" pitchFamily="34" charset="0"/>
-            </a:endParaRPr>
           </a:p>
         </p:txBody>
       </p:sp>
@@ -21552,20 +22531,6 @@
               </a:rPr>
               <a:t>You can’t refactor without tests</a:t>
             </a:r>
-            <a:endParaRPr lang="en-US" sz="4000" dirty="0" smtClean="0">
-              <a:gradFill>
-                <a:gsLst>
-                  <a:gs pos="0">
-                    <a:schemeClr val="tx1"/>
-                  </a:gs>
-                  <a:gs pos="86000">
-                    <a:schemeClr val="tx1"/>
-                  </a:gs>
-                </a:gsLst>
-                <a:lin ang="5400000" scaled="0"/>
-              </a:gradFill>
-              <a:latin typeface="Segoe UI Light" pitchFamily="34" charset="0"/>
-            </a:endParaRPr>
           </a:p>
         </p:txBody>
       </p:sp>
@@ -21623,41 +22588,7 @@
                 </a:gradFill>
                 <a:latin typeface="Segoe UI Light" pitchFamily="34" charset="0"/>
               </a:rPr>
-              <a:t>sjs</a:t>
-            </a:r>
-            <a:r>
-              <a:rPr lang="en-US" sz="2000" dirty="0" err="1" smtClean="0">
-                <a:gradFill>
-                  <a:gsLst>
-                    <a:gs pos="0">
-                      <a:schemeClr val="tx1"/>
-                    </a:gs>
-                    <a:gs pos="86000">
-                      <a:schemeClr val="tx1"/>
-                    </a:gs>
-                  </a:gsLst>
-                  <a:lin ang="5400000" scaled="0"/>
-                </a:gradFill>
-                <a:latin typeface="Segoe UI Light" pitchFamily="34" charset="0"/>
-              </a:rPr>
-              <a:t>S</a:t>
-            </a:r>
-            <a:r>
-              <a:rPr lang="en-US" sz="2000" dirty="0" err="1" smtClean="0">
-                <a:gradFill>
-                  <a:gsLst>
-                    <a:gs pos="0">
-                      <a:schemeClr val="tx1"/>
-                    </a:gs>
-                    <a:gs pos="86000">
-                      <a:schemeClr val="tx1"/>
-                    </a:gs>
-                  </a:gsLst>
-                  <a:lin ang="5400000" scaled="0"/>
-                </a:gradFill>
-                <a:latin typeface="Segoe UI Light" pitchFamily="34" charset="0"/>
-              </a:rPr>
-              <a:t>ugendran</a:t>
+              <a:t>sjsSugendran</a:t>
             </a:r>
             <a:endParaRPr lang="en-US" sz="2000" dirty="0" smtClean="0">
               <a:gradFill>
@@ -21686,11 +22617,11 @@
   <p:clrMapOvr>
     <a:masterClrMapping/>
   </p:clrMapOvr>
-  <mc:AlternateContent xmlns:mc="http://schemas.openxmlformats.org/markup-compatibility/2006">
-    <mc:Choice xmlns:p14="http://schemas.microsoft.com/office/powerpoint/2010/main" Requires="p14">
+  <mc:AlternateContent xmlns:mc="http://schemas.openxmlformats.org/markup-compatibility/2006" xmlns:p14="http://schemas.microsoft.com/office/powerpoint/2010/main">
+    <mc:Choice Requires="p14">
       <p:transition p14:dur="0"/>
     </mc:Choice>
-    <mc:Fallback>
+    <mc:Fallback xmlns="">
       <p:transition xmlns:p14="http://schemas.microsoft.com/office/powerpoint/2010/main"/>
     </mc:Fallback>
   </mc:AlternateContent>

--- a/legacy-code/scotlandjs version.pptx
+++ b/legacy-code/scotlandjs version.pptx
@@ -19,12 +19,12 @@
     <p:sldId id="372" r:id="rId10"/>
     <p:sldId id="373" r:id="rId11"/>
     <p:sldId id="374" r:id="rId12"/>
-    <p:sldId id="375" r:id="rId13"/>
-    <p:sldId id="376" r:id="rId14"/>
-    <p:sldId id="377" r:id="rId15"/>
-    <p:sldId id="378" r:id="rId16"/>
-    <p:sldId id="379" r:id="rId17"/>
-    <p:sldId id="380" r:id="rId18"/>
+    <p:sldId id="380" r:id="rId13"/>
+    <p:sldId id="375" r:id="rId14"/>
+    <p:sldId id="376" r:id="rId15"/>
+    <p:sldId id="377" r:id="rId16"/>
+    <p:sldId id="378" r:id="rId17"/>
+    <p:sldId id="379" r:id="rId18"/>
     <p:sldId id="381" r:id="rId19"/>
     <p:sldId id="382" r:id="rId20"/>
     <p:sldId id="383" r:id="rId21"/>
@@ -3855,11 +3855,11 @@
         </c:dLbls>
         <c:marker val="1"/>
         <c:smooth val="0"/>
-        <c:axId val="2065127352"/>
-        <c:axId val="2065139272"/>
+        <c:axId val="2110239816"/>
+        <c:axId val="2109610120"/>
       </c:lineChart>
       <c:dateAx>
-        <c:axId val="2065127352"/>
+        <c:axId val="2110239816"/>
         <c:scaling>
           <c:orientation val="minMax"/>
         </c:scaling>
@@ -3890,7 +3890,7 @@
             <a:endParaRPr lang="en-US"/>
           </a:p>
         </c:txPr>
-        <c:crossAx val="2065139272"/>
+        <c:crossAx val="2109610120"/>
         <c:crosses val="autoZero"/>
         <c:auto val="0"/>
         <c:lblOffset val="100"/>
@@ -3901,7 +3901,7 @@
         <c:minorTimeUnit val="days"/>
       </c:dateAx>
       <c:valAx>
-        <c:axId val="2065139272"/>
+        <c:axId val="2109610120"/>
         <c:scaling>
           <c:orientation val="minMax"/>
           <c:max val="20000.0"/>
@@ -3988,7 +3988,7 @@
             <a:endParaRPr lang="en-US"/>
           </a:p>
         </c:txPr>
-        <c:crossAx val="2065127352"/>
+        <c:crossAx val="2110239816"/>
         <c:crosses val="autoZero"/>
         <c:crossBetween val="between"/>
         <c:majorUnit val="4000.0"/>
@@ -5061,6 +5061,282 @@
             <p:ph type="sldImg"/>
           </p:nvPr>
         </p:nvSpPr>
+        <p:spPr>
+          <a:xfrm>
+            <a:off x="303213" y="685800"/>
+            <a:ext cx="6251575" cy="3429000"/>
+          </a:xfrm>
+        </p:spPr>
+      </p:sp>
+      <p:sp>
+        <p:nvSpPr>
+          <p:cNvPr id="3" name="Notes Placeholder 2"/>
+          <p:cNvSpPr>
+            <a:spLocks noGrp="1"/>
+          </p:cNvSpPr>
+          <p:nvPr>
+            <p:ph type="body" idx="1"/>
+          </p:nvPr>
+        </p:nvSpPr>
+        <p:spPr/>
+        <p:txBody>
+          <a:bodyPr>
+            <a:normAutofit/>
+          </a:bodyPr>
+          <a:lstStyle/>
+          <a:p>
+            <a:pPr marL="285750" indent="-285750">
+              <a:buFont typeface="Arial"/>
+              <a:buChar char="•"/>
+            </a:pPr>
+            <a:r>
+              <a:rPr lang="en-US" sz="900" dirty="0" smtClean="0"/>
+              <a:t>Fork</a:t>
+            </a:r>
+            <a:r>
+              <a:rPr lang="en-US" sz="900" baseline="0" dirty="0" smtClean="0"/>
+              <a:t> the tests</a:t>
+            </a:r>
+          </a:p>
+          <a:p>
+            <a:pPr marL="285750" indent="-285750">
+              <a:buFont typeface="Arial"/>
+              <a:buChar char="•"/>
+            </a:pPr>
+            <a:endParaRPr lang="en-US" sz="900" baseline="0" dirty="0" smtClean="0"/>
+          </a:p>
+          <a:p>
+            <a:pPr marL="285750" indent="-285750">
+              <a:buFont typeface="Arial"/>
+              <a:buChar char="•"/>
+            </a:pPr>
+            <a:r>
+              <a:rPr lang="en-US" sz="900" baseline="0" dirty="0" smtClean="0"/>
+              <a:t>Both old and new should be under test</a:t>
+            </a:r>
+          </a:p>
+          <a:p>
+            <a:pPr marL="285750" indent="-285750">
+              <a:buFont typeface="Arial"/>
+              <a:buChar char="•"/>
+            </a:pPr>
+            <a:endParaRPr lang="en-US" sz="900" baseline="0" dirty="0" smtClean="0"/>
+          </a:p>
+          <a:p>
+            <a:pPr marL="285750" indent="-285750">
+              <a:buFont typeface="Arial"/>
+              <a:buChar char="•"/>
+            </a:pPr>
+            <a:r>
+              <a:rPr lang="en-US" sz="900" baseline="0" dirty="0" smtClean="0"/>
+              <a:t>Over the last two years we’ve gotten to 70% coverage – 5781 tests</a:t>
+            </a:r>
+          </a:p>
+          <a:p>
+            <a:pPr marL="285750" indent="-285750">
+              <a:buFont typeface="Arial"/>
+              <a:buChar char="•"/>
+            </a:pPr>
+            <a:endParaRPr lang="en-US" sz="900" baseline="0" dirty="0" smtClean="0"/>
+          </a:p>
+          <a:p>
+            <a:pPr marL="285750" indent="-285750">
+              <a:buFont typeface="Arial"/>
+              <a:buChar char="•"/>
+            </a:pPr>
+            <a:r>
+              <a:rPr lang="en-US" sz="900" baseline="0" dirty="0" smtClean="0"/>
+              <a:t>Tests give you trust</a:t>
+            </a:r>
+            <a:endParaRPr lang="en-US" sz="900" dirty="0" smtClean="0"/>
+          </a:p>
+          <a:p>
+            <a:endParaRPr lang="en-US" dirty="0"/>
+          </a:p>
+        </p:txBody>
+      </p:sp>
+      <p:sp>
+        <p:nvSpPr>
+          <p:cNvPr id="4" name="Header Placeholder 3"/>
+          <p:cNvSpPr>
+            <a:spLocks noGrp="1"/>
+          </p:cNvSpPr>
+          <p:nvPr>
+            <p:ph type="hdr" sz="quarter" idx="10"/>
+          </p:nvPr>
+        </p:nvSpPr>
+        <p:spPr>
+          <a:xfrm>
+            <a:off x="0" y="0"/>
+            <a:ext cx="2971800" cy="457200"/>
+          </a:xfrm>
+          <a:prstGeom prst="rect">
+            <a:avLst/>
+          </a:prstGeom>
+        </p:spPr>
+        <p:txBody>
+          <a:bodyPr/>
+          <a:lstStyle/>
+          <a:p>
+            <a:endParaRPr lang="en-US" dirty="0"/>
+          </a:p>
+        </p:txBody>
+      </p:sp>
+      <p:sp>
+        <p:nvSpPr>
+          <p:cNvPr id="5" name="Date Placeholder 4"/>
+          <p:cNvSpPr>
+            <a:spLocks noGrp="1"/>
+          </p:cNvSpPr>
+          <p:nvPr>
+            <p:ph type="dt" idx="11"/>
+          </p:nvPr>
+        </p:nvSpPr>
+        <p:spPr/>
+        <p:txBody>
+          <a:bodyPr/>
+          <a:lstStyle/>
+          <a:p>
+            <a:fld id="{81331B57-0BE5-4F82-AA58-76F53EFF3ADA}" type="datetime8">
+              <a:rPr lang="en-US" smtClean="0"/>
+              <a:pPr/>
+              <a:t>09/05/2014 22:47</a:t>
+            </a:fld>
+            <a:endParaRPr lang="en-US"/>
+          </a:p>
+        </p:txBody>
+      </p:sp>
+      <p:sp>
+        <p:nvSpPr>
+          <p:cNvPr id="7" name="Slide Number Placeholder 6"/>
+          <p:cNvSpPr>
+            <a:spLocks noGrp="1"/>
+          </p:cNvSpPr>
+          <p:nvPr>
+            <p:ph type="sldNum" sz="quarter" idx="13"/>
+          </p:nvPr>
+        </p:nvSpPr>
+        <p:spPr/>
+        <p:txBody>
+          <a:bodyPr/>
+          <a:lstStyle/>
+          <a:p>
+            <a:fld id="{EC87E0CF-87F6-4B58-B8B8-DCAB2DAAF3CA}" type="slidenum">
+              <a:rPr lang="en-US" smtClean="0"/>
+              <a:pPr/>
+              <a:t>10</a:t>
+            </a:fld>
+            <a:endParaRPr lang="en-US" dirty="0"/>
+          </a:p>
+        </p:txBody>
+      </p:sp>
+      <p:sp>
+        <p:nvSpPr>
+          <p:cNvPr id="8" name="Footer Placeholder 3"/>
+          <p:cNvSpPr>
+            <a:spLocks noGrp="1"/>
+          </p:cNvSpPr>
+          <p:nvPr>
+            <p:ph type="ftr" sz="quarter" idx="4"/>
+          </p:nvPr>
+        </p:nvSpPr>
+        <p:spPr>
+          <a:xfrm>
+            <a:off x="0" y="8685213"/>
+            <a:ext cx="6248400" cy="457200"/>
+          </a:xfrm>
+          <a:prstGeom prst="rect">
+            <a:avLst/>
+          </a:prstGeom>
+        </p:spPr>
+        <p:txBody>
+          <a:bodyPr vert="horz" lIns="91440" tIns="45720" rIns="91440" bIns="45720" rtlCol="0" anchor="b"/>
+          <a:lstStyle>
+            <a:lvl1pPr algn="l">
+              <a:defRPr sz="1200"/>
+            </a:lvl1pPr>
+          </a:lstStyle>
+          <a:p>
+            <a:r>
+              <a:rPr lang="en-US" sz="500" dirty="0" smtClean="0">
+                <a:solidFill>
+                  <a:srgbClr val="000000"/>
+                </a:solidFill>
+                <a:latin typeface="Segoe UI" pitchFamily="34" charset="0"/>
+              </a:rPr>
+              <a:t>© 2010 Microsoft Corporation. All rights reserved. Microsoft, Windows, Windows Vista and other product names are or may be registered trademarks and/or trademarks in the U.S. and/or other countries.</a:t>
+            </a:r>
+          </a:p>
+          <a:p>
+            <a:r>
+              <a:rPr lang="en-US" sz="500" dirty="0" smtClean="0">
+                <a:solidFill>
+                  <a:srgbClr val="000000"/>
+                </a:solidFill>
+                <a:latin typeface="Segoe UI" pitchFamily="34" charset="0"/>
+              </a:rPr>
+              <a:t>The information herein is for informational purposes only and represents the current view of Microsoft Corporation as of the date of this presentation.  Because Microsoft must respond to changing market conditions, it should not be interpreted to be a commitment on the part of Microsoft, and Microsoft cannot guarantee the accuracy of any information provided after the date of this presentation.  </a:t>
+            </a:r>
+            <a:br>
+              <a:rPr lang="en-US" sz="500" dirty="0" smtClean="0">
+                <a:solidFill>
+                  <a:srgbClr val="000000"/>
+                </a:solidFill>
+                <a:latin typeface="Segoe UI" pitchFamily="34" charset="0"/>
+              </a:rPr>
+            </a:br>
+            <a:r>
+              <a:rPr lang="en-US" sz="500" dirty="0" smtClean="0">
+                <a:solidFill>
+                  <a:srgbClr val="000000"/>
+                </a:solidFill>
+                <a:latin typeface="Segoe UI" pitchFamily="34" charset="0"/>
+              </a:rPr>
+              <a:t>MICROSOFT MAKES NO WARRANTIES, EXPRESS, IMPLIED OR STATUTORY, AS TO THE INFORMATION IN THIS PRESENTATION.</a:t>
+            </a:r>
+          </a:p>
+        </p:txBody>
+      </p:sp>
+    </p:spTree>
+    <p:extLst>
+      <p:ext uri="{BB962C8B-B14F-4D97-AF65-F5344CB8AC3E}">
+        <p14:creationId xmlns:p14="http://schemas.microsoft.com/office/powerpoint/2010/main" val="996071022"/>
+      </p:ext>
+    </p:extLst>
+  </p:cSld>
+  <p:clrMapOvr>
+    <a:masterClrMapping/>
+  </p:clrMapOvr>
+</p:notes>
+</file>
+
+<file path=ppt/notesSlides/notesSlide11.xml><?xml version="1.0" encoding="utf-8"?>
+<p:notes xmlns:a="http://schemas.openxmlformats.org/drawingml/2006/main" xmlns:r="http://schemas.openxmlformats.org/officeDocument/2006/relationships" xmlns:p="http://schemas.openxmlformats.org/presentationml/2006/main">
+  <p:cSld>
+    <p:spTree>
+      <p:nvGrpSpPr>
+        <p:cNvPr id="1" name=""/>
+        <p:cNvGrpSpPr/>
+        <p:nvPr/>
+      </p:nvGrpSpPr>
+      <p:grpSpPr>
+        <a:xfrm>
+          <a:off x="0" y="0"/>
+          <a:ext cx="0" cy="0"/>
+          <a:chOff x="0" y="0"/>
+          <a:chExt cx="0" cy="0"/>
+        </a:xfrm>
+      </p:grpSpPr>
+      <p:sp>
+        <p:nvSpPr>
+          <p:cNvPr id="2" name="Slide Image Placeholder 1"/>
+          <p:cNvSpPr>
+            <a:spLocks noGrp="1" noRot="1" noChangeAspect="1"/>
+          </p:cNvSpPr>
+          <p:nvPr>
+            <p:ph type="sldImg"/>
+          </p:nvPr>
+        </p:nvSpPr>
         <p:spPr/>
       </p:sp>
       <p:sp>
@@ -5149,7 +5425,7 @@
             <a:fld id="{8B263312-38AA-4E1E-B2B5-0F8F122B24FE}" type="slidenum">
               <a:rPr lang="en-US" smtClean="0"/>
               <a:pPr/>
-              <a:t>10</a:t>
+              <a:t>11</a:t>
             </a:fld>
             <a:endParaRPr lang="en-US" dirty="0"/>
           </a:p>
@@ -5168,7 +5444,7 @@
 </p:notes>
 </file>
 
-<file path=ppt/notesSlides/notesSlide11.xml><?xml version="1.0" encoding="utf-8"?>
+<file path=ppt/notesSlides/notesSlide12.xml><?xml version="1.0" encoding="utf-8"?>
 <p:notes xmlns:a="http://schemas.openxmlformats.org/drawingml/2006/main" xmlns:r="http://schemas.openxmlformats.org/officeDocument/2006/relationships" xmlns:p="http://schemas.openxmlformats.org/presentationml/2006/main">
   <p:cSld>
     <p:spTree>
@@ -5334,7 +5610,7 @@
             <a:fld id="{81331B57-0BE5-4F82-AA58-76F53EFF3ADA}" type="datetime8">
               <a:rPr lang="en-US" smtClean="0"/>
               <a:pPr/>
-              <a:t>09/05/2014 10:41</a:t>
+              <a:t>09/05/2014 22:47</a:t>
             </a:fld>
             <a:endParaRPr lang="en-US"/>
           </a:p>
@@ -5358,7 +5634,7 @@
             <a:fld id="{EC87E0CF-87F6-4B58-B8B8-DCAB2DAAF3CA}" type="slidenum">
               <a:rPr lang="en-US" smtClean="0"/>
               <a:pPr/>
-              <a:t>11</a:t>
+              <a:t>12</a:t>
             </a:fld>
             <a:endParaRPr lang="en-US" dirty="0"/>
           </a:p>
@@ -5444,7 +5720,7 @@
 </p:notes>
 </file>
 
-<file path=ppt/notesSlides/notesSlide12.xml><?xml version="1.0" encoding="utf-8"?>
+<file path=ppt/notesSlides/notesSlide13.xml><?xml version="1.0" encoding="utf-8"?>
 <p:notes xmlns:a="http://schemas.openxmlformats.org/drawingml/2006/main" xmlns:r="http://schemas.openxmlformats.org/officeDocument/2006/relationships" xmlns:p="http://schemas.openxmlformats.org/presentationml/2006/main">
   <p:cSld>
     <p:spTree>
@@ -5628,7 +5904,7 @@
             <a:fld id="{8B263312-38AA-4E1E-B2B5-0F8F122B24FE}" type="slidenum">
               <a:rPr lang="en-US" smtClean="0"/>
               <a:pPr/>
-              <a:t>12</a:t>
+              <a:t>13</a:t>
             </a:fld>
             <a:endParaRPr lang="en-US" dirty="0"/>
           </a:p>
@@ -5638,296 +5914,6 @@
     <p:extLst>
       <p:ext uri="{BB962C8B-B14F-4D97-AF65-F5344CB8AC3E}">
         <p14:creationId xmlns:p14="http://schemas.microsoft.com/office/powerpoint/2010/main" val="3482430589"/>
-      </p:ext>
-    </p:extLst>
-  </p:cSld>
-  <p:clrMapOvr>
-    <a:masterClrMapping/>
-  </p:clrMapOvr>
-</p:notes>
-</file>
-
-<file path=ppt/notesSlides/notesSlide13.xml><?xml version="1.0" encoding="utf-8"?>
-<p:notes xmlns:a="http://schemas.openxmlformats.org/drawingml/2006/main" xmlns:r="http://schemas.openxmlformats.org/officeDocument/2006/relationships" xmlns:p="http://schemas.openxmlformats.org/presentationml/2006/main">
-  <p:cSld>
-    <p:spTree>
-      <p:nvGrpSpPr>
-        <p:cNvPr id="1" name=""/>
-        <p:cNvGrpSpPr/>
-        <p:nvPr/>
-      </p:nvGrpSpPr>
-      <p:grpSpPr>
-        <a:xfrm>
-          <a:off x="0" y="0"/>
-          <a:ext cx="0" cy="0"/>
-          <a:chOff x="0" y="0"/>
-          <a:chExt cx="0" cy="0"/>
-        </a:xfrm>
-      </p:grpSpPr>
-      <p:sp>
-        <p:nvSpPr>
-          <p:cNvPr id="2" name="Slide Image Placeholder 1"/>
-          <p:cNvSpPr>
-            <a:spLocks noGrp="1" noRot="1" noChangeAspect="1"/>
-          </p:cNvSpPr>
-          <p:nvPr>
-            <p:ph type="sldImg"/>
-          </p:nvPr>
-        </p:nvSpPr>
-        <p:spPr>
-          <a:xfrm>
-            <a:off x="303213" y="685800"/>
-            <a:ext cx="6251575" cy="3429000"/>
-          </a:xfrm>
-        </p:spPr>
-      </p:sp>
-      <p:sp>
-        <p:nvSpPr>
-          <p:cNvPr id="3" name="Notes Placeholder 2"/>
-          <p:cNvSpPr>
-            <a:spLocks noGrp="1"/>
-          </p:cNvSpPr>
-          <p:nvPr>
-            <p:ph type="body" idx="1"/>
-          </p:nvPr>
-        </p:nvSpPr>
-        <p:spPr/>
-        <p:txBody>
-          <a:bodyPr>
-            <a:normAutofit/>
-          </a:bodyPr>
-          <a:lstStyle/>
-          <a:p>
-            <a:pPr marL="171450" indent="-171450">
-              <a:buFont typeface="Arial"/>
-              <a:buChar char="•"/>
-            </a:pPr>
-            <a:r>
-              <a:rPr lang="en-US" dirty="0" smtClean="0"/>
-              <a:t>Important to have everyone accept the change</a:t>
-            </a:r>
-          </a:p>
-          <a:p>
-            <a:pPr marL="171450" indent="-171450">
-              <a:buFont typeface="Arial"/>
-              <a:buChar char="•"/>
-            </a:pPr>
-            <a:endParaRPr lang="en-US" dirty="0" smtClean="0"/>
-          </a:p>
-          <a:p>
-            <a:pPr marL="171450" indent="-171450">
-              <a:buFont typeface="Arial"/>
-              <a:buChar char="•"/>
-            </a:pPr>
-            <a:r>
-              <a:rPr lang="en-US" dirty="0" smtClean="0"/>
-              <a:t>No resentment</a:t>
-            </a:r>
-          </a:p>
-          <a:p>
-            <a:pPr marL="171450" indent="-171450">
-              <a:buFont typeface="Arial"/>
-              <a:buChar char="•"/>
-            </a:pPr>
-            <a:endParaRPr lang="en-US" dirty="0" smtClean="0"/>
-          </a:p>
-          <a:p>
-            <a:pPr marL="171450" indent="-171450">
-              <a:buFont typeface="Arial"/>
-              <a:buChar char="•"/>
-            </a:pPr>
-            <a:r>
-              <a:rPr lang="en-US" dirty="0" smtClean="0"/>
-              <a:t>Get</a:t>
-            </a:r>
-            <a:r>
-              <a:rPr lang="en-US" baseline="0" dirty="0" smtClean="0"/>
-              <a:t> feedback before starting</a:t>
-            </a:r>
-          </a:p>
-          <a:p>
-            <a:pPr marL="171450" indent="-171450">
-              <a:buFont typeface="Arial"/>
-              <a:buChar char="•"/>
-            </a:pPr>
-            <a:endParaRPr lang="en-US" baseline="0" dirty="0" smtClean="0"/>
-          </a:p>
-          <a:p>
-            <a:pPr marL="171450" indent="-171450">
-              <a:buFont typeface="Arial"/>
-              <a:buChar char="•"/>
-            </a:pPr>
-            <a:r>
-              <a:rPr lang="en-US" baseline="0" dirty="0" smtClean="0"/>
-              <a:t>Share the spec</a:t>
-            </a:r>
-          </a:p>
-          <a:p>
-            <a:pPr marL="171450" indent="-171450">
-              <a:buFont typeface="Arial"/>
-              <a:buChar char="•"/>
-            </a:pPr>
-            <a:endParaRPr lang="en-US" baseline="0" dirty="0" smtClean="0"/>
-          </a:p>
-          <a:p>
-            <a:pPr marL="171450" indent="-171450">
-              <a:buFont typeface="Arial"/>
-              <a:buChar char="•"/>
-            </a:pPr>
-            <a:r>
-              <a:rPr lang="en-US" baseline="0" dirty="0" smtClean="0"/>
-              <a:t>Be available to answer questions and help</a:t>
-            </a:r>
-            <a:endParaRPr lang="en-US" dirty="0" smtClean="0"/>
-          </a:p>
-        </p:txBody>
-      </p:sp>
-      <p:sp>
-        <p:nvSpPr>
-          <p:cNvPr id="4" name="Header Placeholder 3"/>
-          <p:cNvSpPr>
-            <a:spLocks noGrp="1"/>
-          </p:cNvSpPr>
-          <p:nvPr>
-            <p:ph type="hdr" sz="quarter" idx="10"/>
-          </p:nvPr>
-        </p:nvSpPr>
-        <p:spPr>
-          <a:xfrm>
-            <a:off x="0" y="0"/>
-            <a:ext cx="2971800" cy="457200"/>
-          </a:xfrm>
-          <a:prstGeom prst="rect">
-            <a:avLst/>
-          </a:prstGeom>
-        </p:spPr>
-        <p:txBody>
-          <a:bodyPr/>
-          <a:lstStyle/>
-          <a:p>
-            <a:endParaRPr lang="en-US" dirty="0"/>
-          </a:p>
-        </p:txBody>
-      </p:sp>
-      <p:sp>
-        <p:nvSpPr>
-          <p:cNvPr id="5" name="Date Placeholder 4"/>
-          <p:cNvSpPr>
-            <a:spLocks noGrp="1"/>
-          </p:cNvSpPr>
-          <p:nvPr>
-            <p:ph type="dt" idx="11"/>
-          </p:nvPr>
-        </p:nvSpPr>
-        <p:spPr/>
-        <p:txBody>
-          <a:bodyPr/>
-          <a:lstStyle/>
-          <a:p>
-            <a:fld id="{81331B57-0BE5-4F82-AA58-76F53EFF3ADA}" type="datetime8">
-              <a:rPr lang="en-US" smtClean="0"/>
-              <a:pPr/>
-              <a:t>09/05/2014 10:42</a:t>
-            </a:fld>
-            <a:endParaRPr lang="en-US"/>
-          </a:p>
-        </p:txBody>
-      </p:sp>
-      <p:sp>
-        <p:nvSpPr>
-          <p:cNvPr id="7" name="Slide Number Placeholder 6"/>
-          <p:cNvSpPr>
-            <a:spLocks noGrp="1"/>
-          </p:cNvSpPr>
-          <p:nvPr>
-            <p:ph type="sldNum" sz="quarter" idx="13"/>
-          </p:nvPr>
-        </p:nvSpPr>
-        <p:spPr/>
-        <p:txBody>
-          <a:bodyPr/>
-          <a:lstStyle/>
-          <a:p>
-            <a:fld id="{EC87E0CF-87F6-4B58-B8B8-DCAB2DAAF3CA}" type="slidenum">
-              <a:rPr lang="en-US" smtClean="0"/>
-              <a:pPr/>
-              <a:t>13</a:t>
-            </a:fld>
-            <a:endParaRPr lang="en-US" dirty="0"/>
-          </a:p>
-        </p:txBody>
-      </p:sp>
-      <p:sp>
-        <p:nvSpPr>
-          <p:cNvPr id="8" name="Footer Placeholder 3"/>
-          <p:cNvSpPr>
-            <a:spLocks noGrp="1"/>
-          </p:cNvSpPr>
-          <p:nvPr>
-            <p:ph type="ftr" sz="quarter" idx="4"/>
-          </p:nvPr>
-        </p:nvSpPr>
-        <p:spPr>
-          <a:xfrm>
-            <a:off x="0" y="8685213"/>
-            <a:ext cx="6248400" cy="457200"/>
-          </a:xfrm>
-          <a:prstGeom prst="rect">
-            <a:avLst/>
-          </a:prstGeom>
-        </p:spPr>
-        <p:txBody>
-          <a:bodyPr vert="horz" lIns="91440" tIns="45720" rIns="91440" bIns="45720" rtlCol="0" anchor="b"/>
-          <a:lstStyle>
-            <a:lvl1pPr algn="l">
-              <a:defRPr sz="1200"/>
-            </a:lvl1pPr>
-          </a:lstStyle>
-          <a:p>
-            <a:r>
-              <a:rPr lang="en-US" sz="500" dirty="0" smtClean="0">
-                <a:solidFill>
-                  <a:srgbClr val="000000"/>
-                </a:solidFill>
-                <a:latin typeface="Segoe UI" pitchFamily="34" charset="0"/>
-              </a:rPr>
-              <a:t>© 2010 Microsoft Corporation. All rights reserved. Microsoft, Windows, Windows Vista and other product names are or may be registered trademarks and/or trademarks in the U.S. and/or other countries.</a:t>
-            </a:r>
-          </a:p>
-          <a:p>
-            <a:r>
-              <a:rPr lang="en-US" sz="500" dirty="0" smtClean="0">
-                <a:solidFill>
-                  <a:srgbClr val="000000"/>
-                </a:solidFill>
-                <a:latin typeface="Segoe UI" pitchFamily="34" charset="0"/>
-              </a:rPr>
-              <a:t>The information herein is for informational purposes only and represents the current view of Microsoft Corporation as of the date of this presentation.  Because Microsoft must respond to changing market conditions, it should not be interpreted to be a commitment on the part of Microsoft, and Microsoft cannot guarantee the accuracy of any information provided after the date of this presentation.  </a:t>
-            </a:r>
-            <a:br>
-              <a:rPr lang="en-US" sz="500" dirty="0" smtClean="0">
-                <a:solidFill>
-                  <a:srgbClr val="000000"/>
-                </a:solidFill>
-                <a:latin typeface="Segoe UI" pitchFamily="34" charset="0"/>
-              </a:rPr>
-            </a:br>
-            <a:r>
-              <a:rPr lang="en-US" sz="500" dirty="0" smtClean="0">
-                <a:solidFill>
-                  <a:srgbClr val="000000"/>
-                </a:solidFill>
-                <a:latin typeface="Segoe UI" pitchFamily="34" charset="0"/>
-              </a:rPr>
-              <a:t>MICROSOFT MAKES NO WARRANTIES, EXPRESS, IMPLIED OR STATUTORY, AS TO THE INFORMATION IN THIS PRESENTATION.</a:t>
-            </a:r>
-          </a:p>
-        </p:txBody>
-      </p:sp>
-    </p:spTree>
-    <p:extLst>
-      <p:ext uri="{BB962C8B-B14F-4D97-AF65-F5344CB8AC3E}">
-        <p14:creationId xmlns:p14="http://schemas.microsoft.com/office/powerpoint/2010/main" val="996071022"/>
       </p:ext>
     </p:extLst>
   </p:cSld>
@@ -6117,7 +6103,7 @@
             <a:fld id="{81331B57-0BE5-4F82-AA58-76F53EFF3ADA}" type="datetime8">
               <a:rPr lang="en-US" smtClean="0"/>
               <a:pPr/>
-              <a:t>09/05/2014 10:42</a:t>
+              <a:t>09/05/2014 22:47</a:t>
             </a:fld>
             <a:endParaRPr lang="en-US"/>
           </a:p>
@@ -6397,7 +6383,7 @@
             <a:fld id="{81331B57-0BE5-4F82-AA58-76F53EFF3ADA}" type="datetime8">
               <a:rPr lang="en-US" smtClean="0"/>
               <a:pPr/>
-              <a:t>09/05/2014 10:43</a:t>
+              <a:t>09/05/2014 22:47</a:t>
             </a:fld>
             <a:endParaRPr lang="en-US"/>
           </a:p>
@@ -6639,7 +6625,7 @@
             <a:fld id="{81331B57-0BE5-4F82-AA58-76F53EFF3ADA}" type="datetime8">
               <a:rPr lang="en-US" smtClean="0"/>
               <a:pPr/>
-              <a:t>09/05/2014 10:43</a:t>
+              <a:t>09/05/2014 22:47</a:t>
             </a:fld>
             <a:endParaRPr lang="en-US"/>
           </a:p>
@@ -6931,7 +6917,7 @@
             <a:fld id="{81331B57-0BE5-4F82-AA58-76F53EFF3ADA}" type="datetime8">
               <a:rPr lang="en-US" smtClean="0"/>
               <a:pPr/>
-              <a:t>09/05/2014 10:43</a:t>
+              <a:t>09/05/2014 22:47</a:t>
             </a:fld>
             <a:endParaRPr lang="en-US"/>
           </a:p>
@@ -7469,7 +7455,7 @@
             <a:fld id="{81331B57-0BE5-4F82-AA58-76F53EFF3ADA}" type="datetime8">
               <a:rPr lang="en-US" smtClean="0"/>
               <a:pPr/>
-              <a:t>09/05/2014 10:19</a:t>
+              <a:t>09/05/2014 22:47</a:t>
             </a:fld>
             <a:endParaRPr lang="en-US"/>
           </a:p>
@@ -7749,7 +7735,7 @@
             <a:fld id="{81331B57-0BE5-4F82-AA58-76F53EFF3ADA}" type="datetime8">
               <a:rPr lang="en-US" smtClean="0"/>
               <a:pPr/>
-              <a:t>09/05/2014 10:20</a:t>
+              <a:t>09/05/2014 22:47</a:t>
             </a:fld>
             <a:endParaRPr lang="en-US"/>
           </a:p>
@@ -7991,7 +7977,7 @@
             <a:fld id="{81331B57-0BE5-4F82-AA58-76F53EFF3ADA}" type="datetime8">
               <a:rPr lang="en-US" smtClean="0"/>
               <a:pPr/>
-              <a:t>09/05/2014 10:20</a:t>
+              <a:t>09/05/2014 22:47</a:t>
             </a:fld>
             <a:endParaRPr lang="en-US"/>
           </a:p>
@@ -8267,7 +8253,7 @@
             <a:fld id="{81331B57-0BE5-4F82-AA58-76F53EFF3ADA}" type="datetime8">
               <a:rPr lang="en-US" smtClean="0"/>
               <a:pPr/>
-              <a:t>09/05/2014 10:21</a:t>
+              <a:t>09/05/2014 22:47</a:t>
             </a:fld>
             <a:endParaRPr lang="en-US"/>
           </a:p>
@@ -8434,7 +8420,32 @@
             </a:pPr>
             <a:r>
               <a:rPr lang="en-US" sz="900" dirty="0" smtClean="0"/>
-              <a:t>Don’t refactor in a silo</a:t>
+              <a:t>Myself</a:t>
+            </a:r>
+            <a:r>
+              <a:rPr lang="en-US" sz="900" baseline="0" dirty="0" smtClean="0"/>
+              <a:t> and one other person</a:t>
+            </a:r>
+          </a:p>
+          <a:p>
+            <a:pPr marL="285750" indent="-285750">
+              <a:buFont typeface="Arial"/>
+              <a:buChar char="•"/>
+            </a:pPr>
+            <a:endParaRPr lang="en-US" sz="900" dirty="0" smtClean="0"/>
+          </a:p>
+          <a:p>
+            <a:pPr marL="285750" indent="-285750">
+              <a:buFont typeface="Arial"/>
+              <a:buChar char="•"/>
+            </a:pPr>
+            <a:r>
+              <a:rPr lang="en-US" sz="900" dirty="0" smtClean="0"/>
+              <a:t>Don’t </a:t>
+            </a:r>
+            <a:r>
+              <a:rPr lang="en-US" sz="900" dirty="0" smtClean="0"/>
+              <a:t>refactor in a silo</a:t>
             </a:r>
           </a:p>
           <a:p>
@@ -8543,7 +8554,7 @@
             <a:fld id="{81331B57-0BE5-4F82-AA58-76F53EFF3ADA}" type="datetime8">
               <a:rPr lang="en-US" smtClean="0"/>
               <a:pPr/>
-              <a:t>09/05/2014 10:38</a:t>
+              <a:t>09/05/2014 22:47</a:t>
             </a:fld>
             <a:endParaRPr lang="en-US"/>
           </a:p>
@@ -8731,8 +8742,9 @@
             </a:pPr>
             <a:r>
               <a:rPr lang="en-US" sz="900" baseline="0" dirty="0" smtClean="0"/>
-              <a:t>Not everything is written down</a:t>
-            </a:r>
+              <a:t>Talked to team about their problems</a:t>
+            </a:r>
+            <a:endParaRPr lang="en-US" sz="900" baseline="0" dirty="0" smtClean="0"/>
           </a:p>
           <a:p>
             <a:pPr marL="285750" indent="-285750">
@@ -8819,7 +8831,7 @@
             <a:fld id="{81331B57-0BE5-4F82-AA58-76F53EFF3ADA}" type="datetime8">
               <a:rPr lang="en-US" smtClean="0"/>
               <a:pPr/>
-              <a:t>09/05/2014 10:38</a:t>
+              <a:t>09/05/2014 22:47</a:t>
             </a:fld>
             <a:endParaRPr lang="en-US"/>
           </a:p>
@@ -8980,90 +8992,87 @@
           </a:bodyPr>
           <a:lstStyle/>
           <a:p>
-            <a:pPr marL="285750" indent="-285750">
+            <a:pPr marL="171450" indent="-171450">
               <a:buFont typeface="Arial"/>
               <a:buChar char="•"/>
             </a:pPr>
             <a:r>
-              <a:rPr lang="en-US" sz="900" dirty="0" smtClean="0"/>
-              <a:t>Step 1: Commit to master</a:t>
-            </a:r>
-          </a:p>
-          <a:p>
-            <a:pPr marL="285750" indent="-285750">
+              <a:rPr lang="en-US" dirty="0" smtClean="0"/>
+              <a:t>Important to have everyone accept the change</a:t>
+            </a:r>
+          </a:p>
+          <a:p>
+            <a:pPr marL="171450" indent="-171450">
               <a:buFont typeface="Arial"/>
               <a:buChar char="•"/>
             </a:pPr>
-            <a:endParaRPr lang="en-US" sz="900" dirty="0" smtClean="0"/>
-          </a:p>
-          <a:p>
-            <a:pPr marL="285750" indent="-285750">
+            <a:endParaRPr lang="en-US" dirty="0" smtClean="0"/>
+          </a:p>
+          <a:p>
+            <a:pPr marL="171450" indent="-171450">
               <a:buFont typeface="Arial"/>
               <a:buChar char="•"/>
             </a:pPr>
             <a:r>
-              <a:rPr lang="en-US" sz="900" dirty="0" smtClean="0"/>
-              <a:t>Use a</a:t>
-            </a:r>
-            <a:r>
-              <a:rPr lang="en-US" sz="900" baseline="0" dirty="0" smtClean="0"/>
-              <a:t> feature gate</a:t>
-            </a:r>
-          </a:p>
-          <a:p>
-            <a:pPr marL="285750" indent="-285750">
+              <a:rPr lang="en-US" dirty="0" smtClean="0"/>
+              <a:t>No resentment</a:t>
+            </a:r>
+          </a:p>
+          <a:p>
+            <a:pPr marL="171450" indent="-171450">
               <a:buFont typeface="Arial"/>
               <a:buChar char="•"/>
             </a:pPr>
-            <a:endParaRPr lang="en-US" sz="900" baseline="0" dirty="0" smtClean="0"/>
-          </a:p>
-          <a:p>
-            <a:pPr marL="285750" indent="-285750">
+            <a:endParaRPr lang="en-US" dirty="0" smtClean="0"/>
+          </a:p>
+          <a:p>
+            <a:pPr marL="171450" indent="-171450">
               <a:buFont typeface="Arial"/>
               <a:buChar char="•"/>
             </a:pPr>
             <a:r>
-              <a:rPr lang="en-US" sz="900" baseline="0" dirty="0" smtClean="0"/>
-              <a:t>What is a feature gate, no long branches</a:t>
-            </a:r>
-          </a:p>
-          <a:p>
-            <a:pPr marL="285750" indent="-285750">
+              <a:rPr lang="en-US" dirty="0" smtClean="0"/>
+              <a:t>Get</a:t>
+            </a:r>
+            <a:r>
+              <a:rPr lang="en-US" baseline="0" dirty="0" smtClean="0"/>
+              <a:t> feedback before starting</a:t>
+            </a:r>
+          </a:p>
+          <a:p>
+            <a:pPr marL="171450" indent="-171450">
               <a:buFont typeface="Arial"/>
               <a:buChar char="•"/>
             </a:pPr>
-            <a:endParaRPr lang="en-US" sz="900" baseline="0" dirty="0" smtClean="0"/>
-          </a:p>
-          <a:p>
-            <a:pPr marL="285750" indent="-285750">
+            <a:endParaRPr lang="en-US" baseline="0" dirty="0" smtClean="0"/>
+          </a:p>
+          <a:p>
+            <a:pPr marL="171450" indent="-171450">
               <a:buFont typeface="Arial"/>
               <a:buChar char="•"/>
             </a:pPr>
             <a:r>
-              <a:rPr lang="en-US" sz="900" baseline="0" dirty="0" smtClean="0"/>
-              <a:t>3 projects did work along side us</a:t>
-            </a:r>
-          </a:p>
-          <a:p>
-            <a:pPr marL="285750" indent="-285750">
+              <a:rPr lang="en-US" baseline="0" dirty="0" smtClean="0"/>
+              <a:t>Share the spec</a:t>
+            </a:r>
+          </a:p>
+          <a:p>
+            <a:pPr marL="171450" indent="-171450">
               <a:buFont typeface="Arial"/>
               <a:buChar char="•"/>
             </a:pPr>
-            <a:endParaRPr lang="en-US" sz="900" baseline="0" dirty="0" smtClean="0"/>
-          </a:p>
-          <a:p>
-            <a:pPr marL="285750" indent="-285750">
+            <a:endParaRPr lang="en-US" baseline="0" dirty="0" smtClean="0"/>
+          </a:p>
+          <a:p>
+            <a:pPr marL="171450" indent="-171450">
               <a:buFont typeface="Arial"/>
               <a:buChar char="•"/>
             </a:pPr>
             <a:r>
-              <a:rPr lang="en-US" sz="900" baseline="0" dirty="0" smtClean="0"/>
-              <a:t>1 month till first merge to master and then every few days</a:t>
-            </a:r>
-            <a:endParaRPr lang="en-US" sz="900" dirty="0" smtClean="0"/>
-          </a:p>
-          <a:p>
-            <a:endParaRPr lang="en-US" dirty="0"/>
+              <a:rPr lang="en-US" baseline="0" dirty="0" smtClean="0"/>
+              <a:t>Be available to answer questions and help</a:t>
+            </a:r>
+            <a:endParaRPr lang="en-US" dirty="0" smtClean="0"/>
           </a:p>
         </p:txBody>
       </p:sp>
@@ -9112,7 +9121,7 @@
             <a:fld id="{81331B57-0BE5-4F82-AA58-76F53EFF3ADA}" type="datetime8">
               <a:rPr lang="en-US" smtClean="0"/>
               <a:pPr/>
-              <a:t>09/05/2014 10:39</a:t>
+              <a:t>09/05/2014 22:47</a:t>
             </a:fld>
             <a:endParaRPr lang="en-US"/>
           </a:p>
@@ -9279,11 +9288,28 @@
             </a:pPr>
             <a:r>
               <a:rPr lang="en-US" sz="900" dirty="0" smtClean="0"/>
-              <a:t>Fork</a:t>
+              <a:t>Step 1: Commit to master</a:t>
+            </a:r>
+          </a:p>
+          <a:p>
+            <a:pPr marL="285750" indent="-285750">
+              <a:buFont typeface="Arial"/>
+              <a:buChar char="•"/>
+            </a:pPr>
+            <a:endParaRPr lang="en-US" sz="900" dirty="0" smtClean="0"/>
+          </a:p>
+          <a:p>
+            <a:pPr marL="285750" indent="-285750">
+              <a:buFont typeface="Arial"/>
+              <a:buChar char="•"/>
+            </a:pPr>
+            <a:r>
+              <a:rPr lang="en-US" sz="900" dirty="0" smtClean="0"/>
+              <a:t>Use a</a:t>
             </a:r>
             <a:r>
               <a:rPr lang="en-US" sz="900" baseline="0" dirty="0" smtClean="0"/>
-              <a:t> the tests</a:t>
+              <a:t> feature gate</a:t>
             </a:r>
           </a:p>
           <a:p>
@@ -9300,7 +9326,7 @@
             </a:pPr>
             <a:r>
               <a:rPr lang="en-US" sz="900" baseline="0" dirty="0" smtClean="0"/>
-              <a:t>Both old and new should be under test</a:t>
+              <a:t>What is a feature gate, no long branches</a:t>
             </a:r>
           </a:p>
           <a:p>
@@ -9317,7 +9343,7 @@
             </a:pPr>
             <a:r>
               <a:rPr lang="en-US" sz="900" baseline="0" dirty="0" smtClean="0"/>
-              <a:t>Over the last two years we’ve gotten to 70% coverage – 5781 tests</a:t>
+              <a:t>3 projects did work along side us</a:t>
             </a:r>
           </a:p>
           <a:p>
@@ -9334,7 +9360,7 @@
             </a:pPr>
             <a:r>
               <a:rPr lang="en-US" sz="900" baseline="0" dirty="0" smtClean="0"/>
-              <a:t>Tests give you trust</a:t>
+              <a:t>1 month till first merge to master and then every few days</a:t>
             </a:r>
             <a:endParaRPr lang="en-US" sz="900" dirty="0" smtClean="0"/>
           </a:p>
@@ -9388,7 +9414,7 @@
             <a:fld id="{81331B57-0BE5-4F82-AA58-76F53EFF3ADA}" type="datetime8">
               <a:rPr lang="en-US" smtClean="0"/>
               <a:pPr/>
-              <a:t>09/05/2014 10:39</a:t>
+              <a:t>09/05/2014 22:47</a:t>
             </a:fld>
             <a:endParaRPr lang="en-US"/>
           </a:p>
@@ -13028,38 +13054,9 @@
           <a:chExt cx="0" cy="0"/>
         </a:xfrm>
       </p:grpSpPr>
-      <p:pic>
-        <p:nvPicPr>
-          <p:cNvPr id="3" name="Picture 2" descr="Code_coverage_report_for_feeds_lib_ui_threads_future_thread_list_js.png"/>
-          <p:cNvPicPr>
-            <a:picLocks noChangeAspect="1"/>
-          </p:cNvPicPr>
-          <p:nvPr/>
-        </p:nvPicPr>
-        <p:blipFill rotWithShape="1">
-          <a:blip r:embed="rId3">
-            <a:extLst>
-              <a:ext uri="{28A0092B-C50C-407E-A947-70E740481C1C}">
-                <a14:useLocalDpi xmlns:a14="http://schemas.microsoft.com/office/drawing/2010/main" val="0"/>
-              </a:ext>
-            </a:extLst>
-          </a:blip>
-          <a:srcRect t="1343" r="50220" b="19022"/>
-          <a:stretch/>
-        </p:blipFill>
-        <p:spPr>
-          <a:xfrm>
-            <a:off x="5721315" y="872301"/>
-            <a:ext cx="5965590" cy="5323597"/>
-          </a:xfrm>
-          <a:prstGeom prst="rect">
-            <a:avLst/>
-          </a:prstGeom>
-        </p:spPr>
-      </p:pic>
       <p:sp>
         <p:nvSpPr>
-          <p:cNvPr id="4" name="Rectangle 3"/>
+          <p:cNvPr id="6" name="Rectangle 3"/>
           <p:cNvSpPr txBox="1">
             <a:spLocks noChangeArrowheads="1"/>
           </p:cNvSpPr>
@@ -13067,7 +13064,7 @@
         </p:nvSpPr>
         <p:spPr>
           <a:xfrm>
-            <a:off x="512763" y="4041437"/>
+            <a:off x="512763" y="975545"/>
             <a:ext cx="11694722" cy="846386"/>
           </a:xfrm>
           <a:prstGeom prst="rect">
@@ -13089,7 +13086,7 @@
               </a:spcBef>
               <a:buFontTx/>
               <a:buBlip>
-                <a:blip r:embed="rId4"/>
+                <a:blip r:embed="rId3"/>
               </a:buBlip>
               <a:defRPr sz="3200" kern="1200">
                 <a:gradFill>
@@ -13117,7 +13114,7 @@
               </a:spcBef>
               <a:buFontTx/>
               <a:buBlip>
-                <a:blip r:embed="rId5"/>
+                <a:blip r:embed="rId4"/>
               </a:buBlip>
               <a:defRPr sz="2800" kern="1200">
                 <a:gradFill>
@@ -13145,7 +13142,7 @@
               </a:spcBef>
               <a:buFontTx/>
               <a:buBlip>
-                <a:blip r:embed="rId5"/>
+                <a:blip r:embed="rId4"/>
               </a:buBlip>
               <a:defRPr sz="2400" kern="1200">
                 <a:gradFill>
@@ -13173,7 +13170,7 @@
               </a:spcBef>
               <a:buFontTx/>
               <a:buBlip>
-                <a:blip r:embed="rId5"/>
+                <a:blip r:embed="rId4"/>
               </a:buBlip>
               <a:defRPr sz="2000" kern="1200">
                 <a:gradFill>
@@ -13201,7 +13198,7 @@
               </a:spcBef>
               <a:buFontTx/>
               <a:buBlip>
-                <a:blip r:embed="rId5"/>
+                <a:blip r:embed="rId4"/>
               </a:buBlip>
               <a:defRPr sz="2000" kern="1200">
                 <a:gradFill>
@@ -13289,7 +13286,7 @@
               <a:buNone/>
             </a:pPr>
             <a:r>
-              <a:rPr lang="en-US" sz="6000" spc="-100" dirty="0" err="1" smtClean="0">
+              <a:rPr lang="en-US" sz="6000" spc="-100" dirty="0" smtClean="0">
                 <a:ln w="3175">
                   <a:noFill/>
                 </a:ln>
@@ -13307,7 +13304,7 @@
                 <a:latin typeface="+mj-lt"/>
                 <a:cs typeface="Arial" charset="0"/>
               </a:rPr>
-              <a:t>Instanbul</a:t>
+              <a:t>Fork the tests</a:t>
             </a:r>
             <a:endParaRPr lang="en-US" sz="6000" spc="-100" dirty="0">
               <a:ln w="3175">
@@ -13332,7 +13329,133 @@
       </p:sp>
       <p:sp>
         <p:nvSpPr>
-          <p:cNvPr id="5" name="TextBox 4"/>
+          <p:cNvPr id="3" name="TextBox 2"/>
+          <p:cNvSpPr txBox="1"/>
+          <p:nvPr/>
+        </p:nvSpPr>
+        <p:spPr>
+          <a:xfrm>
+            <a:off x="602947" y="2655385"/>
+            <a:ext cx="5435432" cy="615553"/>
+          </a:xfrm>
+          <a:prstGeom prst="rect">
+            <a:avLst/>
+          </a:prstGeom>
+          <a:noFill/>
+        </p:spPr>
+        <p:txBody>
+          <a:bodyPr wrap="none" lIns="0" tIns="0" rIns="0" bIns="0" rtlCol="0">
+            <a:spAutoFit/>
+          </a:bodyPr>
+          <a:lstStyle/>
+          <a:p>
+            <a:r>
+              <a:rPr lang="en-US" sz="4000" dirty="0" smtClean="0">
+                <a:gradFill>
+                  <a:gsLst>
+                    <a:gs pos="0">
+                      <a:schemeClr val="tx1"/>
+                    </a:gs>
+                    <a:gs pos="86000">
+                      <a:schemeClr val="tx1"/>
+                    </a:gs>
+                  </a:gsLst>
+                  <a:lin ang="5400000" scaled="0"/>
+                </a:gradFill>
+                <a:latin typeface="Segoe UI Light" pitchFamily="34" charset="0"/>
+              </a:rPr>
+              <a:t>Tests give you confidence</a:t>
+            </a:r>
+          </a:p>
+        </p:txBody>
+      </p:sp>
+      <p:sp>
+        <p:nvSpPr>
+          <p:cNvPr id="7" name="TextBox 6"/>
+          <p:cNvSpPr txBox="1"/>
+          <p:nvPr/>
+        </p:nvSpPr>
+        <p:spPr>
+          <a:xfrm>
+            <a:off x="602947" y="3546927"/>
+            <a:ext cx="8436805" cy="615553"/>
+          </a:xfrm>
+          <a:prstGeom prst="rect">
+            <a:avLst/>
+          </a:prstGeom>
+          <a:noFill/>
+        </p:spPr>
+        <p:txBody>
+          <a:bodyPr wrap="none" lIns="0" tIns="0" rIns="0" bIns="0" rtlCol="0">
+            <a:spAutoFit/>
+          </a:bodyPr>
+          <a:lstStyle/>
+          <a:p>
+            <a:r>
+              <a:rPr lang="en-US" sz="4000" dirty="0" smtClean="0">
+                <a:gradFill>
+                  <a:gsLst>
+                    <a:gs pos="0">
+                      <a:schemeClr val="tx1"/>
+                    </a:gs>
+                    <a:gs pos="86000">
+                      <a:schemeClr val="tx1"/>
+                    </a:gs>
+                  </a:gsLst>
+                  <a:lin ang="5400000" scaled="0"/>
+                </a:gradFill>
+                <a:latin typeface="Segoe UI Light" pitchFamily="34" charset="0"/>
+              </a:rPr>
+              <a:t>Spent the last year getting coverage up</a:t>
+            </a:r>
+          </a:p>
+        </p:txBody>
+      </p:sp>
+      <p:sp>
+        <p:nvSpPr>
+          <p:cNvPr id="8" name="TextBox 7"/>
+          <p:cNvSpPr txBox="1"/>
+          <p:nvPr/>
+        </p:nvSpPr>
+        <p:spPr>
+          <a:xfrm>
+            <a:off x="602947" y="4438468"/>
+            <a:ext cx="6556032" cy="615553"/>
+          </a:xfrm>
+          <a:prstGeom prst="rect">
+            <a:avLst/>
+          </a:prstGeom>
+          <a:noFill/>
+        </p:spPr>
+        <p:txBody>
+          <a:bodyPr wrap="none" lIns="0" tIns="0" rIns="0" bIns="0" rtlCol="0">
+            <a:spAutoFit/>
+          </a:bodyPr>
+          <a:lstStyle/>
+          <a:p>
+            <a:r>
+              <a:rPr lang="en-US" sz="4000" dirty="0" smtClean="0">
+                <a:gradFill>
+                  <a:gsLst>
+                    <a:gs pos="0">
+                      <a:schemeClr val="tx1"/>
+                    </a:gs>
+                    <a:gs pos="86000">
+                      <a:schemeClr val="tx1"/>
+                    </a:gs>
+                  </a:gsLst>
+                  <a:lin ang="5400000" scaled="0"/>
+                </a:gradFill>
+                <a:latin typeface="Segoe UI Light" pitchFamily="34" charset="0"/>
+              </a:rPr>
+              <a:t>You can’t refactor without tests</a:t>
+            </a:r>
+          </a:p>
+        </p:txBody>
+      </p:sp>
+      <p:sp>
+        <p:nvSpPr>
+          <p:cNvPr id="9" name="TextBox 8"/>
           <p:cNvSpPr txBox="1"/>
           <p:nvPr/>
         </p:nvSpPr>
@@ -13403,136 +13526,10 @@
           </a:p>
         </p:txBody>
       </p:sp>
-      <p:sp>
-        <p:nvSpPr>
-          <p:cNvPr id="6" name="TextBox 5"/>
-          <p:cNvSpPr txBox="1"/>
-          <p:nvPr/>
-        </p:nvSpPr>
-        <p:spPr>
-          <a:xfrm>
-            <a:off x="525977" y="4913116"/>
-            <a:ext cx="4578176" cy="738664"/>
-          </a:xfrm>
-          <a:prstGeom prst="rect">
-            <a:avLst/>
-          </a:prstGeom>
-          <a:noFill/>
-        </p:spPr>
-        <p:txBody>
-          <a:bodyPr wrap="none" lIns="0" tIns="0" rIns="0" bIns="0" rtlCol="0">
-            <a:spAutoFit/>
-          </a:bodyPr>
-          <a:lstStyle/>
-          <a:p>
-            <a:r>
-              <a:rPr lang="en-US" sz="2400" dirty="0">
-                <a:gradFill>
-                  <a:gsLst>
-                    <a:gs pos="0">
-                      <a:schemeClr val="tx1"/>
-                    </a:gs>
-                    <a:gs pos="86000">
-                      <a:schemeClr val="tx1"/>
-                    </a:gs>
-                  </a:gsLst>
-                  <a:lin ang="5400000" scaled="0"/>
-                </a:gradFill>
-                <a:latin typeface="Segoe UI Light" pitchFamily="34" charset="0"/>
-              </a:rPr>
-              <a:t>http://</a:t>
-            </a:r>
-            <a:r>
-              <a:rPr lang="en-US" sz="2400" dirty="0" err="1">
-                <a:gradFill>
-                  <a:gsLst>
-                    <a:gs pos="0">
-                      <a:schemeClr val="tx1"/>
-                    </a:gs>
-                    <a:gs pos="86000">
-                      <a:schemeClr val="tx1"/>
-                    </a:gs>
-                  </a:gsLst>
-                  <a:lin ang="5400000" scaled="0"/>
-                </a:gradFill>
-                <a:latin typeface="Segoe UI Light" pitchFamily="34" charset="0"/>
-              </a:rPr>
-              <a:t>gotwarlost.github.io</a:t>
-            </a:r>
-            <a:r>
-              <a:rPr lang="en-US" sz="2400" dirty="0">
-                <a:gradFill>
-                  <a:gsLst>
-                    <a:gs pos="0">
-                      <a:schemeClr val="tx1"/>
-                    </a:gs>
-                    <a:gs pos="86000">
-                      <a:schemeClr val="tx1"/>
-                    </a:gs>
-                  </a:gsLst>
-                  <a:lin ang="5400000" scaled="0"/>
-                </a:gradFill>
-                <a:latin typeface="Segoe UI Light" pitchFamily="34" charset="0"/>
-              </a:rPr>
-              <a:t>/</a:t>
-            </a:r>
-            <a:r>
-              <a:rPr lang="en-US" sz="2400" dirty="0" err="1">
-                <a:gradFill>
-                  <a:gsLst>
-                    <a:gs pos="0">
-                      <a:schemeClr val="tx1"/>
-                    </a:gs>
-                    <a:gs pos="86000">
-                      <a:schemeClr val="tx1"/>
-                    </a:gs>
-                  </a:gsLst>
-                  <a:lin ang="5400000" scaled="0"/>
-                </a:gradFill>
-                <a:latin typeface="Segoe UI Light" pitchFamily="34" charset="0"/>
-              </a:rPr>
-              <a:t>istanbul</a:t>
-            </a:r>
-            <a:r>
-              <a:rPr lang="en-US" sz="2400" dirty="0">
-                <a:gradFill>
-                  <a:gsLst>
-                    <a:gs pos="0">
-                      <a:schemeClr val="tx1"/>
-                    </a:gs>
-                    <a:gs pos="86000">
-                      <a:schemeClr val="tx1"/>
-                    </a:gs>
-                  </a:gsLst>
-                  <a:lin ang="5400000" scaled="0"/>
-                </a:gradFill>
-                <a:latin typeface="Segoe UI Light" pitchFamily="34" charset="0"/>
-              </a:rPr>
-              <a:t>/</a:t>
-            </a:r>
-          </a:p>
-          <a:p>
-            <a:endParaRPr lang="en-US" sz="2400" dirty="0" err="1" smtClean="0">
-              <a:gradFill>
-                <a:gsLst>
-                  <a:gs pos="0">
-                    <a:schemeClr val="tx1"/>
-                  </a:gs>
-                  <a:gs pos="86000">
-                    <a:schemeClr val="tx1"/>
-                  </a:gs>
-                </a:gsLst>
-                <a:lin ang="5400000" scaled="0"/>
-              </a:gradFill>
-              <a:latin typeface="Segoe UI Light" pitchFamily="34" charset="0"/>
-            </a:endParaRPr>
-          </a:p>
-        </p:txBody>
-      </p:sp>
     </p:spTree>
     <p:extLst>
       <p:ext uri="{BB962C8B-B14F-4D97-AF65-F5344CB8AC3E}">
-        <p14:creationId xmlns:p14="http://schemas.microsoft.com/office/powerpoint/2010/main" val="2012525684"/>
+        <p14:creationId xmlns:p14="http://schemas.microsoft.com/office/powerpoint/2010/main" val="2119081702"/>
       </p:ext>
     </p:extLst>
   </p:cSld>
@@ -13574,9 +13571,38 @@
           <a:chExt cx="0" cy="0"/>
         </a:xfrm>
       </p:grpSpPr>
+      <p:pic>
+        <p:nvPicPr>
+          <p:cNvPr id="3" name="Picture 2" descr="Code_coverage_report_for_feeds_lib_ui_threads_future_thread_list_js.png"/>
+          <p:cNvPicPr>
+            <a:picLocks noChangeAspect="1"/>
+          </p:cNvPicPr>
+          <p:nvPr/>
+        </p:nvPicPr>
+        <p:blipFill rotWithShape="1">
+          <a:blip r:embed="rId3">
+            <a:extLst>
+              <a:ext uri="{28A0092B-C50C-407E-A947-70E740481C1C}">
+                <a14:useLocalDpi xmlns:a14="http://schemas.microsoft.com/office/drawing/2010/main" val="0"/>
+              </a:ext>
+            </a:extLst>
+          </a:blip>
+          <a:srcRect t="1343" r="50220" b="19022"/>
+          <a:stretch/>
+        </p:blipFill>
+        <p:spPr>
+          <a:xfrm>
+            <a:off x="5721315" y="872301"/>
+            <a:ext cx="5965590" cy="5323597"/>
+          </a:xfrm>
+          <a:prstGeom prst="rect">
+            <a:avLst/>
+          </a:prstGeom>
+        </p:spPr>
+      </p:pic>
       <p:sp>
         <p:nvSpPr>
-          <p:cNvPr id="6" name="Rectangle 3"/>
+          <p:cNvPr id="4" name="Rectangle 3"/>
           <p:cNvSpPr txBox="1">
             <a:spLocks noChangeArrowheads="1"/>
           </p:cNvSpPr>
@@ -13584,7 +13610,7 @@
         </p:nvSpPr>
         <p:spPr>
           <a:xfrm>
-            <a:off x="512763" y="975545"/>
+            <a:off x="512763" y="4041437"/>
             <a:ext cx="11694722" cy="846386"/>
           </a:xfrm>
           <a:prstGeom prst="rect">
@@ -13606,7 +13632,7 @@
               </a:spcBef>
               <a:buFontTx/>
               <a:buBlip>
-                <a:blip r:embed="rId3"/>
+                <a:blip r:embed="rId4"/>
               </a:buBlip>
               <a:defRPr sz="3200" kern="1200">
                 <a:gradFill>
@@ -13634,7 +13660,7 @@
               </a:spcBef>
               <a:buFontTx/>
               <a:buBlip>
-                <a:blip r:embed="rId4"/>
+                <a:blip r:embed="rId5"/>
               </a:buBlip>
               <a:defRPr sz="2800" kern="1200">
                 <a:gradFill>
@@ -13662,7 +13688,7 @@
               </a:spcBef>
               <a:buFontTx/>
               <a:buBlip>
-                <a:blip r:embed="rId4"/>
+                <a:blip r:embed="rId5"/>
               </a:buBlip>
               <a:defRPr sz="2400" kern="1200">
                 <a:gradFill>
@@ -13690,7 +13716,7 @@
               </a:spcBef>
               <a:buFontTx/>
               <a:buBlip>
-                <a:blip r:embed="rId4"/>
+                <a:blip r:embed="rId5"/>
               </a:buBlip>
               <a:defRPr sz="2000" kern="1200">
                 <a:gradFill>
@@ -13718,7 +13744,7 @@
               </a:spcBef>
               <a:buFontTx/>
               <a:buBlip>
-                <a:blip r:embed="rId4"/>
+                <a:blip r:embed="rId5"/>
               </a:buBlip>
               <a:defRPr sz="2000" kern="1200">
                 <a:gradFill>
@@ -13806,7 +13832,7 @@
               <a:buNone/>
             </a:pPr>
             <a:r>
-              <a:rPr lang="en-US" sz="6000" spc="-100" dirty="0" smtClean="0">
+              <a:rPr lang="en-US" sz="6000" spc="-100" dirty="0" err="1" smtClean="0">
                 <a:ln w="3175">
                   <a:noFill/>
                 </a:ln>
@@ -13824,7 +13850,7 @@
                 <a:latin typeface="+mj-lt"/>
                 <a:cs typeface="Arial" charset="0"/>
               </a:rPr>
-              <a:t>Think about the API</a:t>
+              <a:t>Instanbul</a:t>
             </a:r>
             <a:endParaRPr lang="en-US" sz="6000" spc="-100" dirty="0">
               <a:ln w="3175">
@@ -13849,133 +13875,7 @@
       </p:sp>
       <p:sp>
         <p:nvSpPr>
-          <p:cNvPr id="3" name="TextBox 2"/>
-          <p:cNvSpPr txBox="1"/>
-          <p:nvPr/>
-        </p:nvSpPr>
-        <p:spPr>
-          <a:xfrm>
-            <a:off x="602947" y="2655385"/>
-            <a:ext cx="7822654" cy="615553"/>
-          </a:xfrm>
-          <a:prstGeom prst="rect">
-            <a:avLst/>
-          </a:prstGeom>
-          <a:noFill/>
-        </p:spPr>
-        <p:txBody>
-          <a:bodyPr wrap="none" lIns="0" tIns="0" rIns="0" bIns="0" rtlCol="0">
-            <a:spAutoFit/>
-          </a:bodyPr>
-          <a:lstStyle/>
-          <a:p>
-            <a:r>
-              <a:rPr lang="en-US" sz="4000" dirty="0" smtClean="0">
-                <a:gradFill>
-                  <a:gsLst>
-                    <a:gs pos="0">
-                      <a:schemeClr val="tx1"/>
-                    </a:gs>
-                    <a:gs pos="86000">
-                      <a:schemeClr val="tx1"/>
-                    </a:gs>
-                  </a:gsLst>
-                  <a:lin ang="5400000" scaled="0"/>
-                </a:gradFill>
-                <a:latin typeface="Segoe UI Light" pitchFamily="34" charset="0"/>
-              </a:rPr>
-              <a:t>How will others use this component?</a:t>
-            </a:r>
-          </a:p>
-        </p:txBody>
-      </p:sp>
-      <p:sp>
-        <p:nvSpPr>
-          <p:cNvPr id="7" name="TextBox 6"/>
-          <p:cNvSpPr txBox="1"/>
-          <p:nvPr/>
-        </p:nvSpPr>
-        <p:spPr>
-          <a:xfrm>
-            <a:off x="602947" y="3546927"/>
-            <a:ext cx="6307316" cy="615553"/>
-          </a:xfrm>
-          <a:prstGeom prst="rect">
-            <a:avLst/>
-          </a:prstGeom>
-          <a:noFill/>
-        </p:spPr>
-        <p:txBody>
-          <a:bodyPr wrap="none" lIns="0" tIns="0" rIns="0" bIns="0" rtlCol="0">
-            <a:spAutoFit/>
-          </a:bodyPr>
-          <a:lstStyle/>
-          <a:p>
-            <a:r>
-              <a:rPr lang="en-US" sz="4000" dirty="0">
-                <a:gradFill>
-                  <a:gsLst>
-                    <a:gs pos="0">
-                      <a:schemeClr val="tx1"/>
-                    </a:gs>
-                    <a:gs pos="86000">
-                      <a:schemeClr val="tx1"/>
-                    </a:gs>
-                  </a:gsLst>
-                  <a:lin ang="5400000" scaled="0"/>
-                </a:gradFill>
-                <a:latin typeface="Segoe UI Light" pitchFamily="34" charset="0"/>
-              </a:rPr>
-              <a:t>Hack up different approaches</a:t>
-            </a:r>
-          </a:p>
-        </p:txBody>
-      </p:sp>
-      <p:sp>
-        <p:nvSpPr>
-          <p:cNvPr id="8" name="TextBox 7"/>
-          <p:cNvSpPr txBox="1"/>
-          <p:nvPr/>
-        </p:nvSpPr>
-        <p:spPr>
-          <a:xfrm>
-            <a:off x="602947" y="4438468"/>
-            <a:ext cx="8286523" cy="615553"/>
-          </a:xfrm>
-          <a:prstGeom prst="rect">
-            <a:avLst/>
-          </a:prstGeom>
-          <a:noFill/>
-        </p:spPr>
-        <p:txBody>
-          <a:bodyPr wrap="none" lIns="0" tIns="0" rIns="0" bIns="0" rtlCol="0">
-            <a:spAutoFit/>
-          </a:bodyPr>
-          <a:lstStyle/>
-          <a:p>
-            <a:r>
-              <a:rPr lang="en-US" sz="4000" dirty="0" smtClean="0">
-                <a:gradFill>
-                  <a:gsLst>
-                    <a:gs pos="0">
-                      <a:schemeClr val="tx1"/>
-                    </a:gs>
-                    <a:gs pos="86000">
-                      <a:schemeClr val="tx1"/>
-                    </a:gs>
-                  </a:gsLst>
-                  <a:lin ang="5400000" scaled="0"/>
-                </a:gradFill>
-                <a:latin typeface="Segoe UI Light" pitchFamily="34" charset="0"/>
-              </a:rPr>
-              <a:t>Be explicit – don’t repeat past mistakes</a:t>
-            </a:r>
-          </a:p>
-        </p:txBody>
-      </p:sp>
-      <p:sp>
-        <p:nvSpPr>
-          <p:cNvPr id="9" name="TextBox 8"/>
+          <p:cNvPr id="5" name="TextBox 4"/>
           <p:cNvSpPr txBox="1"/>
           <p:nvPr/>
         </p:nvSpPr>
@@ -14046,10 +13946,136 @@
           </a:p>
         </p:txBody>
       </p:sp>
+      <p:sp>
+        <p:nvSpPr>
+          <p:cNvPr id="6" name="TextBox 5"/>
+          <p:cNvSpPr txBox="1"/>
+          <p:nvPr/>
+        </p:nvSpPr>
+        <p:spPr>
+          <a:xfrm>
+            <a:off x="525977" y="4913116"/>
+            <a:ext cx="4578176" cy="738664"/>
+          </a:xfrm>
+          <a:prstGeom prst="rect">
+            <a:avLst/>
+          </a:prstGeom>
+          <a:noFill/>
+        </p:spPr>
+        <p:txBody>
+          <a:bodyPr wrap="none" lIns="0" tIns="0" rIns="0" bIns="0" rtlCol="0">
+            <a:spAutoFit/>
+          </a:bodyPr>
+          <a:lstStyle/>
+          <a:p>
+            <a:r>
+              <a:rPr lang="en-US" sz="2400" dirty="0">
+                <a:gradFill>
+                  <a:gsLst>
+                    <a:gs pos="0">
+                      <a:schemeClr val="tx1"/>
+                    </a:gs>
+                    <a:gs pos="86000">
+                      <a:schemeClr val="tx1"/>
+                    </a:gs>
+                  </a:gsLst>
+                  <a:lin ang="5400000" scaled="0"/>
+                </a:gradFill>
+                <a:latin typeface="Segoe UI Light" pitchFamily="34" charset="0"/>
+              </a:rPr>
+              <a:t>http://</a:t>
+            </a:r>
+            <a:r>
+              <a:rPr lang="en-US" sz="2400" dirty="0" err="1">
+                <a:gradFill>
+                  <a:gsLst>
+                    <a:gs pos="0">
+                      <a:schemeClr val="tx1"/>
+                    </a:gs>
+                    <a:gs pos="86000">
+                      <a:schemeClr val="tx1"/>
+                    </a:gs>
+                  </a:gsLst>
+                  <a:lin ang="5400000" scaled="0"/>
+                </a:gradFill>
+                <a:latin typeface="Segoe UI Light" pitchFamily="34" charset="0"/>
+              </a:rPr>
+              <a:t>gotwarlost.github.io</a:t>
+            </a:r>
+            <a:r>
+              <a:rPr lang="en-US" sz="2400" dirty="0">
+                <a:gradFill>
+                  <a:gsLst>
+                    <a:gs pos="0">
+                      <a:schemeClr val="tx1"/>
+                    </a:gs>
+                    <a:gs pos="86000">
+                      <a:schemeClr val="tx1"/>
+                    </a:gs>
+                  </a:gsLst>
+                  <a:lin ang="5400000" scaled="0"/>
+                </a:gradFill>
+                <a:latin typeface="Segoe UI Light" pitchFamily="34" charset="0"/>
+              </a:rPr>
+              <a:t>/</a:t>
+            </a:r>
+            <a:r>
+              <a:rPr lang="en-US" sz="2400" dirty="0" err="1">
+                <a:gradFill>
+                  <a:gsLst>
+                    <a:gs pos="0">
+                      <a:schemeClr val="tx1"/>
+                    </a:gs>
+                    <a:gs pos="86000">
+                      <a:schemeClr val="tx1"/>
+                    </a:gs>
+                  </a:gsLst>
+                  <a:lin ang="5400000" scaled="0"/>
+                </a:gradFill>
+                <a:latin typeface="Segoe UI Light" pitchFamily="34" charset="0"/>
+              </a:rPr>
+              <a:t>istanbul</a:t>
+            </a:r>
+            <a:r>
+              <a:rPr lang="en-US" sz="2400" dirty="0">
+                <a:gradFill>
+                  <a:gsLst>
+                    <a:gs pos="0">
+                      <a:schemeClr val="tx1"/>
+                    </a:gs>
+                    <a:gs pos="86000">
+                      <a:schemeClr val="tx1"/>
+                    </a:gs>
+                  </a:gsLst>
+                  <a:lin ang="5400000" scaled="0"/>
+                </a:gradFill>
+                <a:latin typeface="Segoe UI Light" pitchFamily="34" charset="0"/>
+              </a:rPr>
+              <a:t>/</a:t>
+            </a:r>
+          </a:p>
+          <a:p>
+            <a:endParaRPr lang="en-US" sz="2400" dirty="0" err="1" smtClean="0">
+              <a:gradFill>
+                <a:gsLst>
+                  <a:gs pos="0">
+                    <a:schemeClr val="tx1"/>
+                  </a:gs>
+                  <a:gs pos="86000">
+                    <a:schemeClr val="tx1"/>
+                  </a:gs>
+                </a:gsLst>
+                <a:lin ang="5400000" scaled="0"/>
+              </a:gradFill>
+              <a:latin typeface="Segoe UI Light" pitchFamily="34" charset="0"/>
+            </a:endParaRPr>
+          </a:p>
+        </p:txBody>
+      </p:sp>
     </p:spTree>
     <p:extLst>
       <p:ext uri="{BB962C8B-B14F-4D97-AF65-F5344CB8AC3E}">
-        <p14:creationId xmlns:p14="http://schemas.microsoft.com/office/powerpoint/2010/main" val="261083962"/>
+        <p14:creationId xmlns:p14="http://schemas.microsoft.com/office/powerpoint/2010/main" val="2012525684"/>
       </p:ext>
     </p:extLst>
   </p:cSld>
@@ -14091,111 +14117,9 @@
           <a:chExt cx="0" cy="0"/>
         </a:xfrm>
       </p:grpSpPr>
-      <p:pic>
-        <p:nvPicPr>
-          <p:cNvPr id="2" name="Picture 1" descr="plato_screenshot.png"/>
-          <p:cNvPicPr>
-            <a:picLocks noChangeAspect="1"/>
-          </p:cNvPicPr>
-          <p:nvPr/>
-        </p:nvPicPr>
-        <p:blipFill rotWithShape="1">
-          <a:blip r:embed="rId3">
-            <a:extLst>
-              <a:ext uri="{28A0092B-C50C-407E-A947-70E740481C1C}">
-                <a14:useLocalDpi xmlns:a14="http://schemas.microsoft.com/office/drawing/2010/main" val="0"/>
-              </a:ext>
-            </a:extLst>
-          </a:blip>
-          <a:srcRect l="1925" t="21876" r="50270"/>
-          <a:stretch/>
-        </p:blipFill>
-        <p:spPr>
-          <a:xfrm>
-            <a:off x="6003810" y="1090375"/>
-            <a:ext cx="5734408" cy="5222577"/>
-          </a:xfrm>
-          <a:prstGeom prst="rect">
-            <a:avLst/>
-          </a:prstGeom>
-        </p:spPr>
-      </p:pic>
       <p:sp>
         <p:nvSpPr>
-          <p:cNvPr id="3" name="TextBox 2"/>
-          <p:cNvSpPr txBox="1"/>
-          <p:nvPr/>
-        </p:nvSpPr>
-        <p:spPr>
-          <a:xfrm>
-            <a:off x="10455353" y="218075"/>
-            <a:ext cx="1574074" cy="307777"/>
-          </a:xfrm>
-          <a:prstGeom prst="rect">
-            <a:avLst/>
-          </a:prstGeom>
-          <a:noFill/>
-        </p:spPr>
-        <p:txBody>
-          <a:bodyPr wrap="none" lIns="0" tIns="0" rIns="0" bIns="0" rtlCol="0">
-            <a:spAutoFit/>
-          </a:bodyPr>
-          <a:lstStyle/>
-          <a:p>
-            <a:r>
-              <a:rPr lang="en-US" sz="2000" dirty="0" smtClean="0">
-                <a:gradFill>
-                  <a:gsLst>
-                    <a:gs pos="0">
-                      <a:schemeClr val="tx1"/>
-                    </a:gs>
-                    <a:gs pos="86000">
-                      <a:schemeClr val="tx1"/>
-                    </a:gs>
-                  </a:gsLst>
-                  <a:lin ang="5400000" scaled="0"/>
-                </a:gradFill>
-                <a:latin typeface="Segoe UI Light" pitchFamily="34" charset="0"/>
-              </a:rPr>
-              <a:t>#</a:t>
-            </a:r>
-            <a:r>
-              <a:rPr lang="en-US" sz="2000" dirty="0" err="1" smtClean="0">
-                <a:gradFill>
-                  <a:gsLst>
-                    <a:gs pos="0">
-                      <a:schemeClr val="tx1"/>
-                    </a:gs>
-                    <a:gs pos="86000">
-                      <a:schemeClr val="tx1"/>
-                    </a:gs>
-                  </a:gsLst>
-                  <a:lin ang="5400000" scaled="0"/>
-                </a:gradFill>
-                <a:latin typeface="Segoe UI Light" pitchFamily="34" charset="0"/>
-              </a:rPr>
-              <a:t>sjsSugendran</a:t>
-            </a:r>
-            <a:endParaRPr lang="en-US" sz="2000" dirty="0" smtClean="0">
-              <a:gradFill>
-                <a:gsLst>
-                  <a:gs pos="0">
-                    <a:schemeClr val="tx1"/>
-                  </a:gs>
-                  <a:gs pos="86000">
-                    <a:schemeClr val="tx1"/>
-                  </a:gs>
-                </a:gsLst>
-                <a:lin ang="5400000" scaled="0"/>
-              </a:gradFill>
-              <a:latin typeface="Segoe UI Light" pitchFamily="34" charset="0"/>
-            </a:endParaRPr>
-          </a:p>
-        </p:txBody>
-      </p:sp>
-      <p:sp>
-        <p:nvSpPr>
-          <p:cNvPr id="4" name="Rectangle 3"/>
+          <p:cNvPr id="6" name="Rectangle 3"/>
           <p:cNvSpPr txBox="1">
             <a:spLocks noChangeArrowheads="1"/>
           </p:cNvSpPr>
@@ -14203,7 +14127,7 @@
         </p:nvSpPr>
         <p:spPr>
           <a:xfrm>
-            <a:off x="512763" y="4041437"/>
+            <a:off x="512763" y="975545"/>
             <a:ext cx="11694722" cy="846386"/>
           </a:xfrm>
           <a:prstGeom prst="rect">
@@ -14225,7 +14149,7 @@
               </a:spcBef>
               <a:buFontTx/>
               <a:buBlip>
-                <a:blip r:embed="rId4"/>
+                <a:blip r:embed="rId3"/>
               </a:buBlip>
               <a:defRPr sz="3200" kern="1200">
                 <a:gradFill>
@@ -14253,7 +14177,7 @@
               </a:spcBef>
               <a:buFontTx/>
               <a:buBlip>
-                <a:blip r:embed="rId5"/>
+                <a:blip r:embed="rId4"/>
               </a:buBlip>
               <a:defRPr sz="2800" kern="1200">
                 <a:gradFill>
@@ -14281,7 +14205,7 @@
               </a:spcBef>
               <a:buFontTx/>
               <a:buBlip>
-                <a:blip r:embed="rId5"/>
+                <a:blip r:embed="rId4"/>
               </a:buBlip>
               <a:defRPr sz="2400" kern="1200">
                 <a:gradFill>
@@ -14309,7 +14233,7 @@
               </a:spcBef>
               <a:buFontTx/>
               <a:buBlip>
-                <a:blip r:embed="rId5"/>
+                <a:blip r:embed="rId4"/>
               </a:buBlip>
               <a:defRPr sz="2000" kern="1200">
                 <a:gradFill>
@@ -14337,7 +14261,7 @@
               </a:spcBef>
               <a:buFontTx/>
               <a:buBlip>
-                <a:blip r:embed="rId5"/>
+                <a:blip r:embed="rId4"/>
               </a:buBlip>
               <a:defRPr sz="2000" kern="1200">
                 <a:gradFill>
@@ -14443,7 +14367,7 @@
                 <a:latin typeface="+mj-lt"/>
                 <a:cs typeface="Arial" charset="0"/>
               </a:rPr>
-              <a:t>Plato</a:t>
+              <a:t>Think about the API</a:t>
             </a:r>
             <a:endParaRPr lang="en-US" sz="6000" spc="-100" dirty="0">
               <a:ln w="3175">
@@ -14468,14 +14392,14 @@
       </p:sp>
       <p:sp>
         <p:nvSpPr>
-          <p:cNvPr id="5" name="TextBox 4"/>
+          <p:cNvPr id="3" name="TextBox 2"/>
           <p:cNvSpPr txBox="1"/>
           <p:nvPr/>
         </p:nvSpPr>
         <p:spPr>
           <a:xfrm>
-            <a:off x="525977" y="4913116"/>
-            <a:ext cx="2156690" cy="738664"/>
+            <a:off x="602947" y="2655385"/>
+            <a:ext cx="7822654" cy="615553"/>
           </a:xfrm>
           <a:prstGeom prst="rect">
             <a:avLst/>
@@ -14489,7 +14413,7 @@
           <a:lstStyle/>
           <a:p>
             <a:r>
-              <a:rPr lang="en-US" sz="2400" dirty="0">
+              <a:rPr lang="en-US" sz="4000" dirty="0" smtClean="0">
                 <a:gradFill>
                   <a:gsLst>
                     <a:gs pos="0">
@@ -14503,10 +14427,35 @@
                 </a:gradFill>
                 <a:latin typeface="Segoe UI Light" pitchFamily="34" charset="0"/>
               </a:rPr>
-              <a:t>http://</a:t>
-            </a:r>
-            <a:r>
-              <a:rPr lang="en-US" sz="2400" dirty="0" err="1">
+              <a:t>How will others use this component?</a:t>
+            </a:r>
+          </a:p>
+        </p:txBody>
+      </p:sp>
+      <p:sp>
+        <p:nvSpPr>
+          <p:cNvPr id="7" name="TextBox 6"/>
+          <p:cNvSpPr txBox="1"/>
+          <p:nvPr/>
+        </p:nvSpPr>
+        <p:spPr>
+          <a:xfrm>
+            <a:off x="602947" y="3546927"/>
+            <a:ext cx="6307316" cy="615553"/>
+          </a:xfrm>
+          <a:prstGeom prst="rect">
+            <a:avLst/>
+          </a:prstGeom>
+          <a:noFill/>
+        </p:spPr>
+        <p:txBody>
+          <a:bodyPr wrap="none" lIns="0" tIns="0" rIns="0" bIns="0" rtlCol="0">
+            <a:spAutoFit/>
+          </a:bodyPr>
+          <a:lstStyle/>
+          <a:p>
+            <a:r>
+              <a:rPr lang="en-US" sz="4000" dirty="0">
                 <a:gradFill>
                   <a:gsLst>
                     <a:gs pos="0">
@@ -14520,9 +14469,110 @@
                 </a:gradFill>
                 <a:latin typeface="Segoe UI Light" pitchFamily="34" charset="0"/>
               </a:rPr>
-              <a:t>platojs.org</a:t>
-            </a:r>
-            <a:endParaRPr lang="en-US" sz="2400" dirty="0">
+              <a:t>Hack up different approaches</a:t>
+            </a:r>
+          </a:p>
+        </p:txBody>
+      </p:sp>
+      <p:sp>
+        <p:nvSpPr>
+          <p:cNvPr id="8" name="TextBox 7"/>
+          <p:cNvSpPr txBox="1"/>
+          <p:nvPr/>
+        </p:nvSpPr>
+        <p:spPr>
+          <a:xfrm>
+            <a:off x="602947" y="4438468"/>
+            <a:ext cx="8286523" cy="615553"/>
+          </a:xfrm>
+          <a:prstGeom prst="rect">
+            <a:avLst/>
+          </a:prstGeom>
+          <a:noFill/>
+        </p:spPr>
+        <p:txBody>
+          <a:bodyPr wrap="none" lIns="0" tIns="0" rIns="0" bIns="0" rtlCol="0">
+            <a:spAutoFit/>
+          </a:bodyPr>
+          <a:lstStyle/>
+          <a:p>
+            <a:r>
+              <a:rPr lang="en-US" sz="4000" dirty="0" smtClean="0">
+                <a:gradFill>
+                  <a:gsLst>
+                    <a:gs pos="0">
+                      <a:schemeClr val="tx1"/>
+                    </a:gs>
+                    <a:gs pos="86000">
+                      <a:schemeClr val="tx1"/>
+                    </a:gs>
+                  </a:gsLst>
+                  <a:lin ang="5400000" scaled="0"/>
+                </a:gradFill>
+                <a:latin typeface="Segoe UI Light" pitchFamily="34" charset="0"/>
+              </a:rPr>
+              <a:t>Be explicit – don’t repeat past mistakes</a:t>
+            </a:r>
+          </a:p>
+        </p:txBody>
+      </p:sp>
+      <p:sp>
+        <p:nvSpPr>
+          <p:cNvPr id="9" name="TextBox 8"/>
+          <p:cNvSpPr txBox="1"/>
+          <p:nvPr/>
+        </p:nvSpPr>
+        <p:spPr>
+          <a:xfrm>
+            <a:off x="10455353" y="218075"/>
+            <a:ext cx="1574074" cy="307777"/>
+          </a:xfrm>
+          <a:prstGeom prst="rect">
+            <a:avLst/>
+          </a:prstGeom>
+          <a:noFill/>
+        </p:spPr>
+        <p:txBody>
+          <a:bodyPr wrap="none" lIns="0" tIns="0" rIns="0" bIns="0" rtlCol="0">
+            <a:spAutoFit/>
+          </a:bodyPr>
+          <a:lstStyle/>
+          <a:p>
+            <a:r>
+              <a:rPr lang="en-US" sz="2000" dirty="0" smtClean="0">
+                <a:gradFill>
+                  <a:gsLst>
+                    <a:gs pos="0">
+                      <a:schemeClr val="tx1"/>
+                    </a:gs>
+                    <a:gs pos="86000">
+                      <a:schemeClr val="tx1"/>
+                    </a:gs>
+                  </a:gsLst>
+                  <a:lin ang="5400000" scaled="0"/>
+                </a:gradFill>
+                <a:latin typeface="Segoe UI Light" pitchFamily="34" charset="0"/>
+              </a:rPr>
+              <a:t>#</a:t>
+            </a:r>
+            <a:r>
+              <a:rPr lang="en-US" sz="2000" dirty="0" err="1" smtClean="0">
+                <a:gradFill>
+                  <a:gsLst>
+                    <a:gs pos="0">
+                      <a:schemeClr val="tx1"/>
+                    </a:gs>
+                    <a:gs pos="86000">
+                      <a:schemeClr val="tx1"/>
+                    </a:gs>
+                  </a:gsLst>
+                  <a:lin ang="5400000" scaled="0"/>
+                </a:gradFill>
+                <a:latin typeface="Segoe UI Light" pitchFamily="34" charset="0"/>
+              </a:rPr>
+              <a:t>sjsSugendran</a:t>
+            </a:r>
+            <a:endParaRPr lang="en-US" sz="2000" dirty="0" smtClean="0">
               <a:gradFill>
                 <a:gsLst>
                   <a:gs pos="0">
@@ -14537,28 +14587,12 @@
               <a:latin typeface="Segoe UI Light" pitchFamily="34" charset="0"/>
             </a:endParaRPr>
           </a:p>
-          <a:p>
-            <a:endParaRPr lang="en-US" sz="2400" dirty="0" err="1" smtClean="0">
-              <a:gradFill>
-                <a:gsLst>
-                  <a:gs pos="0">
-                    <a:schemeClr val="tx1"/>
-                  </a:gs>
-                  <a:gs pos="86000">
-                    <a:schemeClr val="tx1"/>
-                  </a:gs>
-                </a:gsLst>
-                <a:lin ang="5400000" scaled="0"/>
-              </a:gradFill>
-              <a:latin typeface="Segoe UI Light" pitchFamily="34" charset="0"/>
-            </a:endParaRPr>
-          </a:p>
         </p:txBody>
       </p:sp>
     </p:spTree>
     <p:extLst>
       <p:ext uri="{BB962C8B-B14F-4D97-AF65-F5344CB8AC3E}">
-        <p14:creationId xmlns:p14="http://schemas.microsoft.com/office/powerpoint/2010/main" val="1406159155"/>
+        <p14:creationId xmlns:p14="http://schemas.microsoft.com/office/powerpoint/2010/main" val="261083962"/>
       </p:ext>
     </p:extLst>
   </p:cSld>
@@ -14600,9 +14634,111 @@
           <a:chExt cx="0" cy="0"/>
         </a:xfrm>
       </p:grpSpPr>
+      <p:pic>
+        <p:nvPicPr>
+          <p:cNvPr id="2" name="Picture 1" descr="plato_screenshot.png"/>
+          <p:cNvPicPr>
+            <a:picLocks noChangeAspect="1"/>
+          </p:cNvPicPr>
+          <p:nvPr/>
+        </p:nvPicPr>
+        <p:blipFill rotWithShape="1">
+          <a:blip r:embed="rId3">
+            <a:extLst>
+              <a:ext uri="{28A0092B-C50C-407E-A947-70E740481C1C}">
+                <a14:useLocalDpi xmlns:a14="http://schemas.microsoft.com/office/drawing/2010/main" val="0"/>
+              </a:ext>
+            </a:extLst>
+          </a:blip>
+          <a:srcRect l="1925" t="21876" r="50270"/>
+          <a:stretch/>
+        </p:blipFill>
+        <p:spPr>
+          <a:xfrm>
+            <a:off x="6003810" y="1090375"/>
+            <a:ext cx="5734408" cy="5222577"/>
+          </a:xfrm>
+          <a:prstGeom prst="rect">
+            <a:avLst/>
+          </a:prstGeom>
+        </p:spPr>
+      </p:pic>
       <p:sp>
         <p:nvSpPr>
-          <p:cNvPr id="6" name="Rectangle 3"/>
+          <p:cNvPr id="3" name="TextBox 2"/>
+          <p:cNvSpPr txBox="1"/>
+          <p:nvPr/>
+        </p:nvSpPr>
+        <p:spPr>
+          <a:xfrm>
+            <a:off x="10455353" y="218075"/>
+            <a:ext cx="1574074" cy="307777"/>
+          </a:xfrm>
+          <a:prstGeom prst="rect">
+            <a:avLst/>
+          </a:prstGeom>
+          <a:noFill/>
+        </p:spPr>
+        <p:txBody>
+          <a:bodyPr wrap="none" lIns="0" tIns="0" rIns="0" bIns="0" rtlCol="0">
+            <a:spAutoFit/>
+          </a:bodyPr>
+          <a:lstStyle/>
+          <a:p>
+            <a:r>
+              <a:rPr lang="en-US" sz="2000" dirty="0" smtClean="0">
+                <a:gradFill>
+                  <a:gsLst>
+                    <a:gs pos="0">
+                      <a:schemeClr val="tx1"/>
+                    </a:gs>
+                    <a:gs pos="86000">
+                      <a:schemeClr val="tx1"/>
+                    </a:gs>
+                  </a:gsLst>
+                  <a:lin ang="5400000" scaled="0"/>
+                </a:gradFill>
+                <a:latin typeface="Segoe UI Light" pitchFamily="34" charset="0"/>
+              </a:rPr>
+              <a:t>#</a:t>
+            </a:r>
+            <a:r>
+              <a:rPr lang="en-US" sz="2000" dirty="0" err="1" smtClean="0">
+                <a:gradFill>
+                  <a:gsLst>
+                    <a:gs pos="0">
+                      <a:schemeClr val="tx1"/>
+                    </a:gs>
+                    <a:gs pos="86000">
+                      <a:schemeClr val="tx1"/>
+                    </a:gs>
+                  </a:gsLst>
+                  <a:lin ang="5400000" scaled="0"/>
+                </a:gradFill>
+                <a:latin typeface="Segoe UI Light" pitchFamily="34" charset="0"/>
+              </a:rPr>
+              <a:t>sjsSugendran</a:t>
+            </a:r>
+            <a:endParaRPr lang="en-US" sz="2000" dirty="0" smtClean="0">
+              <a:gradFill>
+                <a:gsLst>
+                  <a:gs pos="0">
+                    <a:schemeClr val="tx1"/>
+                  </a:gs>
+                  <a:gs pos="86000">
+                    <a:schemeClr val="tx1"/>
+                  </a:gs>
+                </a:gsLst>
+                <a:lin ang="5400000" scaled="0"/>
+              </a:gradFill>
+              <a:latin typeface="Segoe UI Light" pitchFamily="34" charset="0"/>
+            </a:endParaRPr>
+          </a:p>
+        </p:txBody>
+      </p:sp>
+      <p:sp>
+        <p:nvSpPr>
+          <p:cNvPr id="4" name="Rectangle 3"/>
           <p:cNvSpPr txBox="1">
             <a:spLocks noChangeArrowheads="1"/>
           </p:cNvSpPr>
@@ -14610,7 +14746,7 @@
         </p:nvSpPr>
         <p:spPr>
           <a:xfrm>
-            <a:off x="512763" y="975545"/>
+            <a:off x="512763" y="4041437"/>
             <a:ext cx="11694722" cy="846386"/>
           </a:xfrm>
           <a:prstGeom prst="rect">
@@ -14632,7 +14768,7 @@
               </a:spcBef>
               <a:buFontTx/>
               <a:buBlip>
-                <a:blip r:embed="rId3"/>
+                <a:blip r:embed="rId4"/>
               </a:buBlip>
               <a:defRPr sz="3200" kern="1200">
                 <a:gradFill>
@@ -14660,7 +14796,7 @@
               </a:spcBef>
               <a:buFontTx/>
               <a:buBlip>
-                <a:blip r:embed="rId4"/>
+                <a:blip r:embed="rId5"/>
               </a:buBlip>
               <a:defRPr sz="2800" kern="1200">
                 <a:gradFill>
@@ -14688,7 +14824,7 @@
               </a:spcBef>
               <a:buFontTx/>
               <a:buBlip>
-                <a:blip r:embed="rId4"/>
+                <a:blip r:embed="rId5"/>
               </a:buBlip>
               <a:defRPr sz="2400" kern="1200">
                 <a:gradFill>
@@ -14716,7 +14852,7 @@
               </a:spcBef>
               <a:buFontTx/>
               <a:buBlip>
-                <a:blip r:embed="rId4"/>
+                <a:blip r:embed="rId5"/>
               </a:buBlip>
               <a:defRPr sz="2000" kern="1200">
                 <a:gradFill>
@@ -14744,7 +14880,7 @@
               </a:spcBef>
               <a:buFontTx/>
               <a:buBlip>
-                <a:blip r:embed="rId4"/>
+                <a:blip r:embed="rId5"/>
               </a:buBlip>
               <a:defRPr sz="2000" kern="1200">
                 <a:gradFill>
@@ -14850,7 +14986,7 @@
                 <a:latin typeface="+mj-lt"/>
                 <a:cs typeface="Arial" charset="0"/>
               </a:rPr>
-              <a:t>Keep the team in the loop</a:t>
+              <a:t>Plato</a:t>
             </a:r>
             <a:endParaRPr lang="en-US" sz="6000" spc="-100" dirty="0">
               <a:ln w="3175">
@@ -14875,14 +15011,14 @@
       </p:sp>
       <p:sp>
         <p:nvSpPr>
-          <p:cNvPr id="3" name="TextBox 2"/>
+          <p:cNvPr id="5" name="TextBox 4"/>
           <p:cNvSpPr txBox="1"/>
           <p:nvPr/>
         </p:nvSpPr>
         <p:spPr>
           <a:xfrm>
-            <a:off x="602947" y="2655385"/>
-            <a:ext cx="6127980" cy="615553"/>
+            <a:off x="525977" y="4913116"/>
+            <a:ext cx="2156690" cy="738664"/>
           </a:xfrm>
           <a:prstGeom prst="rect">
             <a:avLst/>
@@ -14896,7 +15032,7 @@
           <a:lstStyle/>
           <a:p>
             <a:r>
-              <a:rPr lang="en-US" sz="4000" dirty="0" smtClean="0">
+              <a:rPr lang="en-US" sz="2400" dirty="0">
                 <a:gradFill>
                   <a:gsLst>
                     <a:gs pos="0">
@@ -14910,35 +15046,10 @@
                 </a:gradFill>
                 <a:latin typeface="Segoe UI Light" pitchFamily="34" charset="0"/>
               </a:rPr>
-              <a:t>Get feedback before starting</a:t>
-            </a:r>
-          </a:p>
-        </p:txBody>
-      </p:sp>
-      <p:sp>
-        <p:nvSpPr>
-          <p:cNvPr id="7" name="TextBox 6"/>
-          <p:cNvSpPr txBox="1"/>
-          <p:nvPr/>
-        </p:nvSpPr>
-        <p:spPr>
-          <a:xfrm>
-            <a:off x="602947" y="3546927"/>
-            <a:ext cx="7919085" cy="615553"/>
-          </a:xfrm>
-          <a:prstGeom prst="rect">
-            <a:avLst/>
-          </a:prstGeom>
-          <a:noFill/>
-        </p:spPr>
-        <p:txBody>
-          <a:bodyPr wrap="none" lIns="0" tIns="0" rIns="0" bIns="0" rtlCol="0">
-            <a:spAutoFit/>
-          </a:bodyPr>
-          <a:lstStyle/>
-          <a:p>
-            <a:r>
-              <a:rPr lang="en-US" sz="4000" dirty="0" smtClean="0">
+              <a:t>http://</a:t>
+            </a:r>
+            <a:r>
+              <a:rPr lang="en-US" sz="2400" dirty="0" err="1">
                 <a:gradFill>
                   <a:gsLst>
                     <a:gs pos="0">
@@ -14952,9 +15063,9 @@
                 </a:gradFill>
                 <a:latin typeface="Segoe UI Light" pitchFamily="34" charset="0"/>
               </a:rPr>
-              <a:t>Share the spec and answer questions</a:t>
-            </a:r>
-            <a:endParaRPr lang="en-US" sz="4000" dirty="0">
+              <a:t>platojs.org</a:t>
+            </a:r>
+            <a:endParaRPr lang="en-US" sz="2400" dirty="0">
               <a:gradFill>
                 <a:gsLst>
                   <a:gs pos="0">
@@ -14969,107 +15080,8 @@
               <a:latin typeface="Segoe UI Light" pitchFamily="34" charset="0"/>
             </a:endParaRPr>
           </a:p>
-        </p:txBody>
-      </p:sp>
-      <p:sp>
-        <p:nvSpPr>
-          <p:cNvPr id="8" name="TextBox 7"/>
-          <p:cNvSpPr txBox="1"/>
-          <p:nvPr/>
-        </p:nvSpPr>
-        <p:spPr>
-          <a:xfrm>
-            <a:off x="602947" y="4438468"/>
-            <a:ext cx="8890405" cy="615553"/>
-          </a:xfrm>
-          <a:prstGeom prst="rect">
-            <a:avLst/>
-          </a:prstGeom>
-          <a:noFill/>
-        </p:spPr>
-        <p:txBody>
-          <a:bodyPr wrap="none" lIns="0" tIns="0" rIns="0" bIns="0" rtlCol="0">
-            <a:spAutoFit/>
-          </a:bodyPr>
-          <a:lstStyle/>
-          <a:p>
-            <a:r>
-              <a:rPr lang="en-US" sz="4000" dirty="0" smtClean="0">
-                <a:gradFill>
-                  <a:gsLst>
-                    <a:gs pos="0">
-                      <a:schemeClr val="tx1"/>
-                    </a:gs>
-                    <a:gs pos="86000">
-                      <a:schemeClr val="tx1"/>
-                    </a:gs>
-                  </a:gsLst>
-                  <a:lin ang="5400000" scaled="0"/>
-                </a:gradFill>
-                <a:latin typeface="Segoe UI Light" pitchFamily="34" charset="0"/>
-              </a:rPr>
-              <a:t>Everyone should understand the changes</a:t>
-            </a:r>
-          </a:p>
-        </p:txBody>
-      </p:sp>
-      <p:sp>
-        <p:nvSpPr>
-          <p:cNvPr id="9" name="TextBox 8"/>
-          <p:cNvSpPr txBox="1"/>
-          <p:nvPr/>
-        </p:nvSpPr>
-        <p:spPr>
-          <a:xfrm>
-            <a:off x="10455353" y="218075"/>
-            <a:ext cx="1574074" cy="307777"/>
-          </a:xfrm>
-          <a:prstGeom prst="rect">
-            <a:avLst/>
-          </a:prstGeom>
-          <a:noFill/>
-        </p:spPr>
-        <p:txBody>
-          <a:bodyPr wrap="none" lIns="0" tIns="0" rIns="0" bIns="0" rtlCol="0">
-            <a:spAutoFit/>
-          </a:bodyPr>
-          <a:lstStyle/>
-          <a:p>
-            <a:r>
-              <a:rPr lang="en-US" sz="2000" dirty="0" smtClean="0">
-                <a:gradFill>
-                  <a:gsLst>
-                    <a:gs pos="0">
-                      <a:schemeClr val="tx1"/>
-                    </a:gs>
-                    <a:gs pos="86000">
-                      <a:schemeClr val="tx1"/>
-                    </a:gs>
-                  </a:gsLst>
-                  <a:lin ang="5400000" scaled="0"/>
-                </a:gradFill>
-                <a:latin typeface="Segoe UI Light" pitchFamily="34" charset="0"/>
-              </a:rPr>
-              <a:t>#</a:t>
-            </a:r>
-            <a:r>
-              <a:rPr lang="en-US" sz="2000" dirty="0" err="1" smtClean="0">
-                <a:gradFill>
-                  <a:gsLst>
-                    <a:gs pos="0">
-                      <a:schemeClr val="tx1"/>
-                    </a:gs>
-                    <a:gs pos="86000">
-                      <a:schemeClr val="tx1"/>
-                    </a:gs>
-                  </a:gsLst>
-                  <a:lin ang="5400000" scaled="0"/>
-                </a:gradFill>
-                <a:latin typeface="Segoe UI Light" pitchFamily="34" charset="0"/>
-              </a:rPr>
-              <a:t>sjsSugendran</a:t>
-            </a:r>
-            <a:endParaRPr lang="en-US" sz="2000" dirty="0" smtClean="0">
+          <a:p>
+            <a:endParaRPr lang="en-US" sz="2400" dirty="0" err="1" smtClean="0">
               <a:gradFill>
                 <a:gsLst>
                   <a:gs pos="0">
@@ -15089,7 +15101,7 @@
     </p:spTree>
     <p:extLst>
       <p:ext uri="{BB962C8B-B14F-4D97-AF65-F5344CB8AC3E}">
-        <p14:creationId xmlns:p14="http://schemas.microsoft.com/office/powerpoint/2010/main" val="1408341408"/>
+        <p14:creationId xmlns:p14="http://schemas.microsoft.com/office/powerpoint/2010/main" val="1406159155"/>
       </p:ext>
     </p:extLst>
   </p:cSld>
@@ -19048,24 +19060,7 @@
                 </a:gradFill>
                 <a:latin typeface="Segoe UI Light" pitchFamily="34" charset="0"/>
               </a:rPr>
-              <a:t>Lots </a:t>
-            </a:r>
-            <a:r>
-              <a:rPr lang="en-US" sz="4000" dirty="0" smtClean="0">
-                <a:gradFill>
-                  <a:gsLst>
-                    <a:gs pos="0">
-                      <a:schemeClr val="tx1"/>
-                    </a:gs>
-                    <a:gs pos="86000">
-                      <a:schemeClr val="tx1"/>
-                    </a:gs>
-                  </a:gsLst>
-                  <a:lin ang="5400000" scaled="0"/>
-                </a:gradFill>
-                <a:latin typeface="Segoe UI Light" pitchFamily="34" charset="0"/>
-              </a:rPr>
-              <a:t>of experimentation</a:t>
+              <a:t>Lots of experimentation</a:t>
             </a:r>
           </a:p>
         </p:txBody>
@@ -19107,39 +19102,8 @@
                 </a:gradFill>
                 <a:latin typeface="Segoe UI Light" pitchFamily="34" charset="0"/>
               </a:rPr>
-              <a:t>Hard to </a:t>
-            </a:r>
-            <a:r>
-              <a:rPr lang="en-US" sz="4000" dirty="0" smtClean="0">
-                <a:gradFill>
-                  <a:gsLst>
-                    <a:gs pos="0">
-                      <a:schemeClr val="tx1"/>
-                    </a:gs>
-                    <a:gs pos="86000">
-                      <a:schemeClr val="tx1"/>
-                    </a:gs>
-                  </a:gsLst>
-                  <a:lin ang="5400000" scaled="0"/>
-                </a:gradFill>
-                <a:latin typeface="Segoe UI Light" pitchFamily="34" charset="0"/>
-              </a:rPr>
-              <a:t>understand</a:t>
-            </a:r>
-            <a:endParaRPr lang="en-US" sz="4000" dirty="0" smtClean="0">
-              <a:gradFill>
-                <a:gsLst>
-                  <a:gs pos="0">
-                    <a:schemeClr val="tx1"/>
-                  </a:gs>
-                  <a:gs pos="86000">
-                    <a:schemeClr val="tx1"/>
-                  </a:gs>
-                </a:gsLst>
-                <a:lin ang="5400000" scaled="0"/>
-              </a:gradFill>
-              <a:latin typeface="Segoe UI Light" pitchFamily="34" charset="0"/>
-            </a:endParaRPr>
+              <a:t>Hard to understand</a:t>
+            </a:r>
           </a:p>
         </p:txBody>
       </p:sp>
@@ -21826,49 +21790,7 @@
                 <a:latin typeface="+mj-lt"/>
                 <a:cs typeface="Arial" charset="0"/>
               </a:rPr>
-              <a:t>Release early, </a:t>
-            </a:r>
-            <a:r>
-              <a:rPr lang="en-US" sz="6000" spc="-100" dirty="0">
-                <a:ln w="3175">
-                  <a:noFill/>
-                </a:ln>
-                <a:gradFill>
-                  <a:gsLst>
-                    <a:gs pos="96667">
-                      <a:srgbClr val="FFFFFF"/>
-                    </a:gs>
-                    <a:gs pos="90000">
-                      <a:srgbClr val="FFFFFF"/>
-                    </a:gs>
-                  </a:gsLst>
-                  <a:lin ang="5400000" scaled="0"/>
-                </a:gradFill>
-                <a:latin typeface="+mj-lt"/>
-                <a:cs typeface="Arial" charset="0"/>
-              </a:rPr>
-              <a:t>r</a:t>
-            </a:r>
-            <a:r>
-              <a:rPr lang="en-US" sz="6000" spc="-100" dirty="0" smtClean="0">
-                <a:ln w="3175">
-                  <a:noFill/>
-                </a:ln>
-                <a:gradFill>
-                  <a:gsLst>
-                    <a:gs pos="96667">
-                      <a:srgbClr val="FFFFFF"/>
-                    </a:gs>
-                    <a:gs pos="90000">
-                      <a:srgbClr val="FFFFFF"/>
-                    </a:gs>
-                  </a:gsLst>
-                  <a:lin ang="5400000" scaled="0"/>
-                </a:gradFill>
-                <a:latin typeface="+mj-lt"/>
-                <a:cs typeface="Arial" charset="0"/>
-              </a:rPr>
-              <a:t>elease often</a:t>
+              <a:t>Keep the team in the loop</a:t>
             </a:r>
             <a:endParaRPr lang="en-US" sz="6000" spc="-100" dirty="0">
               <a:ln w="3175">
@@ -21900,7 +21822,7 @@
         <p:spPr>
           <a:xfrm>
             <a:off x="602947" y="2655385"/>
-            <a:ext cx="7253087" cy="615553"/>
+            <a:ext cx="6127980" cy="615553"/>
           </a:xfrm>
           <a:prstGeom prst="rect">
             <a:avLst/>
@@ -21928,7 +21850,7 @@
                 </a:gradFill>
                 <a:latin typeface="Segoe UI Light" pitchFamily="34" charset="0"/>
               </a:rPr>
-              <a:t>Get into master as fast as possible</a:t>
+              <a:t>Get feedback before starting</a:t>
             </a:r>
           </a:p>
         </p:txBody>
@@ -21942,7 +21864,7 @@
         <p:spPr>
           <a:xfrm>
             <a:off x="602947" y="3546927"/>
-            <a:ext cx="3916337" cy="615553"/>
+            <a:ext cx="7919085" cy="615553"/>
           </a:xfrm>
           <a:prstGeom prst="rect">
             <a:avLst/>
@@ -21970,8 +21892,22 @@
                 </a:gradFill>
                 <a:latin typeface="Segoe UI Light" pitchFamily="34" charset="0"/>
               </a:rPr>
-              <a:t>Use a feature gate</a:t>
-            </a:r>
+              <a:t>Share the spec and answer questions</a:t>
+            </a:r>
+            <a:endParaRPr lang="en-US" sz="4000" dirty="0">
+              <a:gradFill>
+                <a:gsLst>
+                  <a:gs pos="0">
+                    <a:schemeClr val="tx1"/>
+                  </a:gs>
+                  <a:gs pos="86000">
+                    <a:schemeClr val="tx1"/>
+                  </a:gs>
+                </a:gsLst>
+                <a:lin ang="5400000" scaled="0"/>
+              </a:gradFill>
+              <a:latin typeface="Segoe UI Light" pitchFamily="34" charset="0"/>
+            </a:endParaRPr>
           </a:p>
         </p:txBody>
       </p:sp>
@@ -21984,7 +21920,7 @@
         <p:spPr>
           <a:xfrm>
             <a:off x="602947" y="4438468"/>
-            <a:ext cx="8572308" cy="615553"/>
+            <a:ext cx="8890405" cy="615553"/>
           </a:xfrm>
           <a:prstGeom prst="rect">
             <a:avLst/>
@@ -22012,7 +21948,7 @@
                 </a:gradFill>
                 <a:latin typeface="Segoe UI Light" pitchFamily="34" charset="0"/>
               </a:rPr>
-              <a:t>Allows the team to be aware of changes</a:t>
+              <a:t>Everyone should understand the changes</a:t>
             </a:r>
           </a:p>
         </p:txBody>
@@ -22093,7 +22029,7 @@
     </p:spTree>
     <p:extLst>
       <p:ext uri="{BB962C8B-B14F-4D97-AF65-F5344CB8AC3E}">
-        <p14:creationId xmlns:p14="http://schemas.microsoft.com/office/powerpoint/2010/main" val="2903904270"/>
+        <p14:creationId xmlns:p14="http://schemas.microsoft.com/office/powerpoint/2010/main" val="1408341408"/>
       </p:ext>
     </p:extLst>
   </p:cSld>
@@ -22385,7 +22321,49 @@
                 <a:latin typeface="+mj-lt"/>
                 <a:cs typeface="Arial" charset="0"/>
               </a:rPr>
-              <a:t>Fork the tests</a:t>
+              <a:t>Release early, </a:t>
+            </a:r>
+            <a:r>
+              <a:rPr lang="en-US" sz="6000" spc="-100" dirty="0">
+                <a:ln w="3175">
+                  <a:noFill/>
+                </a:ln>
+                <a:gradFill>
+                  <a:gsLst>
+                    <a:gs pos="96667">
+                      <a:srgbClr val="FFFFFF"/>
+                    </a:gs>
+                    <a:gs pos="90000">
+                      <a:srgbClr val="FFFFFF"/>
+                    </a:gs>
+                  </a:gsLst>
+                  <a:lin ang="5400000" scaled="0"/>
+                </a:gradFill>
+                <a:latin typeface="+mj-lt"/>
+                <a:cs typeface="Arial" charset="0"/>
+              </a:rPr>
+              <a:t>r</a:t>
+            </a:r>
+            <a:r>
+              <a:rPr lang="en-US" sz="6000" spc="-100" dirty="0" smtClean="0">
+                <a:ln w="3175">
+                  <a:noFill/>
+                </a:ln>
+                <a:gradFill>
+                  <a:gsLst>
+                    <a:gs pos="96667">
+                      <a:srgbClr val="FFFFFF"/>
+                    </a:gs>
+                    <a:gs pos="90000">
+                      <a:srgbClr val="FFFFFF"/>
+                    </a:gs>
+                  </a:gsLst>
+                  <a:lin ang="5400000" scaled="0"/>
+                </a:gradFill>
+                <a:latin typeface="+mj-lt"/>
+                <a:cs typeface="Arial" charset="0"/>
+              </a:rPr>
+              <a:t>elease often</a:t>
             </a:r>
             <a:endParaRPr lang="en-US" sz="6000" spc="-100" dirty="0">
               <a:ln w="3175">
@@ -22417,7 +22395,7 @@
         <p:spPr>
           <a:xfrm>
             <a:off x="602947" y="2655385"/>
-            <a:ext cx="5435432" cy="615553"/>
+            <a:ext cx="7253087" cy="615553"/>
           </a:xfrm>
           <a:prstGeom prst="rect">
             <a:avLst/>
@@ -22445,7 +22423,7 @@
                 </a:gradFill>
                 <a:latin typeface="Segoe UI Light" pitchFamily="34" charset="0"/>
               </a:rPr>
-              <a:t>Tests give you confidence</a:t>
+              <a:t>Get into master as fast as possible</a:t>
             </a:r>
           </a:p>
         </p:txBody>
@@ -22459,7 +22437,7 @@
         <p:spPr>
           <a:xfrm>
             <a:off x="602947" y="3546927"/>
-            <a:ext cx="8436805" cy="615553"/>
+            <a:ext cx="3916337" cy="615553"/>
           </a:xfrm>
           <a:prstGeom prst="rect">
             <a:avLst/>
@@ -22487,7 +22465,7 @@
                 </a:gradFill>
                 <a:latin typeface="Segoe UI Light" pitchFamily="34" charset="0"/>
               </a:rPr>
-              <a:t>Spent the last year getting coverage up</a:t>
+              <a:t>Use a feature gate</a:t>
             </a:r>
           </a:p>
         </p:txBody>
@@ -22501,7 +22479,7 @@
         <p:spPr>
           <a:xfrm>
             <a:off x="602947" y="4438468"/>
-            <a:ext cx="6556032" cy="615553"/>
+            <a:ext cx="8572308" cy="615553"/>
           </a:xfrm>
           <a:prstGeom prst="rect">
             <a:avLst/>
@@ -22529,7 +22507,7 @@
                 </a:gradFill>
                 <a:latin typeface="Segoe UI Light" pitchFamily="34" charset="0"/>
               </a:rPr>
-              <a:t>You can’t refactor without tests</a:t>
+              <a:t>Allows the team to be aware of changes</a:t>
             </a:r>
           </a:p>
         </p:txBody>
@@ -22610,7 +22588,7 @@
     </p:spTree>
     <p:extLst>
       <p:ext uri="{BB962C8B-B14F-4D97-AF65-F5344CB8AC3E}">
-        <p14:creationId xmlns:p14="http://schemas.microsoft.com/office/powerpoint/2010/main" val="2119081702"/>
+        <p14:creationId xmlns:p14="http://schemas.microsoft.com/office/powerpoint/2010/main" val="2903904270"/>
       </p:ext>
     </p:extLst>
   </p:cSld>
